--- a/Analytics_server_setup_v3.pptx
+++ b/Analytics_server_setup_v3.pptx
@@ -6,21 +6,20 @@
     <p:sldMasterId id="2147483660" r:id="rId2"/>
   </p:sldMasterIdLst>
   <p:notesMasterIdLst>
-    <p:notesMasterId r:id="rId15"/>
+    <p:notesMasterId r:id="rId14"/>
   </p:notesMasterIdLst>
   <p:sldIdLst>
     <p:sldId id="256" r:id="rId3"/>
-    <p:sldId id="257" r:id="rId4"/>
-    <p:sldId id="270" r:id="rId5"/>
-    <p:sldId id="273" r:id="rId6"/>
-    <p:sldId id="265" r:id="rId7"/>
-    <p:sldId id="272" r:id="rId8"/>
-    <p:sldId id="271" r:id="rId9"/>
-    <p:sldId id="266" r:id="rId10"/>
-    <p:sldId id="274" r:id="rId11"/>
-    <p:sldId id="267" r:id="rId12"/>
-    <p:sldId id="262" r:id="rId13"/>
-    <p:sldId id="269" r:id="rId14"/>
+    <p:sldId id="277" r:id="rId4"/>
+    <p:sldId id="257" r:id="rId5"/>
+    <p:sldId id="276" r:id="rId6"/>
+    <p:sldId id="279" r:id="rId7"/>
+    <p:sldId id="273" r:id="rId8"/>
+    <p:sldId id="272" r:id="rId9"/>
+    <p:sldId id="271" r:id="rId10"/>
+    <p:sldId id="278" r:id="rId11"/>
+    <p:sldId id="266" r:id="rId12"/>
+    <p:sldId id="275" r:id="rId13"/>
   </p:sldIdLst>
   <p:sldSz cx="12192000" cy="6858000"/>
   <p:notesSz cx="6858000" cy="9144000"/>
@@ -209,7 +208,7 @@
           <a:p>
             <a:fld id="{78D8ED23-43D8-D94F-A5DC-C0F7F3E11FBC}" type="datetimeFigureOut">
               <a:rPr lang="en-US" smtClean="0"/>
-              <a:t>1/17/18</a:t>
+              <a:t>2/1/18</a:t>
             </a:fld>
             <a:endParaRPr lang="en-US"/>
           </a:p>
@@ -273,38 +272,37 @@
           <a:p>
             <a:pPr lvl="0"/>
             <a:r>
-              <a:rPr lang="en-US" smtClean="0"/>
+              <a:rPr lang="en-US"/>
               <a:t>Click to edit Master text styles</a:t>
             </a:r>
           </a:p>
           <a:p>
             <a:pPr lvl="1"/>
             <a:r>
-              <a:rPr lang="en-US" smtClean="0"/>
+              <a:rPr lang="en-US"/>
               <a:t>Second level</a:t>
             </a:r>
           </a:p>
           <a:p>
             <a:pPr lvl="2"/>
             <a:r>
-              <a:rPr lang="en-US" smtClean="0"/>
+              <a:rPr lang="en-US"/>
               <a:t>Third level</a:t>
             </a:r>
           </a:p>
           <a:p>
             <a:pPr lvl="3"/>
             <a:r>
-              <a:rPr lang="en-US" smtClean="0"/>
+              <a:rPr lang="en-US"/>
               <a:t>Fourth level</a:t>
             </a:r>
           </a:p>
           <a:p>
             <a:pPr lvl="4"/>
             <a:r>
-              <a:rPr lang="en-US" smtClean="0"/>
+              <a:rPr lang="en-US"/>
               <a:t>Fifth level</a:t>
             </a:r>
-            <a:endParaRPr lang="en-US"/>
           </a:p>
         </p:txBody>
       </p:sp>
@@ -519,10 +517,9 @@
           </a:lstStyle>
           <a:p>
             <a:r>
-              <a:rPr lang="en-US" smtClean="0"/>
+              <a:rPr lang="en-US"/>
               <a:t>Click to edit Master title style</a:t>
             </a:r>
-            <a:endParaRPr lang="en-US"/>
           </a:p>
         </p:txBody>
       </p:sp>
@@ -584,10 +581,9 @@
           </a:lstStyle>
           <a:p>
             <a:r>
-              <a:rPr lang="en-US" smtClean="0"/>
+              <a:rPr lang="en-US"/>
               <a:t>Click to edit Master subtitle style</a:t>
             </a:r>
-            <a:endParaRPr lang="en-US"/>
           </a:p>
         </p:txBody>
       </p:sp>
@@ -608,7 +604,7 @@
           <a:p>
             <a:fld id="{9B2CA86B-D2A5-1543-8396-0D0B2BBDC05D}" type="datetimeFigureOut">
               <a:rPr lang="en-US" smtClean="0"/>
-              <a:t>1/17/18</a:t>
+              <a:t>2/1/18</a:t>
             </a:fld>
             <a:endParaRPr lang="en-US"/>
           </a:p>
@@ -702,10 +698,9 @@
           <a:lstStyle/>
           <a:p>
             <a:r>
-              <a:rPr lang="en-US" smtClean="0"/>
+              <a:rPr lang="en-US"/>
               <a:t>Click to edit Master title style</a:t>
             </a:r>
-            <a:endParaRPr lang="en-US"/>
           </a:p>
         </p:txBody>
       </p:sp>
@@ -726,38 +721,37 @@
           <a:p>
             <a:pPr lvl="0"/>
             <a:r>
-              <a:rPr lang="en-US" smtClean="0"/>
+              <a:rPr lang="en-US"/>
               <a:t>Click to edit Master text styles</a:t>
             </a:r>
           </a:p>
           <a:p>
             <a:pPr lvl="1"/>
             <a:r>
-              <a:rPr lang="en-US" smtClean="0"/>
+              <a:rPr lang="en-US"/>
               <a:t>Second level</a:t>
             </a:r>
           </a:p>
           <a:p>
             <a:pPr lvl="2"/>
             <a:r>
-              <a:rPr lang="en-US" smtClean="0"/>
+              <a:rPr lang="en-US"/>
               <a:t>Third level</a:t>
             </a:r>
           </a:p>
           <a:p>
             <a:pPr lvl="3"/>
             <a:r>
-              <a:rPr lang="en-US" smtClean="0"/>
+              <a:rPr lang="en-US"/>
               <a:t>Fourth level</a:t>
             </a:r>
           </a:p>
           <a:p>
             <a:pPr lvl="4"/>
             <a:r>
-              <a:rPr lang="en-US" smtClean="0"/>
+              <a:rPr lang="en-US"/>
               <a:t>Fifth level</a:t>
             </a:r>
-            <a:endParaRPr lang="en-US"/>
           </a:p>
         </p:txBody>
       </p:sp>
@@ -778,7 +772,7 @@
           <a:p>
             <a:fld id="{9B2CA86B-D2A5-1543-8396-0D0B2BBDC05D}" type="datetimeFigureOut">
               <a:rPr lang="en-US" smtClean="0"/>
-              <a:t>1/17/18</a:t>
+              <a:t>2/1/18</a:t>
             </a:fld>
             <a:endParaRPr lang="en-US"/>
           </a:p>
@@ -877,10 +871,9 @@
           <a:lstStyle/>
           <a:p>
             <a:r>
-              <a:rPr lang="en-US" smtClean="0"/>
+              <a:rPr lang="en-US"/>
               <a:t>Click to edit Master title style</a:t>
             </a:r>
-            <a:endParaRPr lang="en-US"/>
           </a:p>
         </p:txBody>
       </p:sp>
@@ -906,38 +899,37 @@
           <a:p>
             <a:pPr lvl="0"/>
             <a:r>
-              <a:rPr lang="en-US" smtClean="0"/>
+              <a:rPr lang="en-US"/>
               <a:t>Click to edit Master text styles</a:t>
             </a:r>
           </a:p>
           <a:p>
             <a:pPr lvl="1"/>
             <a:r>
-              <a:rPr lang="en-US" smtClean="0"/>
+              <a:rPr lang="en-US"/>
               <a:t>Second level</a:t>
             </a:r>
           </a:p>
           <a:p>
             <a:pPr lvl="2"/>
             <a:r>
-              <a:rPr lang="en-US" smtClean="0"/>
+              <a:rPr lang="en-US"/>
               <a:t>Third level</a:t>
             </a:r>
           </a:p>
           <a:p>
             <a:pPr lvl="3"/>
             <a:r>
-              <a:rPr lang="en-US" smtClean="0"/>
+              <a:rPr lang="en-US"/>
               <a:t>Fourth level</a:t>
             </a:r>
           </a:p>
           <a:p>
             <a:pPr lvl="4"/>
             <a:r>
-              <a:rPr lang="en-US" smtClean="0"/>
+              <a:rPr lang="en-US"/>
               <a:t>Fifth level</a:t>
             </a:r>
-            <a:endParaRPr lang="en-US"/>
           </a:p>
         </p:txBody>
       </p:sp>
@@ -958,7 +950,7 @@
           <a:p>
             <a:fld id="{9B2CA86B-D2A5-1543-8396-0D0B2BBDC05D}" type="datetimeFigureOut">
               <a:rPr lang="en-US" smtClean="0"/>
-              <a:t>1/17/18</a:t>
+              <a:t>2/1/18</a:t>
             </a:fld>
             <a:endParaRPr lang="en-US"/>
           </a:p>
@@ -2226,10 +2218,9 @@
           <a:lstStyle/>
           <a:p>
             <a:r>
-              <a:rPr lang="en-US" smtClean="0"/>
+              <a:rPr lang="en-US"/>
               <a:t>Click to edit Master title style</a:t>
             </a:r>
-            <a:endParaRPr lang="en-US"/>
           </a:p>
         </p:txBody>
       </p:sp>
@@ -2250,38 +2241,37 @@
           <a:p>
             <a:pPr lvl="0"/>
             <a:r>
-              <a:rPr lang="en-US" smtClean="0"/>
+              <a:rPr lang="en-US"/>
               <a:t>Click to edit Master text styles</a:t>
             </a:r>
           </a:p>
           <a:p>
             <a:pPr lvl="1"/>
             <a:r>
-              <a:rPr lang="en-US" smtClean="0"/>
+              <a:rPr lang="en-US"/>
               <a:t>Second level</a:t>
             </a:r>
           </a:p>
           <a:p>
             <a:pPr lvl="2"/>
             <a:r>
-              <a:rPr lang="en-US" smtClean="0"/>
+              <a:rPr lang="en-US"/>
               <a:t>Third level</a:t>
             </a:r>
           </a:p>
           <a:p>
             <a:pPr lvl="3"/>
             <a:r>
-              <a:rPr lang="en-US" smtClean="0"/>
+              <a:rPr lang="en-US"/>
               <a:t>Fourth level</a:t>
             </a:r>
           </a:p>
           <a:p>
             <a:pPr lvl="4"/>
             <a:r>
-              <a:rPr lang="en-US" smtClean="0"/>
+              <a:rPr lang="en-US"/>
               <a:t>Fifth level</a:t>
             </a:r>
-            <a:endParaRPr lang="en-US"/>
           </a:p>
         </p:txBody>
       </p:sp>
@@ -2302,7 +2292,7 @@
           <a:p>
             <a:fld id="{9B2CA86B-D2A5-1543-8396-0D0B2BBDC05D}" type="datetimeFigureOut">
               <a:rPr lang="en-US" smtClean="0"/>
-              <a:t>1/17/18</a:t>
+              <a:t>2/1/18</a:t>
             </a:fld>
             <a:endParaRPr lang="en-US"/>
           </a:p>
@@ -2405,10 +2395,9 @@
           </a:lstStyle>
           <a:p>
             <a:r>
-              <a:rPr lang="en-US" smtClean="0"/>
+              <a:rPr lang="en-US"/>
               <a:t>Click to edit Master title style</a:t>
             </a:r>
-            <a:endParaRPr lang="en-US"/>
           </a:p>
         </p:txBody>
       </p:sp>
@@ -2525,7 +2514,7 @@
           <a:p>
             <a:pPr lvl="0"/>
             <a:r>
-              <a:rPr lang="en-US" smtClean="0"/>
+              <a:rPr lang="en-US"/>
               <a:t>Click to edit Master text styles</a:t>
             </a:r>
           </a:p>
@@ -2548,7 +2537,7 @@
           <a:p>
             <a:fld id="{9B2CA86B-D2A5-1543-8396-0D0B2BBDC05D}" type="datetimeFigureOut">
               <a:rPr lang="en-US" smtClean="0"/>
-              <a:t>1/17/18</a:t>
+              <a:t>2/1/18</a:t>
             </a:fld>
             <a:endParaRPr lang="en-US"/>
           </a:p>
@@ -2642,10 +2631,9 @@
           <a:lstStyle/>
           <a:p>
             <a:r>
-              <a:rPr lang="en-US" smtClean="0"/>
+              <a:rPr lang="en-US"/>
               <a:t>Click to edit Master title style</a:t>
             </a:r>
-            <a:endParaRPr lang="en-US"/>
           </a:p>
         </p:txBody>
       </p:sp>
@@ -2671,38 +2659,37 @@
           <a:p>
             <a:pPr lvl="0"/>
             <a:r>
-              <a:rPr lang="en-US" smtClean="0"/>
+              <a:rPr lang="en-US"/>
               <a:t>Click to edit Master text styles</a:t>
             </a:r>
           </a:p>
           <a:p>
             <a:pPr lvl="1"/>
             <a:r>
-              <a:rPr lang="en-US" smtClean="0"/>
+              <a:rPr lang="en-US"/>
               <a:t>Second level</a:t>
             </a:r>
           </a:p>
           <a:p>
             <a:pPr lvl="2"/>
             <a:r>
-              <a:rPr lang="en-US" smtClean="0"/>
+              <a:rPr lang="en-US"/>
               <a:t>Third level</a:t>
             </a:r>
           </a:p>
           <a:p>
             <a:pPr lvl="3"/>
             <a:r>
-              <a:rPr lang="en-US" smtClean="0"/>
+              <a:rPr lang="en-US"/>
               <a:t>Fourth level</a:t>
             </a:r>
           </a:p>
           <a:p>
             <a:pPr lvl="4"/>
             <a:r>
-              <a:rPr lang="en-US" smtClean="0"/>
+              <a:rPr lang="en-US"/>
               <a:t>Fifth level</a:t>
             </a:r>
-            <a:endParaRPr lang="en-US"/>
           </a:p>
         </p:txBody>
       </p:sp>
@@ -2728,38 +2715,37 @@
           <a:p>
             <a:pPr lvl="0"/>
             <a:r>
-              <a:rPr lang="en-US" smtClean="0"/>
+              <a:rPr lang="en-US"/>
               <a:t>Click to edit Master text styles</a:t>
             </a:r>
           </a:p>
           <a:p>
             <a:pPr lvl="1"/>
             <a:r>
-              <a:rPr lang="en-US" smtClean="0"/>
+              <a:rPr lang="en-US"/>
               <a:t>Second level</a:t>
             </a:r>
           </a:p>
           <a:p>
             <a:pPr lvl="2"/>
             <a:r>
-              <a:rPr lang="en-US" smtClean="0"/>
+              <a:rPr lang="en-US"/>
               <a:t>Third level</a:t>
             </a:r>
           </a:p>
           <a:p>
             <a:pPr lvl="3"/>
             <a:r>
-              <a:rPr lang="en-US" smtClean="0"/>
+              <a:rPr lang="en-US"/>
               <a:t>Fourth level</a:t>
             </a:r>
           </a:p>
           <a:p>
             <a:pPr lvl="4"/>
             <a:r>
-              <a:rPr lang="en-US" smtClean="0"/>
+              <a:rPr lang="en-US"/>
               <a:t>Fifth level</a:t>
             </a:r>
-            <a:endParaRPr lang="en-US"/>
           </a:p>
         </p:txBody>
       </p:sp>
@@ -2780,7 +2766,7 @@
           <a:p>
             <a:fld id="{9B2CA86B-D2A5-1543-8396-0D0B2BBDC05D}" type="datetimeFigureOut">
               <a:rPr lang="en-US" smtClean="0"/>
-              <a:t>1/17/18</a:t>
+              <a:t>2/1/18</a:t>
             </a:fld>
             <a:endParaRPr lang="en-US"/>
           </a:p>
@@ -2879,10 +2865,9 @@
           <a:lstStyle/>
           <a:p>
             <a:r>
-              <a:rPr lang="en-US" smtClean="0"/>
+              <a:rPr lang="en-US"/>
               <a:t>Click to edit Master title style</a:t>
             </a:r>
-            <a:endParaRPr lang="en-US"/>
           </a:p>
         </p:txBody>
       </p:sp>
@@ -2945,7 +2930,7 @@
           <a:p>
             <a:pPr lvl="0"/>
             <a:r>
-              <a:rPr lang="en-US" smtClean="0"/>
+              <a:rPr lang="en-US"/>
               <a:t>Click to edit Master text styles</a:t>
             </a:r>
           </a:p>
@@ -2973,38 +2958,37 @@
           <a:p>
             <a:pPr lvl="0"/>
             <a:r>
-              <a:rPr lang="en-US" smtClean="0"/>
+              <a:rPr lang="en-US"/>
               <a:t>Click to edit Master text styles</a:t>
             </a:r>
           </a:p>
           <a:p>
             <a:pPr lvl="1"/>
             <a:r>
-              <a:rPr lang="en-US" smtClean="0"/>
+              <a:rPr lang="en-US"/>
               <a:t>Second level</a:t>
             </a:r>
           </a:p>
           <a:p>
             <a:pPr lvl="2"/>
             <a:r>
-              <a:rPr lang="en-US" smtClean="0"/>
+              <a:rPr lang="en-US"/>
               <a:t>Third level</a:t>
             </a:r>
           </a:p>
           <a:p>
             <a:pPr lvl="3"/>
             <a:r>
-              <a:rPr lang="en-US" smtClean="0"/>
+              <a:rPr lang="en-US"/>
               <a:t>Fourth level</a:t>
             </a:r>
           </a:p>
           <a:p>
             <a:pPr lvl="4"/>
             <a:r>
-              <a:rPr lang="en-US" smtClean="0"/>
+              <a:rPr lang="en-US"/>
               <a:t>Fifth level</a:t>
             </a:r>
-            <a:endParaRPr lang="en-US"/>
           </a:p>
         </p:txBody>
       </p:sp>
@@ -3067,7 +3051,7 @@
           <a:p>
             <a:pPr lvl="0"/>
             <a:r>
-              <a:rPr lang="en-US" smtClean="0"/>
+              <a:rPr lang="en-US"/>
               <a:t>Click to edit Master text styles</a:t>
             </a:r>
           </a:p>
@@ -3095,38 +3079,37 @@
           <a:p>
             <a:pPr lvl="0"/>
             <a:r>
-              <a:rPr lang="en-US" smtClean="0"/>
+              <a:rPr lang="en-US"/>
               <a:t>Click to edit Master text styles</a:t>
             </a:r>
           </a:p>
           <a:p>
             <a:pPr lvl="1"/>
             <a:r>
-              <a:rPr lang="en-US" smtClean="0"/>
+              <a:rPr lang="en-US"/>
               <a:t>Second level</a:t>
             </a:r>
           </a:p>
           <a:p>
             <a:pPr lvl="2"/>
             <a:r>
-              <a:rPr lang="en-US" smtClean="0"/>
+              <a:rPr lang="en-US"/>
               <a:t>Third level</a:t>
             </a:r>
           </a:p>
           <a:p>
             <a:pPr lvl="3"/>
             <a:r>
-              <a:rPr lang="en-US" smtClean="0"/>
+              <a:rPr lang="en-US"/>
               <a:t>Fourth level</a:t>
             </a:r>
           </a:p>
           <a:p>
             <a:pPr lvl="4"/>
             <a:r>
-              <a:rPr lang="en-US" smtClean="0"/>
+              <a:rPr lang="en-US"/>
               <a:t>Fifth level</a:t>
             </a:r>
-            <a:endParaRPr lang="en-US"/>
           </a:p>
         </p:txBody>
       </p:sp>
@@ -3147,7 +3130,7 @@
           <a:p>
             <a:fld id="{9B2CA86B-D2A5-1543-8396-0D0B2BBDC05D}" type="datetimeFigureOut">
               <a:rPr lang="en-US" smtClean="0"/>
-              <a:t>1/17/18</a:t>
+              <a:t>2/1/18</a:t>
             </a:fld>
             <a:endParaRPr lang="en-US"/>
           </a:p>
@@ -3241,10 +3224,9 @@
           <a:lstStyle/>
           <a:p>
             <a:r>
-              <a:rPr lang="en-US" smtClean="0"/>
+              <a:rPr lang="en-US"/>
               <a:t>Click to edit Master title style</a:t>
             </a:r>
-            <a:endParaRPr lang="en-US"/>
           </a:p>
         </p:txBody>
       </p:sp>
@@ -3265,7 +3247,7 @@
           <a:p>
             <a:fld id="{9B2CA86B-D2A5-1543-8396-0D0B2BBDC05D}" type="datetimeFigureOut">
               <a:rPr lang="en-US" smtClean="0"/>
-              <a:t>1/17/18</a:t>
+              <a:t>2/1/18</a:t>
             </a:fld>
             <a:endParaRPr lang="en-US"/>
           </a:p>
@@ -3360,7 +3342,7 @@
           <a:p>
             <a:fld id="{9B2CA86B-D2A5-1543-8396-0D0B2BBDC05D}" type="datetimeFigureOut">
               <a:rPr lang="en-US" smtClean="0"/>
-              <a:t>1/17/18</a:t>
+              <a:t>2/1/18</a:t>
             </a:fld>
             <a:endParaRPr lang="en-US"/>
           </a:p>
@@ -3463,10 +3445,9 @@
           </a:lstStyle>
           <a:p>
             <a:r>
-              <a:rPr lang="en-US" smtClean="0"/>
+              <a:rPr lang="en-US"/>
               <a:t>Click to edit Master title style</a:t>
             </a:r>
-            <a:endParaRPr lang="en-US"/>
           </a:p>
         </p:txBody>
       </p:sp>
@@ -3520,38 +3501,37 @@
           <a:p>
             <a:pPr lvl="0"/>
             <a:r>
-              <a:rPr lang="en-US" smtClean="0"/>
+              <a:rPr lang="en-US"/>
               <a:t>Click to edit Master text styles</a:t>
             </a:r>
           </a:p>
           <a:p>
             <a:pPr lvl="1"/>
             <a:r>
-              <a:rPr lang="en-US" smtClean="0"/>
+              <a:rPr lang="en-US"/>
               <a:t>Second level</a:t>
             </a:r>
           </a:p>
           <a:p>
             <a:pPr lvl="2"/>
             <a:r>
-              <a:rPr lang="en-US" smtClean="0"/>
+              <a:rPr lang="en-US"/>
               <a:t>Third level</a:t>
             </a:r>
           </a:p>
           <a:p>
             <a:pPr lvl="3"/>
             <a:r>
-              <a:rPr lang="en-US" smtClean="0"/>
+              <a:rPr lang="en-US"/>
               <a:t>Fourth level</a:t>
             </a:r>
           </a:p>
           <a:p>
             <a:pPr lvl="4"/>
             <a:r>
-              <a:rPr lang="en-US" smtClean="0"/>
+              <a:rPr lang="en-US"/>
               <a:t>Fifth level</a:t>
             </a:r>
-            <a:endParaRPr lang="en-US"/>
           </a:p>
         </p:txBody>
       </p:sp>
@@ -3614,7 +3594,7 @@
           <a:p>
             <a:pPr lvl="0"/>
             <a:r>
-              <a:rPr lang="en-US" smtClean="0"/>
+              <a:rPr lang="en-US"/>
               <a:t>Click to edit Master text styles</a:t>
             </a:r>
           </a:p>
@@ -3637,7 +3617,7 @@
           <a:p>
             <a:fld id="{9B2CA86B-D2A5-1543-8396-0D0B2BBDC05D}" type="datetimeFigureOut">
               <a:rPr lang="en-US" smtClean="0"/>
-              <a:t>1/17/18</a:t>
+              <a:t>2/1/18</a:t>
             </a:fld>
             <a:endParaRPr lang="en-US"/>
           </a:p>
@@ -3740,10 +3720,9 @@
           </a:lstStyle>
           <a:p>
             <a:r>
-              <a:rPr lang="en-US" smtClean="0"/>
+              <a:rPr lang="en-US"/>
               <a:t>Click to edit Master title style</a:t>
             </a:r>
-            <a:endParaRPr lang="en-US"/>
           </a:p>
         </p:txBody>
       </p:sp>
@@ -3867,7 +3846,7 @@
           <a:p>
             <a:pPr lvl="0"/>
             <a:r>
-              <a:rPr lang="en-US" smtClean="0"/>
+              <a:rPr lang="en-US"/>
               <a:t>Click to edit Master text styles</a:t>
             </a:r>
           </a:p>
@@ -3890,7 +3869,7 @@
           <a:p>
             <a:fld id="{9B2CA86B-D2A5-1543-8396-0D0B2BBDC05D}" type="datetimeFigureOut">
               <a:rPr lang="en-US" smtClean="0"/>
-              <a:t>1/17/18</a:t>
+              <a:t>2/1/18</a:t>
             </a:fld>
             <a:endParaRPr lang="en-US"/>
           </a:p>
@@ -3999,10 +3978,9 @@
           <a:lstStyle/>
           <a:p>
             <a:r>
-              <a:rPr lang="en-US" smtClean="0"/>
+              <a:rPr lang="en-US"/>
               <a:t>Click to edit Master title style</a:t>
             </a:r>
-            <a:endParaRPr lang="en-US"/>
           </a:p>
         </p:txBody>
       </p:sp>
@@ -4033,38 +4011,37 @@
           <a:p>
             <a:pPr lvl="0"/>
             <a:r>
-              <a:rPr lang="en-US" smtClean="0"/>
+              <a:rPr lang="en-US"/>
               <a:t>Click to edit Master text styles</a:t>
             </a:r>
           </a:p>
           <a:p>
             <a:pPr lvl="1"/>
             <a:r>
-              <a:rPr lang="en-US" smtClean="0"/>
+              <a:rPr lang="en-US"/>
               <a:t>Second level</a:t>
             </a:r>
           </a:p>
           <a:p>
             <a:pPr lvl="2"/>
             <a:r>
-              <a:rPr lang="en-US" smtClean="0"/>
+              <a:rPr lang="en-US"/>
               <a:t>Third level</a:t>
             </a:r>
           </a:p>
           <a:p>
             <a:pPr lvl="3"/>
             <a:r>
-              <a:rPr lang="en-US" smtClean="0"/>
+              <a:rPr lang="en-US"/>
               <a:t>Fourth level</a:t>
             </a:r>
           </a:p>
           <a:p>
             <a:pPr lvl="4"/>
             <a:r>
-              <a:rPr lang="en-US" smtClean="0"/>
+              <a:rPr lang="en-US"/>
               <a:t>Fifth level</a:t>
             </a:r>
-            <a:endParaRPr lang="en-US"/>
           </a:p>
         </p:txBody>
       </p:sp>
@@ -4103,7 +4080,7 @@
           <a:p>
             <a:fld id="{9B2CA86B-D2A5-1543-8396-0D0B2BBDC05D}" type="datetimeFigureOut">
               <a:rPr lang="en-US" smtClean="0"/>
-              <a:t>1/17/18</a:t>
+              <a:t>2/1/18</a:t>
             </a:fld>
             <a:endParaRPr lang="en-US"/>
           </a:p>
@@ -5489,23 +5466,27 @@
           <a:lstStyle/>
           <a:p>
             <a:r>
-              <a:rPr lang="en-US" altLang="zh-CN" dirty="0" smtClean="0"/>
-              <a:t>January</a:t>
-            </a:r>
-            <a:r>
-              <a:rPr lang="zh-CN" altLang="en-US" dirty="0" smtClean="0"/>
+              <a:rPr lang="en-US" altLang="zh-Hans" dirty="0"/>
+              <a:t>February</a:t>
+            </a:r>
+            <a:r>
+              <a:rPr lang="zh-Hans" altLang="en-US" dirty="0"/>
               <a:t> </a:t>
             </a:r>
             <a:r>
-              <a:rPr lang="en-US" altLang="zh-CN" dirty="0" smtClean="0"/>
-              <a:t>17,</a:t>
-            </a:r>
-            <a:r>
-              <a:rPr lang="zh-CN" altLang="en-US" dirty="0" smtClean="0"/>
+              <a:rPr lang="en-US" altLang="zh-Hans" dirty="0"/>
+              <a:t>2</a:t>
+            </a:r>
+            <a:r>
+              <a:rPr lang="en-US" altLang="zh-CN" dirty="0"/>
+              <a:t>,</a:t>
+            </a:r>
+            <a:r>
+              <a:rPr lang="zh-CN" altLang="en-US" dirty="0"/>
               <a:t> </a:t>
             </a:r>
             <a:r>
-              <a:rPr lang="en-US" altLang="zh-CN" dirty="0" smtClean="0"/>
+              <a:rPr lang="en-US" altLang="zh-CN" dirty="0"/>
               <a:t>2018</a:t>
             </a:r>
           </a:p>
@@ -5514,39 +5495,39 @@
           </a:p>
           <a:p>
             <a:r>
-              <a:rPr lang="en-US" altLang="zh-CN" dirty="0" smtClean="0"/>
+              <a:rPr lang="en-US" altLang="zh-CN" dirty="0"/>
               <a:t>Yuchen</a:t>
             </a:r>
             <a:r>
-              <a:rPr lang="zh-CN" altLang="en-US" dirty="0" smtClean="0"/>
+              <a:rPr lang="zh-CN" altLang="en-US" dirty="0"/>
               <a:t> </a:t>
             </a:r>
             <a:r>
-              <a:rPr lang="en-US" altLang="zh-CN" dirty="0" smtClean="0"/>
+              <a:rPr lang="en-US" altLang="zh-CN" dirty="0"/>
               <a:t>Li</a:t>
             </a:r>
             <a:r>
-              <a:rPr lang="zh-CN" altLang="en-US" dirty="0" smtClean="0"/>
+              <a:rPr lang="zh-CN" altLang="en-US" dirty="0"/>
               <a:t> </a:t>
             </a:r>
             <a:r>
-              <a:rPr lang="en-US" altLang="zh-CN" dirty="0" smtClean="0"/>
+              <a:rPr lang="en-US" altLang="zh-CN" dirty="0"/>
               <a:t>&amp;</a:t>
             </a:r>
             <a:r>
-              <a:rPr lang="zh-CN" altLang="en-US" dirty="0" smtClean="0"/>
+              <a:rPr lang="zh-CN" altLang="en-US" dirty="0"/>
               <a:t> </a:t>
             </a:r>
             <a:r>
-              <a:rPr lang="en-US" altLang="zh-CN" dirty="0" err="1" smtClean="0"/>
+              <a:rPr lang="en-US" altLang="zh-CN" dirty="0" err="1"/>
               <a:t>Yanglin</a:t>
             </a:r>
             <a:r>
-              <a:rPr lang="zh-CN" altLang="en-US" dirty="0" smtClean="0"/>
+              <a:rPr lang="zh-CN" altLang="en-US" dirty="0"/>
               <a:t> </a:t>
             </a:r>
             <a:r>
-              <a:rPr lang="en-US" altLang="zh-CN" dirty="0" smtClean="0"/>
+              <a:rPr lang="en-US" altLang="zh-CN" dirty="0"/>
               <a:t>Li</a:t>
             </a:r>
             <a:endParaRPr lang="en-US" altLang="en-US" dirty="0"/>
@@ -5715,55 +5696,113 @@
               </a:spcAft>
             </a:pPr>
             <a:r>
-              <a:rPr lang="en-US" altLang="zh-CN" sz="3600" dirty="0" smtClean="0">
+              <a:rPr lang="en-US" altLang="zh-Hans" sz="3600" dirty="0">
                 <a:solidFill>
                   <a:srgbClr val="004266"/>
                 </a:solidFill>
-                <a:latin typeface="Helvetica Neue Thin" charset="0"/>
+                <a:latin typeface="+mj-lt"/>
               </a:rPr>
-              <a:t>Analytics</a:t>
-            </a:r>
-            <a:r>
-              <a:rPr lang="zh-CN" altLang="en-US" sz="3600" dirty="0" smtClean="0">
+              <a:t>New</a:t>
+            </a:r>
+            <a:r>
+              <a:rPr lang="zh-Hans" altLang="en-US" sz="3600" dirty="0">
                 <a:solidFill>
                   <a:srgbClr val="004266"/>
                 </a:solidFill>
-                <a:latin typeface="Helvetica Neue Thin" charset="0"/>
+                <a:latin typeface="+mj-lt"/>
               </a:rPr>
               <a:t> </a:t>
             </a:r>
             <a:r>
-              <a:rPr lang="en-US" altLang="zh-CN" sz="3600" dirty="0" smtClean="0">
+              <a:rPr lang="en-US" altLang="zh-Hans" sz="3600" dirty="0">
                 <a:solidFill>
                   <a:srgbClr val="004266"/>
                 </a:solidFill>
-                <a:latin typeface="Helvetica Neue Thin" charset="0"/>
+                <a:latin typeface="+mj-lt"/>
               </a:rPr>
-              <a:t>Server</a:t>
-            </a:r>
-            <a:r>
-              <a:rPr lang="zh-CN" altLang="en-US" sz="3600" dirty="0" smtClean="0">
+              <a:t>Analytics</a:t>
+            </a:r>
+            <a:r>
+              <a:rPr lang="zh-CN" altLang="en-US" sz="3600" dirty="0">
                 <a:solidFill>
                   <a:srgbClr val="004266"/>
                 </a:solidFill>
-                <a:latin typeface="Helvetica Neue Thin" charset="0"/>
+                <a:latin typeface="+mj-lt"/>
               </a:rPr>
               <a:t> </a:t>
             </a:r>
             <a:r>
-              <a:rPr lang="en-US" altLang="zh-CN" sz="3600" dirty="0" smtClean="0">
+              <a:rPr lang="en-US" altLang="zh-CN" sz="3600" dirty="0">
                 <a:solidFill>
                   <a:srgbClr val="004266"/>
                 </a:solidFill>
-                <a:latin typeface="Helvetica Neue Thin" charset="0"/>
+                <a:latin typeface="+mj-lt"/>
+              </a:rPr>
+              <a:t>Server</a:t>
+            </a:r>
+            <a:r>
+              <a:rPr lang="zh-CN" altLang="en-US" sz="3600" dirty="0">
+                <a:solidFill>
+                  <a:srgbClr val="004266"/>
+                </a:solidFill>
+                <a:latin typeface="+mj-lt"/>
+              </a:rPr>
+              <a:t> </a:t>
+            </a:r>
+            <a:r>
+              <a:rPr lang="en-US" altLang="zh-CN" sz="3600" dirty="0">
+                <a:solidFill>
+                  <a:srgbClr val="004266"/>
+                </a:solidFill>
+                <a:latin typeface="+mj-lt"/>
               </a:rPr>
               <a:t>Setup</a:t>
+            </a:r>
+          </a:p>
+          <a:p>
+            <a:pPr eaLnBrk="0" fontAlgn="base" hangingPunct="0">
+              <a:lnSpc>
+                <a:spcPct val="90000"/>
+              </a:lnSpc>
+              <a:spcBef>
+                <a:spcPct val="0"/>
+              </a:spcBef>
+              <a:spcAft>
+                <a:spcPct val="0"/>
+              </a:spcAft>
+            </a:pPr>
+            <a:r>
+              <a:rPr lang="en-US" altLang="zh-Hans" sz="3600" dirty="0">
+                <a:solidFill>
+                  <a:srgbClr val="004266"/>
+                </a:solidFill>
+                <a:latin typeface="+mj-lt"/>
+              </a:rPr>
+              <a:t>Phase</a:t>
+            </a:r>
+            <a:r>
+              <a:rPr lang="zh-Hans" altLang="en-US" sz="3600" dirty="0">
+                <a:solidFill>
+                  <a:srgbClr val="004266"/>
+                </a:solidFill>
+                <a:latin typeface="+mj-lt"/>
+              </a:rPr>
+              <a:t> </a:t>
+            </a:r>
+            <a:r>
+              <a:rPr lang="en-US" altLang="zh-Hans" sz="3600" dirty="0">
+                <a:solidFill>
+                  <a:srgbClr val="004266"/>
+                </a:solidFill>
+                <a:latin typeface="+mj-lt"/>
+              </a:rPr>
+              <a:t>1</a:t>
             </a:r>
             <a:endParaRPr lang="en-US" altLang="en-US" sz="2800" dirty="0">
               <a:solidFill>
                 <a:srgbClr val="404040"/>
               </a:solidFill>
-              <a:latin typeface="Helvetica Neue Thin" charset="0"/>
+              <a:latin typeface="+mj-lt"/>
             </a:endParaRPr>
           </a:p>
         </p:txBody>
@@ -5779,13 +5818,6 @@
     <a:masterClrMapping/>
   </p:clrMapOvr>
   <p:transition spd="slow"/>
-  <p:timing>
-    <p:tnLst>
-      <p:par>
-        <p:cTn id="1" dur="indefinite" restart="never" nodeType="tmRoot"/>
-      </p:par>
-    </p:tnLst>
-  </p:timing>
 </p:sld>
 </file>
 
@@ -5822,24 +5854,32 @@
           <a:lstStyle/>
           <a:p>
             <a:r>
-              <a:rPr lang="en-US" altLang="zh-CN" dirty="0" smtClean="0"/>
-              <a:t>Solution</a:t>
-            </a:r>
-            <a:r>
-              <a:rPr lang="zh-CN" altLang="en-US" dirty="0" smtClean="0"/>
+              <a:rPr lang="en-US" altLang="zh-CN" dirty="0"/>
+              <a:t>Development</a:t>
+            </a:r>
+            <a:r>
+              <a:rPr lang="zh-CN" altLang="en-US" dirty="0"/>
               <a:t> </a:t>
             </a:r>
             <a:r>
-              <a:rPr lang="en-US" altLang="zh-CN" dirty="0" smtClean="0"/>
-              <a:t>2:</a:t>
-            </a:r>
-            <a:r>
-              <a:rPr lang="zh-CN" altLang="en-US" dirty="0" smtClean="0"/>
+              <a:rPr lang="en-US" altLang="zh-CN" dirty="0"/>
+              <a:t>vs.</a:t>
+            </a:r>
+            <a:r>
+              <a:rPr lang="zh-CN" altLang="en-US" dirty="0"/>
               <a:t> </a:t>
             </a:r>
             <a:r>
-              <a:rPr lang="en-US" altLang="zh-CN" dirty="0" smtClean="0"/>
-              <a:t>cloud server</a:t>
+              <a:rPr lang="en-US" altLang="zh-CN" dirty="0"/>
+              <a:t>Sandbox</a:t>
+            </a:r>
+            <a:r>
+              <a:rPr lang="zh-CN" altLang="en-US" dirty="0"/>
+              <a:t> </a:t>
+            </a:r>
+            <a:r>
+              <a:rPr lang="en-US" altLang="zh-CN" dirty="0"/>
+              <a:t>server: specs</a:t>
             </a:r>
             <a:endParaRPr lang="en-US" dirty="0"/>
           </a:p>
@@ -5847,7 +5887,7 @@
       </p:sp>
       <p:graphicFrame>
         <p:nvGraphicFramePr>
-          <p:cNvPr id="5" name="Content Placeholder 4"/>
+          <p:cNvPr id="4" name="Content Placeholder 3"/>
           <p:cNvGraphicFramePr>
             <a:graphicFrameLocks noGrp="1"/>
           </p:cNvGraphicFramePr>
@@ -5855,14 +5895,14 @@
             <p:ph idx="12"/>
             <p:extLst>
               <p:ext uri="{D42A27DB-BD31-4B8C-83A1-F6EECF244321}">
-                <p14:modId xmlns:p14="http://schemas.microsoft.com/office/powerpoint/2010/main" val="1804472265"/>
+                <p14:modId xmlns:p14="http://schemas.microsoft.com/office/powerpoint/2010/main" val="926945899"/>
               </p:ext>
             </p:extLst>
           </p:nvPr>
         </p:nvGraphicFramePr>
         <p:xfrm>
-          <a:off x="609600" y="1601788"/>
-          <a:ext cx="10972800" cy="4188141"/>
+          <a:off x="609600" y="1601789"/>
+          <a:ext cx="10972800" cy="3732211"/>
         </p:xfrm>
         <a:graphic>
           <a:graphicData uri="http://schemas.openxmlformats.org/drawingml/2006/table">
@@ -5871,10 +5911,39 @@
                 <a:tableStyleId>{FABFCF23-3B69-468F-B69F-88F6DE6A72F2}</a:tableStyleId>
               </a:tblPr>
               <a:tblGrid>
-                <a:gridCol w="5486400"/>
-                <a:gridCol w="5486400"/>
+                <a:gridCol w="2349500">
+                  <a:extLst>
+                    <a:ext uri="{9D8B030D-6E8A-4147-A177-3AD203B41FA5}">
+                      <a16:colId xmlns:a16="http://schemas.microsoft.com/office/drawing/2014/main" val="20000"/>
+                    </a:ext>
+                  </a:extLst>
+                </a:gridCol>
+                <a:gridCol w="4330700">
+                  <a:extLst>
+                    <a:ext uri="{9D8B030D-6E8A-4147-A177-3AD203B41FA5}">
+                      <a16:colId xmlns:a16="http://schemas.microsoft.com/office/drawing/2014/main" val="20001"/>
+                    </a:ext>
+                  </a:extLst>
+                </a:gridCol>
+                <a:gridCol w="4292600">
+                  <a:extLst>
+                    <a:ext uri="{9D8B030D-6E8A-4147-A177-3AD203B41FA5}">
+                      <a16:colId xmlns:a16="http://schemas.microsoft.com/office/drawing/2014/main" val="20002"/>
+                    </a:ext>
+                  </a:extLst>
+                </a:gridCol>
               </a:tblGrid>
-              <a:tr h="442912">
+              <a:tr h="379762">
+                <a:tc>
+                  <a:txBody>
+                    <a:bodyPr/>
+                    <a:lstStyle/>
+                    <a:p>
+                      <a:endParaRPr lang="en-US" sz="1600" dirty="0"/>
+                    </a:p>
+                  </a:txBody>
+                  <a:tcPr/>
+                </a:tc>
                 <a:tc>
                   <a:txBody>
                     <a:bodyPr/>
@@ -5882,12 +5951,12 @@
                     <a:p>
                       <a:pPr algn="l"/>
                       <a:r>
-                        <a:rPr lang="en-US" altLang="zh-CN" sz="2000" dirty="0" smtClean="0">
+                        <a:rPr lang="en-US" altLang="zh-CN" sz="2000" dirty="0">
                           <a:solidFill>
                             <a:schemeClr val="tx2"/>
                           </a:solidFill>
                         </a:rPr>
-                        <a:t>Pros</a:t>
+                        <a:t>Development</a:t>
                       </a:r>
                       <a:endParaRPr lang="en-US" sz="2000" dirty="0">
                         <a:solidFill>
@@ -5905,12 +5974,12 @@
                     <a:p>
                       <a:pPr algn="l"/>
                       <a:r>
-                        <a:rPr lang="en-US" altLang="zh-CN" sz="2000" dirty="0" smtClean="0">
+                        <a:rPr lang="en-US" altLang="zh-CN" sz="2000" dirty="0">
                           <a:solidFill>
                             <a:schemeClr val="tx2"/>
                           </a:solidFill>
                         </a:rPr>
-                        <a:t>Cons</a:t>
+                        <a:t>Sandbox</a:t>
                       </a:r>
                       <a:endParaRPr lang="en-US" sz="2000" dirty="0">
                         <a:solidFill>
@@ -5921,150 +5990,838 @@
                   </a:txBody>
                   <a:tcPr/>
                 </a:tc>
+                <a:extLst>
+                  <a:ext uri="{0D108BD9-81ED-4DB2-BD59-A6C34878D82A}">
+                    <a16:rowId xmlns:a16="http://schemas.microsoft.com/office/drawing/2014/main" val="10000"/>
+                  </a:ext>
+                </a:extLst>
               </a:tr>
-              <a:tr h="994423">
+              <a:tr h="402271">
                 <a:tc>
                   <a:txBody>
                     <a:bodyPr/>
                     <a:lstStyle/>
                     <a:p>
-                      <a:pPr algn="l" fontAlgn="t"/>
-                      <a:r>
-                        <a:rPr lang="en-US" sz="1600" dirty="0">
-                          <a:effectLst/>
-                          <a:latin typeface="+mn-lt"/>
-                        </a:rPr>
-                        <a:t>No need for onsite hardware or capital expenses. Well suited to rapidly growing companies that may outgrow their infrastructure too quickly.</a:t>
-                      </a:r>
+                      <a:pPr algn="l"/>
+                      <a:r>
+                        <a:rPr lang="en-US" altLang="zh-CN" sz="1800" dirty="0"/>
+                        <a:t>CPU</a:t>
+                      </a:r>
+                      <a:endParaRPr lang="en-US" sz="1800" b="1" dirty="0"/>
                     </a:p>
                   </a:txBody>
-                  <a:tcPr marL="50800" marR="50800" marT="50800" marB="50800"/>
+                  <a:tcPr/>
                 </a:tc>
                 <a:tc>
                   <a:txBody>
                     <a:bodyPr/>
                     <a:lstStyle/>
                     <a:p>
-                      <a:pPr algn="l" fontAlgn="t"/>
-                      <a:r>
-                        <a:rPr lang="en-US" sz="1600" dirty="0">
-                          <a:effectLst/>
-                          <a:latin typeface="+mn-lt"/>
-                        </a:rPr>
-                        <a:t>The user experience is limited by the speed of the Internet connection.</a:t>
-                      </a:r>
+                      <a:r>
+                        <a:rPr lang="en-US" altLang="zh-CN" sz="1600" dirty="0">
+                          <a:solidFill>
+                            <a:srgbClr val="4C991D"/>
+                          </a:solidFill>
+                        </a:rPr>
+                        <a:t>32</a:t>
+                      </a:r>
+                      <a:r>
+                        <a:rPr lang="zh-CN" altLang="en-US" sz="1600" baseline="0" dirty="0">
+                          <a:solidFill>
+                            <a:srgbClr val="4C991D"/>
+                          </a:solidFill>
+                        </a:rPr>
+                        <a:t> </a:t>
+                      </a:r>
+                      <a:r>
+                        <a:rPr lang="en-US" altLang="zh-CN" sz="1600" baseline="0" dirty="0">
+                          <a:solidFill>
+                            <a:srgbClr val="4C991D"/>
+                          </a:solidFill>
+                        </a:rPr>
+                        <a:t>virtual</a:t>
+                      </a:r>
+                      <a:r>
+                        <a:rPr lang="zh-CN" altLang="en-US" sz="1600" baseline="0" dirty="0">
+                          <a:solidFill>
+                            <a:srgbClr val="4C991D"/>
+                          </a:solidFill>
+                        </a:rPr>
+                        <a:t> </a:t>
+                      </a:r>
+                      <a:r>
+                        <a:rPr lang="en-US" altLang="zh-CN" sz="1600" baseline="0" dirty="0" err="1">
+                          <a:solidFill>
+                            <a:srgbClr val="4C991D"/>
+                          </a:solidFill>
+                        </a:rPr>
+                        <a:t>cpu</a:t>
+                      </a:r>
+                      <a:r>
+                        <a:rPr lang="zh-CN" altLang="en-US" sz="1600" baseline="0" dirty="0">
+                          <a:solidFill>
+                            <a:srgbClr val="4C991D"/>
+                          </a:solidFill>
+                        </a:rPr>
+                        <a:t> </a:t>
+                      </a:r>
+                      <a:r>
+                        <a:rPr lang="en-US" altLang="zh-CN" sz="1600" baseline="0" dirty="0">
+                          <a:solidFill>
+                            <a:srgbClr val="4C991D"/>
+                          </a:solidFill>
+                        </a:rPr>
+                        <a:t>per</a:t>
+                      </a:r>
+                      <a:r>
+                        <a:rPr lang="zh-CN" altLang="en-US" sz="1600" baseline="0" dirty="0">
+                          <a:solidFill>
+                            <a:srgbClr val="4C991D"/>
+                          </a:solidFill>
+                        </a:rPr>
+                        <a:t> </a:t>
+                      </a:r>
+                      <a:r>
+                        <a:rPr lang="en-US" altLang="zh-CN" sz="1600" baseline="0" dirty="0">
+                          <a:solidFill>
+                            <a:srgbClr val="4C991D"/>
+                          </a:solidFill>
+                        </a:rPr>
+                        <a:t>virtual</a:t>
+                      </a:r>
+                      <a:r>
+                        <a:rPr lang="zh-CN" altLang="en-US" sz="1600" baseline="0" dirty="0">
+                          <a:solidFill>
+                            <a:srgbClr val="4C991D"/>
+                          </a:solidFill>
+                        </a:rPr>
+                        <a:t> </a:t>
+                      </a:r>
+                      <a:r>
+                        <a:rPr lang="en-US" altLang="zh-CN" sz="1600" baseline="0" dirty="0">
+                          <a:solidFill>
+                            <a:srgbClr val="4C991D"/>
+                          </a:solidFill>
+                        </a:rPr>
+                        <a:t>machine</a:t>
+                      </a:r>
+                      <a:endParaRPr lang="en-US" sz="1600" dirty="0">
+                        <a:solidFill>
+                          <a:srgbClr val="4C991D"/>
+                        </a:solidFill>
+                      </a:endParaRPr>
                     </a:p>
                   </a:txBody>
-                  <a:tcPr marL="50800" marR="50800" marT="50800" marB="50800"/>
-                </a:tc>
-              </a:tr>
-              <a:tr h="761960">
-                <a:tc>
-                  <a:txBody>
-                    <a:bodyPr/>
-                    <a:lstStyle/>
-                    <a:p>
-                      <a:pPr algn="l" fontAlgn="t"/>
-                      <a:r>
-                        <a:rPr lang="en-US" sz="1600" dirty="0">
-                          <a:effectLst/>
-                          <a:latin typeface="+mn-lt"/>
-                        </a:rPr>
-                        <a:t>Easily scalable; can be added to as needed. Solutions are often on-demand, so you only pay for the options you want.</a:t>
-                      </a:r>
-                    </a:p>
-                  </a:txBody>
-                  <a:tcPr marL="50800" marR="50800" marT="50800" marB="50800"/>
+                  <a:tcPr/>
                 </a:tc>
                 <a:tc>
                   <a:txBody>
                     <a:bodyPr/>
                     <a:lstStyle/>
                     <a:p>
-                      <a:pPr algn="l" fontAlgn="t"/>
-                      <a:r>
-                        <a:rPr lang="en-US" sz="1600">
-                          <a:effectLst/>
+                      <a:r>
+                        <a:rPr lang="en-US" altLang="zh-CN" sz="1600" kern="1200" dirty="0">
+                          <a:solidFill>
+                            <a:srgbClr val="991E1B"/>
+                          </a:solidFill>
                           <a:latin typeface="+mn-lt"/>
-                        </a:rPr>
-                        <a:t>Third party cloud services could have direct access to your data.</a:t>
-                      </a:r>
+                          <a:ea typeface="+mn-ea"/>
+                          <a:cs typeface="+mn-cs"/>
+                        </a:rPr>
+                        <a:t>32</a:t>
+                      </a:r>
+                      <a:r>
+                        <a:rPr lang="zh-CN" altLang="en-US" sz="1600" kern="1200" dirty="0">
+                          <a:solidFill>
+                            <a:srgbClr val="991E1B"/>
+                          </a:solidFill>
+                          <a:latin typeface="+mn-lt"/>
+                          <a:ea typeface="+mn-ea"/>
+                          <a:cs typeface="+mn-cs"/>
+                        </a:rPr>
+                        <a:t> </a:t>
+                      </a:r>
+                      <a:r>
+                        <a:rPr lang="en-US" altLang="zh-CN" sz="1600" kern="1200" dirty="0">
+                          <a:solidFill>
+                            <a:srgbClr val="991E1B"/>
+                          </a:solidFill>
+                          <a:latin typeface="+mn-lt"/>
+                          <a:ea typeface="+mn-ea"/>
+                          <a:cs typeface="+mn-cs"/>
+                        </a:rPr>
+                        <a:t>virtual</a:t>
+                      </a:r>
+                      <a:r>
+                        <a:rPr lang="zh-CN" altLang="en-US" sz="1600" kern="1200" dirty="0">
+                          <a:solidFill>
+                            <a:srgbClr val="991E1B"/>
+                          </a:solidFill>
+                          <a:latin typeface="+mn-lt"/>
+                          <a:ea typeface="+mn-ea"/>
+                          <a:cs typeface="+mn-cs"/>
+                        </a:rPr>
+                        <a:t> </a:t>
+                      </a:r>
+                      <a:r>
+                        <a:rPr lang="en-US" altLang="zh-CN" sz="1600" kern="1200" dirty="0" err="1">
+                          <a:solidFill>
+                            <a:srgbClr val="991E1B"/>
+                          </a:solidFill>
+                          <a:latin typeface="+mn-lt"/>
+                          <a:ea typeface="+mn-ea"/>
+                          <a:cs typeface="+mn-cs"/>
+                        </a:rPr>
+                        <a:t>cpu</a:t>
+                      </a:r>
+                      <a:r>
+                        <a:rPr lang="zh-CN" altLang="en-US" sz="1600" kern="1200" dirty="0">
+                          <a:solidFill>
+                            <a:srgbClr val="991E1B"/>
+                          </a:solidFill>
+                          <a:latin typeface="+mn-lt"/>
+                          <a:ea typeface="+mn-ea"/>
+                          <a:cs typeface="+mn-cs"/>
+                        </a:rPr>
+                        <a:t> </a:t>
+                      </a:r>
+                      <a:r>
+                        <a:rPr lang="en-US" altLang="zh-CN" sz="1600" kern="1200" dirty="0">
+                          <a:solidFill>
+                            <a:srgbClr val="991E1B"/>
+                          </a:solidFill>
+                          <a:latin typeface="+mn-lt"/>
+                          <a:ea typeface="+mn-ea"/>
+                          <a:cs typeface="+mn-cs"/>
+                        </a:rPr>
+                        <a:t>per</a:t>
+                      </a:r>
+                      <a:r>
+                        <a:rPr lang="zh-CN" altLang="en-US" sz="1600" kern="1200" dirty="0">
+                          <a:solidFill>
+                            <a:srgbClr val="991E1B"/>
+                          </a:solidFill>
+                          <a:latin typeface="+mn-lt"/>
+                          <a:ea typeface="+mn-ea"/>
+                          <a:cs typeface="+mn-cs"/>
+                        </a:rPr>
+                        <a:t> </a:t>
+                      </a:r>
+                      <a:r>
+                        <a:rPr lang="en-US" altLang="zh-CN" sz="1600" kern="1200" dirty="0">
+                          <a:solidFill>
+                            <a:srgbClr val="991E1B"/>
+                          </a:solidFill>
+                          <a:latin typeface="+mn-lt"/>
+                          <a:ea typeface="+mn-ea"/>
+                          <a:cs typeface="+mn-cs"/>
+                        </a:rPr>
+                        <a:t>virtual</a:t>
+                      </a:r>
+                      <a:r>
+                        <a:rPr lang="zh-CN" altLang="en-US" sz="1600" kern="1200" dirty="0">
+                          <a:solidFill>
+                            <a:srgbClr val="991E1B"/>
+                          </a:solidFill>
+                          <a:latin typeface="+mn-lt"/>
+                          <a:ea typeface="+mn-ea"/>
+                          <a:cs typeface="+mn-cs"/>
+                        </a:rPr>
+                        <a:t> </a:t>
+                      </a:r>
+                      <a:r>
+                        <a:rPr lang="en-US" altLang="zh-CN" sz="1600" kern="1200" dirty="0">
+                          <a:solidFill>
+                            <a:srgbClr val="991E1B"/>
+                          </a:solidFill>
+                          <a:latin typeface="+mn-lt"/>
+                          <a:ea typeface="+mn-ea"/>
+                          <a:cs typeface="+mn-cs"/>
+                        </a:rPr>
+                        <a:t>machine</a:t>
+                      </a:r>
+                      <a:endParaRPr lang="en-US" sz="1600" kern="1200" dirty="0">
+                        <a:solidFill>
+                          <a:srgbClr val="991E1B"/>
+                        </a:solidFill>
+                        <a:latin typeface="+mn-lt"/>
+                        <a:ea typeface="+mn-ea"/>
+                        <a:cs typeface="+mn-cs"/>
+                      </a:endParaRPr>
                     </a:p>
                   </a:txBody>
-                  <a:tcPr marL="50800" marR="50800" marT="50800" marB="50800"/>
+                  <a:tcPr/>
                 </a:tc>
+                <a:extLst>
+                  <a:ext uri="{0D108BD9-81ED-4DB2-BD59-A6C34878D82A}">
+                    <a16:rowId xmlns:a16="http://schemas.microsoft.com/office/drawing/2014/main" val="10001"/>
+                  </a:ext>
+                </a:extLst>
               </a:tr>
-              <a:tr h="994423">
+              <a:tr h="444500">
                 <a:tc>
                   <a:txBody>
                     <a:bodyPr/>
                     <a:lstStyle/>
                     <a:p>
-                      <a:pPr algn="l" fontAlgn="t"/>
-                      <a:r>
-                        <a:rPr lang="en-US" sz="1600" dirty="0">
-                          <a:effectLst/>
-                          <a:latin typeface="+mn-lt"/>
-                        </a:rPr>
-                        <a:t>Workers can connect from anywhere, using any computer, tablet, or smartphone. Companies can implement BYOD (bring your own device) policies.</a:t>
-                      </a:r>
+                      <a:pPr algn="l"/>
+                      <a:r>
+                        <a:rPr lang="en-US" altLang="zh-CN" sz="1800" dirty="0"/>
+                        <a:t>Storage</a:t>
+                      </a:r>
+                      <a:endParaRPr lang="en-US" sz="1800" b="1" dirty="0"/>
                     </a:p>
                   </a:txBody>
-                  <a:tcPr marL="50800" marR="50800" marT="50800" marB="50800"/>
+                  <a:tcPr/>
                 </a:tc>
                 <a:tc>
                   <a:txBody>
                     <a:bodyPr/>
                     <a:lstStyle/>
                     <a:p>
-                      <a:pPr algn="l" fontAlgn="t"/>
-                      <a:r>
-                        <a:rPr lang="en-US" sz="1600" dirty="0">
-                          <a:effectLst/>
-                          <a:latin typeface="+mn-lt"/>
-                        </a:rPr>
-                        <a:t>If the Internet goes down on your side or on your cloud provider’s side, you won’t have access to any of your information.</a:t>
-                      </a:r>
+                      <a:r>
+                        <a:rPr lang="en-US" altLang="zh-CN" sz="1600" dirty="0">
+                          <a:solidFill>
+                            <a:srgbClr val="4C991D"/>
+                          </a:solidFill>
+                        </a:rPr>
+                        <a:t>5TB</a:t>
+                      </a:r>
+                      <a:endParaRPr lang="en-US" sz="1600" dirty="0">
+                        <a:solidFill>
+                          <a:srgbClr val="4C991D"/>
+                        </a:solidFill>
+                      </a:endParaRPr>
                     </a:p>
                   </a:txBody>
-                  <a:tcPr marL="50800" marR="50800" marT="50800" marB="50800"/>
-                </a:tc>
-              </a:tr>
-              <a:tr h="994423">
-                <a:tc>
-                  <a:txBody>
-                    <a:bodyPr/>
-                    <a:lstStyle/>
-                    <a:p>
-                      <a:pPr algn="l" fontAlgn="t"/>
-                      <a:r>
-                        <a:rPr lang="en-US" sz="1600" dirty="0">
-                          <a:effectLst/>
-                          <a:latin typeface="+mn-lt"/>
-                        </a:rPr>
-                        <a:t>Data can be backed up in the cloud as regularly as 15-minute intervals, minimizing data losses in disaster situations.</a:t>
-                      </a:r>
-                    </a:p>
-                  </a:txBody>
-                  <a:tcPr marL="50800" marR="50800" marT="50800" marB="50800"/>
+                  <a:tcPr/>
                 </a:tc>
                 <a:tc>
                   <a:txBody>
                     <a:bodyPr/>
                     <a:lstStyle/>
                     <a:p>
-                      <a:pPr algn="l" fontAlgn="t"/>
-                      <a:r>
-                        <a:rPr lang="en-US" sz="1600" dirty="0">
-                          <a:effectLst/>
-                          <a:latin typeface="+mn-lt"/>
-                        </a:rPr>
-                        <a:t>The costs can outweigh the benefits for companies not as dependent on uptime.</a:t>
-                      </a:r>
+                      <a:r>
+                        <a:rPr lang="en-US" altLang="zh-CN" sz="1600" dirty="0">
+                          <a:solidFill>
+                            <a:srgbClr val="991E1B"/>
+                          </a:solidFill>
+                        </a:rPr>
+                        <a:t>1-2TB</a:t>
+                      </a:r>
+                      <a:r>
+                        <a:rPr lang="zh-CN" altLang="en-US" sz="1600" dirty="0">
+                          <a:solidFill>
+                            <a:srgbClr val="991E1B"/>
+                          </a:solidFill>
+                        </a:rPr>
+                        <a:t> </a:t>
+                      </a:r>
+                      <a:r>
+                        <a:rPr lang="en-US" altLang="zh-CN" sz="1600" dirty="0">
+                          <a:solidFill>
+                            <a:srgbClr val="991E1B"/>
+                          </a:solidFill>
+                        </a:rPr>
+                        <a:t>(must</a:t>
+                      </a:r>
+                      <a:r>
+                        <a:rPr lang="zh-CN" altLang="en-US" sz="1600" dirty="0">
+                          <a:solidFill>
+                            <a:srgbClr val="991E1B"/>
+                          </a:solidFill>
+                        </a:rPr>
+                        <a:t> </a:t>
+                      </a:r>
+                      <a:r>
+                        <a:rPr lang="en-US" altLang="zh-CN" sz="1600" dirty="0">
+                          <a:solidFill>
+                            <a:srgbClr val="991E1B"/>
+                          </a:solidFill>
+                        </a:rPr>
+                        <a:t>be</a:t>
+                      </a:r>
+                      <a:r>
+                        <a:rPr lang="zh-CN" altLang="en-US" sz="1600" dirty="0">
+                          <a:solidFill>
+                            <a:srgbClr val="991E1B"/>
+                          </a:solidFill>
+                        </a:rPr>
+                        <a:t> </a:t>
+                      </a:r>
+                      <a:r>
+                        <a:rPr lang="en-US" altLang="zh-CN" sz="1600" dirty="0">
+                          <a:solidFill>
+                            <a:srgbClr val="991E1B"/>
+                          </a:solidFill>
+                        </a:rPr>
+                        <a:t>scalable)</a:t>
+                      </a:r>
+                      <a:endParaRPr lang="en-US" sz="1600" dirty="0">
+                        <a:solidFill>
+                          <a:srgbClr val="991E1B"/>
+                        </a:solidFill>
+                      </a:endParaRPr>
                     </a:p>
                   </a:txBody>
-                  <a:tcPr marL="50800" marR="50800" marT="50800" marB="50800"/>
+                  <a:tcPr/>
                 </a:tc>
+                <a:extLst>
+                  <a:ext uri="{0D108BD9-81ED-4DB2-BD59-A6C34878D82A}">
+                    <a16:rowId xmlns:a16="http://schemas.microsoft.com/office/drawing/2014/main" val="10002"/>
+                  </a:ext>
+                </a:extLst>
+              </a:tr>
+              <a:tr h="431800">
+                <a:tc>
+                  <a:txBody>
+                    <a:bodyPr/>
+                    <a:lstStyle/>
+                    <a:p>
+                      <a:pPr algn="l"/>
+                      <a:r>
+                        <a:rPr lang="en-US" altLang="zh-CN" sz="1800" dirty="0"/>
+                        <a:t>RAM</a:t>
+                      </a:r>
+                      <a:endParaRPr lang="en-US" sz="1800" b="1" dirty="0"/>
+                    </a:p>
+                  </a:txBody>
+                  <a:tcPr/>
+                </a:tc>
+                <a:tc>
+                  <a:txBody>
+                    <a:bodyPr/>
+                    <a:lstStyle/>
+                    <a:p>
+                      <a:r>
+                        <a:rPr lang="en-US" altLang="zh-CN" sz="1600" dirty="0">
+                          <a:solidFill>
+                            <a:srgbClr val="4C991D"/>
+                          </a:solidFill>
+                        </a:rPr>
+                        <a:t>128GB</a:t>
+                      </a:r>
+                      <a:endParaRPr lang="en-US" sz="1600" dirty="0">
+                        <a:solidFill>
+                          <a:srgbClr val="4C991D"/>
+                        </a:solidFill>
+                      </a:endParaRPr>
+                    </a:p>
+                  </a:txBody>
+                  <a:tcPr/>
+                </a:tc>
+                <a:tc>
+                  <a:txBody>
+                    <a:bodyPr/>
+                    <a:lstStyle/>
+                    <a:p>
+                      <a:r>
+                        <a:rPr lang="en-US" altLang="zh-CN" sz="1600" dirty="0">
+                          <a:solidFill>
+                            <a:srgbClr val="991E1B"/>
+                          </a:solidFill>
+                        </a:rPr>
+                        <a:t>256GB per</a:t>
+                      </a:r>
+                      <a:r>
+                        <a:rPr lang="en-US" altLang="zh-CN" sz="1600" baseline="0" dirty="0">
+                          <a:solidFill>
+                            <a:srgbClr val="991E1B"/>
+                          </a:solidFill>
+                        </a:rPr>
+                        <a:t> virtual machine</a:t>
+                      </a:r>
+                      <a:endParaRPr lang="en-US" sz="1600" dirty="0">
+                        <a:solidFill>
+                          <a:srgbClr val="991E1B"/>
+                        </a:solidFill>
+                      </a:endParaRPr>
+                    </a:p>
+                  </a:txBody>
+                  <a:tcPr/>
+                </a:tc>
+                <a:extLst>
+                  <a:ext uri="{0D108BD9-81ED-4DB2-BD59-A6C34878D82A}">
+                    <a16:rowId xmlns:a16="http://schemas.microsoft.com/office/drawing/2014/main" val="10003"/>
+                  </a:ext>
+                </a:extLst>
+              </a:tr>
+              <a:tr h="685800">
+                <a:tc>
+                  <a:txBody>
+                    <a:bodyPr/>
+                    <a:lstStyle/>
+                    <a:p>
+                      <a:pPr algn="l"/>
+                      <a:r>
+                        <a:rPr lang="en-US" altLang="zh-CN" sz="1800" dirty="0"/>
+                        <a:t>Operating</a:t>
+                      </a:r>
+                      <a:r>
+                        <a:rPr lang="zh-CN" altLang="en-US" sz="1800" dirty="0"/>
+                        <a:t> </a:t>
+                      </a:r>
+                      <a:r>
+                        <a:rPr lang="en-US" altLang="zh-CN" sz="1800" dirty="0"/>
+                        <a:t>system</a:t>
+                      </a:r>
+                      <a:endParaRPr lang="en-US" sz="1800" b="1" dirty="0"/>
+                    </a:p>
+                  </a:txBody>
+                  <a:tcPr/>
+                </a:tc>
+                <a:tc>
+                  <a:txBody>
+                    <a:bodyPr/>
+                    <a:lstStyle/>
+                    <a:p>
+                      <a:r>
+                        <a:rPr lang="en-US" altLang="zh-CN" sz="1600" dirty="0"/>
+                        <a:t>Red</a:t>
+                      </a:r>
+                      <a:r>
+                        <a:rPr lang="zh-CN" altLang="en-US" sz="1600" dirty="0"/>
+                        <a:t> </a:t>
+                      </a:r>
+                      <a:r>
+                        <a:rPr lang="en-US" altLang="zh-CN" sz="1600" dirty="0"/>
+                        <a:t>Hat</a:t>
+                      </a:r>
+                      <a:r>
+                        <a:rPr lang="zh-CN" altLang="en-US" sz="1600" dirty="0"/>
+                        <a:t> </a:t>
+                      </a:r>
+                      <a:r>
+                        <a:rPr lang="en-US" altLang="zh-CN" sz="1600" dirty="0"/>
+                        <a:t>Enterprise</a:t>
+                      </a:r>
+                      <a:r>
+                        <a:rPr lang="zh-CN" altLang="en-US" sz="1600" baseline="0" dirty="0"/>
+                        <a:t> </a:t>
+                      </a:r>
+                      <a:r>
+                        <a:rPr lang="en-US" altLang="zh-CN" sz="1600" baseline="0" dirty="0"/>
+                        <a:t>Linux</a:t>
+                      </a:r>
+                      <a:r>
+                        <a:rPr lang="zh-CN" altLang="en-US" sz="1600" baseline="0" dirty="0"/>
+                        <a:t> </a:t>
+                      </a:r>
+                      <a:r>
+                        <a:rPr lang="en-US" altLang="zh-CN" sz="1600" baseline="0" dirty="0"/>
+                        <a:t>7.3</a:t>
+                      </a:r>
+                      <a:endParaRPr lang="en-US" sz="1600" dirty="0"/>
+                    </a:p>
+                  </a:txBody>
+                  <a:tcPr/>
+                </a:tc>
+                <a:tc>
+                  <a:txBody>
+                    <a:bodyPr/>
+                    <a:lstStyle/>
+                    <a:p>
+                      <a:r>
+                        <a:rPr lang="en-US" altLang="zh-CN" sz="1600" dirty="0"/>
+                        <a:t>Red</a:t>
+                      </a:r>
+                      <a:r>
+                        <a:rPr lang="zh-CN" altLang="en-US" sz="1600" dirty="0"/>
+                        <a:t> </a:t>
+                      </a:r>
+                      <a:r>
+                        <a:rPr lang="en-US" altLang="zh-CN" sz="1600" dirty="0"/>
+                        <a:t>Hat</a:t>
+                      </a:r>
+                      <a:r>
+                        <a:rPr lang="zh-CN" altLang="en-US" sz="1600" dirty="0"/>
+                        <a:t> </a:t>
+                      </a:r>
+                      <a:r>
+                        <a:rPr lang="en-US" altLang="zh-CN" sz="1600" dirty="0"/>
+                        <a:t>Enterprise</a:t>
+                      </a:r>
+                      <a:r>
+                        <a:rPr lang="zh-CN" altLang="en-US" sz="1600" baseline="0" dirty="0"/>
+                        <a:t> </a:t>
+                      </a:r>
+                      <a:r>
+                        <a:rPr lang="en-US" altLang="zh-CN" sz="1600" baseline="0" dirty="0"/>
+                        <a:t>Linux</a:t>
+                      </a:r>
+                      <a:r>
+                        <a:rPr lang="zh-CN" altLang="en-US" sz="1600" baseline="0" dirty="0"/>
+                        <a:t> </a:t>
+                      </a:r>
+                      <a:r>
+                        <a:rPr lang="en-US" altLang="zh-CN" sz="1600" baseline="0" dirty="0"/>
+                        <a:t>7.3</a:t>
+                      </a:r>
+                      <a:endParaRPr lang="en-US" sz="1600" dirty="0"/>
+                    </a:p>
+                  </a:txBody>
+                  <a:tcPr/>
+                </a:tc>
+                <a:extLst>
+                  <a:ext uri="{0D108BD9-81ED-4DB2-BD59-A6C34878D82A}">
+                    <a16:rowId xmlns:a16="http://schemas.microsoft.com/office/drawing/2014/main" val="10004"/>
+                  </a:ext>
+                </a:extLst>
+              </a:tr>
+              <a:tr h="685800">
+                <a:tc>
+                  <a:txBody>
+                    <a:bodyPr/>
+                    <a:lstStyle/>
+                    <a:p>
+                      <a:pPr algn="l"/>
+                      <a:r>
+                        <a:rPr lang="en-US" altLang="zh-CN" sz="1800" b="0" dirty="0"/>
+                        <a:t>Path</a:t>
+                      </a:r>
+                      <a:r>
+                        <a:rPr lang="zh-CN" altLang="en-US" sz="1800" b="0" dirty="0"/>
+                        <a:t> </a:t>
+                      </a:r>
+                      <a:r>
+                        <a:rPr lang="en-US" altLang="zh-CN" sz="1800" b="0" dirty="0"/>
+                        <a:t>to</a:t>
+                      </a:r>
+                      <a:r>
+                        <a:rPr lang="zh-CN" altLang="en-US" sz="1800" b="0" dirty="0"/>
+                        <a:t> </a:t>
+                      </a:r>
+                      <a:r>
+                        <a:rPr lang="en-US" altLang="zh-CN" sz="1800" b="0" dirty="0"/>
+                        <a:t>existing</a:t>
+                      </a:r>
+                      <a:r>
+                        <a:rPr lang="zh-CN" altLang="en-US" sz="1800" b="0" baseline="0" dirty="0"/>
+                        <a:t> </a:t>
+                      </a:r>
+                      <a:r>
+                        <a:rPr lang="en-US" altLang="zh-CN" sz="1800" b="0" baseline="0" dirty="0"/>
+                        <a:t>server/model</a:t>
+                      </a:r>
+                      <a:endParaRPr lang="en-US" sz="1800" b="0" dirty="0"/>
+                    </a:p>
+                  </a:txBody>
+                  <a:tcPr/>
+                </a:tc>
+                <a:tc>
+                  <a:txBody>
+                    <a:bodyPr/>
+                    <a:lstStyle/>
+                    <a:p>
+                      <a:r>
+                        <a:rPr lang="en-US" altLang="zh-CN" sz="1600" dirty="0"/>
+                        <a:t>SFTP</a:t>
+                      </a:r>
+                      <a:r>
+                        <a:rPr lang="zh-CN" altLang="en-US" sz="1600" dirty="0"/>
+                        <a:t> </a:t>
+                      </a:r>
+                      <a:r>
+                        <a:rPr lang="en-US" altLang="zh-CN" sz="1600" dirty="0"/>
+                        <a:t>tunnel</a:t>
+                      </a:r>
+                      <a:endParaRPr lang="en-US" sz="1600" dirty="0"/>
+                    </a:p>
+                  </a:txBody>
+                  <a:tcPr/>
+                </a:tc>
+                <a:tc>
+                  <a:txBody>
+                    <a:bodyPr/>
+                    <a:lstStyle/>
+                    <a:p>
+                      <a:r>
+                        <a:rPr lang="en-US" altLang="zh-CN" sz="1600" dirty="0"/>
+                        <a:t>SFTP</a:t>
+                      </a:r>
+                      <a:r>
+                        <a:rPr lang="zh-CN" altLang="en-US" sz="1600" dirty="0"/>
+                        <a:t> </a:t>
+                      </a:r>
+                      <a:r>
+                        <a:rPr lang="en-US" altLang="zh-CN" sz="1600" dirty="0"/>
+                        <a:t>tunnel</a:t>
+                      </a:r>
+                      <a:endParaRPr lang="en-US" sz="1600" dirty="0"/>
+                    </a:p>
+                    <a:p>
+                      <a:endParaRPr lang="en-US" sz="1600" dirty="0"/>
+                    </a:p>
+                  </a:txBody>
+                  <a:tcPr/>
+                </a:tc>
+                <a:extLst>
+                  <a:ext uri="{0D108BD9-81ED-4DB2-BD59-A6C34878D82A}">
+                    <a16:rowId xmlns:a16="http://schemas.microsoft.com/office/drawing/2014/main" val="10005"/>
+                  </a:ext>
+                </a:extLst>
+              </a:tr>
+              <a:tr h="685800">
+                <a:tc>
+                  <a:txBody>
+                    <a:bodyPr/>
+                    <a:lstStyle/>
+                    <a:p>
+                      <a:pPr algn="l"/>
+                      <a:r>
+                        <a:rPr lang="en-US" altLang="zh-CN" sz="1800" b="0" dirty="0"/>
+                        <a:t>Data</a:t>
+                      </a:r>
+                      <a:r>
+                        <a:rPr lang="zh-CN" altLang="en-US" sz="1800" b="0" dirty="0"/>
+                        <a:t> </a:t>
+                      </a:r>
+                      <a:r>
+                        <a:rPr lang="en-US" altLang="zh-CN" sz="1800" b="0" dirty="0"/>
+                        <a:t>access</a:t>
+                      </a:r>
+                      <a:endParaRPr lang="en-US" sz="1800" b="0" dirty="0"/>
+                    </a:p>
+                  </a:txBody>
+                  <a:tcPr/>
+                </a:tc>
+                <a:tc>
+                  <a:txBody>
+                    <a:bodyPr/>
+                    <a:lstStyle/>
+                    <a:p>
+                      <a:r>
+                        <a:rPr lang="en-US" altLang="zh-CN" sz="1600" dirty="0"/>
+                        <a:t>Explorys,</a:t>
+                      </a:r>
+                      <a:r>
+                        <a:rPr lang="zh-CN" altLang="en-US" sz="1600" dirty="0"/>
+                        <a:t> </a:t>
+                      </a:r>
+                      <a:r>
+                        <a:rPr lang="en-US" altLang="zh-CN" sz="1600" dirty="0"/>
+                        <a:t>MarketScan,</a:t>
+                      </a:r>
+                      <a:r>
+                        <a:rPr lang="zh-CN" altLang="en-US" sz="1600" baseline="0" dirty="0"/>
+                        <a:t> </a:t>
+                      </a:r>
+                      <a:r>
+                        <a:rPr lang="en-US" altLang="zh-CN" sz="1600" baseline="0" dirty="0"/>
+                        <a:t>SAF,</a:t>
+                      </a:r>
+                      <a:r>
+                        <a:rPr lang="zh-CN" altLang="en-US" sz="1600" baseline="0" dirty="0"/>
+                        <a:t> </a:t>
+                      </a:r>
+                      <a:r>
+                        <a:rPr lang="en-US" altLang="zh-CN" sz="1600" baseline="0" dirty="0" err="1"/>
+                        <a:t>Huntmore</a:t>
+                      </a:r>
+                      <a:r>
+                        <a:rPr lang="en-US" altLang="zh-CN" sz="1600" baseline="0" dirty="0"/>
+                        <a:t>(CED),</a:t>
+                      </a:r>
+                      <a:r>
+                        <a:rPr lang="zh-CN" altLang="en-US" sz="1600" baseline="0" dirty="0"/>
+                        <a:t> </a:t>
+                      </a:r>
+                      <a:r>
+                        <a:rPr lang="en-US" altLang="zh-CN" sz="1600" baseline="0" dirty="0"/>
+                        <a:t>PIDB,</a:t>
+                      </a:r>
+                      <a:r>
+                        <a:rPr lang="zh-CN" altLang="en-US" sz="1600" baseline="0" dirty="0"/>
+                        <a:t> </a:t>
+                      </a:r>
+                      <a:r>
+                        <a:rPr lang="en-US" altLang="zh-CN" sz="1600" baseline="0" dirty="0"/>
+                        <a:t>reference</a:t>
+                      </a:r>
+                      <a:r>
+                        <a:rPr lang="zh-CN" altLang="en-US" sz="1600" baseline="0" dirty="0"/>
+                        <a:t> </a:t>
+                      </a:r>
+                      <a:r>
+                        <a:rPr lang="en-US" altLang="zh-CN" sz="1600" baseline="0" dirty="0"/>
+                        <a:t>data</a:t>
+                      </a:r>
+                      <a:endParaRPr lang="en-US" sz="1600" dirty="0"/>
+                    </a:p>
+                  </a:txBody>
+                  <a:tcPr/>
+                </a:tc>
+                <a:tc>
+                  <a:txBody>
+                    <a:bodyPr/>
+                    <a:lstStyle/>
+                    <a:p>
+                      <a:r>
+                        <a:rPr lang="en-US" altLang="zh-CN" sz="1600" dirty="0"/>
+                        <a:t>Explorys,</a:t>
+                      </a:r>
+                      <a:r>
+                        <a:rPr lang="zh-CN" altLang="en-US" sz="1600" dirty="0"/>
+                        <a:t> </a:t>
+                      </a:r>
+                      <a:r>
+                        <a:rPr lang="en-US" altLang="zh-CN" sz="1600" dirty="0"/>
+                        <a:t>MarketScan,</a:t>
+                      </a:r>
+                      <a:r>
+                        <a:rPr lang="zh-CN" altLang="en-US" sz="1600" baseline="0" dirty="0"/>
+                        <a:t> </a:t>
+                      </a:r>
+                      <a:r>
+                        <a:rPr lang="en-US" altLang="zh-CN" sz="1600" baseline="0" dirty="0"/>
+                        <a:t>SAF,</a:t>
+                      </a:r>
+                      <a:r>
+                        <a:rPr lang="zh-CN" altLang="en-US" sz="1600" baseline="0" dirty="0"/>
+                        <a:t> </a:t>
+                      </a:r>
+                      <a:r>
+                        <a:rPr lang="en-US" altLang="zh-CN" sz="1600" baseline="0" dirty="0" err="1"/>
+                        <a:t>Huntmore</a:t>
+                      </a:r>
+                      <a:r>
+                        <a:rPr lang="en-US" altLang="zh-CN" sz="1600" baseline="0" dirty="0"/>
+                        <a:t>(CED),</a:t>
+                      </a:r>
+                      <a:r>
+                        <a:rPr lang="zh-CN" altLang="en-US" sz="1600" baseline="0" dirty="0"/>
+                        <a:t> </a:t>
+                      </a:r>
+                      <a:r>
+                        <a:rPr lang="en-US" altLang="zh-CN" sz="1600" baseline="0" dirty="0"/>
+                        <a:t>PIDB,</a:t>
+                      </a:r>
+                      <a:r>
+                        <a:rPr lang="zh-CN" altLang="en-US" sz="1600" baseline="0" dirty="0"/>
+                        <a:t> </a:t>
+                      </a:r>
+                      <a:r>
+                        <a:rPr lang="en-US" altLang="zh-CN" sz="1600" baseline="0" dirty="0"/>
+                        <a:t>reference</a:t>
+                      </a:r>
+                      <a:r>
+                        <a:rPr lang="zh-CN" altLang="en-US" sz="1600" baseline="0" dirty="0"/>
+                        <a:t> </a:t>
+                      </a:r>
+                      <a:r>
+                        <a:rPr lang="en-US" altLang="zh-CN" sz="1600" baseline="0" dirty="0"/>
+                        <a:t>data</a:t>
+                      </a:r>
+                      <a:endParaRPr lang="en-US" sz="1600" dirty="0"/>
+                    </a:p>
+                  </a:txBody>
+                  <a:tcPr/>
+                </a:tc>
+                <a:extLst>
+                  <a:ext uri="{0D108BD9-81ED-4DB2-BD59-A6C34878D82A}">
+                    <a16:rowId xmlns:a16="http://schemas.microsoft.com/office/drawing/2014/main" val="10006"/>
+                  </a:ext>
+                </a:extLst>
               </a:tr>
             </a:tbl>
           </a:graphicData>
@@ -6073,7 +6830,7 @@
     </p:spTree>
     <p:extLst>
       <p:ext uri="{BB962C8B-B14F-4D97-AF65-F5344CB8AC3E}">
-        <p14:creationId xmlns:p14="http://schemas.microsoft.com/office/powerpoint/2010/main" val="1253974318"/>
+        <p14:creationId xmlns:p14="http://schemas.microsoft.com/office/powerpoint/2010/main" val="468233468"/>
       </p:ext>
     </p:extLst>
   </p:cSld>
@@ -6081,13 +6838,6 @@
     <a:masterClrMapping/>
   </p:clrMapOvr>
   <p:transition spd="slow"/>
-  <p:timing>
-    <p:tnLst>
-      <p:par>
-        <p:cTn id="1" dur="indefinite" restart="never" nodeType="tmRoot"/>
-      </p:par>
-    </p:tnLst>
-  </p:timing>
 </p:sld>
 </file>
 
@@ -6110,7 +6860,13 @@
       </p:grpSpPr>
       <p:sp>
         <p:nvSpPr>
-          <p:cNvPr id="2" name="Title 1"/>
+          <p:cNvPr id="2" name="Title 1">
+            <a:extLst>
+              <a:ext uri="{FF2B5EF4-FFF2-40B4-BE49-F238E27FC236}">
+                <a16:creationId xmlns:a16="http://schemas.microsoft.com/office/drawing/2014/main" id="{0F27F4F5-CDA3-7F4D-86A9-17619289889F}"/>
+              </a:ext>
+            </a:extLst>
+          </p:cNvPr>
           <p:cNvSpPr>
             <a:spLocks noGrp="1"/>
           </p:cNvSpPr>
@@ -6124,106 +6880,53 @@
           <a:lstStyle/>
           <a:p>
             <a:r>
-              <a:rPr lang="en-US" altLang="zh-CN" dirty="0" smtClean="0"/>
-              <a:t>IBM</a:t>
-            </a:r>
-            <a:r>
-              <a:rPr lang="zh-CN" altLang="en-US" dirty="0" smtClean="0"/>
+              <a:rPr lang="en-US" altLang="zh-Hans" dirty="0"/>
+              <a:t>Data</a:t>
+            </a:r>
+            <a:r>
+              <a:rPr lang="zh-Hans" altLang="en-US" dirty="0"/>
               <a:t> </a:t>
             </a:r>
             <a:r>
-              <a:rPr lang="en-US" altLang="zh-CN" dirty="0" smtClean="0"/>
-              <a:t>cloud</a:t>
-            </a:r>
-            <a:r>
-              <a:rPr lang="zh-CN" altLang="en-US" dirty="0" smtClean="0"/>
+              <a:rPr lang="en-US" altLang="zh-Hans" dirty="0"/>
+              <a:t>Science</a:t>
+            </a:r>
+            <a:r>
+              <a:rPr lang="zh-Hans" altLang="en-US" dirty="0"/>
               <a:t> </a:t>
             </a:r>
             <a:r>
-              <a:rPr lang="en-US" altLang="zh-CN" dirty="0" smtClean="0"/>
-              <a:t>server</a:t>
-            </a:r>
-            <a:endParaRPr lang="en-US" dirty="0"/>
-          </a:p>
-        </p:txBody>
-      </p:sp>
-      <p:sp>
-        <p:nvSpPr>
-          <p:cNvPr id="3" name="Content Placeholder 2"/>
-          <p:cNvSpPr>
-            <a:spLocks noGrp="1"/>
-          </p:cNvSpPr>
-          <p:nvPr>
-            <p:ph idx="12"/>
-          </p:nvPr>
-        </p:nvSpPr>
-        <p:spPr>
-          <a:xfrm>
-            <a:off x="609600" y="1601892"/>
-            <a:ext cx="10972800" cy="5091007"/>
-          </a:xfrm>
-        </p:spPr>
-        <p:txBody>
-          <a:bodyPr numCol="1"/>
-          <a:lstStyle/>
-          <a:p>
-            <a:endParaRPr lang="en-US" sz="2400" dirty="0" smtClean="0"/>
-          </a:p>
-          <a:p>
-            <a:endParaRPr lang="en-US" sz="2400" dirty="0"/>
-          </a:p>
-          <a:p>
-            <a:endParaRPr lang="en-US" sz="2400" dirty="0" smtClean="0"/>
-          </a:p>
-          <a:p>
-            <a:endParaRPr lang="en-US" sz="2400" dirty="0"/>
-          </a:p>
-          <a:p>
-            <a:endParaRPr lang="en-US" sz="2400" dirty="0" smtClean="0"/>
-          </a:p>
-          <a:p>
-            <a:endParaRPr lang="en-US" sz="2400" dirty="0" smtClean="0"/>
-          </a:p>
-          <a:p>
-            <a:endParaRPr lang="en-US" sz="2400" dirty="0" smtClean="0"/>
-          </a:p>
-          <a:p>
-            <a:pPr lvl="1"/>
-            <a:endParaRPr lang="en-US" sz="2000" dirty="0"/>
-          </a:p>
-          <a:p>
-            <a:pPr lvl="1"/>
-            <a:endParaRPr lang="en-US" sz="2000" dirty="0" smtClean="0"/>
-          </a:p>
-          <a:p>
+              <a:rPr lang="en-US" altLang="zh-Hans" dirty="0"/>
+              <a:t>Workflow</a:t>
+            </a:r>
             <a:endParaRPr lang="en-US" dirty="0"/>
           </a:p>
         </p:txBody>
       </p:sp>
       <p:pic>
         <p:nvPicPr>
-          <p:cNvPr id="4" name="Picture 3"/>
+          <p:cNvPr id="9" name="Picture 8">
+            <a:extLst>
+              <a:ext uri="{FF2B5EF4-FFF2-40B4-BE49-F238E27FC236}">
+                <a16:creationId xmlns:a16="http://schemas.microsoft.com/office/drawing/2014/main" id="{A607C183-D4A6-B54F-AF4A-2E4779C4CC85}"/>
+              </a:ext>
+            </a:extLst>
+          </p:cNvPr>
           <p:cNvPicPr>
             <a:picLocks noChangeAspect="1"/>
           </p:cNvPicPr>
           <p:nvPr/>
         </p:nvPicPr>
         <p:blipFill>
-          <a:blip r:embed="rId2">
-            <a:extLst>
-              <a:ext uri="{28A0092B-C50C-407E-A947-70E740481C1C}">
-                <a14:useLocalDpi xmlns:a14="http://schemas.microsoft.com/office/drawing/2010/main" val="0"/>
-              </a:ext>
-            </a:extLst>
-          </a:blip>
+          <a:blip r:embed="rId2"/>
           <a:stretch>
             <a:fillRect/>
           </a:stretch>
         </p:blipFill>
         <p:spPr>
           <a:xfrm>
-            <a:off x="734698" y="1601892"/>
-            <a:ext cx="10722604" cy="3720087"/>
+            <a:off x="1651000" y="1194813"/>
+            <a:ext cx="8890000" cy="5359400"/>
           </a:xfrm>
           <a:prstGeom prst="rect">
             <a:avLst/>
@@ -6233,7 +6936,7 @@
     </p:spTree>
     <p:extLst>
       <p:ext uri="{BB962C8B-B14F-4D97-AF65-F5344CB8AC3E}">
-        <p14:creationId xmlns:p14="http://schemas.microsoft.com/office/powerpoint/2010/main" val="1651310573"/>
+        <p14:creationId xmlns:p14="http://schemas.microsoft.com/office/powerpoint/2010/main" val="1615975057"/>
       </p:ext>
     </p:extLst>
   </p:cSld>
@@ -6241,250 +6944,6 @@
     <a:masterClrMapping/>
   </p:clrMapOvr>
   <p:transition spd="slow"/>
-  <p:timing>
-    <p:tnLst>
-      <p:par>
-        <p:cTn id="1" dur="indefinite" restart="never" nodeType="tmRoot"/>
-      </p:par>
-    </p:tnLst>
-  </p:timing>
-</p:sld>
-</file>
-
-<file path=ppt/slides/slide12.xml><?xml version="1.0" encoding="utf-8"?>
-<p:sld xmlns:a="http://schemas.openxmlformats.org/drawingml/2006/main" xmlns:r="http://schemas.openxmlformats.org/officeDocument/2006/relationships" xmlns:p="http://schemas.openxmlformats.org/presentationml/2006/main">
-  <p:cSld>
-    <p:spTree>
-      <p:nvGrpSpPr>
-        <p:cNvPr id="1" name=""/>
-        <p:cNvGrpSpPr/>
-        <p:nvPr/>
-      </p:nvGrpSpPr>
-      <p:grpSpPr>
-        <a:xfrm>
-          <a:off x="0" y="0"/>
-          <a:ext cx="0" cy="0"/>
-          <a:chOff x="0" y="0"/>
-          <a:chExt cx="0" cy="0"/>
-        </a:xfrm>
-      </p:grpSpPr>
-      <p:sp>
-        <p:nvSpPr>
-          <p:cNvPr id="2" name="Title 1"/>
-          <p:cNvSpPr>
-            <a:spLocks noGrp="1"/>
-          </p:cNvSpPr>
-          <p:nvPr>
-            <p:ph type="title"/>
-          </p:nvPr>
-        </p:nvSpPr>
-        <p:spPr/>
-        <p:txBody>
-          <a:bodyPr/>
-          <a:lstStyle/>
-          <a:p>
-            <a:r>
-              <a:rPr lang="en-US" altLang="zh-CN" dirty="0" smtClean="0"/>
-              <a:t>IBM</a:t>
-            </a:r>
-            <a:r>
-              <a:rPr lang="zh-CN" altLang="en-US" dirty="0" smtClean="0"/>
-              <a:t> </a:t>
-            </a:r>
-            <a:r>
-              <a:rPr lang="en-US" altLang="zh-CN" dirty="0" smtClean="0"/>
-              <a:t>cloud</a:t>
-            </a:r>
-            <a:r>
-              <a:rPr lang="zh-CN" altLang="en-US" dirty="0" smtClean="0"/>
-              <a:t> </a:t>
-            </a:r>
-            <a:r>
-              <a:rPr lang="en-US" altLang="zh-CN" dirty="0" smtClean="0"/>
-              <a:t>server</a:t>
-            </a:r>
-            <a:endParaRPr lang="en-US" dirty="0"/>
-          </a:p>
-        </p:txBody>
-      </p:sp>
-      <p:sp>
-        <p:nvSpPr>
-          <p:cNvPr id="3" name="Content Placeholder 2"/>
-          <p:cNvSpPr>
-            <a:spLocks noGrp="1"/>
-          </p:cNvSpPr>
-          <p:nvPr>
-            <p:ph idx="12"/>
-          </p:nvPr>
-        </p:nvSpPr>
-        <p:spPr/>
-        <p:txBody>
-          <a:bodyPr/>
-          <a:lstStyle/>
-          <a:p>
-            <a:r>
-              <a:rPr lang="en-US" sz="2400" dirty="0"/>
-              <a:t>Intel Xeon E5-2690 v4: </a:t>
-            </a:r>
-            <a:r>
-              <a:rPr lang="en-US" altLang="zh-CN" sz="2400" dirty="0" smtClean="0"/>
-              <a:t>$1500</a:t>
-            </a:r>
-            <a:r>
-              <a:rPr lang="en-US" sz="2400" dirty="0" smtClean="0"/>
-              <a:t>/month </a:t>
-            </a:r>
-            <a:r>
-              <a:rPr lang="en-US" sz="2400" dirty="0"/>
-              <a:t>(additional 30% IBM internal discount</a:t>
-            </a:r>
-            <a:r>
-              <a:rPr lang="en-US" sz="2400" dirty="0" smtClean="0"/>
-              <a:t>)</a:t>
-            </a:r>
-          </a:p>
-          <a:p>
-            <a:pPr lvl="1"/>
-            <a:r>
-              <a:rPr lang="en-US" altLang="zh-CN" sz="2100" dirty="0" smtClean="0"/>
-              <a:t>Configure</a:t>
-            </a:r>
-            <a:r>
-              <a:rPr lang="zh-CN" altLang="en-US" sz="2100" dirty="0" smtClean="0"/>
-              <a:t> </a:t>
-            </a:r>
-            <a:r>
-              <a:rPr lang="en-US" altLang="zh-CN" sz="2100" dirty="0" smtClean="0"/>
-              <a:t>to</a:t>
-            </a:r>
-            <a:r>
-              <a:rPr lang="zh-CN" altLang="en-US" sz="2100" dirty="0" smtClean="0"/>
-              <a:t> </a:t>
-            </a:r>
-            <a:r>
-              <a:rPr lang="en-US" altLang="zh-CN" sz="2100" dirty="0" smtClean="0"/>
-              <a:t>our</a:t>
-            </a:r>
-            <a:r>
-              <a:rPr lang="zh-CN" altLang="en-US" sz="2100" dirty="0" smtClean="0"/>
-              <a:t> </a:t>
-            </a:r>
-            <a:r>
-              <a:rPr lang="en-US" altLang="zh-CN" sz="2100" dirty="0" smtClean="0"/>
-              <a:t>demand</a:t>
-            </a:r>
-            <a:endParaRPr lang="en-US" sz="2100" dirty="0"/>
-          </a:p>
-          <a:p>
-            <a:pPr lvl="2"/>
-            <a:r>
-              <a:rPr lang="en-US" sz="1700" dirty="0"/>
-              <a:t>HIPAA compliant</a:t>
-            </a:r>
-          </a:p>
-          <a:p>
-            <a:pPr lvl="2"/>
-            <a:r>
-              <a:rPr lang="en-US" sz="1700" dirty="0"/>
-              <a:t>28 cores, 2.60 GHz</a:t>
-            </a:r>
-          </a:p>
-          <a:p>
-            <a:pPr lvl="2"/>
-            <a:r>
-              <a:rPr lang="en-US" altLang="zh-CN" sz="1700" dirty="0" smtClean="0"/>
-              <a:t>256GB</a:t>
-            </a:r>
-            <a:r>
-              <a:rPr lang="zh-CN" altLang="en-US" sz="1700" dirty="0" smtClean="0"/>
-              <a:t> </a:t>
-            </a:r>
-            <a:r>
-              <a:rPr lang="en-US" sz="1700" dirty="0"/>
-              <a:t>RAM</a:t>
-            </a:r>
-            <a:r>
-              <a:rPr lang="en-US" altLang="zh-CN" sz="1700" dirty="0"/>
-              <a:t>,</a:t>
-            </a:r>
-            <a:r>
-              <a:rPr lang="zh-CN" altLang="en-US" sz="1700" dirty="0"/>
-              <a:t> </a:t>
-            </a:r>
-            <a:r>
-              <a:rPr lang="en-US" altLang="zh-CN" sz="1700" dirty="0" smtClean="0"/>
-              <a:t>10TB</a:t>
-            </a:r>
-            <a:r>
-              <a:rPr lang="zh-CN" altLang="en-US" sz="1700" dirty="0" smtClean="0"/>
-              <a:t> </a:t>
-            </a:r>
-            <a:r>
-              <a:rPr lang="en-US" altLang="zh-CN" sz="1700" dirty="0"/>
-              <a:t>storage</a:t>
-            </a:r>
-          </a:p>
-          <a:p>
-            <a:pPr lvl="2"/>
-            <a:r>
-              <a:rPr lang="en-US" altLang="zh-CN" sz="1700" dirty="0"/>
-              <a:t>Point</a:t>
-            </a:r>
-            <a:r>
-              <a:rPr lang="zh-CN" altLang="en-US" sz="1700" dirty="0"/>
-              <a:t> </a:t>
-            </a:r>
-            <a:r>
-              <a:rPr lang="en-US" altLang="zh-CN" sz="1700" dirty="0"/>
-              <a:t>of</a:t>
-            </a:r>
-            <a:r>
-              <a:rPr lang="zh-CN" altLang="en-US" sz="1700" dirty="0"/>
-              <a:t> </a:t>
-            </a:r>
-            <a:r>
-              <a:rPr lang="en-US" altLang="zh-CN" sz="1700" dirty="0"/>
-              <a:t>contact:</a:t>
-            </a:r>
-            <a:r>
-              <a:rPr lang="zh-CN" altLang="en-US" sz="1700" dirty="0"/>
-              <a:t> </a:t>
-            </a:r>
-            <a:r>
-              <a:rPr lang="en-US" altLang="zh-CN" sz="1700" dirty="0">
-                <a:hlinkClick r:id="rId2"/>
-              </a:rPr>
-              <a:t>wnichola@us.ibm.com</a:t>
-            </a:r>
-            <a:r>
-              <a:rPr lang="zh-CN" altLang="en-US" sz="1700" dirty="0"/>
-              <a:t> </a:t>
-            </a:r>
-            <a:endParaRPr lang="en-US" sz="1700" dirty="0"/>
-          </a:p>
-          <a:p>
-            <a:endParaRPr lang="en-US" dirty="0"/>
-          </a:p>
-        </p:txBody>
-      </p:sp>
-    </p:spTree>
-    <p:extLst>
-      <p:ext uri="{BB962C8B-B14F-4D97-AF65-F5344CB8AC3E}">
-        <p14:creationId xmlns:p14="http://schemas.microsoft.com/office/powerpoint/2010/main" val="997194489"/>
-      </p:ext>
-    </p:extLst>
-  </p:cSld>
-  <p:clrMapOvr>
-    <a:masterClrMapping/>
-  </p:clrMapOvr>
-  <p:transition spd="slow"/>
-  <p:timing>
-    <p:tnLst>
-      <p:par>
-        <p:cTn id="1" dur="indefinite" restart="never" nodeType="tmRoot"/>
-      </p:par>
-    </p:tnLst>
-  </p:timing>
 </p:sld>
 </file>
 
@@ -6507,7 +6966,13 @@
       </p:grpSpPr>
       <p:sp>
         <p:nvSpPr>
-          <p:cNvPr id="2" name="Title 1"/>
+          <p:cNvPr id="2" name="Title 1">
+            <a:extLst>
+              <a:ext uri="{FF2B5EF4-FFF2-40B4-BE49-F238E27FC236}">
+                <a16:creationId xmlns:a16="http://schemas.microsoft.com/office/drawing/2014/main" id="{2CE24C33-DE93-2F4F-8D19-904144271227}"/>
+              </a:ext>
+            </a:extLst>
+          </p:cNvPr>
           <p:cNvSpPr>
             <a:spLocks noGrp="1"/>
           </p:cNvSpPr>
@@ -6521,8 +6986,16 @@
           <a:lstStyle/>
           <a:p>
             <a:r>
-              <a:rPr lang="en-US" altLang="zh-CN" dirty="0" smtClean="0"/>
-              <a:t>Objectives</a:t>
+              <a:rPr lang="en-US" altLang="zh-Hans" dirty="0"/>
+              <a:t>Current</a:t>
+            </a:r>
+            <a:r>
+              <a:rPr lang="zh-Hans" altLang="en-US" dirty="0"/>
+              <a:t> </a:t>
+            </a:r>
+            <a:r>
+              <a:rPr lang="en-US" altLang="zh-Hans" dirty="0"/>
+              <a:t>Situation</a:t>
             </a:r>
             <a:endParaRPr lang="en-US" dirty="0"/>
           </a:p>
@@ -6530,7 +7003,13 @@
       </p:sp>
       <p:sp>
         <p:nvSpPr>
-          <p:cNvPr id="3" name="Content Placeholder 2"/>
+          <p:cNvPr id="3" name="Content Placeholder 2">
+            <a:extLst>
+              <a:ext uri="{FF2B5EF4-FFF2-40B4-BE49-F238E27FC236}">
+                <a16:creationId xmlns:a16="http://schemas.microsoft.com/office/drawing/2014/main" id="{59E2F506-294A-5F48-B782-E2D9370F6A45}"/>
+              </a:ext>
+            </a:extLst>
+          </p:cNvPr>
           <p:cNvSpPr>
             <a:spLocks noGrp="1"/>
           </p:cNvSpPr>
@@ -6544,383 +7023,219 @@
           <a:lstStyle/>
           <a:p>
             <a:r>
-              <a:rPr lang="en-US" altLang="zh-CN" sz="2400" dirty="0"/>
-              <a:t>Step</a:t>
-            </a:r>
-            <a:r>
-              <a:rPr lang="zh-CN" altLang="en-US" sz="2400" dirty="0"/>
+              <a:rPr lang="en-US" altLang="zh-Hans" sz="2400" dirty="0"/>
+              <a:t>Analytics</a:t>
+            </a:r>
+            <a:r>
+              <a:rPr lang="zh-Hans" altLang="en-US" sz="2400" dirty="0"/>
               <a:t> </a:t>
             </a:r>
             <a:r>
-              <a:rPr lang="en-US" altLang="zh-CN" sz="2400" dirty="0" smtClean="0"/>
-              <a:t>1:</a:t>
-            </a:r>
-            <a:r>
-              <a:rPr lang="zh-CN" altLang="en-US" sz="2400" dirty="0" smtClean="0"/>
+              <a:rPr lang="en-US" altLang="zh-Hans" sz="2400" dirty="0"/>
+              <a:t>Server</a:t>
+            </a:r>
+            <a:r>
+              <a:rPr lang="zh-Hans" altLang="en-US" sz="2400" dirty="0"/>
               <a:t> </a:t>
             </a:r>
             <a:r>
-              <a:rPr lang="en-US" altLang="zh-CN" sz="2400" dirty="0" smtClean="0"/>
-              <a:t>Determined</a:t>
-            </a:r>
-            <a:r>
-              <a:rPr lang="zh-CN" altLang="en-US" sz="2400" dirty="0" smtClean="0"/>
+              <a:rPr lang="en-US" altLang="zh-Hans" sz="2400" dirty="0"/>
+              <a:t>(0852)</a:t>
+            </a:r>
+          </a:p>
+          <a:p>
+            <a:pPr lvl="1"/>
+            <a:r>
+              <a:rPr lang="en-US" altLang="zh-Hans" sz="2000" dirty="0"/>
+              <a:t>MarketScan,</a:t>
+            </a:r>
+            <a:r>
+              <a:rPr lang="zh-Hans" altLang="en-US" sz="2000" dirty="0"/>
               <a:t> </a:t>
             </a:r>
             <a:r>
-              <a:rPr lang="en-US" altLang="zh-CN" sz="2400" dirty="0"/>
-              <a:t>t</a:t>
-            </a:r>
-            <a:r>
-              <a:rPr lang="en-US" altLang="zh-CN" sz="2400" dirty="0" smtClean="0"/>
-              <a:t>he</a:t>
-            </a:r>
-            <a:r>
-              <a:rPr lang="zh-CN" altLang="en-US" sz="2400" dirty="0" smtClean="0"/>
+              <a:rPr lang="en-US" altLang="zh-Hans" sz="2000" dirty="0"/>
+              <a:t>data</a:t>
+            </a:r>
+            <a:r>
+              <a:rPr lang="zh-Hans" altLang="en-US" sz="2000" dirty="0"/>
               <a:t> </a:t>
             </a:r>
             <a:r>
-              <a:rPr lang="en-US" altLang="zh-CN" sz="2400" dirty="0" smtClean="0"/>
-              <a:t>building</a:t>
-            </a:r>
-            <a:r>
-              <a:rPr lang="zh-CN" altLang="en-US" sz="2400" dirty="0" smtClean="0"/>
+              <a:rPr lang="en-US" altLang="zh-Hans" sz="2000" dirty="0"/>
+              <a:t>mentors,</a:t>
+            </a:r>
+            <a:r>
+              <a:rPr lang="zh-Hans" altLang="en-US" sz="2000" dirty="0"/>
               <a:t> </a:t>
             </a:r>
             <a:r>
-              <a:rPr lang="en-US" altLang="zh-CN" sz="2400" dirty="0" smtClean="0"/>
-              <a:t>blocks</a:t>
-            </a:r>
-            <a:endParaRPr lang="en-US" altLang="zh-CN" sz="2400" dirty="0"/>
+              <a:rPr lang="en-US" altLang="zh-Hans" sz="2000" dirty="0"/>
+              <a:t>client</a:t>
+            </a:r>
+            <a:r>
+              <a:rPr lang="zh-Hans" altLang="en-US" sz="2000" dirty="0"/>
+              <a:t> </a:t>
+            </a:r>
+            <a:r>
+              <a:rPr lang="en-US" altLang="zh-Hans" sz="2000" dirty="0"/>
+              <a:t>data</a:t>
+            </a:r>
           </a:p>
           <a:p>
             <a:pPr lvl="1"/>
             <a:r>
-              <a:rPr lang="en-US" altLang="zh-CN" sz="2000" dirty="0" smtClean="0"/>
-              <a:t>Capacity: CPU,</a:t>
-            </a:r>
-            <a:r>
-              <a:rPr lang="zh-CN" altLang="en-US" sz="2000" dirty="0" smtClean="0"/>
+              <a:rPr lang="en-US" altLang="zh-Hans" sz="2000" dirty="0"/>
+              <a:t>Python,</a:t>
+            </a:r>
+            <a:r>
+              <a:rPr lang="zh-Hans" altLang="en-US" sz="2000" dirty="0"/>
               <a:t> </a:t>
             </a:r>
             <a:r>
-              <a:rPr lang="en-US" altLang="zh-CN" sz="2000" dirty="0" smtClean="0"/>
-              <a:t>memory,</a:t>
-            </a:r>
-            <a:r>
-              <a:rPr lang="zh-CN" altLang="en-US" sz="2000" dirty="0" smtClean="0"/>
+              <a:rPr lang="en-US" altLang="zh-Hans" sz="2000" dirty="0"/>
+              <a:t>R</a:t>
+            </a:r>
+            <a:r>
+              <a:rPr lang="zh-Hans" altLang="en-US" sz="2000" dirty="0"/>
               <a:t> </a:t>
             </a:r>
             <a:r>
-              <a:rPr lang="en-US" altLang="zh-CN" sz="2000" dirty="0"/>
-              <a:t>s</a:t>
-            </a:r>
-            <a:r>
-              <a:rPr lang="en-US" altLang="zh-CN" sz="2000" dirty="0" smtClean="0"/>
-              <a:t>torage</a:t>
-            </a:r>
-            <a:endParaRPr lang="en-US" altLang="zh-CN" sz="2000" dirty="0"/>
+              <a:rPr lang="en-US" altLang="zh-Hans" sz="2000" dirty="0"/>
+              <a:t>,</a:t>
+            </a:r>
+            <a:r>
+              <a:rPr lang="zh-Hans" altLang="en-US" sz="2000" dirty="0"/>
+              <a:t> </a:t>
+            </a:r>
+            <a:r>
+              <a:rPr lang="en-US" altLang="zh-Hans" sz="2000" dirty="0"/>
+              <a:t>SAS</a:t>
+            </a:r>
+            <a:r>
+              <a:rPr lang="zh-Hans" altLang="en-US" sz="2000" dirty="0"/>
+              <a:t> </a:t>
+            </a:r>
+            <a:r>
+              <a:rPr lang="en-US" altLang="zh-Hans" sz="2000" dirty="0"/>
+              <a:t>enabled</a:t>
+            </a:r>
           </a:p>
           <a:p>
             <a:pPr lvl="1"/>
             <a:r>
-              <a:rPr lang="en-US" altLang="zh-CN" sz="2000" dirty="0" smtClean="0">
-                <a:solidFill>
-                  <a:schemeClr val="tx1"/>
-                </a:solidFill>
-              </a:rPr>
-              <a:t>Connectivity:</a:t>
-            </a:r>
-            <a:r>
-              <a:rPr lang="zh-CN" altLang="en-US" sz="2000" dirty="0" smtClean="0">
-                <a:solidFill>
-                  <a:schemeClr val="tx1"/>
-                </a:solidFill>
-              </a:rPr>
+              <a:rPr lang="en-US" altLang="zh-Hans" sz="2000" dirty="0"/>
+              <a:t>Very</a:t>
+            </a:r>
+            <a:r>
+              <a:rPr lang="zh-Hans" altLang="en-US" sz="2000" dirty="0"/>
               <a:t> </a:t>
             </a:r>
             <a:r>
-              <a:rPr lang="en-US" altLang="zh-CN" sz="2000" dirty="0"/>
-              <a:t>b</a:t>
-            </a:r>
-            <a:r>
-              <a:rPr lang="en-US" altLang="zh-CN" sz="2000" dirty="0" smtClean="0"/>
-              <a:t>ridges</a:t>
-            </a:r>
-            <a:r>
-              <a:rPr lang="zh-CN" altLang="en-US" sz="2000" dirty="0" smtClean="0"/>
+              <a:rPr lang="en-US" altLang="zh-Hans" sz="2000" dirty="0"/>
+              <a:t>crowded</a:t>
+            </a:r>
+          </a:p>
+          <a:p>
+            <a:pPr lvl="1"/>
+            <a:endParaRPr lang="en-US" altLang="zh-Hans" dirty="0"/>
+          </a:p>
+          <a:p>
+            <a:r>
+              <a:rPr lang="en-US" altLang="zh-Hans" sz="2400" dirty="0"/>
+              <a:t>NIKE</a:t>
+            </a:r>
+            <a:r>
+              <a:rPr lang="zh-Hans" altLang="en-US" sz="2400" dirty="0"/>
               <a:t> </a:t>
             </a:r>
             <a:r>
-              <a:rPr lang="en-US" altLang="zh-CN" sz="2000" dirty="0" smtClean="0"/>
-              <a:t>to</a:t>
-            </a:r>
-            <a:r>
-              <a:rPr lang="zh-CN" altLang="en-US" sz="2000" dirty="0" smtClean="0"/>
+              <a:rPr lang="en-US" altLang="zh-Hans" sz="2400" dirty="0"/>
+              <a:t>Server</a:t>
+            </a:r>
+            <a:r>
+              <a:rPr lang="zh-Hans" altLang="en-US" sz="2400" dirty="0"/>
               <a:t> </a:t>
             </a:r>
             <a:r>
-              <a:rPr lang="en-US" altLang="zh-CN" sz="2000" dirty="0" smtClean="0"/>
-              <a:t>existing</a:t>
-            </a:r>
-            <a:r>
-              <a:rPr lang="zh-CN" altLang="en-US" sz="2000" dirty="0" smtClean="0"/>
+              <a:rPr lang="en-US" altLang="zh-Hans" sz="2400" dirty="0"/>
+              <a:t>(1465)</a:t>
+            </a:r>
+          </a:p>
+          <a:p>
+            <a:pPr lvl="1"/>
+            <a:r>
+              <a:rPr lang="en-US" altLang="zh-Hans" sz="2000" dirty="0"/>
+              <a:t>MarketScan</a:t>
+            </a:r>
+            <a:r>
+              <a:rPr lang="zh-Hans" altLang="en-US" sz="2000" dirty="0"/>
               <a:t> </a:t>
             </a:r>
             <a:r>
-              <a:rPr lang="en-US" altLang="zh-CN" sz="2000" dirty="0" smtClean="0"/>
-              <a:t>server/data/service</a:t>
-            </a:r>
-            <a:endParaRPr lang="en-US" altLang="zh-CN" sz="2000" dirty="0"/>
+              <a:rPr lang="en-US" altLang="zh-Hans" sz="2000" dirty="0"/>
+              <a:t>data</a:t>
+            </a:r>
           </a:p>
           <a:p>
             <a:pPr lvl="1"/>
             <a:r>
-              <a:rPr lang="en-US" altLang="zh-CN" sz="2000" dirty="0" smtClean="0"/>
-              <a:t>Compatibility:</a:t>
-            </a:r>
-            <a:r>
-              <a:rPr lang="zh-CN" altLang="en-US" sz="2000" dirty="0" smtClean="0"/>
+              <a:rPr lang="en-US" altLang="zh-Hans" sz="2000" dirty="0"/>
+              <a:t>SAS</a:t>
+            </a:r>
+            <a:r>
+              <a:rPr lang="zh-Hans" altLang="en-US" sz="2000" dirty="0"/>
               <a:t> </a:t>
             </a:r>
             <a:r>
-              <a:rPr lang="en-US" altLang="zh-CN" sz="2000" dirty="0" smtClean="0"/>
-              <a:t>legacy</a:t>
-            </a:r>
-            <a:r>
-              <a:rPr lang="zh-CN" altLang="en-US" sz="2000" dirty="0" smtClean="0"/>
+              <a:rPr lang="en-US" altLang="zh-Hans" sz="2000" dirty="0"/>
+              <a:t>enabled</a:t>
+            </a:r>
+          </a:p>
+          <a:p>
+            <a:pPr lvl="1"/>
+            <a:r>
+              <a:rPr lang="en-US" altLang="zh-Hans" sz="2000" dirty="0"/>
+              <a:t>Python,</a:t>
+            </a:r>
+            <a:r>
+              <a:rPr lang="zh-Hans" altLang="en-US" sz="2000" dirty="0"/>
               <a:t> </a:t>
             </a:r>
             <a:r>
-              <a:rPr lang="en-US" altLang="zh-CN" sz="2000" dirty="0" smtClean="0"/>
-              <a:t>models,</a:t>
-            </a:r>
-            <a:r>
-              <a:rPr lang="zh-CN" altLang="en-US" sz="2000" dirty="0" smtClean="0"/>
+              <a:rPr lang="en-US" altLang="zh-Hans" sz="2000" dirty="0"/>
+              <a:t>R</a:t>
+            </a:r>
+            <a:r>
+              <a:rPr lang="zh-Hans" altLang="en-US" sz="2000" dirty="0"/>
               <a:t> </a:t>
             </a:r>
             <a:r>
-              <a:rPr lang="en-US" altLang="zh-CN" sz="2000" dirty="0" smtClean="0"/>
-              <a:t>version control</a:t>
+              <a:rPr lang="en-US" altLang="zh-Hans" sz="2000" dirty="0"/>
+              <a:t>not</a:t>
+            </a:r>
+            <a:r>
+              <a:rPr lang="zh-Hans" altLang="en-US" sz="2000" dirty="0"/>
+              <a:t> </a:t>
+            </a:r>
+            <a:r>
+              <a:rPr lang="en-US" altLang="zh-Hans" sz="2000" dirty="0"/>
+              <a:t>available</a:t>
             </a:r>
           </a:p>
           <a:p>
             <a:pPr lvl="1"/>
-            <a:r>
-              <a:rPr lang="en-US" altLang="zh-CN" sz="2000" dirty="0" smtClean="0"/>
-              <a:t>Compliance:</a:t>
-            </a:r>
-            <a:r>
-              <a:rPr lang="zh-CN" altLang="en-US" sz="2000" dirty="0" smtClean="0"/>
-              <a:t> </a:t>
-            </a:r>
-            <a:r>
-              <a:rPr lang="en-US" altLang="zh-CN" sz="2000" dirty="0" smtClean="0"/>
-              <a:t>HIPAA</a:t>
-            </a:r>
-          </a:p>
-          <a:p>
-            <a:pPr lvl="1"/>
-            <a:endParaRPr lang="en-US" altLang="zh-CN" sz="2000" dirty="0"/>
-          </a:p>
-          <a:p>
-            <a:r>
-              <a:rPr lang="en-US" altLang="zh-CN" sz="2400" dirty="0" smtClean="0"/>
-              <a:t>Step</a:t>
-            </a:r>
-            <a:r>
-              <a:rPr lang="zh-CN" altLang="en-US" sz="2400" dirty="0" smtClean="0"/>
-              <a:t> </a:t>
-            </a:r>
-            <a:r>
-              <a:rPr lang="en-US" altLang="zh-CN" sz="2400" dirty="0"/>
-              <a:t>2</a:t>
-            </a:r>
-            <a:r>
-              <a:rPr lang="en-US" altLang="zh-CN" sz="2400" dirty="0" smtClean="0"/>
-              <a:t>:</a:t>
-            </a:r>
-            <a:r>
-              <a:rPr lang="zh-CN" altLang="en-US" sz="2400" dirty="0" smtClean="0"/>
-              <a:t> </a:t>
-            </a:r>
-            <a:r>
-              <a:rPr lang="en-US" altLang="zh-CN" sz="2400" dirty="0" smtClean="0"/>
-              <a:t>Collected</a:t>
-            </a:r>
-            <a:r>
-              <a:rPr lang="zh-CN" altLang="en-US" sz="2400" dirty="0" smtClean="0"/>
-              <a:t> </a:t>
-            </a:r>
-            <a:r>
-              <a:rPr lang="en-US" altLang="zh-CN" sz="2400" dirty="0" smtClean="0"/>
-              <a:t>feedback</a:t>
-            </a:r>
-            <a:r>
-              <a:rPr lang="zh-CN" altLang="en-US" sz="2400" dirty="0" smtClean="0"/>
-              <a:t> </a:t>
-            </a:r>
-            <a:r>
-              <a:rPr lang="en-US" altLang="zh-CN" sz="2400" dirty="0" smtClean="0"/>
-              <a:t>and</a:t>
-            </a:r>
-            <a:r>
-              <a:rPr lang="zh-CN" altLang="en-US" sz="2400" dirty="0" smtClean="0"/>
-              <a:t> </a:t>
-            </a:r>
-            <a:r>
-              <a:rPr lang="en-US" altLang="zh-CN" sz="2400" dirty="0" smtClean="0"/>
-              <a:t>opinion</a:t>
-            </a:r>
-            <a:r>
-              <a:rPr lang="zh-CN" altLang="en-US" sz="2400" dirty="0" smtClean="0"/>
-              <a:t> </a:t>
-            </a:r>
-            <a:r>
-              <a:rPr lang="en-US" altLang="zh-CN" sz="2400" dirty="0" smtClean="0"/>
-              <a:t>from</a:t>
-            </a:r>
-            <a:r>
-              <a:rPr lang="zh-CN" altLang="en-US" sz="2400" dirty="0" smtClean="0"/>
-              <a:t> </a:t>
-            </a:r>
-            <a:r>
-              <a:rPr lang="en-US" altLang="zh-CN" sz="2400" dirty="0" smtClean="0"/>
-              <a:t>ACE</a:t>
-            </a:r>
-            <a:r>
-              <a:rPr lang="zh-CN" altLang="en-US" sz="2400" dirty="0" smtClean="0"/>
-              <a:t> </a:t>
-            </a:r>
-            <a:r>
-              <a:rPr lang="en-US" altLang="zh-CN" sz="2400" dirty="0" smtClean="0"/>
-              <a:t>staff</a:t>
-            </a:r>
-          </a:p>
-          <a:p>
-            <a:endParaRPr lang="en-US" altLang="zh-CN" sz="2400" dirty="0" smtClean="0"/>
-          </a:p>
-          <a:p>
-            <a:r>
-              <a:rPr lang="en-US" altLang="zh-CN" sz="2400" dirty="0" smtClean="0"/>
-              <a:t>Step</a:t>
-            </a:r>
-            <a:r>
-              <a:rPr lang="zh-CN" altLang="en-US" sz="2400" dirty="0" smtClean="0"/>
-              <a:t> </a:t>
-            </a:r>
-            <a:r>
-              <a:rPr lang="en-US" altLang="zh-CN" sz="2400" dirty="0"/>
-              <a:t>3</a:t>
-            </a:r>
-            <a:r>
-              <a:rPr lang="en-US" altLang="zh-CN" sz="2400" dirty="0" smtClean="0"/>
-              <a:t>:</a:t>
-            </a:r>
-            <a:r>
-              <a:rPr lang="zh-CN" altLang="en-US" sz="2400" dirty="0" smtClean="0"/>
-              <a:t> </a:t>
-            </a:r>
-            <a:r>
-              <a:rPr lang="en-US" altLang="zh-CN" sz="2400" dirty="0" smtClean="0"/>
-              <a:t>Constructed</a:t>
-            </a:r>
-            <a:r>
-              <a:rPr lang="zh-CN" altLang="en-US" sz="2400" dirty="0" smtClean="0"/>
-              <a:t> </a:t>
-            </a:r>
-            <a:r>
-              <a:rPr lang="en-US" altLang="zh-CN" sz="2400" dirty="0" smtClean="0"/>
-              <a:t>a</a:t>
-            </a:r>
-            <a:r>
-              <a:rPr lang="zh-CN" altLang="en-US" sz="2400" dirty="0" smtClean="0"/>
-              <a:t> </a:t>
-            </a:r>
-            <a:r>
-              <a:rPr lang="en-US" altLang="zh-CN" sz="2400" dirty="0" smtClean="0"/>
-              <a:t>list</a:t>
-            </a:r>
-            <a:r>
-              <a:rPr lang="zh-CN" altLang="en-US" sz="2400" dirty="0" smtClean="0"/>
-              <a:t> </a:t>
-            </a:r>
-            <a:r>
-              <a:rPr lang="en-US" altLang="zh-CN" sz="2400" dirty="0" smtClean="0"/>
-              <a:t>of</a:t>
-            </a:r>
-            <a:r>
-              <a:rPr lang="zh-CN" altLang="en-US" sz="2400" dirty="0" smtClean="0"/>
-              <a:t> </a:t>
-            </a:r>
-            <a:r>
-              <a:rPr lang="en-US" altLang="zh-CN" sz="2400" dirty="0" smtClean="0"/>
-              <a:t>comprehensive</a:t>
-            </a:r>
-            <a:r>
-              <a:rPr lang="zh-CN" altLang="en-US" sz="2400" dirty="0" smtClean="0"/>
-              <a:t> </a:t>
-            </a:r>
-            <a:r>
-              <a:rPr lang="en-US" altLang="zh-CN" sz="2400" dirty="0" smtClean="0"/>
-              <a:t>requirements</a:t>
-            </a:r>
-            <a:r>
-              <a:rPr lang="zh-CN" altLang="en-US" sz="2400" dirty="0" smtClean="0"/>
-              <a:t> </a:t>
-            </a:r>
-            <a:r>
-              <a:rPr lang="en-US" altLang="zh-CN" sz="2400" dirty="0" smtClean="0"/>
-              <a:t>for</a:t>
-            </a:r>
-            <a:r>
-              <a:rPr lang="zh-CN" altLang="en-US" sz="2400" dirty="0" smtClean="0"/>
-              <a:t> </a:t>
-            </a:r>
-            <a:r>
-              <a:rPr lang="en-US" altLang="zh-CN" sz="2400" dirty="0" smtClean="0"/>
-              <a:t>development</a:t>
-            </a:r>
-            <a:r>
-              <a:rPr lang="zh-CN" altLang="en-US" sz="2400" dirty="0" smtClean="0"/>
-              <a:t> </a:t>
-            </a:r>
-            <a:r>
-              <a:rPr lang="en-US" altLang="zh-CN" sz="2400" dirty="0" smtClean="0"/>
-              <a:t>and</a:t>
-            </a:r>
-            <a:r>
-              <a:rPr lang="zh-CN" altLang="en-US" sz="2400" dirty="0" smtClean="0"/>
-              <a:t> </a:t>
-            </a:r>
-            <a:r>
-              <a:rPr lang="en-US" altLang="zh-CN" sz="2400" dirty="0" smtClean="0"/>
-              <a:t>sandbox</a:t>
-            </a:r>
-            <a:r>
-              <a:rPr lang="zh-CN" altLang="en-US" sz="2400" dirty="0" smtClean="0"/>
-              <a:t> </a:t>
-            </a:r>
-            <a:r>
-              <a:rPr lang="en-US" altLang="zh-CN" sz="2400" dirty="0" smtClean="0"/>
-              <a:t>server</a:t>
-            </a:r>
-          </a:p>
-          <a:p>
-            <a:endParaRPr lang="en-US" altLang="zh-CN" sz="2400" dirty="0"/>
-          </a:p>
-          <a:p>
-            <a:r>
-              <a:rPr lang="en-US" altLang="zh-CN" sz="2400" dirty="0" smtClean="0"/>
-              <a:t>Step 4: Server delivery</a:t>
-            </a:r>
+            <a:endParaRPr lang="en-US" dirty="0"/>
+          </a:p>
+          <a:p>
+            <a:endParaRPr lang="en-US" dirty="0"/>
           </a:p>
         </p:txBody>
       </p:sp>
     </p:spTree>
     <p:extLst>
       <p:ext uri="{BB962C8B-B14F-4D97-AF65-F5344CB8AC3E}">
-        <p14:creationId xmlns:p14="http://schemas.microsoft.com/office/powerpoint/2010/main" val="164554460"/>
+        <p14:creationId xmlns:p14="http://schemas.microsoft.com/office/powerpoint/2010/main" val="1521745207"/>
       </p:ext>
     </p:extLst>
   </p:cSld>
@@ -6928,13 +7243,6 @@
     <a:masterClrMapping/>
   </p:clrMapOvr>
   <p:transition spd="slow"/>
-  <p:timing>
-    <p:tnLst>
-      <p:par>
-        <p:cTn id="1" dur="indefinite" restart="never" nodeType="tmRoot"/>
-      </p:par>
-    </p:tnLst>
-  </p:timing>
 </p:sld>
 </file>
 
@@ -6971,32 +7279,8 @@
           <a:lstStyle/>
           <a:p>
             <a:r>
-              <a:rPr lang="en-US" altLang="zh-CN" dirty="0" smtClean="0"/>
-              <a:t>In-house Development</a:t>
-            </a:r>
-            <a:r>
-              <a:rPr lang="zh-CN" altLang="en-US" dirty="0" smtClean="0"/>
-              <a:t> </a:t>
-            </a:r>
-            <a:r>
-              <a:rPr lang="en-US" altLang="zh-CN" dirty="0" smtClean="0"/>
-              <a:t>&amp;</a:t>
-            </a:r>
-            <a:r>
-              <a:rPr lang="zh-CN" altLang="en-US" dirty="0" smtClean="0"/>
-              <a:t> </a:t>
-            </a:r>
-            <a:r>
-              <a:rPr lang="en-US" altLang="zh-CN" dirty="0" smtClean="0"/>
-              <a:t>Sandbox</a:t>
-            </a:r>
-            <a:r>
-              <a:rPr lang="zh-CN" altLang="en-US" dirty="0" smtClean="0"/>
-              <a:t> </a:t>
-            </a:r>
-            <a:r>
-              <a:rPr lang="en-US" altLang="zh-CN" dirty="0" smtClean="0"/>
-              <a:t>server</a:t>
+              <a:rPr lang="en-US" altLang="zh-Hans" dirty="0"/>
+              <a:t>Objectives</a:t>
             </a:r>
             <a:endParaRPr lang="en-US" dirty="0"/>
           </a:p>
@@ -7018,381 +7302,278 @@
           <a:lstStyle/>
           <a:p>
             <a:r>
-              <a:rPr lang="en-US" altLang="zh-CN" dirty="0" smtClean="0"/>
-              <a:t>New</a:t>
-            </a:r>
-            <a:r>
-              <a:rPr lang="zh-CN" altLang="en-US" dirty="0" smtClean="0"/>
+              <a:rPr lang="en-US" altLang="zh-Hans" sz="2400" dirty="0"/>
+              <a:t>Build</a:t>
+            </a:r>
+            <a:r>
+              <a:rPr lang="zh-Hans" altLang="en-US" sz="2400" dirty="0"/>
               <a:t> </a:t>
             </a:r>
             <a:r>
-              <a:rPr lang="en-US" altLang="zh-CN" dirty="0" smtClean="0"/>
+              <a:rPr lang="en-US" altLang="zh-Hans" sz="2400" dirty="0"/>
+              <a:t>a</a:t>
+            </a:r>
+            <a:r>
+              <a:rPr lang="zh-Hans" altLang="en-US" sz="2400" dirty="0"/>
+              <a:t> </a:t>
+            </a:r>
+            <a:r>
+              <a:rPr lang="en-US" altLang="zh-Hans" sz="2400" dirty="0"/>
+              <a:t>team</a:t>
+            </a:r>
+            <a:r>
+              <a:rPr lang="zh-Hans" altLang="en-US" sz="2400" dirty="0"/>
+              <a:t> </a:t>
+            </a:r>
+            <a:r>
+              <a:rPr lang="en-US" altLang="zh-Hans" sz="2400" dirty="0"/>
+              <a:t>(ACE)</a:t>
+            </a:r>
+            <a:r>
+              <a:rPr lang="zh-Hans" altLang="en-US" sz="2400" dirty="0"/>
+              <a:t> </a:t>
+            </a:r>
+            <a:r>
+              <a:rPr lang="en-US" altLang="zh-Hans" sz="2400" dirty="0"/>
               <a:t>development</a:t>
             </a:r>
             <a:r>
-              <a:rPr lang="zh-CN" altLang="en-US" dirty="0" smtClean="0"/>
+              <a:rPr lang="zh-Hans" altLang="en-US" sz="2400" dirty="0"/>
               <a:t> </a:t>
             </a:r>
             <a:r>
-              <a:rPr lang="en-US" altLang="zh-CN" dirty="0" smtClean="0"/>
-              <a:t>&amp;</a:t>
-            </a:r>
-            <a:r>
-              <a:rPr lang="zh-CN" altLang="en-US" dirty="0" smtClean="0"/>
+              <a:rPr lang="en-US" altLang="zh-Hans" sz="2400" dirty="0"/>
+              <a:t>server </a:t>
+            </a:r>
+          </a:p>
+          <a:p>
+            <a:pPr lvl="1"/>
+            <a:r>
+              <a:rPr lang="en-US" altLang="zh-Hans" sz="2100" dirty="0"/>
+              <a:t>Development</a:t>
+            </a:r>
+            <a:r>
+              <a:rPr lang="zh-Hans" altLang="en-US" sz="2100" dirty="0"/>
               <a:t> </a:t>
             </a:r>
             <a:r>
-              <a:rPr lang="en-US" altLang="zh-CN" dirty="0" smtClean="0"/>
+              <a:rPr lang="en-US" altLang="zh-Hans" sz="2100" dirty="0"/>
+              <a:t>server</a:t>
+            </a:r>
+            <a:r>
+              <a:rPr lang="zh-Hans" altLang="en-US" sz="2100" dirty="0"/>
+              <a:t> </a:t>
+            </a:r>
+            <a:r>
+              <a:rPr lang="en-US" altLang="zh-Hans" sz="2100" dirty="0"/>
+              <a:t>will:</a:t>
+            </a:r>
+          </a:p>
+          <a:p>
+            <a:pPr lvl="2"/>
+            <a:r>
+              <a:rPr lang="en-US" altLang="zh-Hans" sz="1800" b="1" dirty="0"/>
+              <a:t>R</a:t>
+            </a:r>
+            <a:r>
+              <a:rPr lang="en-US" sz="1800" b="1" dirty="0"/>
+              <a:t>un</a:t>
+            </a:r>
+            <a:r>
+              <a:rPr lang="en-US" sz="1800" dirty="0"/>
+              <a:t> </a:t>
+            </a:r>
+            <a:r>
+              <a:rPr lang="en-US" sz="1800" dirty="0">
+                <a:solidFill>
+                  <a:srgbClr val="FF0000"/>
+                </a:solidFill>
+              </a:rPr>
+              <a:t>final</a:t>
+            </a:r>
+            <a:r>
+              <a:rPr lang="en-US" sz="1800" dirty="0"/>
+              <a:t> models only</a:t>
+            </a:r>
+            <a:r>
+              <a:rPr lang="en-US" sz="1800" b="1" dirty="0"/>
+              <a:t> </a:t>
+            </a:r>
+            <a:r>
+              <a:rPr lang="en-US" sz="1800" dirty="0"/>
+              <a:t>(i.e., for incorporation into products such as Flexible Analytics)</a:t>
+            </a:r>
+          </a:p>
+          <a:p>
+            <a:pPr lvl="2"/>
+            <a:r>
+              <a:rPr lang="en-US" altLang="zh-Hans" sz="1800" b="1" dirty="0"/>
+              <a:t>A</a:t>
+            </a:r>
+            <a:r>
+              <a:rPr lang="en-US" sz="1800" b="1" dirty="0"/>
+              <a:t>rchive</a:t>
+            </a:r>
+            <a:r>
+              <a:rPr lang="en-US" sz="1800" dirty="0"/>
+              <a:t> </a:t>
+            </a:r>
+            <a:r>
+              <a:rPr lang="en-US" sz="1800" dirty="0">
+                <a:solidFill>
+                  <a:srgbClr val="FF0000"/>
+                </a:solidFill>
+              </a:rPr>
+              <a:t>final</a:t>
+            </a:r>
+            <a:r>
+              <a:rPr lang="en-US" sz="1800" dirty="0"/>
+              <a:t> code, metadata, and relevant train/test/output datasets (HIPAA)</a:t>
+            </a:r>
+          </a:p>
+          <a:p>
+            <a:pPr lvl="2"/>
+            <a:r>
+              <a:rPr lang="en-US" altLang="zh-Hans" sz="1800" b="1" dirty="0"/>
+              <a:t>I</a:t>
+            </a:r>
+            <a:r>
+              <a:rPr lang="en-US" sz="1800" b="1" dirty="0"/>
+              <a:t>nterface</a:t>
+            </a:r>
+            <a:r>
+              <a:rPr lang="en-US" sz="1800" dirty="0"/>
+              <a:t> with production/engineering teams (e.g., through use of Docker)</a:t>
+            </a:r>
+          </a:p>
+          <a:p>
+            <a:pPr lvl="1"/>
+            <a:endParaRPr lang="en-US" altLang="zh-CN" sz="2000" dirty="0"/>
+          </a:p>
+          <a:p>
+            <a:r>
+              <a:rPr lang="en-US" altLang="zh-Hans" sz="2400" dirty="0"/>
+              <a:t>Build</a:t>
+            </a:r>
+            <a:r>
+              <a:rPr lang="zh-Hans" altLang="en-US" sz="2400" dirty="0"/>
+              <a:t> </a:t>
+            </a:r>
+            <a:r>
+              <a:rPr lang="en-US" altLang="zh-Hans" sz="2400" dirty="0"/>
+              <a:t>a</a:t>
+            </a:r>
+            <a:r>
+              <a:rPr lang="zh-Hans" altLang="en-US" sz="2400" dirty="0"/>
+              <a:t> </a:t>
+            </a:r>
+            <a:r>
+              <a:rPr lang="en-US" altLang="zh-Hans" sz="2400" dirty="0"/>
+              <a:t>team</a:t>
+            </a:r>
+            <a:r>
+              <a:rPr lang="zh-Hans" altLang="en-US" sz="2400" dirty="0"/>
+              <a:t> </a:t>
+            </a:r>
+            <a:r>
+              <a:rPr lang="en-US" altLang="zh-Hans" sz="2400" dirty="0"/>
+              <a:t>(ACE)</a:t>
+            </a:r>
+            <a:r>
+              <a:rPr lang="zh-Hans" altLang="en-US" sz="2400" dirty="0"/>
+              <a:t> </a:t>
+            </a:r>
+            <a:r>
+              <a:rPr lang="en-US" altLang="zh-Hans" sz="2400" dirty="0"/>
               <a:t>sandbox</a:t>
             </a:r>
             <a:r>
-              <a:rPr lang="zh-CN" altLang="en-US" dirty="0" smtClean="0"/>
+              <a:rPr lang="zh-Hans" altLang="en-US" sz="2400" dirty="0"/>
               <a:t> </a:t>
             </a:r>
             <a:r>
-              <a:rPr lang="en-US" altLang="zh-CN" dirty="0" smtClean="0"/>
+              <a:rPr lang="en-US" altLang="zh-Hans" sz="2400" dirty="0"/>
               <a:t>server</a:t>
             </a:r>
-            <a:r>
-              <a:rPr lang="zh-CN" altLang="en-US" dirty="0" smtClean="0"/>
+          </a:p>
+          <a:p>
+            <a:pPr lvl="1"/>
+            <a:r>
+              <a:rPr lang="en-US" altLang="zh-Hans" sz="2100" dirty="0"/>
+              <a:t>Sandbox</a:t>
+            </a:r>
+            <a:r>
+              <a:rPr lang="zh-Hans" altLang="en-US" sz="2100" dirty="0"/>
               <a:t> </a:t>
             </a:r>
             <a:r>
-              <a:rPr lang="en-US" altLang="zh-CN" dirty="0" smtClean="0"/>
-              <a:t>are</a:t>
-            </a:r>
-            <a:r>
-              <a:rPr lang="zh-CN" altLang="en-US" dirty="0" smtClean="0"/>
+              <a:rPr lang="en-US" altLang="zh-Hans" sz="2100" dirty="0"/>
+              <a:t>server</a:t>
+            </a:r>
+            <a:r>
+              <a:rPr lang="zh-Hans" altLang="en-US" sz="2100" dirty="0"/>
               <a:t> </a:t>
             </a:r>
             <a:r>
-              <a:rPr lang="en-US" altLang="zh-CN" dirty="0" smtClean="0"/>
-              <a:t>extensions</a:t>
-            </a:r>
-            <a:r>
-              <a:rPr lang="zh-CN" altLang="en-US" dirty="0" smtClean="0"/>
-              <a:t> </a:t>
-            </a:r>
-            <a:r>
-              <a:rPr lang="en-US" altLang="zh-CN" dirty="0" smtClean="0"/>
-              <a:t>to</a:t>
-            </a:r>
-            <a:r>
-              <a:rPr lang="zh-CN" altLang="en-US" dirty="0" smtClean="0"/>
-              <a:t> </a:t>
-            </a:r>
-            <a:r>
-              <a:rPr lang="en-US" altLang="zh-CN" dirty="0" smtClean="0"/>
-              <a:t>existing</a:t>
-            </a:r>
-            <a:r>
-              <a:rPr lang="zh-CN" altLang="en-US" dirty="0" smtClean="0"/>
-              <a:t> </a:t>
-            </a:r>
-            <a:r>
-              <a:rPr lang="en-US" altLang="zh-CN" dirty="0" smtClean="0"/>
-              <a:t>server,</a:t>
-            </a:r>
-            <a:r>
-              <a:rPr lang="zh-CN" altLang="en-US" dirty="0" smtClean="0"/>
-              <a:t> </a:t>
-            </a:r>
-            <a:r>
-              <a:rPr lang="en-US" altLang="zh-CN" dirty="0" smtClean="0"/>
-              <a:t>with</a:t>
-            </a:r>
-            <a:r>
-              <a:rPr lang="zh-CN" altLang="en-US" dirty="0" smtClean="0"/>
-              <a:t> </a:t>
-            </a:r>
-            <a:r>
-              <a:rPr lang="en-US" altLang="zh-CN" dirty="0" smtClean="0"/>
-              <a:t>more</a:t>
-            </a:r>
-            <a:r>
-              <a:rPr lang="zh-CN" altLang="en-US" dirty="0" smtClean="0"/>
-              <a:t> </a:t>
-            </a:r>
-            <a:r>
-              <a:rPr lang="en-US" altLang="zh-CN" dirty="0" smtClean="0"/>
-              <a:t>recent</a:t>
-            </a:r>
-            <a:r>
-              <a:rPr lang="zh-CN" altLang="en-US" dirty="0" smtClean="0"/>
-              <a:t> </a:t>
-            </a:r>
-            <a:r>
-              <a:rPr lang="en-US" altLang="zh-CN" dirty="0" smtClean="0"/>
-              <a:t>tools/languages</a:t>
-            </a:r>
-            <a:r>
-              <a:rPr lang="zh-CN" altLang="en-US" dirty="0" smtClean="0"/>
-              <a:t> </a:t>
-            </a:r>
-            <a:r>
-              <a:rPr lang="en-US" altLang="zh-CN" dirty="0" smtClean="0"/>
-              <a:t>installed</a:t>
-            </a:r>
-            <a:r>
-              <a:rPr lang="zh-CN" altLang="en-US" dirty="0" smtClean="0"/>
-              <a:t> </a:t>
-            </a:r>
-            <a:endParaRPr lang="en-US" altLang="zh-CN" dirty="0" smtClean="0"/>
+              <a:rPr lang="en-US" altLang="zh-Hans" sz="2100" dirty="0"/>
+              <a:t>will</a:t>
+            </a:r>
+            <a:r>
+              <a:rPr lang="en-US" altLang="zh-Hans" sz="1800" dirty="0"/>
+              <a:t>:</a:t>
+            </a:r>
+          </a:p>
+          <a:p>
+            <a:pPr lvl="2"/>
+            <a:r>
+              <a:rPr lang="en-US" altLang="zh-Hans" sz="1800" b="1" dirty="0"/>
+              <a:t>Provide </a:t>
+            </a:r>
+            <a:r>
+              <a:rPr lang="en-US" altLang="zh-Hans" sz="1800" dirty="0"/>
+              <a:t>space for model fitting and testing</a:t>
+            </a:r>
+          </a:p>
+          <a:p>
+            <a:pPr lvl="2"/>
+            <a:r>
+              <a:rPr lang="en-US" altLang="zh-Hans" sz="1800" b="1" dirty="0"/>
+              <a:t>A</a:t>
+            </a:r>
+            <a:r>
+              <a:rPr lang="en-US" sz="1800" b="1" dirty="0"/>
+              <a:t>rchive</a:t>
+            </a:r>
+            <a:r>
+              <a:rPr lang="en-US" sz="1800" dirty="0"/>
+              <a:t> code, metadata, and relevant train/test/output datasets (HIPAA)</a:t>
+            </a:r>
+          </a:p>
+          <a:p>
+            <a:pPr lvl="2"/>
+            <a:r>
+              <a:rPr lang="en-US" altLang="zh-Hans" sz="1800" b="1" dirty="0"/>
+              <a:t>I</a:t>
+            </a:r>
+            <a:r>
+              <a:rPr lang="en-US" sz="1800" b="1" dirty="0"/>
+              <a:t>nterface</a:t>
+            </a:r>
+            <a:r>
+              <a:rPr lang="en-US" sz="1800" dirty="0"/>
+              <a:t> with development server (e.g., through use of Docker)</a:t>
+            </a:r>
           </a:p>
           <a:p>
             <a:pPr lvl="1"/>
-            <a:r>
-              <a:rPr lang="en-US" altLang="zh-CN" dirty="0" smtClean="0"/>
-              <a:t>It</a:t>
-            </a:r>
-            <a:r>
-              <a:rPr lang="zh-CN" altLang="en-US" dirty="0" smtClean="0"/>
-              <a:t> </a:t>
-            </a:r>
-            <a:r>
-              <a:rPr lang="en-US" altLang="zh-CN" dirty="0" smtClean="0"/>
-              <a:t>will</a:t>
-            </a:r>
-            <a:r>
-              <a:rPr lang="zh-CN" altLang="en-US" dirty="0" smtClean="0"/>
-              <a:t> </a:t>
-            </a:r>
-            <a:r>
-              <a:rPr lang="en-US" altLang="zh-CN" dirty="0" smtClean="0"/>
-              <a:t>maintain</a:t>
-            </a:r>
-            <a:r>
-              <a:rPr lang="zh-CN" altLang="en-US" dirty="0" smtClean="0"/>
-              <a:t> </a:t>
-            </a:r>
-            <a:r>
-              <a:rPr lang="en-US" altLang="zh-CN" dirty="0" smtClean="0"/>
-              <a:t>general</a:t>
-            </a:r>
-            <a:r>
-              <a:rPr lang="zh-CN" altLang="en-US" dirty="0" smtClean="0"/>
-              <a:t> </a:t>
-            </a:r>
-            <a:r>
-              <a:rPr lang="en-US" altLang="zh-CN" dirty="0" smtClean="0"/>
-              <a:t>access</a:t>
-            </a:r>
-            <a:r>
-              <a:rPr lang="zh-CN" altLang="en-US" dirty="0" smtClean="0"/>
-              <a:t> </a:t>
-            </a:r>
-            <a:r>
-              <a:rPr lang="en-US" altLang="zh-CN" dirty="0" smtClean="0"/>
-              <a:t>to</a:t>
-            </a:r>
-            <a:r>
-              <a:rPr lang="zh-CN" altLang="en-US" dirty="0" smtClean="0"/>
-              <a:t> </a:t>
-            </a:r>
-            <a:r>
-              <a:rPr lang="en-US" altLang="zh-CN" dirty="0" smtClean="0"/>
-              <a:t>existing</a:t>
-            </a:r>
-            <a:r>
-              <a:rPr lang="zh-CN" altLang="en-US" dirty="0" smtClean="0"/>
-              <a:t> </a:t>
-            </a:r>
-            <a:r>
-              <a:rPr lang="en-US" altLang="zh-CN" dirty="0" smtClean="0"/>
-              <a:t>data</a:t>
-            </a:r>
-            <a:r>
-              <a:rPr lang="zh-CN" altLang="en-US" dirty="0" smtClean="0"/>
-              <a:t> </a:t>
-            </a:r>
-            <a:r>
-              <a:rPr lang="en-US" altLang="zh-CN" dirty="0" smtClean="0"/>
-              <a:t>(MarketScan,</a:t>
-            </a:r>
-            <a:r>
-              <a:rPr lang="zh-CN" altLang="en-US" dirty="0" smtClean="0"/>
-              <a:t> </a:t>
-            </a:r>
-            <a:r>
-              <a:rPr lang="en-US" altLang="zh-CN" dirty="0" smtClean="0"/>
-              <a:t>NIKE)</a:t>
-            </a:r>
-          </a:p>
-          <a:p>
-            <a:pPr lvl="1"/>
-            <a:r>
-              <a:rPr lang="en-US" altLang="zh-CN" dirty="0" smtClean="0"/>
-              <a:t>Legacy</a:t>
-            </a:r>
-            <a:r>
-              <a:rPr lang="zh-CN" altLang="en-US" dirty="0" smtClean="0"/>
-              <a:t> </a:t>
-            </a:r>
-            <a:r>
-              <a:rPr lang="en-US" altLang="zh-CN" dirty="0" smtClean="0"/>
-              <a:t>models</a:t>
-            </a:r>
-            <a:r>
-              <a:rPr lang="zh-CN" altLang="en-US" dirty="0" smtClean="0"/>
-              <a:t> </a:t>
-            </a:r>
-            <a:r>
-              <a:rPr lang="en-US" altLang="zh-CN" dirty="0" smtClean="0"/>
-              <a:t>will</a:t>
-            </a:r>
-            <a:r>
-              <a:rPr lang="zh-CN" altLang="en-US" dirty="0" smtClean="0"/>
-              <a:t> </a:t>
-            </a:r>
-            <a:r>
-              <a:rPr lang="en-US" altLang="zh-CN" dirty="0" smtClean="0"/>
-              <a:t>keep</a:t>
-            </a:r>
-            <a:r>
-              <a:rPr lang="zh-CN" altLang="en-US" dirty="0" smtClean="0"/>
-              <a:t> </a:t>
-            </a:r>
-            <a:r>
-              <a:rPr lang="en-US" altLang="zh-CN" dirty="0" smtClean="0"/>
-              <a:t>running</a:t>
-            </a:r>
-            <a:r>
-              <a:rPr lang="zh-CN" altLang="en-US" dirty="0" smtClean="0"/>
-              <a:t> </a:t>
-            </a:r>
-            <a:r>
-              <a:rPr lang="en-US" altLang="zh-CN" dirty="0" smtClean="0"/>
-              <a:t>on</a:t>
-            </a:r>
-            <a:r>
-              <a:rPr lang="zh-CN" altLang="en-US" dirty="0" smtClean="0"/>
-              <a:t> </a:t>
-            </a:r>
-            <a:r>
-              <a:rPr lang="en-US" altLang="zh-CN" dirty="0" smtClean="0"/>
-              <a:t>existing</a:t>
-            </a:r>
-            <a:r>
-              <a:rPr lang="zh-CN" altLang="en-US" dirty="0" smtClean="0"/>
-              <a:t> </a:t>
-            </a:r>
-            <a:r>
-              <a:rPr lang="en-US" altLang="zh-CN" dirty="0" smtClean="0"/>
-              <a:t>server</a:t>
-            </a:r>
-            <a:r>
-              <a:rPr lang="zh-CN" altLang="en-US" dirty="0" smtClean="0"/>
-              <a:t> </a:t>
-            </a:r>
-            <a:r>
-              <a:rPr lang="en-US" altLang="zh-CN" dirty="0" smtClean="0"/>
-              <a:t>until</a:t>
-            </a:r>
-            <a:r>
-              <a:rPr lang="zh-CN" altLang="en-US" dirty="0" smtClean="0"/>
-              <a:t> </a:t>
-            </a:r>
-            <a:r>
-              <a:rPr lang="en-US" altLang="zh-CN" dirty="0" smtClean="0"/>
-              <a:t>they</a:t>
-            </a:r>
-            <a:r>
-              <a:rPr lang="zh-CN" altLang="en-US" dirty="0" smtClean="0"/>
-              <a:t> </a:t>
-            </a:r>
-            <a:r>
-              <a:rPr lang="en-US" altLang="zh-CN" dirty="0" smtClean="0"/>
-              <a:t>are</a:t>
-            </a:r>
-            <a:r>
-              <a:rPr lang="zh-CN" altLang="en-US" dirty="0" smtClean="0"/>
-              <a:t> </a:t>
-            </a:r>
-            <a:r>
-              <a:rPr lang="en-US" altLang="zh-CN" dirty="0" smtClean="0"/>
-              <a:t>ready</a:t>
-            </a:r>
-            <a:r>
-              <a:rPr lang="zh-CN" altLang="en-US" dirty="0" smtClean="0"/>
-              <a:t> </a:t>
-            </a:r>
-            <a:r>
-              <a:rPr lang="en-US" altLang="zh-CN" dirty="0" smtClean="0"/>
-              <a:t>to</a:t>
-            </a:r>
-            <a:r>
-              <a:rPr lang="zh-CN" altLang="en-US" dirty="0" smtClean="0"/>
-              <a:t> </a:t>
-            </a:r>
-            <a:r>
-              <a:rPr lang="en-US" altLang="zh-CN" dirty="0" smtClean="0"/>
-              <a:t>be</a:t>
-            </a:r>
-            <a:r>
-              <a:rPr lang="zh-CN" altLang="en-US" dirty="0" smtClean="0"/>
-              <a:t> </a:t>
-            </a:r>
-            <a:r>
-              <a:rPr lang="en-US" altLang="zh-CN" dirty="0" smtClean="0"/>
-              <a:t>transitioned</a:t>
-            </a:r>
-            <a:r>
-              <a:rPr lang="zh-CN" altLang="en-US" dirty="0" smtClean="0"/>
-              <a:t> </a:t>
-            </a:r>
-            <a:r>
-              <a:rPr lang="en-US" altLang="zh-CN" dirty="0" smtClean="0"/>
-              <a:t>into</a:t>
-            </a:r>
-            <a:r>
-              <a:rPr lang="zh-CN" altLang="en-US" dirty="0" smtClean="0"/>
-              <a:t> </a:t>
-            </a:r>
-            <a:r>
-              <a:rPr lang="en-US" altLang="zh-CN" dirty="0" smtClean="0"/>
-              <a:t>new</a:t>
-            </a:r>
-            <a:r>
-              <a:rPr lang="zh-CN" altLang="en-US" dirty="0" smtClean="0"/>
-              <a:t> </a:t>
-            </a:r>
-            <a:r>
-              <a:rPr lang="en-US" altLang="zh-CN" dirty="0" smtClean="0"/>
-              <a:t>servers</a:t>
-            </a:r>
-          </a:p>
-          <a:p>
-            <a:pPr lvl="1"/>
-            <a:r>
-              <a:rPr lang="en-US" altLang="zh-CN" dirty="0" smtClean="0"/>
-              <a:t>Models will</a:t>
-            </a:r>
-            <a:r>
-              <a:rPr lang="zh-CN" altLang="en-US" dirty="0" smtClean="0"/>
-              <a:t> </a:t>
-            </a:r>
-            <a:r>
-              <a:rPr lang="en-US" altLang="zh-CN" dirty="0" smtClean="0"/>
-              <a:t>be</a:t>
-            </a:r>
-            <a:r>
-              <a:rPr lang="zh-CN" altLang="en-US" dirty="0" smtClean="0"/>
-              <a:t> </a:t>
-            </a:r>
-            <a:r>
-              <a:rPr lang="en-US" altLang="zh-CN" dirty="0" smtClean="0"/>
-              <a:t>tested and archived on sandbox server, final version will be compiled and stored on development server</a:t>
-            </a:r>
-          </a:p>
-          <a:p>
-            <a:endParaRPr lang="en-US" dirty="0"/>
+            <a:endParaRPr lang="en-US" altLang="zh-CN" sz="2000" dirty="0"/>
           </a:p>
         </p:txBody>
       </p:sp>
     </p:spTree>
     <p:extLst>
       <p:ext uri="{BB962C8B-B14F-4D97-AF65-F5344CB8AC3E}">
-        <p14:creationId xmlns:p14="http://schemas.microsoft.com/office/powerpoint/2010/main" val="757585216"/>
+        <p14:creationId xmlns:p14="http://schemas.microsoft.com/office/powerpoint/2010/main" val="164554460"/>
       </p:ext>
     </p:extLst>
   </p:cSld>
@@ -7400,13 +7581,6 @@
     <a:masterClrMapping/>
   </p:clrMapOvr>
   <p:transition spd="slow"/>
-  <p:timing>
-    <p:tnLst>
-      <p:par>
-        <p:cTn id="1" dur="indefinite" restart="never" nodeType="tmRoot"/>
-      </p:par>
-    </p:tnLst>
-  </p:timing>
 </p:sld>
 </file>
 
@@ -7443,16 +7617,24 @@
           <a:lstStyle/>
           <a:p>
             <a:r>
-              <a:rPr lang="en-US" altLang="zh-CN" dirty="0" smtClean="0"/>
-              <a:t>General</a:t>
-            </a:r>
-            <a:r>
-              <a:rPr lang="zh-CN" altLang="en-US" dirty="0" smtClean="0"/>
+              <a:rPr lang="en-US" altLang="zh-Hans" dirty="0"/>
+              <a:t>The</a:t>
+            </a:r>
+            <a:r>
+              <a:rPr lang="zh-Hans" altLang="en-US" dirty="0"/>
               <a:t> </a:t>
             </a:r>
             <a:r>
-              <a:rPr lang="en-US" altLang="zh-CN" dirty="0" smtClean="0"/>
-              <a:t>HIPAA	</a:t>
+              <a:rPr lang="en-US" altLang="zh-Hans" dirty="0"/>
+              <a:t>building</a:t>
+            </a:r>
+            <a:r>
+              <a:rPr lang="zh-Hans" altLang="en-US" dirty="0"/>
+              <a:t> </a:t>
+            </a:r>
+            <a:r>
+              <a:rPr lang="en-US" altLang="zh-Hans" dirty="0"/>
+              <a:t>blocks</a:t>
             </a:r>
             <a:endParaRPr lang="en-US" dirty="0"/>
           </a:p>
@@ -7474,87 +7656,221 @@
           <a:lstStyle/>
           <a:p>
             <a:r>
-              <a:rPr lang="en-US" sz="2800" dirty="0" smtClean="0"/>
-              <a:t>The </a:t>
-            </a:r>
-            <a:r>
-              <a:rPr lang="en-US" sz="2800" dirty="0"/>
-              <a:t>Security Rule requires covered entities to maintain reasonable and appropriate administrative, technical, and physical safeguards for protecting </a:t>
-            </a:r>
-            <a:r>
-              <a:rPr lang="en-US" sz="2800" dirty="0" smtClean="0"/>
-              <a:t>e-PHI.</a:t>
-            </a:r>
-            <a:r>
-              <a:rPr lang="zh-CN" altLang="en-US" sz="2800" dirty="0" smtClean="0"/>
+              <a:rPr lang="en-US" altLang="zh-CN" sz="2300" dirty="0"/>
+              <a:t>Capacity: </a:t>
+            </a:r>
+            <a:r>
+              <a:rPr lang="en-US" altLang="zh-Hans" sz="2300" dirty="0"/>
+              <a:t>storage</a:t>
+            </a:r>
+            <a:r>
+              <a:rPr lang="zh-Hans" altLang="en-US" sz="2300" dirty="0"/>
               <a:t> </a:t>
             </a:r>
             <a:r>
-              <a:rPr lang="en-US" sz="2800" dirty="0" smtClean="0"/>
-              <a:t>Specifically</a:t>
-            </a:r>
-            <a:r>
-              <a:rPr lang="en-US" altLang="zh-CN" sz="2800" dirty="0"/>
-              <a:t>,</a:t>
-            </a:r>
-            <a:r>
-              <a:rPr lang="en-US" sz="2800" dirty="0" smtClean="0"/>
+              <a:rPr lang="en-US" altLang="zh-Hans" sz="2300" dirty="0"/>
+              <a:t>and</a:t>
+            </a:r>
+            <a:r>
+              <a:rPr lang="zh-Hans" altLang="en-US" sz="2300" dirty="0"/>
               <a:t> </a:t>
             </a:r>
             <a:r>
-              <a:rPr lang="en-US" sz="2800" dirty="0"/>
-              <a:t>covered entities must:</a:t>
+              <a:rPr lang="en-US" altLang="zh-Hans" sz="2300" dirty="0"/>
+              <a:t>computing</a:t>
+            </a:r>
+            <a:r>
+              <a:rPr lang="zh-Hans" altLang="en-US" sz="2300" dirty="0"/>
+              <a:t> </a:t>
+            </a:r>
+            <a:r>
+              <a:rPr lang="en-US" altLang="zh-Hans" sz="2300" dirty="0"/>
+              <a:t>power</a:t>
             </a:r>
           </a:p>
           <a:p>
             <a:pPr lvl="1"/>
             <a:r>
-              <a:rPr lang="en-US" dirty="0"/>
-              <a:t>Ensure the confidentiality, integrity, and availability of all e-PHI they create, receive, maintain or </a:t>
-            </a:r>
-            <a:r>
-              <a:rPr lang="en-US" dirty="0" smtClean="0"/>
-              <a:t>transmit</a:t>
-            </a:r>
-            <a:endParaRPr lang="en-US" dirty="0"/>
+              <a:rPr lang="en-US" altLang="zh-Hans" sz="2000" dirty="0"/>
+              <a:t>To</a:t>
+            </a:r>
+            <a:r>
+              <a:rPr lang="zh-Hans" altLang="en-US" sz="2000" dirty="0"/>
+              <a:t> </a:t>
+            </a:r>
+            <a:r>
+              <a:rPr lang="en-US" altLang="zh-Hans" sz="2000" dirty="0"/>
+              <a:t>accommodate</a:t>
+            </a:r>
+            <a:r>
+              <a:rPr lang="zh-Hans" altLang="en-US" sz="2000" dirty="0"/>
+              <a:t> </a:t>
+            </a:r>
+            <a:r>
+              <a:rPr lang="en-US" altLang="zh-Hans" sz="2000" dirty="0"/>
+              <a:t>20-30</a:t>
+            </a:r>
+            <a:r>
+              <a:rPr lang="zh-Hans" altLang="en-US" sz="2000" dirty="0"/>
+              <a:t> </a:t>
+            </a:r>
+            <a:r>
+              <a:rPr lang="en-US" altLang="zh-Hans" sz="2000" dirty="0"/>
+              <a:t>users</a:t>
+            </a:r>
+            <a:r>
+              <a:rPr lang="zh-Hans" altLang="en-US" sz="2000" dirty="0"/>
+              <a:t> </a:t>
+            </a:r>
+            <a:r>
+              <a:rPr lang="en-US" altLang="zh-Hans" sz="2000" dirty="0"/>
+              <a:t>on</a:t>
+            </a:r>
+            <a:r>
+              <a:rPr lang="zh-Hans" altLang="en-US" sz="2000" dirty="0"/>
+              <a:t> </a:t>
+            </a:r>
+            <a:r>
+              <a:rPr lang="en-US" altLang="zh-Hans" sz="2000" dirty="0"/>
+              <a:t>ongoing</a:t>
+            </a:r>
+            <a:r>
+              <a:rPr lang="zh-Hans" altLang="en-US" sz="2000" dirty="0"/>
+              <a:t> </a:t>
+            </a:r>
+            <a:r>
+              <a:rPr lang="en-US" altLang="zh-Hans" sz="2000" dirty="0"/>
+              <a:t>basis</a:t>
+            </a:r>
           </a:p>
           <a:p>
             <a:pPr lvl="1"/>
-            <a:r>
-              <a:rPr lang="en-US" dirty="0"/>
-              <a:t>Identify and protect against reasonably anticipated threats to the security or integrity of the </a:t>
-            </a:r>
-            <a:r>
-              <a:rPr lang="en-US" dirty="0" smtClean="0"/>
-              <a:t>information</a:t>
-            </a:r>
-            <a:endParaRPr lang="en-US" dirty="0"/>
-          </a:p>
-          <a:p>
-            <a:pPr lvl="1"/>
-            <a:r>
-              <a:rPr lang="en-US" dirty="0"/>
-              <a:t>Protect against reasonably anticipated, impermissible uses or disclosures; and</a:t>
-            </a:r>
-          </a:p>
-          <a:p>
-            <a:pPr lvl="2"/>
-            <a:r>
-              <a:rPr lang="en-US" dirty="0"/>
-              <a:t>Ensure compliance by their </a:t>
-            </a:r>
-            <a:r>
-              <a:rPr lang="en-US" dirty="0" smtClean="0"/>
-              <a:t>workforce</a:t>
-            </a:r>
-            <a:endParaRPr lang="en-US" dirty="0"/>
+            <a:endParaRPr lang="en-US" altLang="zh-CN" sz="2300" dirty="0"/>
+          </a:p>
+          <a:p>
+            <a:r>
+              <a:rPr lang="en-US" altLang="zh-CN" sz="2300" dirty="0">
+                <a:solidFill>
+                  <a:schemeClr val="tx1"/>
+                </a:solidFill>
+              </a:rPr>
+              <a:t>Connectivity:</a:t>
+            </a:r>
+            <a:r>
+              <a:rPr lang="zh-CN" altLang="en-US" sz="2300" dirty="0">
+                <a:solidFill>
+                  <a:schemeClr val="tx1"/>
+                </a:solidFill>
+              </a:rPr>
+              <a:t> </a:t>
+            </a:r>
+            <a:r>
+              <a:rPr lang="en-US" altLang="zh-Hans" sz="2300" dirty="0"/>
+              <a:t>access</a:t>
+            </a:r>
+            <a:r>
+              <a:rPr lang="zh-Hans" altLang="en-US" sz="2300" dirty="0"/>
+              <a:t> </a:t>
+            </a:r>
+            <a:r>
+              <a:rPr lang="en-US" altLang="zh-Hans" sz="2300" dirty="0"/>
+              <a:t>to</a:t>
+            </a:r>
+            <a:r>
+              <a:rPr lang="zh-Hans" altLang="en-US" sz="2300" dirty="0"/>
+              <a:t> </a:t>
+            </a:r>
+            <a:r>
+              <a:rPr lang="en-US" altLang="zh-Hans" sz="2300" dirty="0"/>
+              <a:t>in-house</a:t>
+            </a:r>
+            <a:r>
+              <a:rPr lang="zh-Hans" altLang="en-US" sz="2300" dirty="0"/>
+              <a:t> </a:t>
+            </a:r>
+            <a:r>
+              <a:rPr lang="en-US" altLang="zh-Hans" sz="2300" dirty="0"/>
+              <a:t>data</a:t>
+            </a:r>
+            <a:r>
+              <a:rPr lang="zh-Hans" altLang="en-US" sz="2300" dirty="0"/>
+              <a:t> </a:t>
+            </a:r>
+            <a:r>
+              <a:rPr lang="en-US" altLang="zh-Hans" sz="2300" dirty="0"/>
+              <a:t>sources</a:t>
+            </a:r>
+          </a:p>
+          <a:p>
+            <a:endParaRPr lang="en-US" altLang="zh-Hans" sz="2300" dirty="0"/>
+          </a:p>
+          <a:p>
+            <a:r>
+              <a:rPr lang="en-US" altLang="zh-Hans" sz="2300" dirty="0"/>
+              <a:t>Compatibility:</a:t>
+            </a:r>
+            <a:r>
+              <a:rPr lang="zh-Hans" altLang="en-US" sz="2300" dirty="0"/>
+              <a:t> </a:t>
+            </a:r>
+            <a:r>
+              <a:rPr lang="en-US" altLang="zh-Hans" sz="2300" dirty="0"/>
+              <a:t>version</a:t>
+            </a:r>
+            <a:r>
+              <a:rPr lang="zh-Hans" altLang="en-US" sz="2300" dirty="0"/>
+              <a:t> </a:t>
+            </a:r>
+            <a:r>
+              <a:rPr lang="en-US" altLang="zh-Hans" sz="2300" dirty="0"/>
+              <a:t>control,</a:t>
+            </a:r>
+            <a:r>
+              <a:rPr lang="zh-Hans" altLang="en-US" sz="2300" dirty="0"/>
+              <a:t> </a:t>
+            </a:r>
+            <a:r>
+              <a:rPr lang="en-US" altLang="zh-Hans" sz="2300" dirty="0"/>
+              <a:t>standardization,</a:t>
+            </a:r>
+            <a:r>
+              <a:rPr lang="zh-Hans" altLang="en-US" sz="2300" dirty="0"/>
+              <a:t> </a:t>
+            </a:r>
+            <a:r>
+              <a:rPr lang="en-US" altLang="zh-Hans" sz="2300" dirty="0"/>
+              <a:t>reproducibility</a:t>
+            </a:r>
+          </a:p>
+          <a:p>
+            <a:endParaRPr lang="en-US" altLang="zh-CN" sz="2300" dirty="0"/>
+          </a:p>
+          <a:p>
+            <a:r>
+              <a:rPr lang="en-US" altLang="zh-CN" sz="2300" dirty="0"/>
+              <a:t>Compliance:</a:t>
+            </a:r>
+            <a:r>
+              <a:rPr lang="zh-CN" altLang="en-US" sz="2300" dirty="0"/>
+              <a:t> </a:t>
+            </a:r>
+            <a:r>
+              <a:rPr lang="en-US" altLang="zh-CN" sz="2300" dirty="0"/>
+              <a:t>HIPAA</a:t>
+            </a:r>
+          </a:p>
+          <a:p>
+            <a:pPr marL="0" indent="0">
+              <a:buNone/>
+            </a:pPr>
+            <a:endParaRPr lang="en-US" altLang="zh-CN" sz="2400" dirty="0"/>
           </a:p>
         </p:txBody>
       </p:sp>
     </p:spTree>
     <p:extLst>
       <p:ext uri="{BB962C8B-B14F-4D97-AF65-F5344CB8AC3E}">
-        <p14:creationId xmlns:p14="http://schemas.microsoft.com/office/powerpoint/2010/main" val="231035318"/>
+        <p14:creationId xmlns:p14="http://schemas.microsoft.com/office/powerpoint/2010/main" val="4178487571"/>
       </p:ext>
     </p:extLst>
   </p:cSld>
@@ -7562,13 +7878,6 @@
     <a:masterClrMapping/>
   </p:clrMapOvr>
   <p:transition spd="slow"/>
-  <p:timing>
-    <p:tnLst>
-      <p:par>
-        <p:cTn id="1" dur="indefinite" restart="never" nodeType="tmRoot"/>
-      </p:par>
-    </p:tnLst>
-  </p:timing>
 </p:sld>
 </file>
 
@@ -7591,7 +7900,13 @@
       </p:grpSpPr>
       <p:sp>
         <p:nvSpPr>
-          <p:cNvPr id="2" name="Title 1"/>
+          <p:cNvPr id="2" name="Title 1">
+            <a:extLst>
+              <a:ext uri="{FF2B5EF4-FFF2-40B4-BE49-F238E27FC236}">
+                <a16:creationId xmlns:a16="http://schemas.microsoft.com/office/drawing/2014/main" id="{CA739CB1-A170-014E-AE7B-B75A67B1815F}"/>
+              </a:ext>
+            </a:extLst>
+          </p:cNvPr>
           <p:cNvSpPr>
             <a:spLocks noGrp="1"/>
           </p:cNvSpPr>
@@ -7605,1084 +7920,458 @@
           <a:lstStyle/>
           <a:p>
             <a:r>
-              <a:rPr lang="en-US" altLang="zh-CN" dirty="0" smtClean="0"/>
-              <a:t>Development</a:t>
-            </a:r>
-            <a:r>
-              <a:rPr lang="zh-CN" altLang="en-US" dirty="0" smtClean="0"/>
-              <a:t> </a:t>
-            </a:r>
-            <a:r>
-              <a:rPr lang="en-US" altLang="zh-CN" dirty="0" smtClean="0"/>
-              <a:t>vs.</a:t>
-            </a:r>
-            <a:r>
-              <a:rPr lang="zh-CN" altLang="en-US" dirty="0" smtClean="0"/>
-              <a:t> </a:t>
-            </a:r>
-            <a:r>
-              <a:rPr lang="en-US" altLang="zh-CN" dirty="0" smtClean="0"/>
-              <a:t>Sandbox</a:t>
-            </a:r>
-            <a:r>
-              <a:rPr lang="zh-CN" altLang="en-US" dirty="0" smtClean="0"/>
-              <a:t> </a:t>
-            </a:r>
-            <a:r>
-              <a:rPr lang="en-US" altLang="zh-CN" dirty="0" smtClean="0"/>
-              <a:t>server: specs</a:t>
+              <a:rPr lang="en-US" altLang="zh-Hans" dirty="0"/>
+              <a:t>Solutions</a:t>
             </a:r>
             <a:endParaRPr lang="en-US" dirty="0"/>
           </a:p>
         </p:txBody>
       </p:sp>
-      <p:graphicFrame>
-        <p:nvGraphicFramePr>
-          <p:cNvPr id="4" name="Content Placeholder 3"/>
-          <p:cNvGraphicFramePr>
-            <a:graphicFrameLocks noGrp="1"/>
-          </p:cNvGraphicFramePr>
+      <p:sp>
+        <p:nvSpPr>
+          <p:cNvPr id="3" name="Content Placeholder 2">
+            <a:extLst>
+              <a:ext uri="{FF2B5EF4-FFF2-40B4-BE49-F238E27FC236}">
+                <a16:creationId xmlns:a16="http://schemas.microsoft.com/office/drawing/2014/main" id="{A48C84E0-77FB-9641-B127-2B8A90361722}"/>
+              </a:ext>
+            </a:extLst>
+          </p:cNvPr>
+          <p:cNvSpPr>
+            <a:spLocks noGrp="1"/>
+          </p:cNvSpPr>
           <p:nvPr>
             <p:ph idx="12"/>
-            <p:extLst>
-              <p:ext uri="{D42A27DB-BD31-4B8C-83A1-F6EECF244321}">
-                <p14:modId xmlns:p14="http://schemas.microsoft.com/office/powerpoint/2010/main" val="1455529441"/>
-              </p:ext>
-            </p:extLst>
           </p:nvPr>
-        </p:nvGraphicFramePr>
-        <p:xfrm>
-          <a:off x="609600" y="1601789"/>
-          <a:ext cx="10972800" cy="3536688"/>
-        </p:xfrm>
-        <a:graphic>
-          <a:graphicData uri="http://schemas.openxmlformats.org/drawingml/2006/table">
-            <a:tbl>
-              <a:tblPr firstRow="1" bandRow="1">
-                <a:tableStyleId>{FABFCF23-3B69-468F-B69F-88F6DE6A72F2}</a:tableStyleId>
-              </a:tblPr>
-              <a:tblGrid>
-                <a:gridCol w="2006600"/>
-                <a:gridCol w="4445000"/>
-                <a:gridCol w="4521200"/>
-              </a:tblGrid>
-              <a:tr h="379762">
-                <a:tc>
-                  <a:txBody>
-                    <a:bodyPr/>
-                    <a:lstStyle/>
-                    <a:p>
-                      <a:endParaRPr lang="en-US" sz="1600" dirty="0"/>
-                    </a:p>
-                  </a:txBody>
-                  <a:tcPr/>
-                </a:tc>
-                <a:tc>
-                  <a:txBody>
-                    <a:bodyPr/>
-                    <a:lstStyle/>
-                    <a:p>
-                      <a:pPr algn="l"/>
-                      <a:r>
-                        <a:rPr lang="en-US" altLang="zh-CN" sz="2000" dirty="0" smtClean="0">
-                          <a:solidFill>
-                            <a:schemeClr val="tx2"/>
-                          </a:solidFill>
-                        </a:rPr>
-                        <a:t>Development</a:t>
-                      </a:r>
-                      <a:endParaRPr lang="en-US" sz="2000" dirty="0">
-                        <a:solidFill>
-                          <a:schemeClr val="tx2"/>
-                        </a:solidFill>
-                      </a:endParaRPr>
-                    </a:p>
-                  </a:txBody>
-                  <a:tcPr/>
-                </a:tc>
-                <a:tc>
-                  <a:txBody>
-                    <a:bodyPr/>
-                    <a:lstStyle/>
-                    <a:p>
-                      <a:pPr algn="l"/>
-                      <a:r>
-                        <a:rPr lang="en-US" altLang="zh-CN" sz="2000" dirty="0" smtClean="0">
-                          <a:solidFill>
-                            <a:schemeClr val="tx2"/>
-                          </a:solidFill>
-                        </a:rPr>
-                        <a:t>Sandbox</a:t>
-                      </a:r>
-                      <a:endParaRPr lang="en-US" sz="2000" dirty="0">
-                        <a:solidFill>
-                          <a:schemeClr val="tx2"/>
-                        </a:solidFill>
-                      </a:endParaRPr>
-                    </a:p>
-                  </a:txBody>
-                  <a:tcPr/>
-                </a:tc>
-              </a:tr>
-              <a:tr h="706567">
-                <a:tc>
-                  <a:txBody>
-                    <a:bodyPr/>
-                    <a:lstStyle/>
-                    <a:p>
-                      <a:pPr algn="l"/>
-                      <a:r>
-                        <a:rPr lang="en-US" altLang="zh-CN" sz="1800" dirty="0" smtClean="0"/>
-                        <a:t>Timing</a:t>
-                      </a:r>
-                      <a:endParaRPr lang="en-US" sz="1800" b="1" dirty="0"/>
-                    </a:p>
-                  </a:txBody>
-                  <a:tcPr/>
-                </a:tc>
-                <a:tc>
-                  <a:txBody>
-                    <a:bodyPr/>
-                    <a:lstStyle/>
-                    <a:p>
-                      <a:r>
-                        <a:rPr lang="en-US" altLang="zh-CN" sz="1600" dirty="0" smtClean="0">
-                          <a:solidFill>
-                            <a:srgbClr val="4C991D"/>
-                          </a:solidFill>
-                        </a:rPr>
-                        <a:t>Early February</a:t>
-                      </a:r>
-                      <a:endParaRPr lang="en-US" sz="1600" dirty="0">
-                        <a:solidFill>
-                          <a:srgbClr val="4C991D"/>
-                        </a:solidFill>
-                      </a:endParaRPr>
-                    </a:p>
-                  </a:txBody>
-                  <a:tcPr/>
-                </a:tc>
-                <a:tc>
-                  <a:txBody>
-                    <a:bodyPr/>
-                    <a:lstStyle/>
-                    <a:p>
-                      <a:r>
-                        <a:rPr lang="en-US" altLang="zh-CN" sz="1600" dirty="0" smtClean="0">
-                          <a:solidFill>
-                            <a:srgbClr val="991E1B"/>
-                          </a:solidFill>
-                        </a:rPr>
-                        <a:t>Upon</a:t>
-                      </a:r>
-                      <a:r>
-                        <a:rPr lang="zh-CN" altLang="en-US" sz="1600" dirty="0" smtClean="0">
-                          <a:solidFill>
-                            <a:srgbClr val="991E1B"/>
-                          </a:solidFill>
-                        </a:rPr>
-                        <a:t> </a:t>
-                      </a:r>
-                      <a:r>
-                        <a:rPr lang="en-US" altLang="zh-CN" sz="1600" dirty="0" smtClean="0">
-                          <a:solidFill>
-                            <a:srgbClr val="991E1B"/>
-                          </a:solidFill>
-                        </a:rPr>
-                        <a:t>finishing</a:t>
-                      </a:r>
-                      <a:r>
-                        <a:rPr lang="zh-CN" altLang="en-US" sz="1600" baseline="0" dirty="0" smtClean="0">
-                          <a:solidFill>
-                            <a:srgbClr val="991E1B"/>
-                          </a:solidFill>
-                        </a:rPr>
-                        <a:t> </a:t>
-                      </a:r>
-                      <a:r>
-                        <a:rPr lang="en-US" altLang="zh-CN" sz="1600" baseline="0" dirty="0" smtClean="0">
-                          <a:solidFill>
-                            <a:srgbClr val="991E1B"/>
-                          </a:solidFill>
-                        </a:rPr>
-                        <a:t>development</a:t>
-                      </a:r>
-                      <a:r>
-                        <a:rPr lang="zh-CN" altLang="en-US" sz="1600" baseline="0" dirty="0" smtClean="0">
-                          <a:solidFill>
-                            <a:srgbClr val="991E1B"/>
-                          </a:solidFill>
-                        </a:rPr>
-                        <a:t> </a:t>
-                      </a:r>
-                      <a:r>
-                        <a:rPr lang="en-US" altLang="zh-CN" sz="1600" baseline="0" dirty="0" smtClean="0">
-                          <a:solidFill>
-                            <a:srgbClr val="991E1B"/>
-                          </a:solidFill>
-                        </a:rPr>
-                        <a:t>server</a:t>
-                      </a:r>
-                      <a:endParaRPr lang="en-US" sz="1600" dirty="0">
-                        <a:solidFill>
-                          <a:srgbClr val="991E1B"/>
-                        </a:solidFill>
-                      </a:endParaRPr>
-                    </a:p>
-                  </a:txBody>
-                  <a:tcPr/>
-                </a:tc>
-              </a:tr>
-              <a:tr h="419604">
-                <a:tc>
-                  <a:txBody>
-                    <a:bodyPr/>
-                    <a:lstStyle/>
-                    <a:p>
-                      <a:pPr algn="l"/>
-                      <a:r>
-                        <a:rPr lang="en-US" altLang="zh-CN" sz="1800" dirty="0" smtClean="0"/>
-                        <a:t>Data</a:t>
-                      </a:r>
-                      <a:r>
-                        <a:rPr lang="zh-CN" altLang="en-US" sz="1800" dirty="0" smtClean="0"/>
-                        <a:t> </a:t>
-                      </a:r>
-                      <a:r>
-                        <a:rPr lang="en-US" altLang="zh-CN" sz="1800" dirty="0" smtClean="0"/>
-                        <a:t>restrictions</a:t>
-                      </a:r>
-                      <a:endParaRPr lang="en-US" sz="1800" b="1" dirty="0"/>
-                    </a:p>
-                  </a:txBody>
-                  <a:tcPr/>
-                </a:tc>
-                <a:tc>
-                  <a:txBody>
-                    <a:bodyPr/>
-                    <a:lstStyle/>
-                    <a:p>
-                      <a:r>
-                        <a:rPr lang="en-US" altLang="zh-CN" sz="1600" dirty="0" smtClean="0"/>
-                        <a:t>General HIPAA</a:t>
-                      </a:r>
-                      <a:endParaRPr lang="en-US" sz="1600" dirty="0"/>
-                    </a:p>
-                  </a:txBody>
-                  <a:tcPr/>
-                </a:tc>
-                <a:tc>
-                  <a:txBody>
-                    <a:bodyPr/>
-                    <a:lstStyle/>
-                    <a:p>
-                      <a:r>
-                        <a:rPr lang="en-US" altLang="zh-CN" sz="1600" dirty="0" smtClean="0"/>
-                        <a:t>General HIPAA</a:t>
-                      </a:r>
-                      <a:endParaRPr lang="en-US" sz="1600" dirty="0"/>
-                    </a:p>
-                  </a:txBody>
-                  <a:tcPr/>
-                </a:tc>
-              </a:tr>
-              <a:tr h="1022437">
-                <a:tc>
-                  <a:txBody>
-                    <a:bodyPr/>
-                    <a:lstStyle/>
-                    <a:p>
-                      <a:pPr algn="l"/>
-                      <a:r>
-                        <a:rPr lang="en-US" altLang="zh-CN" sz="1800" dirty="0" smtClean="0"/>
-                        <a:t>3</a:t>
-                      </a:r>
-                      <a:r>
-                        <a:rPr lang="en-US" altLang="zh-CN" sz="1800" baseline="30000" dirty="0" smtClean="0"/>
-                        <a:t>rd</a:t>
-                      </a:r>
-                      <a:r>
-                        <a:rPr lang="zh-CN" altLang="en-US" sz="1800" baseline="0" dirty="0" smtClean="0"/>
-                        <a:t> </a:t>
-                      </a:r>
-                      <a:r>
-                        <a:rPr lang="en-US" altLang="zh-CN" sz="1800" baseline="0" dirty="0" smtClean="0"/>
-                        <a:t>party</a:t>
-                      </a:r>
-                      <a:r>
-                        <a:rPr lang="zh-CN" altLang="en-US" sz="1800" baseline="0" dirty="0" smtClean="0"/>
-                        <a:t> </a:t>
-                      </a:r>
-                      <a:r>
-                        <a:rPr lang="en-US" altLang="zh-CN" sz="1800" baseline="0" dirty="0" smtClean="0"/>
-                        <a:t>software</a:t>
-                      </a:r>
-                      <a:endParaRPr lang="en-US" sz="1800" b="1" dirty="0"/>
-                    </a:p>
-                  </a:txBody>
-                  <a:tcPr/>
-                </a:tc>
-                <a:tc>
-                  <a:txBody>
-                    <a:bodyPr/>
-                    <a:lstStyle/>
-                    <a:p>
-                      <a:r>
-                        <a:rPr lang="en-US" altLang="zh-CN" sz="1600" b="1" dirty="0" smtClean="0"/>
-                        <a:t>Docker</a:t>
-                      </a:r>
-                      <a:r>
-                        <a:rPr lang="en-US" altLang="zh-CN" sz="1600" b="0" dirty="0" smtClean="0"/>
-                        <a:t>(17.06.2-ee-6)</a:t>
-                      </a:r>
-                      <a:r>
-                        <a:rPr lang="en-US" altLang="zh-CN" sz="1600" b="0" baseline="0" dirty="0" smtClean="0"/>
-                        <a:t>,</a:t>
-                      </a:r>
-                      <a:r>
-                        <a:rPr lang="zh-CN" altLang="en-US" sz="1600" b="0" baseline="0" dirty="0" smtClean="0"/>
-                        <a:t> </a:t>
-                      </a:r>
-                      <a:r>
-                        <a:rPr lang="en-US" altLang="zh-CN" sz="1600" baseline="0" dirty="0" smtClean="0"/>
-                        <a:t>Flexible</a:t>
-                      </a:r>
-                      <a:r>
-                        <a:rPr lang="zh-CN" altLang="en-US" sz="1600" baseline="0" dirty="0" smtClean="0"/>
-                        <a:t> </a:t>
-                      </a:r>
-                      <a:r>
-                        <a:rPr lang="en-US" altLang="zh-CN" sz="1600" baseline="0" dirty="0" smtClean="0"/>
-                        <a:t>Analytics</a:t>
-                      </a:r>
-                      <a:r>
-                        <a:rPr lang="zh-CN" altLang="en-US" sz="1600" baseline="0" dirty="0" smtClean="0"/>
-                        <a:t> </a:t>
-                      </a:r>
-                      <a:r>
-                        <a:rPr lang="en-US" altLang="zh-CN" sz="1600" baseline="0" dirty="0" smtClean="0"/>
-                        <a:t>(via</a:t>
-                      </a:r>
-                      <a:r>
-                        <a:rPr lang="zh-CN" altLang="en-US" sz="1600" baseline="0" dirty="0" smtClean="0"/>
-                        <a:t> </a:t>
-                      </a:r>
-                      <a:r>
-                        <a:rPr lang="en-US" altLang="zh-CN" sz="1600" baseline="0" dirty="0" smtClean="0"/>
-                        <a:t>API)</a:t>
-                      </a:r>
-                      <a:endParaRPr lang="en-US" sz="1600" dirty="0"/>
-                    </a:p>
-                  </a:txBody>
-                  <a:tcPr/>
-                </a:tc>
-                <a:tc>
-                  <a:txBody>
-                    <a:bodyPr/>
-                    <a:lstStyle/>
-                    <a:p>
-                      <a:pPr marL="0" marR="0" indent="0" algn="l" defTabSz="1217910" rtl="0" eaLnBrk="1" fontAlgn="auto" latinLnBrk="0" hangingPunct="1">
-                        <a:lnSpc>
-                          <a:spcPct val="100000"/>
-                        </a:lnSpc>
-                        <a:spcBef>
-                          <a:spcPts val="0"/>
-                        </a:spcBef>
-                        <a:spcAft>
-                          <a:spcPts val="0"/>
-                        </a:spcAft>
-                        <a:buClrTx/>
-                        <a:buSzTx/>
-                        <a:buFontTx/>
-                        <a:buNone/>
-                        <a:tabLst/>
-                        <a:defRPr/>
-                      </a:pPr>
-                      <a:r>
-                        <a:rPr lang="en-US" altLang="zh-CN" sz="1600" b="1" dirty="0" smtClean="0"/>
-                        <a:t>Docker</a:t>
-                      </a:r>
-                      <a:r>
-                        <a:rPr lang="en-US" altLang="zh-CN" sz="1600" b="0" dirty="0" smtClean="0"/>
-                        <a:t>(17.06.2-ee-6)</a:t>
-                      </a:r>
-                      <a:r>
-                        <a:rPr lang="en-US" altLang="zh-CN" sz="1600" b="0" baseline="0" dirty="0" smtClean="0"/>
-                        <a:t>,</a:t>
-                      </a:r>
-                      <a:r>
-                        <a:rPr lang="zh-CN" altLang="en-US" sz="1600" b="0" baseline="0" dirty="0" smtClean="0"/>
-                        <a:t> </a:t>
-                      </a:r>
-                      <a:r>
-                        <a:rPr lang="en-US" altLang="zh-CN" sz="1600" baseline="0" dirty="0" smtClean="0"/>
-                        <a:t>Flexible</a:t>
-                      </a:r>
-                      <a:r>
-                        <a:rPr lang="zh-CN" altLang="en-US" sz="1600" baseline="0" dirty="0" smtClean="0"/>
-                        <a:t> </a:t>
-                      </a:r>
-                      <a:r>
-                        <a:rPr lang="en-US" altLang="zh-CN" sz="1600" baseline="0" dirty="0" smtClean="0"/>
-                        <a:t>Analytics</a:t>
-                      </a:r>
-                      <a:r>
-                        <a:rPr lang="zh-CN" altLang="en-US" sz="1600" baseline="0" dirty="0" smtClean="0"/>
-                        <a:t> </a:t>
-                      </a:r>
-                      <a:r>
-                        <a:rPr lang="en-US" altLang="zh-CN" sz="1600" baseline="0" dirty="0" smtClean="0"/>
-                        <a:t>(via</a:t>
-                      </a:r>
-                      <a:r>
-                        <a:rPr lang="zh-CN" altLang="en-US" sz="1600" baseline="0" dirty="0" smtClean="0"/>
-                        <a:t> </a:t>
-                      </a:r>
-                      <a:r>
-                        <a:rPr lang="en-US" altLang="zh-CN" sz="1600" baseline="0" dirty="0" smtClean="0"/>
-                        <a:t>API)</a:t>
-                      </a:r>
-                      <a:r>
-                        <a:rPr lang="en-US" altLang="zh-CN" sz="1600" dirty="0" smtClean="0"/>
-                        <a:t>,</a:t>
-                      </a:r>
-                      <a:r>
-                        <a:rPr lang="zh-CN" altLang="en-US" sz="1600" dirty="0" smtClean="0"/>
-                        <a:t> </a:t>
-                      </a:r>
-                      <a:r>
-                        <a:rPr lang="en-US" altLang="zh-CN" sz="1600" dirty="0" smtClean="0">
-                          <a:solidFill>
-                            <a:srgbClr val="991E1B"/>
-                          </a:solidFill>
-                        </a:rPr>
-                        <a:t>Anaconda</a:t>
-                      </a:r>
-                      <a:r>
-                        <a:rPr lang="zh-CN" altLang="en-US" sz="1600" baseline="0" dirty="0" smtClean="0">
-                          <a:solidFill>
-                            <a:srgbClr val="991E1B"/>
-                          </a:solidFill>
-                        </a:rPr>
-                        <a:t> </a:t>
-                      </a:r>
-                      <a:r>
-                        <a:rPr lang="en-US" altLang="zh-CN" sz="1600" baseline="0" dirty="0" smtClean="0">
-                          <a:solidFill>
-                            <a:srgbClr val="991E1B"/>
-                          </a:solidFill>
-                        </a:rPr>
-                        <a:t>Python(&gt;=3.6:</a:t>
-                      </a:r>
-                      <a:r>
-                        <a:rPr lang="zh-CN" altLang="en-US" sz="1600" baseline="0" dirty="0" smtClean="0">
-                          <a:solidFill>
-                            <a:srgbClr val="991E1B"/>
-                          </a:solidFill>
-                        </a:rPr>
-                        <a:t> </a:t>
-                      </a:r>
-                      <a:r>
-                        <a:rPr lang="en-US" altLang="zh-CN" sz="1600" baseline="0" dirty="0" smtClean="0">
-                          <a:solidFill>
-                            <a:srgbClr val="991E1B"/>
-                          </a:solidFill>
-                        </a:rPr>
-                        <a:t>pandas,</a:t>
-                      </a:r>
-                      <a:r>
-                        <a:rPr lang="zh-CN" altLang="en-US" sz="1600" baseline="0" dirty="0" smtClean="0">
-                          <a:solidFill>
-                            <a:srgbClr val="991E1B"/>
-                          </a:solidFill>
-                        </a:rPr>
-                        <a:t> </a:t>
-                      </a:r>
-                      <a:r>
-                        <a:rPr lang="en-US" altLang="zh-CN" sz="1600" baseline="0" dirty="0" err="1" smtClean="0">
-                          <a:solidFill>
-                            <a:srgbClr val="991E1B"/>
-                          </a:solidFill>
-                        </a:rPr>
-                        <a:t>numpy</a:t>
-                      </a:r>
-                      <a:r>
-                        <a:rPr lang="en-US" altLang="zh-CN" sz="1600" baseline="0" dirty="0" smtClean="0">
-                          <a:solidFill>
-                            <a:srgbClr val="991E1B"/>
-                          </a:solidFill>
-                        </a:rPr>
-                        <a:t>,</a:t>
-                      </a:r>
-                      <a:r>
-                        <a:rPr lang="zh-CN" altLang="en-US" sz="1600" baseline="0" dirty="0" smtClean="0">
-                          <a:solidFill>
-                            <a:srgbClr val="991E1B"/>
-                          </a:solidFill>
-                        </a:rPr>
-                        <a:t> </a:t>
-                      </a:r>
-                      <a:r>
-                        <a:rPr lang="en-US" altLang="zh-CN" sz="1600" baseline="0" dirty="0" err="1" smtClean="0">
-                          <a:solidFill>
-                            <a:srgbClr val="991E1B"/>
-                          </a:solidFill>
-                        </a:rPr>
-                        <a:t>sklearn</a:t>
-                      </a:r>
-                      <a:r>
-                        <a:rPr lang="en-US" altLang="zh-CN" sz="1600" baseline="0" dirty="0" smtClean="0">
-                          <a:solidFill>
-                            <a:srgbClr val="991E1B"/>
-                          </a:solidFill>
-                        </a:rPr>
-                        <a:t>),</a:t>
-                      </a:r>
-                    </a:p>
-                    <a:p>
-                      <a:r>
-                        <a:rPr lang="en-US" altLang="zh-CN" sz="1600" baseline="0" dirty="0" smtClean="0">
-                          <a:solidFill>
-                            <a:srgbClr val="991E1B"/>
-                          </a:solidFill>
-                        </a:rPr>
-                        <a:t>R</a:t>
-                      </a:r>
-                      <a:r>
-                        <a:rPr lang="zh-CN" altLang="en-US" sz="1600" baseline="0" dirty="0" smtClean="0">
-                          <a:solidFill>
-                            <a:srgbClr val="991E1B"/>
-                          </a:solidFill>
-                        </a:rPr>
-                        <a:t> </a:t>
-                      </a:r>
-                      <a:r>
-                        <a:rPr lang="en-US" altLang="zh-CN" sz="1600" baseline="0" dirty="0" smtClean="0">
-                          <a:solidFill>
-                            <a:srgbClr val="991E1B"/>
-                          </a:solidFill>
-                        </a:rPr>
-                        <a:t>and</a:t>
-                      </a:r>
-                      <a:r>
-                        <a:rPr lang="zh-CN" altLang="en-US" sz="1600" baseline="0" dirty="0" smtClean="0">
-                          <a:solidFill>
-                            <a:srgbClr val="991E1B"/>
-                          </a:solidFill>
-                        </a:rPr>
-                        <a:t> </a:t>
-                      </a:r>
-                      <a:r>
-                        <a:rPr lang="en-US" altLang="zh-CN" sz="1600" baseline="0" dirty="0" err="1" smtClean="0">
-                          <a:solidFill>
-                            <a:srgbClr val="991E1B"/>
-                          </a:solidFill>
-                        </a:rPr>
-                        <a:t>Rstudio</a:t>
-                      </a:r>
-                      <a:r>
-                        <a:rPr lang="en-US" altLang="zh-CN" sz="1600" baseline="0" dirty="0" smtClean="0">
-                          <a:solidFill>
-                            <a:srgbClr val="991E1B"/>
-                          </a:solidFill>
-                        </a:rPr>
-                        <a:t>,</a:t>
-                      </a:r>
-                      <a:r>
-                        <a:rPr lang="zh-CN" altLang="en-US" sz="1600" baseline="0" dirty="0" smtClean="0">
-                          <a:solidFill>
-                            <a:srgbClr val="991E1B"/>
-                          </a:solidFill>
-                        </a:rPr>
-                        <a:t> </a:t>
-                      </a:r>
-                      <a:r>
-                        <a:rPr lang="en-US" altLang="zh-CN" sz="1600" baseline="0" dirty="0" smtClean="0">
-                          <a:solidFill>
-                            <a:srgbClr val="991E1B"/>
-                          </a:solidFill>
-                        </a:rPr>
-                        <a:t>SQL,</a:t>
-                      </a:r>
-                      <a:r>
-                        <a:rPr lang="zh-CN" altLang="en-US" sz="1600" baseline="0" dirty="0" smtClean="0">
-                          <a:solidFill>
-                            <a:srgbClr val="991E1B"/>
-                          </a:solidFill>
-                        </a:rPr>
-                        <a:t> </a:t>
-                      </a:r>
-                      <a:r>
-                        <a:rPr lang="en-US" altLang="zh-CN" sz="1600" baseline="0" dirty="0" err="1" smtClean="0">
-                          <a:solidFill>
-                            <a:srgbClr val="991E1B"/>
-                          </a:solidFill>
-                        </a:rPr>
-                        <a:t>Git</a:t>
-                      </a:r>
-                      <a:r>
-                        <a:rPr lang="en-US" altLang="zh-CN" sz="1600" baseline="0" dirty="0" smtClean="0">
-                          <a:solidFill>
-                            <a:srgbClr val="991E1B"/>
-                          </a:solidFill>
-                        </a:rPr>
-                        <a:t>,</a:t>
-                      </a:r>
-                      <a:r>
-                        <a:rPr lang="zh-CN" altLang="en-US" sz="1600" baseline="0" dirty="0" smtClean="0">
-                          <a:solidFill>
-                            <a:srgbClr val="991E1B"/>
-                          </a:solidFill>
-                        </a:rPr>
-                        <a:t> </a:t>
-                      </a:r>
-                      <a:r>
-                        <a:rPr lang="en-US" altLang="zh-CN" sz="1600" baseline="0" dirty="0" err="1" smtClean="0">
-                          <a:solidFill>
-                            <a:srgbClr val="991E1B"/>
-                          </a:solidFill>
-                        </a:rPr>
-                        <a:t>Git</a:t>
-                      </a:r>
-                      <a:r>
-                        <a:rPr lang="zh-CN" altLang="en-US" sz="1600" baseline="0" dirty="0" smtClean="0">
-                          <a:solidFill>
-                            <a:srgbClr val="991E1B"/>
-                          </a:solidFill>
-                        </a:rPr>
-                        <a:t> </a:t>
-                      </a:r>
-                      <a:r>
-                        <a:rPr lang="en-US" altLang="zh-CN" sz="1600" baseline="0" dirty="0" smtClean="0">
-                          <a:solidFill>
-                            <a:srgbClr val="991E1B"/>
-                          </a:solidFill>
-                        </a:rPr>
-                        <a:t>LFS,</a:t>
-                      </a:r>
-                      <a:r>
-                        <a:rPr lang="zh-CN" altLang="en-US" sz="1600" baseline="0" dirty="0" smtClean="0">
-                          <a:solidFill>
-                            <a:srgbClr val="991E1B"/>
-                          </a:solidFill>
-                        </a:rPr>
-                        <a:t> </a:t>
-                      </a:r>
-                      <a:r>
-                        <a:rPr lang="en-US" altLang="zh-CN" sz="1600" baseline="0" dirty="0" err="1" smtClean="0">
-                          <a:solidFill>
-                            <a:srgbClr val="991E1B"/>
-                          </a:solidFill>
-                        </a:rPr>
-                        <a:t>Jupyter</a:t>
-                      </a:r>
-                      <a:r>
-                        <a:rPr lang="zh-CN" altLang="en-US" sz="1600" baseline="0" dirty="0" smtClean="0">
-                          <a:solidFill>
-                            <a:srgbClr val="991E1B"/>
-                          </a:solidFill>
-                        </a:rPr>
-                        <a:t> </a:t>
-                      </a:r>
-                      <a:r>
-                        <a:rPr lang="en-US" altLang="zh-CN" sz="1600" baseline="0" dirty="0" smtClean="0">
-                          <a:solidFill>
-                            <a:srgbClr val="991E1B"/>
-                          </a:solidFill>
-                        </a:rPr>
-                        <a:t>Notebook,</a:t>
-                      </a:r>
-                      <a:r>
-                        <a:rPr lang="zh-CN" altLang="en-US" sz="1600" baseline="0" dirty="0" smtClean="0">
-                          <a:solidFill>
-                            <a:srgbClr val="991E1B"/>
-                          </a:solidFill>
-                        </a:rPr>
-                        <a:t> </a:t>
-                      </a:r>
-                      <a:r>
-                        <a:rPr lang="en-US" altLang="zh-CN" sz="1600" baseline="0" dirty="0" smtClean="0">
-                          <a:solidFill>
-                            <a:srgbClr val="991E1B"/>
-                          </a:solidFill>
-                        </a:rPr>
-                        <a:t>Spark,</a:t>
-                      </a:r>
-                      <a:r>
-                        <a:rPr lang="zh-CN" altLang="en-US" sz="1600" baseline="0" dirty="0" smtClean="0">
-                          <a:solidFill>
-                            <a:srgbClr val="991E1B"/>
-                          </a:solidFill>
-                        </a:rPr>
-                        <a:t> </a:t>
-                      </a:r>
-                      <a:r>
-                        <a:rPr lang="en-US" altLang="zh-CN" sz="1600" baseline="0" dirty="0" smtClean="0">
-                          <a:solidFill>
-                            <a:srgbClr val="991E1B"/>
-                          </a:solidFill>
-                        </a:rPr>
-                        <a:t>Hadoop,</a:t>
-                      </a:r>
-                      <a:r>
-                        <a:rPr lang="zh-CN" altLang="en-US" sz="1600" baseline="0" dirty="0" smtClean="0">
-                          <a:solidFill>
-                            <a:srgbClr val="991E1B"/>
-                          </a:solidFill>
-                        </a:rPr>
-                        <a:t> </a:t>
-                      </a:r>
-                      <a:r>
-                        <a:rPr lang="en-US" altLang="zh-CN" sz="1600" baseline="0" dirty="0" smtClean="0">
-                          <a:solidFill>
-                            <a:srgbClr val="991E1B"/>
-                          </a:solidFill>
-                        </a:rPr>
-                        <a:t>SAS(?)</a:t>
-                      </a:r>
-                      <a:endParaRPr lang="en-US" sz="1600" i="0" dirty="0">
-                        <a:solidFill>
-                          <a:srgbClr val="991E1B"/>
-                        </a:solidFill>
-                      </a:endParaRPr>
-                    </a:p>
-                  </a:txBody>
-                  <a:tcPr/>
-                </a:tc>
-              </a:tr>
-              <a:tr h="703637">
-                <a:tc>
-                  <a:txBody>
-                    <a:bodyPr/>
-                    <a:lstStyle/>
-                    <a:p>
-                      <a:pPr algn="l"/>
-                      <a:r>
-                        <a:rPr lang="en-US" altLang="zh-CN" sz="1800" dirty="0" smtClean="0"/>
-                        <a:t>Access/users</a:t>
-                      </a:r>
-                      <a:endParaRPr lang="en-US" sz="1800" b="1" dirty="0"/>
-                    </a:p>
-                  </a:txBody>
-                  <a:tcPr/>
-                </a:tc>
-                <a:tc>
-                  <a:txBody>
-                    <a:bodyPr/>
-                    <a:lstStyle/>
-                    <a:p>
-                      <a:r>
-                        <a:rPr lang="en-US" altLang="zh-CN" sz="1600" dirty="0" smtClean="0">
-                          <a:solidFill>
-                            <a:srgbClr val="4C991D"/>
-                          </a:solidFill>
-                        </a:rPr>
-                        <a:t>Restricted</a:t>
-                      </a:r>
-                      <a:r>
-                        <a:rPr lang="zh-CN" altLang="en-US" sz="1600" baseline="0" dirty="0" smtClean="0">
-                          <a:solidFill>
-                            <a:srgbClr val="4C991D"/>
-                          </a:solidFill>
-                        </a:rPr>
-                        <a:t> </a:t>
-                      </a:r>
-                      <a:r>
-                        <a:rPr lang="en-US" altLang="zh-CN" sz="1600" baseline="0" dirty="0" smtClean="0">
-                          <a:solidFill>
-                            <a:srgbClr val="4C991D"/>
-                          </a:solidFill>
-                        </a:rPr>
-                        <a:t>access</a:t>
-                      </a:r>
-                      <a:r>
-                        <a:rPr lang="zh-CN" altLang="en-US" sz="1600" baseline="0" dirty="0" smtClean="0">
-                          <a:solidFill>
-                            <a:srgbClr val="4C991D"/>
-                          </a:solidFill>
-                        </a:rPr>
-                        <a:t> </a:t>
-                      </a:r>
-                      <a:r>
-                        <a:rPr lang="en-US" altLang="zh-CN" sz="1600" baseline="0" dirty="0" smtClean="0">
-                          <a:solidFill>
-                            <a:srgbClr val="4C991D"/>
-                          </a:solidFill>
-                        </a:rPr>
-                        <a:t>to</a:t>
-                      </a:r>
-                      <a:r>
-                        <a:rPr lang="zh-CN" altLang="en-US" sz="1600" baseline="0" dirty="0" smtClean="0">
-                          <a:solidFill>
-                            <a:srgbClr val="4C991D"/>
-                          </a:solidFill>
-                        </a:rPr>
-                        <a:t> </a:t>
-                      </a:r>
-                      <a:r>
-                        <a:rPr lang="en-US" altLang="zh-CN" sz="1600" baseline="0" dirty="0" smtClean="0">
-                          <a:solidFill>
-                            <a:srgbClr val="4C991D"/>
-                          </a:solidFill>
-                        </a:rPr>
-                        <a:t>and</a:t>
-                      </a:r>
-                      <a:r>
-                        <a:rPr lang="zh-CN" altLang="en-US" sz="1600" baseline="0" dirty="0" smtClean="0">
-                          <a:solidFill>
-                            <a:srgbClr val="4C991D"/>
-                          </a:solidFill>
-                        </a:rPr>
-                        <a:t> </a:t>
-                      </a:r>
-                      <a:r>
-                        <a:rPr lang="en-US" altLang="zh-CN" sz="1600" baseline="0" dirty="0" smtClean="0">
-                          <a:solidFill>
-                            <a:srgbClr val="4C991D"/>
-                          </a:solidFill>
-                        </a:rPr>
-                        <a:t>control</a:t>
-                      </a:r>
-                      <a:r>
-                        <a:rPr lang="zh-CN" altLang="en-US" sz="1600" baseline="0" dirty="0" smtClean="0">
-                          <a:solidFill>
-                            <a:srgbClr val="4C991D"/>
-                          </a:solidFill>
-                        </a:rPr>
-                        <a:t> </a:t>
-                      </a:r>
-                      <a:r>
-                        <a:rPr lang="en-US" altLang="zh-CN" sz="1600" baseline="0" dirty="0" smtClean="0">
-                          <a:solidFill>
-                            <a:srgbClr val="4C991D"/>
-                          </a:solidFill>
-                        </a:rPr>
-                        <a:t>by</a:t>
-                      </a:r>
-                      <a:r>
-                        <a:rPr lang="zh-CN" altLang="en-US" sz="1600" baseline="0" dirty="0" smtClean="0">
-                          <a:solidFill>
-                            <a:srgbClr val="4C991D"/>
-                          </a:solidFill>
-                        </a:rPr>
-                        <a:t> </a:t>
-                      </a:r>
-                      <a:r>
-                        <a:rPr lang="en-US" altLang="zh-CN" sz="1600" baseline="0" dirty="0" smtClean="0">
-                          <a:solidFill>
-                            <a:srgbClr val="4C991D"/>
-                          </a:solidFill>
-                        </a:rPr>
-                        <a:t>project/development</a:t>
-                      </a:r>
-                      <a:r>
-                        <a:rPr lang="zh-CN" altLang="en-US" sz="1600" baseline="0" dirty="0" smtClean="0">
-                          <a:solidFill>
-                            <a:srgbClr val="4C991D"/>
-                          </a:solidFill>
-                        </a:rPr>
-                        <a:t> </a:t>
-                      </a:r>
-                      <a:r>
-                        <a:rPr lang="en-US" altLang="zh-CN" sz="1600" baseline="0" dirty="0" smtClean="0">
-                          <a:solidFill>
-                            <a:srgbClr val="4C991D"/>
-                          </a:solidFill>
-                        </a:rPr>
-                        <a:t>lead</a:t>
-                      </a:r>
-                      <a:endParaRPr lang="en-US" sz="1600" dirty="0">
-                        <a:solidFill>
-                          <a:srgbClr val="4C991D"/>
-                        </a:solidFill>
-                      </a:endParaRPr>
-                    </a:p>
-                  </a:txBody>
-                  <a:tcPr/>
-                </a:tc>
-                <a:tc>
-                  <a:txBody>
-                    <a:bodyPr/>
-                    <a:lstStyle/>
-                    <a:p>
-                      <a:r>
-                        <a:rPr lang="en-US" altLang="zh-CN" sz="1600" dirty="0" smtClean="0">
-                          <a:solidFill>
-                            <a:srgbClr val="991E1B"/>
-                          </a:solidFill>
-                        </a:rPr>
-                        <a:t>Restricted</a:t>
-                      </a:r>
-                      <a:r>
-                        <a:rPr lang="zh-CN" altLang="en-US" sz="1600" dirty="0" smtClean="0">
-                          <a:solidFill>
-                            <a:srgbClr val="991E1B"/>
-                          </a:solidFill>
-                        </a:rPr>
-                        <a:t> </a:t>
-                      </a:r>
-                      <a:r>
-                        <a:rPr lang="en-US" altLang="zh-CN" sz="1600" baseline="0" dirty="0" smtClean="0">
-                          <a:solidFill>
-                            <a:srgbClr val="991E1B"/>
-                          </a:solidFill>
-                        </a:rPr>
-                        <a:t>and</a:t>
-                      </a:r>
-                      <a:r>
-                        <a:rPr lang="zh-CN" altLang="en-US" sz="1600" baseline="0" dirty="0" smtClean="0">
-                          <a:solidFill>
-                            <a:srgbClr val="991E1B"/>
-                          </a:solidFill>
-                        </a:rPr>
-                        <a:t> </a:t>
-                      </a:r>
-                      <a:r>
-                        <a:rPr lang="en-US" altLang="zh-CN" sz="1600" baseline="0" dirty="0" smtClean="0">
-                          <a:solidFill>
-                            <a:srgbClr val="991E1B"/>
-                          </a:solidFill>
-                        </a:rPr>
-                        <a:t>u</a:t>
-                      </a:r>
-                      <a:r>
-                        <a:rPr lang="en-US" altLang="zh-CN" sz="1600" dirty="0" smtClean="0">
-                          <a:solidFill>
-                            <a:srgbClr val="991E1B"/>
-                          </a:solidFill>
-                        </a:rPr>
-                        <a:t>nrestricted</a:t>
-                      </a:r>
-                      <a:r>
-                        <a:rPr lang="zh-CN" altLang="en-US" sz="1600" baseline="0" dirty="0" smtClean="0">
-                          <a:solidFill>
-                            <a:srgbClr val="991E1B"/>
-                          </a:solidFill>
-                        </a:rPr>
-                        <a:t> </a:t>
-                      </a:r>
-                      <a:r>
-                        <a:rPr lang="en-US" altLang="zh-CN" sz="1600" baseline="0" dirty="0" smtClean="0">
-                          <a:solidFill>
-                            <a:srgbClr val="991E1B"/>
-                          </a:solidFill>
-                        </a:rPr>
-                        <a:t>access</a:t>
-                      </a:r>
-                      <a:r>
-                        <a:rPr lang="zh-CN" altLang="en-US" sz="1600" baseline="0" dirty="0" smtClean="0">
-                          <a:solidFill>
-                            <a:srgbClr val="991E1B"/>
-                          </a:solidFill>
-                        </a:rPr>
-                        <a:t> </a:t>
-                      </a:r>
-                      <a:r>
-                        <a:rPr lang="en-US" altLang="zh-CN" sz="1600" baseline="0" dirty="0" smtClean="0">
-                          <a:solidFill>
-                            <a:srgbClr val="991E1B"/>
-                          </a:solidFill>
-                        </a:rPr>
-                        <a:t>to</a:t>
-                      </a:r>
-                      <a:r>
-                        <a:rPr lang="zh-CN" altLang="en-US" sz="1600" baseline="0" dirty="0" smtClean="0">
-                          <a:solidFill>
-                            <a:srgbClr val="991E1B"/>
-                          </a:solidFill>
-                        </a:rPr>
-                        <a:t> </a:t>
-                      </a:r>
-                      <a:r>
-                        <a:rPr lang="en-US" altLang="zh-CN" sz="1600" baseline="0" dirty="0" smtClean="0">
-                          <a:solidFill>
-                            <a:srgbClr val="991E1B"/>
-                          </a:solidFill>
-                        </a:rPr>
-                        <a:t>and</a:t>
-                      </a:r>
-                      <a:r>
-                        <a:rPr lang="zh-CN" altLang="en-US" sz="1600" baseline="0" dirty="0" smtClean="0">
-                          <a:solidFill>
-                            <a:srgbClr val="991E1B"/>
-                          </a:solidFill>
-                        </a:rPr>
-                        <a:t> </a:t>
-                      </a:r>
-                      <a:r>
-                        <a:rPr lang="en-US" altLang="zh-CN" sz="1600" baseline="0" dirty="0" smtClean="0">
-                          <a:solidFill>
-                            <a:srgbClr val="991E1B"/>
-                          </a:solidFill>
-                        </a:rPr>
-                        <a:t>control</a:t>
-                      </a:r>
-                      <a:r>
-                        <a:rPr lang="zh-CN" altLang="en-US" sz="1600" baseline="0" dirty="0" smtClean="0">
-                          <a:solidFill>
-                            <a:srgbClr val="991E1B"/>
-                          </a:solidFill>
-                        </a:rPr>
-                        <a:t> </a:t>
-                      </a:r>
-                      <a:r>
-                        <a:rPr lang="en-US" altLang="zh-CN" sz="1600" baseline="0" dirty="0" smtClean="0">
-                          <a:solidFill>
-                            <a:srgbClr val="991E1B"/>
-                          </a:solidFill>
-                        </a:rPr>
-                        <a:t>by</a:t>
-                      </a:r>
-                      <a:r>
-                        <a:rPr lang="zh-CN" altLang="en-US" sz="1600" baseline="0" dirty="0" smtClean="0">
-                          <a:solidFill>
-                            <a:srgbClr val="991E1B"/>
-                          </a:solidFill>
-                        </a:rPr>
-                        <a:t> </a:t>
-                      </a:r>
-                      <a:r>
-                        <a:rPr lang="en-US" altLang="zh-CN" sz="1600" baseline="0" dirty="0" smtClean="0">
-                          <a:solidFill>
-                            <a:srgbClr val="991E1B"/>
-                          </a:solidFill>
-                        </a:rPr>
-                        <a:t>ACE</a:t>
-                      </a:r>
-                      <a:r>
-                        <a:rPr lang="zh-CN" altLang="en-US" sz="1600" baseline="0" dirty="0" smtClean="0">
-                          <a:solidFill>
-                            <a:srgbClr val="991E1B"/>
-                          </a:solidFill>
-                        </a:rPr>
-                        <a:t> </a:t>
-                      </a:r>
-                      <a:r>
-                        <a:rPr lang="en-US" altLang="zh-CN" sz="1600" baseline="0" dirty="0" smtClean="0">
-                          <a:solidFill>
-                            <a:srgbClr val="991E1B"/>
-                          </a:solidFill>
-                        </a:rPr>
-                        <a:t>users</a:t>
-                      </a:r>
-                      <a:endParaRPr lang="en-US" sz="1600" i="0" dirty="0">
-                        <a:solidFill>
-                          <a:srgbClr val="991E1B"/>
-                        </a:solidFill>
-                      </a:endParaRPr>
-                    </a:p>
-                  </a:txBody>
-                  <a:tcPr/>
-                </a:tc>
-              </a:tr>
-            </a:tbl>
-          </a:graphicData>
-        </a:graphic>
-      </p:graphicFrame>
+        </p:nvSpPr>
+        <p:spPr/>
+        <p:style>
+          <a:lnRef idx="2">
+            <a:schemeClr val="accent1"/>
+          </a:lnRef>
+          <a:fillRef idx="1">
+            <a:schemeClr val="lt1"/>
+          </a:fillRef>
+          <a:effectRef idx="0">
+            <a:schemeClr val="accent1"/>
+          </a:effectRef>
+          <a:fontRef idx="minor">
+            <a:schemeClr val="dk1"/>
+          </a:fontRef>
+        </p:style>
+        <p:txBody>
+          <a:bodyPr/>
+          <a:lstStyle/>
+          <a:p>
+            <a:r>
+              <a:rPr lang="en-US" altLang="zh-CN" sz="2400" dirty="0"/>
+              <a:t>Capacity: </a:t>
+            </a:r>
+            <a:r>
+              <a:rPr lang="en-US" altLang="zh-Hans" sz="2400" dirty="0"/>
+              <a:t>storage</a:t>
+            </a:r>
+            <a:r>
+              <a:rPr lang="zh-Hans" altLang="en-US" sz="2400" dirty="0"/>
+              <a:t> </a:t>
+            </a:r>
+            <a:r>
+              <a:rPr lang="en-US" altLang="zh-Hans" sz="2400" dirty="0"/>
+              <a:t>and</a:t>
+            </a:r>
+            <a:r>
+              <a:rPr lang="zh-Hans" altLang="en-US" sz="2400" dirty="0"/>
+              <a:t> </a:t>
+            </a:r>
+            <a:r>
+              <a:rPr lang="en-US" altLang="zh-Hans" sz="2400" dirty="0"/>
+              <a:t>computing</a:t>
+            </a:r>
+            <a:r>
+              <a:rPr lang="zh-Hans" altLang="en-US" sz="2400" dirty="0"/>
+              <a:t> </a:t>
+            </a:r>
+            <a:r>
+              <a:rPr lang="en-US" altLang="zh-Hans" sz="2400" dirty="0"/>
+              <a:t>power</a:t>
+            </a:r>
+          </a:p>
+          <a:p>
+            <a:pPr lvl="1"/>
+            <a:r>
+              <a:rPr lang="en-US" altLang="zh-Hans" sz="2100" dirty="0"/>
+              <a:t>In-house</a:t>
+            </a:r>
+            <a:r>
+              <a:rPr lang="zh-Hans" altLang="en-US" sz="2100" dirty="0"/>
+              <a:t> </a:t>
+            </a:r>
+            <a:r>
+              <a:rPr lang="en-US" altLang="zh-Hans" sz="2100" dirty="0"/>
+              <a:t>physical</a:t>
+            </a:r>
+            <a:r>
+              <a:rPr lang="zh-Hans" altLang="en-US" sz="2100" dirty="0"/>
+              <a:t> </a:t>
+            </a:r>
+            <a:r>
+              <a:rPr lang="en-US" altLang="zh-Hans" sz="2100" dirty="0"/>
+              <a:t>server</a:t>
+            </a:r>
+            <a:r>
+              <a:rPr lang="zh-Hans" altLang="en-US" sz="2100" dirty="0"/>
+              <a:t> </a:t>
+            </a:r>
+            <a:r>
+              <a:rPr lang="en-US" altLang="zh-Hans" sz="2100" dirty="0"/>
+              <a:t>with</a:t>
+            </a:r>
+            <a:r>
+              <a:rPr lang="zh-Hans" altLang="en-US" sz="2100" dirty="0"/>
+              <a:t> </a:t>
+            </a:r>
+            <a:r>
+              <a:rPr lang="en-US" altLang="zh-Hans" sz="2100" dirty="0"/>
+              <a:t>attached</a:t>
+            </a:r>
+            <a:r>
+              <a:rPr lang="zh-Hans" altLang="en-US" sz="2100" dirty="0"/>
+              <a:t> </a:t>
+            </a:r>
+            <a:r>
+              <a:rPr lang="en-US" altLang="zh-Hans" sz="2100" dirty="0"/>
+              <a:t>distributed</a:t>
+            </a:r>
+            <a:r>
+              <a:rPr lang="zh-Hans" altLang="en-US" sz="2100" dirty="0"/>
+              <a:t> </a:t>
+            </a:r>
+            <a:r>
+              <a:rPr lang="en-US" altLang="zh-Hans" sz="2100" dirty="0"/>
+              <a:t>computing</a:t>
+            </a:r>
+            <a:r>
+              <a:rPr lang="zh-Hans" altLang="en-US" sz="2100" dirty="0"/>
+              <a:t> </a:t>
+            </a:r>
+            <a:r>
+              <a:rPr lang="en-US" altLang="zh-Hans" sz="2100" dirty="0"/>
+              <a:t>capacity</a:t>
+            </a:r>
+          </a:p>
+          <a:p>
+            <a:pPr lvl="1"/>
+            <a:endParaRPr lang="en-US" altLang="zh-Hans" sz="2100" dirty="0"/>
+          </a:p>
+          <a:p>
+            <a:endParaRPr lang="en-US" dirty="0"/>
+          </a:p>
+        </p:txBody>
+      </p:sp>
+      <p:sp>
+        <p:nvSpPr>
+          <p:cNvPr id="4" name="Rounded Rectangle 3">
+            <a:extLst>
+              <a:ext uri="{FF2B5EF4-FFF2-40B4-BE49-F238E27FC236}">
+                <a16:creationId xmlns:a16="http://schemas.microsoft.com/office/drawing/2014/main" id="{E844E18B-6303-AE4C-860B-517AF994698C}"/>
+              </a:ext>
+            </a:extLst>
+          </p:cNvPr>
+          <p:cNvSpPr/>
+          <p:nvPr/>
+        </p:nvSpPr>
+        <p:spPr>
+          <a:xfrm>
+            <a:off x="2133600" y="2604847"/>
+            <a:ext cx="1943100" cy="1562100"/>
+          </a:xfrm>
+          <a:prstGeom prst="roundRect">
+            <a:avLst/>
+          </a:prstGeom>
+          <a:solidFill>
+            <a:schemeClr val="accent1"/>
+          </a:solidFill>
+        </p:spPr>
+        <p:style>
+          <a:lnRef idx="2">
+            <a:schemeClr val="accent1">
+              <a:shade val="50000"/>
+            </a:schemeClr>
+          </a:lnRef>
+          <a:fillRef idx="1">
+            <a:schemeClr val="accent1"/>
+          </a:fillRef>
+          <a:effectRef idx="0">
+            <a:schemeClr val="accent1"/>
+          </a:effectRef>
+          <a:fontRef idx="minor">
+            <a:schemeClr val="lt1"/>
+          </a:fontRef>
+        </p:style>
+        <p:txBody>
+          <a:bodyPr rtlCol="0" anchor="ctr"/>
+          <a:lstStyle/>
+          <a:p>
+            <a:pPr algn="ctr"/>
+            <a:r>
+              <a:rPr lang="en-US" altLang="zh-Hans" dirty="0"/>
+              <a:t>Physical</a:t>
+            </a:r>
+            <a:r>
+              <a:rPr lang="zh-Hans" altLang="en-US" dirty="0"/>
+              <a:t> </a:t>
+            </a:r>
+            <a:r>
+              <a:rPr lang="en-US" altLang="zh-Hans" dirty="0"/>
+              <a:t>Server</a:t>
+            </a:r>
+            <a:endParaRPr lang="en-US" dirty="0"/>
+          </a:p>
+        </p:txBody>
+      </p:sp>
+      <p:sp>
+        <p:nvSpPr>
+          <p:cNvPr id="5" name="Snip Same Side Corner Rectangle 4">
+            <a:extLst>
+              <a:ext uri="{FF2B5EF4-FFF2-40B4-BE49-F238E27FC236}">
+                <a16:creationId xmlns:a16="http://schemas.microsoft.com/office/drawing/2014/main" id="{591BB9D5-E350-3545-8FBD-58B4D8748D17}"/>
+              </a:ext>
+            </a:extLst>
+          </p:cNvPr>
+          <p:cNvSpPr/>
+          <p:nvPr/>
+        </p:nvSpPr>
+        <p:spPr>
+          <a:xfrm>
+            <a:off x="2279650" y="4874775"/>
+            <a:ext cx="1651000" cy="1422817"/>
+          </a:xfrm>
+          <a:prstGeom prst="snip2SameRect">
+            <a:avLst/>
+          </a:prstGeom>
+        </p:spPr>
+        <p:style>
+          <a:lnRef idx="2">
+            <a:schemeClr val="accent1">
+              <a:shade val="50000"/>
+            </a:schemeClr>
+          </a:lnRef>
+          <a:fillRef idx="1">
+            <a:schemeClr val="accent1"/>
+          </a:fillRef>
+          <a:effectRef idx="0">
+            <a:schemeClr val="accent1"/>
+          </a:effectRef>
+          <a:fontRef idx="minor">
+            <a:schemeClr val="lt1"/>
+          </a:fontRef>
+        </p:style>
+        <p:txBody>
+          <a:bodyPr rtlCol="0" anchor="ctr"/>
+          <a:lstStyle/>
+          <a:p>
+            <a:pPr algn="ctr"/>
+            <a:r>
+              <a:rPr lang="en-US" altLang="zh-Hans" dirty="0"/>
+              <a:t>Storage</a:t>
+            </a:r>
+            <a:endParaRPr lang="en-US" dirty="0"/>
+          </a:p>
+        </p:txBody>
+      </p:sp>
+      <p:sp>
+        <p:nvSpPr>
+          <p:cNvPr id="7" name="Oval 6">
+            <a:extLst>
+              <a:ext uri="{FF2B5EF4-FFF2-40B4-BE49-F238E27FC236}">
+                <a16:creationId xmlns:a16="http://schemas.microsoft.com/office/drawing/2014/main" id="{8D247B04-5C4E-974A-AACB-0FA5960CB4FB}"/>
+              </a:ext>
+            </a:extLst>
+          </p:cNvPr>
+          <p:cNvSpPr/>
+          <p:nvPr/>
+        </p:nvSpPr>
+        <p:spPr>
+          <a:xfrm>
+            <a:off x="4622800" y="3191584"/>
+            <a:ext cx="2540000" cy="2425700"/>
+          </a:xfrm>
+          <a:prstGeom prst="ellipse">
+            <a:avLst/>
+          </a:prstGeom>
+        </p:spPr>
+        <p:style>
+          <a:lnRef idx="2">
+            <a:schemeClr val="accent1">
+              <a:shade val="50000"/>
+            </a:schemeClr>
+          </a:lnRef>
+          <a:fillRef idx="1">
+            <a:schemeClr val="accent1"/>
+          </a:fillRef>
+          <a:effectRef idx="0">
+            <a:schemeClr val="accent1"/>
+          </a:effectRef>
+          <a:fontRef idx="minor">
+            <a:schemeClr val="lt1"/>
+          </a:fontRef>
+        </p:style>
+        <p:txBody>
+          <a:bodyPr rtlCol="0" anchor="ctr"/>
+          <a:lstStyle/>
+          <a:p>
+            <a:pPr algn="ctr"/>
+            <a:r>
+              <a:rPr lang="en-US" altLang="zh-Hans" dirty="0"/>
+              <a:t>Distributed</a:t>
+            </a:r>
+            <a:r>
+              <a:rPr lang="zh-Hans" altLang="en-US" dirty="0"/>
+              <a:t> </a:t>
+            </a:r>
+            <a:r>
+              <a:rPr lang="en-US" altLang="zh-Hans" dirty="0"/>
+              <a:t>computing</a:t>
+            </a:r>
+            <a:r>
+              <a:rPr lang="zh-Hans" altLang="en-US" dirty="0"/>
+              <a:t> </a:t>
+            </a:r>
+            <a:r>
+              <a:rPr lang="en-US" altLang="zh-Hans" dirty="0"/>
+              <a:t>environment</a:t>
+            </a:r>
+            <a:endParaRPr lang="en-US" dirty="0"/>
+          </a:p>
+        </p:txBody>
+      </p:sp>
+      <p:cxnSp>
+        <p:nvCxnSpPr>
+          <p:cNvPr id="9" name="Straight Arrow Connector 8">
+            <a:extLst>
+              <a:ext uri="{FF2B5EF4-FFF2-40B4-BE49-F238E27FC236}">
+                <a16:creationId xmlns:a16="http://schemas.microsoft.com/office/drawing/2014/main" id="{B0585564-E1F0-4C44-9CA7-96DFF1F9DD51}"/>
+              </a:ext>
+            </a:extLst>
+          </p:cNvPr>
+          <p:cNvCxnSpPr/>
+          <p:nvPr/>
+        </p:nvCxnSpPr>
+        <p:spPr>
+          <a:xfrm>
+            <a:off x="3105150" y="4271083"/>
+            <a:ext cx="0" cy="548640"/>
+          </a:xfrm>
+          <a:prstGeom prst="straightConnector1">
+            <a:avLst/>
+          </a:prstGeom>
+          <a:ln w="50800">
+            <a:headEnd type="triangle"/>
+            <a:tailEnd type="triangle"/>
+          </a:ln>
+        </p:spPr>
+        <p:style>
+          <a:lnRef idx="2">
+            <a:schemeClr val="accent1"/>
+          </a:lnRef>
+          <a:fillRef idx="0">
+            <a:schemeClr val="accent1"/>
+          </a:fillRef>
+          <a:effectRef idx="1">
+            <a:schemeClr val="accent1"/>
+          </a:effectRef>
+          <a:fontRef idx="minor">
+            <a:schemeClr val="tx1"/>
+          </a:fontRef>
+        </p:style>
+      </p:cxnSp>
+      <p:cxnSp>
+        <p:nvCxnSpPr>
+          <p:cNvPr id="10" name="Straight Arrow Connector 9">
+            <a:extLst>
+              <a:ext uri="{FF2B5EF4-FFF2-40B4-BE49-F238E27FC236}">
+                <a16:creationId xmlns:a16="http://schemas.microsoft.com/office/drawing/2014/main" id="{55730119-E6AA-494E-ADE7-4B8778365E74}"/>
+              </a:ext>
+            </a:extLst>
+          </p:cNvPr>
+          <p:cNvCxnSpPr>
+            <a:cxnSpLocks/>
+          </p:cNvCxnSpPr>
+          <p:nvPr/>
+        </p:nvCxnSpPr>
+        <p:spPr>
+          <a:xfrm>
+            <a:off x="4191000" y="3300810"/>
+            <a:ext cx="577850" cy="282362"/>
+          </a:xfrm>
+          <a:prstGeom prst="straightConnector1">
+            <a:avLst/>
+          </a:prstGeom>
+          <a:ln w="57150">
+            <a:headEnd type="triangle"/>
+            <a:tailEnd type="triangle"/>
+          </a:ln>
+        </p:spPr>
+        <p:style>
+          <a:lnRef idx="2">
+            <a:schemeClr val="accent1"/>
+          </a:lnRef>
+          <a:fillRef idx="0">
+            <a:schemeClr val="accent1"/>
+          </a:fillRef>
+          <a:effectRef idx="1">
+            <a:schemeClr val="accent1"/>
+          </a:effectRef>
+          <a:fontRef idx="minor">
+            <a:schemeClr val="tx1"/>
+          </a:fontRef>
+        </p:style>
+      </p:cxnSp>
+      <p:cxnSp>
+        <p:nvCxnSpPr>
+          <p:cNvPr id="12" name="Straight Arrow Connector 11">
+            <a:extLst>
+              <a:ext uri="{FF2B5EF4-FFF2-40B4-BE49-F238E27FC236}">
+                <a16:creationId xmlns:a16="http://schemas.microsoft.com/office/drawing/2014/main" id="{4153954C-FDD7-E94B-9242-0DBE3BAC7A46}"/>
+              </a:ext>
+            </a:extLst>
+          </p:cNvPr>
+          <p:cNvCxnSpPr>
+            <a:cxnSpLocks/>
+          </p:cNvCxnSpPr>
+          <p:nvPr/>
+        </p:nvCxnSpPr>
+        <p:spPr>
+          <a:xfrm flipV="1">
+            <a:off x="4076700" y="5191417"/>
+            <a:ext cx="635000" cy="296748"/>
+          </a:xfrm>
+          <a:prstGeom prst="straightConnector1">
+            <a:avLst/>
+          </a:prstGeom>
+          <a:ln w="50800">
+            <a:headEnd type="triangle"/>
+            <a:tailEnd type="triangle"/>
+          </a:ln>
+        </p:spPr>
+        <p:style>
+          <a:lnRef idx="2">
+            <a:schemeClr val="accent1"/>
+          </a:lnRef>
+          <a:fillRef idx="0">
+            <a:schemeClr val="accent1"/>
+          </a:fillRef>
+          <a:effectRef idx="1">
+            <a:schemeClr val="accent1"/>
+          </a:effectRef>
+          <a:fontRef idx="minor">
+            <a:schemeClr val="tx1"/>
+          </a:fontRef>
+        </p:style>
+      </p:cxnSp>
     </p:spTree>
     <p:extLst>
       <p:ext uri="{BB962C8B-B14F-4D97-AF65-F5344CB8AC3E}">
-        <p14:creationId xmlns:p14="http://schemas.microsoft.com/office/powerpoint/2010/main" val="299956629"/>
+        <p14:creationId xmlns:p14="http://schemas.microsoft.com/office/powerpoint/2010/main" val="2266102985"/>
       </p:ext>
     </p:extLst>
   </p:cSld>
@@ -8690,13 +8379,6 @@
     <a:masterClrMapping/>
   </p:clrMapOvr>
   <p:transition spd="slow"/>
-  <p:timing>
-    <p:tnLst>
-      <p:par>
-        <p:cTn id="1" dur="indefinite" restart="never" nodeType="tmRoot"/>
-      </p:par>
-    </p:tnLst>
-  </p:timing>
 </p:sld>
 </file>
 
@@ -8733,24 +8415,8 @@
           <a:lstStyle/>
           <a:p>
             <a:r>
-              <a:rPr lang="en-US" altLang="zh-CN" dirty="0" smtClean="0"/>
-              <a:t>What</a:t>
-            </a:r>
-            <a:r>
-              <a:rPr lang="zh-CN" altLang="en-US" dirty="0" smtClean="0"/>
-              <a:t> </a:t>
-            </a:r>
-            <a:r>
-              <a:rPr lang="en-US" altLang="zh-CN" dirty="0" smtClean="0"/>
-              <a:t>is</a:t>
-            </a:r>
-            <a:r>
-              <a:rPr lang="zh-CN" altLang="en-US" dirty="0" smtClean="0"/>
-              <a:t> </a:t>
-            </a:r>
-            <a:r>
-              <a:rPr lang="en-US" altLang="zh-CN" dirty="0" smtClean="0"/>
-              <a:t>Docker?</a:t>
+              <a:rPr lang="en-US" altLang="zh-CN" dirty="0"/>
+              <a:t>HIPAA	</a:t>
             </a:r>
             <a:endParaRPr lang="en-US" dirty="0"/>
           </a:p>
@@ -8772,106 +8438,71 @@
           <a:lstStyle/>
           <a:p>
             <a:r>
-              <a:rPr lang="en-US" altLang="zh-CN" dirty="0" smtClean="0"/>
-              <a:t>Docker</a:t>
-            </a:r>
-            <a:r>
-              <a:rPr lang="zh-CN" altLang="en-US" dirty="0" smtClean="0"/>
+              <a:rPr lang="en-US" sz="2400" dirty="0"/>
+              <a:t>The Security Rule requires covered entities to maintain reasonable and appropriate administrative, technical, and physical safeguards for protecting e-PHI.</a:t>
+            </a:r>
+            <a:r>
+              <a:rPr lang="zh-CN" altLang="en-US" sz="2400" dirty="0"/>
               <a:t> </a:t>
             </a:r>
             <a:r>
-              <a:rPr lang="en-US" altLang="zh-CN" dirty="0" smtClean="0"/>
-              <a:t>is</a:t>
-            </a:r>
-            <a:r>
-              <a:rPr lang="zh-CN" altLang="en-US" dirty="0" smtClean="0"/>
-              <a:t> </a:t>
-            </a:r>
-            <a:r>
-              <a:rPr lang="en-US" altLang="zh-CN" dirty="0" smtClean="0"/>
-              <a:t>an</a:t>
-            </a:r>
-            <a:r>
-              <a:rPr lang="zh-CN" altLang="en-US" dirty="0" smtClean="0"/>
-              <a:t> </a:t>
-            </a:r>
-            <a:r>
-              <a:rPr lang="en-US" altLang="zh-CN" dirty="0" smtClean="0"/>
-              <a:t>realization</a:t>
-            </a:r>
-            <a:r>
-              <a:rPr lang="zh-CN" altLang="en-US" dirty="0" smtClean="0"/>
-              <a:t> </a:t>
-            </a:r>
-            <a:r>
-              <a:rPr lang="en-US" altLang="zh-CN" dirty="0" smtClean="0"/>
-              <a:t>of</a:t>
-            </a:r>
-            <a:r>
-              <a:rPr lang="zh-CN" altLang="en-US" dirty="0" smtClean="0"/>
-              <a:t> </a:t>
-            </a:r>
-            <a:r>
-              <a:rPr lang="en-US" altLang="zh-CN" dirty="0" smtClean="0"/>
-              <a:t>container</a:t>
-            </a:r>
-            <a:r>
-              <a:rPr lang="zh-CN" altLang="en-US" dirty="0" smtClean="0"/>
-              <a:t> </a:t>
-            </a:r>
-            <a:r>
-              <a:rPr lang="en-US" altLang="zh-CN" dirty="0" smtClean="0"/>
-              <a:t>technology.</a:t>
-            </a:r>
-            <a:r>
-              <a:rPr lang="zh-CN" altLang="en-US" dirty="0" smtClean="0"/>
-              <a:t> </a:t>
-            </a:r>
-            <a:r>
-              <a:rPr lang="en-US" dirty="0" smtClean="0"/>
-              <a:t>A </a:t>
-            </a:r>
-            <a:r>
-              <a:rPr lang="en-US" dirty="0"/>
-              <a:t>container image is a lightweight, stand-alone, executable package of a piece of software that includes everything needed to run it: code, runtime, system tools, system libraries, settings. </a:t>
+              <a:rPr lang="en-US" sz="2400" dirty="0"/>
+              <a:t>Specifically</a:t>
+            </a:r>
+            <a:r>
+              <a:rPr lang="en-US" altLang="zh-CN" sz="2400" dirty="0"/>
+              <a:t>,</a:t>
+            </a:r>
+            <a:r>
+              <a:rPr lang="en-US" sz="2400" dirty="0"/>
+              <a:t> covered entities must:</a:t>
+            </a:r>
+          </a:p>
+          <a:p>
+            <a:endParaRPr lang="en-US" sz="2400" dirty="0"/>
+          </a:p>
+          <a:p>
+            <a:pPr lvl="1"/>
+            <a:r>
+              <a:rPr lang="en-US" sz="2000" dirty="0"/>
+              <a:t>Ensure the confidentiality, integrity, and availability of all e-PHI they create, receive, maintain or transmit</a:t>
+            </a:r>
+          </a:p>
+          <a:p>
+            <a:pPr lvl="1"/>
+            <a:endParaRPr lang="en-US" sz="2000" dirty="0"/>
+          </a:p>
+          <a:p>
+            <a:pPr lvl="1"/>
+            <a:r>
+              <a:rPr lang="en-US" sz="2000" dirty="0"/>
+              <a:t>Identify and protect against reasonably anticipated threats to the security or integrity of the information</a:t>
+            </a:r>
+          </a:p>
+          <a:p>
+            <a:pPr lvl="1"/>
+            <a:endParaRPr lang="en-US" sz="2000" dirty="0"/>
+          </a:p>
+          <a:p>
+            <a:pPr lvl="1"/>
+            <a:r>
+              <a:rPr lang="en-US" sz="2000" dirty="0"/>
+              <a:t>Protect against reasonably anticipated, impermissible uses or disclosures; and</a:t>
+            </a:r>
+          </a:p>
+          <a:p>
+            <a:pPr lvl="2"/>
+            <a:r>
+              <a:rPr lang="en-US" sz="1800" dirty="0"/>
+              <a:t>Ensure compliance by their workforce</a:t>
             </a:r>
           </a:p>
         </p:txBody>
       </p:sp>
-      <p:pic>
-        <p:nvPicPr>
-          <p:cNvPr id="4" name="Picture 3"/>
-          <p:cNvPicPr>
-            <a:picLocks noChangeAspect="1"/>
-          </p:cNvPicPr>
-          <p:nvPr/>
-        </p:nvPicPr>
-        <p:blipFill>
-          <a:blip r:embed="rId2">
-            <a:extLst>
-              <a:ext uri="{28A0092B-C50C-407E-A947-70E740481C1C}">
-                <a14:useLocalDpi xmlns:a14="http://schemas.microsoft.com/office/drawing/2010/main" val="0"/>
-              </a:ext>
-            </a:extLst>
-          </a:blip>
-          <a:stretch>
-            <a:fillRect/>
-          </a:stretch>
-        </p:blipFill>
-        <p:spPr>
-          <a:xfrm>
-            <a:off x="5981700" y="3900853"/>
-            <a:ext cx="5600700" cy="2675890"/>
-          </a:xfrm>
-          <a:prstGeom prst="rect">
-            <a:avLst/>
-          </a:prstGeom>
-        </p:spPr>
-      </p:pic>
     </p:spTree>
     <p:extLst>
       <p:ext uri="{BB962C8B-B14F-4D97-AF65-F5344CB8AC3E}">
-        <p14:creationId xmlns:p14="http://schemas.microsoft.com/office/powerpoint/2010/main" val="1398012406"/>
+        <p14:creationId xmlns:p14="http://schemas.microsoft.com/office/powerpoint/2010/main" val="231035318"/>
       </p:ext>
     </p:extLst>
   </p:cSld>
@@ -8915,24 +8546,24 @@
           <a:lstStyle/>
           <a:p>
             <a:r>
-              <a:rPr lang="en-US" altLang="zh-CN" dirty="0" smtClean="0"/>
-              <a:t>Benefit</a:t>
-            </a:r>
-            <a:r>
-              <a:rPr lang="zh-CN" altLang="en-US" dirty="0" smtClean="0"/>
+              <a:rPr lang="en-US" altLang="zh-CN" dirty="0"/>
+              <a:t>What</a:t>
+            </a:r>
+            <a:r>
+              <a:rPr lang="zh-CN" altLang="en-US" dirty="0"/>
               <a:t> </a:t>
             </a:r>
             <a:r>
-              <a:rPr lang="en-US" altLang="zh-CN" dirty="0" smtClean="0"/>
-              <a:t>of</a:t>
-            </a:r>
-            <a:r>
-              <a:rPr lang="zh-CN" altLang="en-US" dirty="0" smtClean="0"/>
+              <a:rPr lang="en-US" altLang="zh-CN" dirty="0"/>
+              <a:t>is</a:t>
+            </a:r>
+            <a:r>
+              <a:rPr lang="zh-CN" altLang="en-US" dirty="0"/>
               <a:t> </a:t>
             </a:r>
             <a:r>
-              <a:rPr lang="en-US" altLang="zh-CN" dirty="0" smtClean="0"/>
-              <a:t>Docker</a:t>
+              <a:rPr lang="en-US" altLang="zh-CN" dirty="0"/>
+              <a:t>Docker?</a:t>
             </a:r>
             <a:endParaRPr lang="en-US" dirty="0"/>
           </a:p>
@@ -8954,95 +8585,102 @@
           <a:lstStyle/>
           <a:p>
             <a:r>
-              <a:rPr lang="en-US" altLang="zh-CN" dirty="0" smtClean="0"/>
-              <a:t>Standardization</a:t>
-            </a:r>
-          </a:p>
-          <a:p>
-            <a:pPr lvl="1"/>
-            <a:r>
-              <a:rPr lang="en-US" dirty="0"/>
-              <a:t>Rather than building a new environment for every analysis, </a:t>
-            </a:r>
-            <a:r>
-              <a:rPr lang="en-US" altLang="zh-CN" dirty="0" smtClean="0"/>
-              <a:t>you</a:t>
-            </a:r>
-            <a:r>
-              <a:rPr lang="zh-CN" altLang="en-US" dirty="0" smtClean="0"/>
+              <a:rPr lang="en-US" altLang="zh-CN" sz="2400" dirty="0"/>
+              <a:t>Docker</a:t>
+            </a:r>
+            <a:r>
+              <a:rPr lang="zh-CN" altLang="en-US" sz="2400" dirty="0"/>
               <a:t> </a:t>
             </a:r>
             <a:r>
-              <a:rPr lang="en-US" dirty="0" smtClean="0"/>
-              <a:t>can </a:t>
-            </a:r>
-            <a:r>
-              <a:rPr lang="en-US" dirty="0"/>
-              <a:t>put the tools and packages required for certain types of analyses (e.g., </a:t>
-            </a:r>
-            <a:r>
-              <a:rPr lang="en-US" dirty="0" smtClean="0"/>
-              <a:t>SAS, python, </a:t>
-            </a:r>
-            <a:r>
-              <a:rPr lang="en-US" dirty="0"/>
-              <a:t>etc.) into a container, create an image of that container, and have every user boot up an isolated, standardized environment from that </a:t>
-            </a:r>
-            <a:r>
-              <a:rPr lang="en-US" dirty="0" smtClean="0"/>
-              <a:t>image</a:t>
-            </a:r>
-            <a:endParaRPr lang="en-US" altLang="zh-CN" dirty="0" smtClean="0"/>
-          </a:p>
-          <a:p>
-            <a:pPr lvl="1"/>
-            <a:endParaRPr lang="en-US" dirty="0"/>
-          </a:p>
-          <a:p>
-            <a:r>
-              <a:rPr lang="en-US" altLang="zh-CN" dirty="0" smtClean="0"/>
-              <a:t>Reproducibility</a:t>
-            </a:r>
-            <a:r>
-              <a:rPr lang="zh-CN" altLang="en-US" dirty="0" smtClean="0"/>
+              <a:rPr lang="en-US" altLang="zh-CN" sz="2400" dirty="0"/>
+              <a:t>is</a:t>
+            </a:r>
+            <a:r>
+              <a:rPr lang="zh-CN" altLang="en-US" sz="2400" dirty="0"/>
               <a:t> </a:t>
             </a:r>
-            <a:endParaRPr lang="en-US" altLang="zh-CN" dirty="0" smtClean="0"/>
-          </a:p>
-          <a:p>
-            <a:pPr lvl="1"/>
-            <a:r>
-              <a:rPr lang="en-US" dirty="0"/>
-              <a:t>Docker provides an easy way to share working environments including libraries and drivers. This </a:t>
-            </a:r>
-            <a:r>
-              <a:rPr lang="en-US" altLang="zh-CN" dirty="0"/>
-              <a:t>allows</a:t>
-            </a:r>
-            <a:r>
-              <a:rPr lang="zh-CN" altLang="en-US" dirty="0"/>
+            <a:r>
+              <a:rPr lang="en-US" altLang="zh-CN" sz="2400" dirty="0"/>
+              <a:t>an</a:t>
+            </a:r>
+            <a:r>
+              <a:rPr lang="zh-CN" altLang="en-US" sz="2400" dirty="0"/>
               <a:t> </a:t>
             </a:r>
             <a:r>
-              <a:rPr lang="en-US" dirty="0"/>
-              <a:t>reproducible data science </a:t>
-            </a:r>
-            <a:r>
-              <a:rPr lang="en-US" dirty="0" smtClean="0"/>
-              <a:t>workflows</a:t>
-            </a:r>
-            <a:endParaRPr lang="en-US" dirty="0"/>
-          </a:p>
-          <a:p>
-            <a:pPr lvl="1"/>
-            <a:endParaRPr lang="en-US" dirty="0"/>
+              <a:rPr lang="en-US" altLang="zh-CN" sz="2400" dirty="0"/>
+              <a:t>realization</a:t>
+            </a:r>
+            <a:r>
+              <a:rPr lang="zh-CN" altLang="en-US" sz="2400" dirty="0"/>
+              <a:t> </a:t>
+            </a:r>
+            <a:r>
+              <a:rPr lang="en-US" altLang="zh-CN" sz="2400" dirty="0"/>
+              <a:t>of</a:t>
+            </a:r>
+            <a:r>
+              <a:rPr lang="zh-CN" altLang="en-US" sz="2400" dirty="0"/>
+              <a:t> </a:t>
+            </a:r>
+            <a:r>
+              <a:rPr lang="en-US" altLang="zh-CN" sz="2400" dirty="0"/>
+              <a:t>container</a:t>
+            </a:r>
+            <a:r>
+              <a:rPr lang="zh-CN" altLang="en-US" sz="2400" dirty="0"/>
+              <a:t> </a:t>
+            </a:r>
+            <a:r>
+              <a:rPr lang="en-US" altLang="zh-CN" sz="2400" dirty="0"/>
+              <a:t>technology.</a:t>
+            </a:r>
+            <a:r>
+              <a:rPr lang="zh-CN" altLang="en-US" sz="2400" dirty="0"/>
+              <a:t> </a:t>
+            </a:r>
+            <a:r>
+              <a:rPr lang="en-US" sz="2400" dirty="0"/>
+              <a:t>A container image is a lightweight, stand-alone, executable package of a piece of software that includes everything needed to run it: code, runtime, system tools, system libraries, settings. </a:t>
+            </a:r>
           </a:p>
         </p:txBody>
       </p:sp>
+      <p:pic>
+        <p:nvPicPr>
+          <p:cNvPr id="4" name="Picture 3"/>
+          <p:cNvPicPr>
+            <a:picLocks noChangeAspect="1"/>
+          </p:cNvPicPr>
+          <p:nvPr/>
+        </p:nvPicPr>
+        <p:blipFill>
+          <a:blip r:embed="rId2">
+            <a:extLst>
+              <a:ext uri="{28A0092B-C50C-407E-A947-70E740481C1C}">
+                <a14:useLocalDpi xmlns:a14="http://schemas.microsoft.com/office/drawing/2010/main" val="0"/>
+              </a:ext>
+            </a:extLst>
+          </a:blip>
+          <a:stretch>
+            <a:fillRect/>
+          </a:stretch>
+        </p:blipFill>
+        <p:spPr>
+          <a:xfrm>
+            <a:off x="5981700" y="3493773"/>
+            <a:ext cx="5600700" cy="2675890"/>
+          </a:xfrm>
+          <a:prstGeom prst="rect">
+            <a:avLst/>
+          </a:prstGeom>
+        </p:spPr>
+      </p:pic>
     </p:spTree>
     <p:extLst>
       <p:ext uri="{BB962C8B-B14F-4D97-AF65-F5344CB8AC3E}">
-        <p14:creationId xmlns:p14="http://schemas.microsoft.com/office/powerpoint/2010/main" val="1068932571"/>
+        <p14:creationId xmlns:p14="http://schemas.microsoft.com/office/powerpoint/2010/main" val="1398012406"/>
       </p:ext>
     </p:extLst>
   </p:cSld>
@@ -9087,933 +8725,112 @@
           <a:p>
             <a:r>
               <a:rPr lang="en-US" altLang="zh-CN" dirty="0"/>
-              <a:t>D</a:t>
-            </a:r>
-            <a:r>
-              <a:rPr lang="en-US" altLang="zh-CN" dirty="0" smtClean="0"/>
-              <a:t>evelopment</a:t>
-            </a:r>
-            <a:r>
-              <a:rPr lang="zh-CN" altLang="en-US" dirty="0" smtClean="0"/>
+              <a:t>Benefit</a:t>
+            </a:r>
+            <a:r>
+              <a:rPr lang="zh-CN" altLang="en-US" dirty="0"/>
               <a:t> </a:t>
             </a:r>
             <a:r>
-              <a:rPr lang="en-US" altLang="zh-CN" dirty="0" smtClean="0"/>
-              <a:t>vs.</a:t>
-            </a:r>
-            <a:r>
-              <a:rPr lang="zh-CN" altLang="en-US" dirty="0" smtClean="0"/>
+              <a:rPr lang="en-US" altLang="zh-CN" dirty="0"/>
+              <a:t>of</a:t>
+            </a:r>
+            <a:r>
+              <a:rPr lang="zh-CN" altLang="en-US" dirty="0"/>
               <a:t> </a:t>
             </a:r>
             <a:r>
-              <a:rPr lang="en-US" altLang="zh-CN" dirty="0" smtClean="0"/>
-              <a:t>Sandbox</a:t>
-            </a:r>
-            <a:r>
-              <a:rPr lang="zh-CN" altLang="en-US" dirty="0" smtClean="0"/>
-              <a:t> </a:t>
-            </a:r>
-            <a:r>
-              <a:rPr lang="en-US" altLang="zh-CN" dirty="0" smtClean="0"/>
-              <a:t>server: specs</a:t>
+              <a:rPr lang="en-US" altLang="zh-CN" dirty="0"/>
+              <a:t>Docker</a:t>
             </a:r>
             <a:endParaRPr lang="en-US" dirty="0"/>
           </a:p>
         </p:txBody>
       </p:sp>
-      <p:graphicFrame>
-        <p:nvGraphicFramePr>
-          <p:cNvPr id="4" name="Content Placeholder 3"/>
-          <p:cNvGraphicFramePr>
-            <a:graphicFrameLocks noGrp="1"/>
-          </p:cNvGraphicFramePr>
+      <p:sp>
+        <p:nvSpPr>
+          <p:cNvPr id="3" name="Content Placeholder 2"/>
+          <p:cNvSpPr>
+            <a:spLocks noGrp="1"/>
+          </p:cNvSpPr>
           <p:nvPr>
             <p:ph idx="12"/>
-            <p:extLst>
-              <p:ext uri="{D42A27DB-BD31-4B8C-83A1-F6EECF244321}">
-                <p14:modId xmlns:p14="http://schemas.microsoft.com/office/powerpoint/2010/main" val="926945899"/>
-              </p:ext>
-            </p:extLst>
           </p:nvPr>
-        </p:nvGraphicFramePr>
-        <p:xfrm>
-          <a:off x="609600" y="1601789"/>
-          <a:ext cx="10972800" cy="3732211"/>
-        </p:xfrm>
-        <a:graphic>
-          <a:graphicData uri="http://schemas.openxmlformats.org/drawingml/2006/table">
-            <a:tbl>
-              <a:tblPr firstRow="1" bandRow="1">
-                <a:tableStyleId>{FABFCF23-3B69-468F-B69F-88F6DE6A72F2}</a:tableStyleId>
-              </a:tblPr>
-              <a:tblGrid>
-                <a:gridCol w="2349500"/>
-                <a:gridCol w="4330700"/>
-                <a:gridCol w="4292600"/>
-              </a:tblGrid>
-              <a:tr h="379762">
-                <a:tc>
-                  <a:txBody>
-                    <a:bodyPr/>
-                    <a:lstStyle/>
-                    <a:p>
-                      <a:endParaRPr lang="en-US" sz="1600" dirty="0"/>
-                    </a:p>
-                  </a:txBody>
-                  <a:tcPr/>
-                </a:tc>
-                <a:tc>
-                  <a:txBody>
-                    <a:bodyPr/>
-                    <a:lstStyle/>
-                    <a:p>
-                      <a:pPr algn="l"/>
-                      <a:r>
-                        <a:rPr lang="en-US" altLang="zh-CN" sz="2000" dirty="0" smtClean="0">
-                          <a:solidFill>
-                            <a:schemeClr val="tx2"/>
-                          </a:solidFill>
-                        </a:rPr>
-                        <a:t>Development</a:t>
-                      </a:r>
-                      <a:endParaRPr lang="en-US" sz="2000" dirty="0">
-                        <a:solidFill>
-                          <a:schemeClr val="tx2"/>
-                        </a:solidFill>
-                      </a:endParaRPr>
-                    </a:p>
-                  </a:txBody>
-                  <a:tcPr/>
-                </a:tc>
-                <a:tc>
-                  <a:txBody>
-                    <a:bodyPr/>
-                    <a:lstStyle/>
-                    <a:p>
-                      <a:pPr algn="l"/>
-                      <a:r>
-                        <a:rPr lang="en-US" altLang="zh-CN" sz="2000" dirty="0" smtClean="0">
-                          <a:solidFill>
-                            <a:schemeClr val="tx2"/>
-                          </a:solidFill>
-                        </a:rPr>
-                        <a:t>Sandbox</a:t>
-                      </a:r>
-                      <a:endParaRPr lang="en-US" sz="2000" dirty="0">
-                        <a:solidFill>
-                          <a:schemeClr val="tx2"/>
-                        </a:solidFill>
-                      </a:endParaRPr>
-                    </a:p>
-                  </a:txBody>
-                  <a:tcPr/>
-                </a:tc>
-              </a:tr>
-              <a:tr h="402271">
-                <a:tc>
-                  <a:txBody>
-                    <a:bodyPr/>
-                    <a:lstStyle/>
-                    <a:p>
-                      <a:pPr algn="l"/>
-                      <a:r>
-                        <a:rPr lang="en-US" altLang="zh-CN" sz="1800" dirty="0" smtClean="0"/>
-                        <a:t>CPU</a:t>
-                      </a:r>
-                      <a:endParaRPr lang="en-US" sz="1800" b="1" dirty="0"/>
-                    </a:p>
-                  </a:txBody>
-                  <a:tcPr/>
-                </a:tc>
-                <a:tc>
-                  <a:txBody>
-                    <a:bodyPr/>
-                    <a:lstStyle/>
-                    <a:p>
-                      <a:r>
-                        <a:rPr lang="en-US" altLang="zh-CN" sz="1600" dirty="0" smtClean="0">
-                          <a:solidFill>
-                            <a:srgbClr val="4C991D"/>
-                          </a:solidFill>
-                        </a:rPr>
-                        <a:t>32</a:t>
-                      </a:r>
-                      <a:r>
-                        <a:rPr lang="zh-CN" altLang="en-US" sz="1600" baseline="0" dirty="0" smtClean="0">
-                          <a:solidFill>
-                            <a:srgbClr val="4C991D"/>
-                          </a:solidFill>
-                        </a:rPr>
-                        <a:t> </a:t>
-                      </a:r>
-                      <a:r>
-                        <a:rPr lang="en-US" altLang="zh-CN" sz="1600" baseline="0" dirty="0" smtClean="0">
-                          <a:solidFill>
-                            <a:srgbClr val="4C991D"/>
-                          </a:solidFill>
-                        </a:rPr>
-                        <a:t>virtual</a:t>
-                      </a:r>
-                      <a:r>
-                        <a:rPr lang="zh-CN" altLang="en-US" sz="1600" baseline="0" dirty="0" smtClean="0">
-                          <a:solidFill>
-                            <a:srgbClr val="4C991D"/>
-                          </a:solidFill>
-                        </a:rPr>
-                        <a:t> </a:t>
-                      </a:r>
-                      <a:r>
-                        <a:rPr lang="en-US" altLang="zh-CN" sz="1600" baseline="0" dirty="0" err="1" smtClean="0">
-                          <a:solidFill>
-                            <a:srgbClr val="4C991D"/>
-                          </a:solidFill>
-                        </a:rPr>
-                        <a:t>cpu</a:t>
-                      </a:r>
-                      <a:r>
-                        <a:rPr lang="zh-CN" altLang="en-US" sz="1600" baseline="0" dirty="0" smtClean="0">
-                          <a:solidFill>
-                            <a:srgbClr val="4C991D"/>
-                          </a:solidFill>
-                        </a:rPr>
-                        <a:t> </a:t>
-                      </a:r>
-                      <a:r>
-                        <a:rPr lang="en-US" altLang="zh-CN" sz="1600" baseline="0" dirty="0" smtClean="0">
-                          <a:solidFill>
-                            <a:srgbClr val="4C991D"/>
-                          </a:solidFill>
-                        </a:rPr>
-                        <a:t>per</a:t>
-                      </a:r>
-                      <a:r>
-                        <a:rPr lang="zh-CN" altLang="en-US" sz="1600" baseline="0" dirty="0" smtClean="0">
-                          <a:solidFill>
-                            <a:srgbClr val="4C991D"/>
-                          </a:solidFill>
-                        </a:rPr>
-                        <a:t> </a:t>
-                      </a:r>
-                      <a:r>
-                        <a:rPr lang="en-US" altLang="zh-CN" sz="1600" baseline="0" dirty="0" smtClean="0">
-                          <a:solidFill>
-                            <a:srgbClr val="4C991D"/>
-                          </a:solidFill>
-                        </a:rPr>
-                        <a:t>virtual</a:t>
-                      </a:r>
-                      <a:r>
-                        <a:rPr lang="zh-CN" altLang="en-US" sz="1600" baseline="0" dirty="0" smtClean="0">
-                          <a:solidFill>
-                            <a:srgbClr val="4C991D"/>
-                          </a:solidFill>
-                        </a:rPr>
-                        <a:t> </a:t>
-                      </a:r>
-                      <a:r>
-                        <a:rPr lang="en-US" altLang="zh-CN" sz="1600" baseline="0" dirty="0" smtClean="0">
-                          <a:solidFill>
-                            <a:srgbClr val="4C991D"/>
-                          </a:solidFill>
-                        </a:rPr>
-                        <a:t>machine</a:t>
-                      </a:r>
-                      <a:endParaRPr lang="en-US" sz="1600" dirty="0">
-                        <a:solidFill>
-                          <a:srgbClr val="4C991D"/>
-                        </a:solidFill>
-                      </a:endParaRPr>
-                    </a:p>
-                  </a:txBody>
-                  <a:tcPr/>
-                </a:tc>
-                <a:tc>
-                  <a:txBody>
-                    <a:bodyPr/>
-                    <a:lstStyle/>
-                    <a:p>
-                      <a:r>
-                        <a:rPr lang="en-US" altLang="zh-CN" sz="1600" kern="1200" dirty="0" smtClean="0">
-                          <a:solidFill>
-                            <a:srgbClr val="991E1B"/>
-                          </a:solidFill>
-                          <a:latin typeface="+mn-lt"/>
-                          <a:ea typeface="+mn-ea"/>
-                          <a:cs typeface="+mn-cs"/>
-                        </a:rPr>
-                        <a:t>32</a:t>
-                      </a:r>
-                      <a:r>
-                        <a:rPr lang="zh-CN" altLang="en-US" sz="1600" kern="1200" dirty="0" smtClean="0">
-                          <a:solidFill>
-                            <a:srgbClr val="991E1B"/>
-                          </a:solidFill>
-                          <a:latin typeface="+mn-lt"/>
-                          <a:ea typeface="+mn-ea"/>
-                          <a:cs typeface="+mn-cs"/>
-                        </a:rPr>
-                        <a:t> </a:t>
-                      </a:r>
-                      <a:r>
-                        <a:rPr lang="en-US" altLang="zh-CN" sz="1600" kern="1200" dirty="0" smtClean="0">
-                          <a:solidFill>
-                            <a:srgbClr val="991E1B"/>
-                          </a:solidFill>
-                          <a:latin typeface="+mn-lt"/>
-                          <a:ea typeface="+mn-ea"/>
-                          <a:cs typeface="+mn-cs"/>
-                        </a:rPr>
-                        <a:t>virtual</a:t>
-                      </a:r>
-                      <a:r>
-                        <a:rPr lang="zh-CN" altLang="en-US" sz="1600" kern="1200" dirty="0" smtClean="0">
-                          <a:solidFill>
-                            <a:srgbClr val="991E1B"/>
-                          </a:solidFill>
-                          <a:latin typeface="+mn-lt"/>
-                          <a:ea typeface="+mn-ea"/>
-                          <a:cs typeface="+mn-cs"/>
-                        </a:rPr>
-                        <a:t> </a:t>
-                      </a:r>
-                      <a:r>
-                        <a:rPr lang="en-US" altLang="zh-CN" sz="1600" kern="1200" dirty="0" err="1" smtClean="0">
-                          <a:solidFill>
-                            <a:srgbClr val="991E1B"/>
-                          </a:solidFill>
-                          <a:latin typeface="+mn-lt"/>
-                          <a:ea typeface="+mn-ea"/>
-                          <a:cs typeface="+mn-cs"/>
-                        </a:rPr>
-                        <a:t>cpu</a:t>
-                      </a:r>
-                      <a:r>
-                        <a:rPr lang="zh-CN" altLang="en-US" sz="1600" kern="1200" dirty="0" smtClean="0">
-                          <a:solidFill>
-                            <a:srgbClr val="991E1B"/>
-                          </a:solidFill>
-                          <a:latin typeface="+mn-lt"/>
-                          <a:ea typeface="+mn-ea"/>
-                          <a:cs typeface="+mn-cs"/>
-                        </a:rPr>
-                        <a:t> </a:t>
-                      </a:r>
-                      <a:r>
-                        <a:rPr lang="en-US" altLang="zh-CN" sz="1600" kern="1200" dirty="0" smtClean="0">
-                          <a:solidFill>
-                            <a:srgbClr val="991E1B"/>
-                          </a:solidFill>
-                          <a:latin typeface="+mn-lt"/>
-                          <a:ea typeface="+mn-ea"/>
-                          <a:cs typeface="+mn-cs"/>
-                        </a:rPr>
-                        <a:t>per</a:t>
-                      </a:r>
-                      <a:r>
-                        <a:rPr lang="zh-CN" altLang="en-US" sz="1600" kern="1200" dirty="0" smtClean="0">
-                          <a:solidFill>
-                            <a:srgbClr val="991E1B"/>
-                          </a:solidFill>
-                          <a:latin typeface="+mn-lt"/>
-                          <a:ea typeface="+mn-ea"/>
-                          <a:cs typeface="+mn-cs"/>
-                        </a:rPr>
-                        <a:t> </a:t>
-                      </a:r>
-                      <a:r>
-                        <a:rPr lang="en-US" altLang="zh-CN" sz="1600" kern="1200" dirty="0" smtClean="0">
-                          <a:solidFill>
-                            <a:srgbClr val="991E1B"/>
-                          </a:solidFill>
-                          <a:latin typeface="+mn-lt"/>
-                          <a:ea typeface="+mn-ea"/>
-                          <a:cs typeface="+mn-cs"/>
-                        </a:rPr>
-                        <a:t>virtual</a:t>
-                      </a:r>
-                      <a:r>
-                        <a:rPr lang="zh-CN" altLang="en-US" sz="1600" kern="1200" dirty="0" smtClean="0">
-                          <a:solidFill>
-                            <a:srgbClr val="991E1B"/>
-                          </a:solidFill>
-                          <a:latin typeface="+mn-lt"/>
-                          <a:ea typeface="+mn-ea"/>
-                          <a:cs typeface="+mn-cs"/>
-                        </a:rPr>
-                        <a:t> </a:t>
-                      </a:r>
-                      <a:r>
-                        <a:rPr lang="en-US" altLang="zh-CN" sz="1600" kern="1200" dirty="0" smtClean="0">
-                          <a:solidFill>
-                            <a:srgbClr val="991E1B"/>
-                          </a:solidFill>
-                          <a:latin typeface="+mn-lt"/>
-                          <a:ea typeface="+mn-ea"/>
-                          <a:cs typeface="+mn-cs"/>
-                        </a:rPr>
-                        <a:t>machine</a:t>
-                      </a:r>
-                      <a:endParaRPr lang="en-US" sz="1600" kern="1200" dirty="0">
-                        <a:solidFill>
-                          <a:srgbClr val="991E1B"/>
-                        </a:solidFill>
-                        <a:latin typeface="+mn-lt"/>
-                        <a:ea typeface="+mn-ea"/>
-                        <a:cs typeface="+mn-cs"/>
-                      </a:endParaRPr>
-                    </a:p>
-                  </a:txBody>
-                  <a:tcPr/>
-                </a:tc>
-              </a:tr>
-              <a:tr h="444500">
-                <a:tc>
-                  <a:txBody>
-                    <a:bodyPr/>
-                    <a:lstStyle/>
-                    <a:p>
-                      <a:pPr algn="l"/>
-                      <a:r>
-                        <a:rPr lang="en-US" altLang="zh-CN" sz="1800" dirty="0" smtClean="0"/>
-                        <a:t>Storage</a:t>
-                      </a:r>
-                      <a:endParaRPr lang="en-US" sz="1800" b="1" dirty="0"/>
-                    </a:p>
-                  </a:txBody>
-                  <a:tcPr/>
-                </a:tc>
-                <a:tc>
-                  <a:txBody>
-                    <a:bodyPr/>
-                    <a:lstStyle/>
-                    <a:p>
-                      <a:r>
-                        <a:rPr lang="en-US" altLang="zh-CN" sz="1600" dirty="0" smtClean="0">
-                          <a:solidFill>
-                            <a:srgbClr val="4C991D"/>
-                          </a:solidFill>
-                        </a:rPr>
-                        <a:t>5TB</a:t>
-                      </a:r>
-                      <a:endParaRPr lang="en-US" sz="1600" dirty="0">
-                        <a:solidFill>
-                          <a:srgbClr val="4C991D"/>
-                        </a:solidFill>
-                      </a:endParaRPr>
-                    </a:p>
-                  </a:txBody>
-                  <a:tcPr/>
-                </a:tc>
-                <a:tc>
-                  <a:txBody>
-                    <a:bodyPr/>
-                    <a:lstStyle/>
-                    <a:p>
-                      <a:r>
-                        <a:rPr lang="en-US" altLang="zh-CN" sz="1600" dirty="0" smtClean="0">
-                          <a:solidFill>
-                            <a:srgbClr val="991E1B"/>
-                          </a:solidFill>
-                        </a:rPr>
-                        <a:t>1-2TB</a:t>
-                      </a:r>
-                      <a:r>
-                        <a:rPr lang="zh-CN" altLang="en-US" sz="1600" dirty="0" smtClean="0">
-                          <a:solidFill>
-                            <a:srgbClr val="991E1B"/>
-                          </a:solidFill>
-                        </a:rPr>
-                        <a:t> </a:t>
-                      </a:r>
-                      <a:r>
-                        <a:rPr lang="en-US" altLang="zh-CN" sz="1600" dirty="0" smtClean="0">
-                          <a:solidFill>
-                            <a:srgbClr val="991E1B"/>
-                          </a:solidFill>
-                        </a:rPr>
-                        <a:t>(must</a:t>
-                      </a:r>
-                      <a:r>
-                        <a:rPr lang="zh-CN" altLang="en-US" sz="1600" dirty="0" smtClean="0">
-                          <a:solidFill>
-                            <a:srgbClr val="991E1B"/>
-                          </a:solidFill>
-                        </a:rPr>
-                        <a:t> </a:t>
-                      </a:r>
-                      <a:r>
-                        <a:rPr lang="en-US" altLang="zh-CN" sz="1600" dirty="0" smtClean="0">
-                          <a:solidFill>
-                            <a:srgbClr val="991E1B"/>
-                          </a:solidFill>
-                        </a:rPr>
-                        <a:t>be</a:t>
-                      </a:r>
-                      <a:r>
-                        <a:rPr lang="zh-CN" altLang="en-US" sz="1600" dirty="0" smtClean="0">
-                          <a:solidFill>
-                            <a:srgbClr val="991E1B"/>
-                          </a:solidFill>
-                        </a:rPr>
-                        <a:t> </a:t>
-                      </a:r>
-                      <a:r>
-                        <a:rPr lang="en-US" altLang="zh-CN" sz="1600" dirty="0" smtClean="0">
-                          <a:solidFill>
-                            <a:srgbClr val="991E1B"/>
-                          </a:solidFill>
-                        </a:rPr>
-                        <a:t>scalable)</a:t>
-                      </a:r>
-                      <a:endParaRPr lang="en-US" sz="1600" dirty="0">
-                        <a:solidFill>
-                          <a:srgbClr val="991E1B"/>
-                        </a:solidFill>
-                      </a:endParaRPr>
-                    </a:p>
-                  </a:txBody>
-                  <a:tcPr/>
-                </a:tc>
-              </a:tr>
-              <a:tr h="431800">
-                <a:tc>
-                  <a:txBody>
-                    <a:bodyPr/>
-                    <a:lstStyle/>
-                    <a:p>
-                      <a:pPr algn="l"/>
-                      <a:r>
-                        <a:rPr lang="en-US" altLang="zh-CN" sz="1800" dirty="0" smtClean="0"/>
-                        <a:t>RAM</a:t>
-                      </a:r>
-                      <a:endParaRPr lang="en-US" sz="1800" b="1" dirty="0"/>
-                    </a:p>
-                  </a:txBody>
-                  <a:tcPr/>
-                </a:tc>
-                <a:tc>
-                  <a:txBody>
-                    <a:bodyPr/>
-                    <a:lstStyle/>
-                    <a:p>
-                      <a:r>
-                        <a:rPr lang="en-US" altLang="zh-CN" sz="1600" dirty="0" smtClean="0">
-                          <a:solidFill>
-                            <a:srgbClr val="4C991D"/>
-                          </a:solidFill>
-                        </a:rPr>
-                        <a:t>128GB</a:t>
-                      </a:r>
-                      <a:endParaRPr lang="en-US" sz="1600" dirty="0">
-                        <a:solidFill>
-                          <a:srgbClr val="4C991D"/>
-                        </a:solidFill>
-                      </a:endParaRPr>
-                    </a:p>
-                  </a:txBody>
-                  <a:tcPr/>
-                </a:tc>
-                <a:tc>
-                  <a:txBody>
-                    <a:bodyPr/>
-                    <a:lstStyle/>
-                    <a:p>
-                      <a:r>
-                        <a:rPr lang="en-US" altLang="zh-CN" sz="1600" dirty="0" smtClean="0">
-                          <a:solidFill>
-                            <a:srgbClr val="991E1B"/>
-                          </a:solidFill>
-                        </a:rPr>
-                        <a:t>256GB per</a:t>
-                      </a:r>
-                      <a:r>
-                        <a:rPr lang="en-US" altLang="zh-CN" sz="1600" baseline="0" dirty="0" smtClean="0">
-                          <a:solidFill>
-                            <a:srgbClr val="991E1B"/>
-                          </a:solidFill>
-                        </a:rPr>
-                        <a:t> virtual machine</a:t>
-                      </a:r>
-                      <a:endParaRPr lang="en-US" sz="1600" dirty="0">
-                        <a:solidFill>
-                          <a:srgbClr val="991E1B"/>
-                        </a:solidFill>
-                      </a:endParaRPr>
-                    </a:p>
-                  </a:txBody>
-                  <a:tcPr/>
-                </a:tc>
-              </a:tr>
-              <a:tr h="685800">
-                <a:tc>
-                  <a:txBody>
-                    <a:bodyPr/>
-                    <a:lstStyle/>
-                    <a:p>
-                      <a:pPr algn="l"/>
-                      <a:r>
-                        <a:rPr lang="en-US" altLang="zh-CN" sz="1800" dirty="0" smtClean="0"/>
-                        <a:t>Operating</a:t>
-                      </a:r>
-                      <a:r>
-                        <a:rPr lang="zh-CN" altLang="en-US" sz="1800" dirty="0" smtClean="0"/>
-                        <a:t> </a:t>
-                      </a:r>
-                      <a:r>
-                        <a:rPr lang="en-US" altLang="zh-CN" sz="1800" dirty="0" smtClean="0"/>
-                        <a:t>system</a:t>
-                      </a:r>
-                      <a:endParaRPr lang="en-US" sz="1800" b="1" dirty="0"/>
-                    </a:p>
-                  </a:txBody>
-                  <a:tcPr/>
-                </a:tc>
-                <a:tc>
-                  <a:txBody>
-                    <a:bodyPr/>
-                    <a:lstStyle/>
-                    <a:p>
-                      <a:r>
-                        <a:rPr lang="en-US" altLang="zh-CN" sz="1600" dirty="0" smtClean="0"/>
-                        <a:t>Red</a:t>
-                      </a:r>
-                      <a:r>
-                        <a:rPr lang="zh-CN" altLang="en-US" sz="1600" dirty="0" smtClean="0"/>
-                        <a:t> </a:t>
-                      </a:r>
-                      <a:r>
-                        <a:rPr lang="en-US" altLang="zh-CN" sz="1600" dirty="0" smtClean="0"/>
-                        <a:t>Hat</a:t>
-                      </a:r>
-                      <a:r>
-                        <a:rPr lang="zh-CN" altLang="en-US" sz="1600" dirty="0" smtClean="0"/>
-                        <a:t> </a:t>
-                      </a:r>
-                      <a:r>
-                        <a:rPr lang="en-US" altLang="zh-CN" sz="1600" dirty="0" smtClean="0"/>
-                        <a:t>Enterprise</a:t>
-                      </a:r>
-                      <a:r>
-                        <a:rPr lang="zh-CN" altLang="en-US" sz="1600" baseline="0" dirty="0" smtClean="0"/>
-                        <a:t> </a:t>
-                      </a:r>
-                      <a:r>
-                        <a:rPr lang="en-US" altLang="zh-CN" sz="1600" baseline="0" dirty="0" smtClean="0"/>
-                        <a:t>Linux</a:t>
-                      </a:r>
-                      <a:r>
-                        <a:rPr lang="zh-CN" altLang="en-US" sz="1600" baseline="0" dirty="0" smtClean="0"/>
-                        <a:t> </a:t>
-                      </a:r>
-                      <a:r>
-                        <a:rPr lang="en-US" altLang="zh-CN" sz="1600" baseline="0" dirty="0" smtClean="0"/>
-                        <a:t>7.3</a:t>
-                      </a:r>
-                      <a:endParaRPr lang="en-US" sz="1600" dirty="0"/>
-                    </a:p>
-                  </a:txBody>
-                  <a:tcPr/>
-                </a:tc>
-                <a:tc>
-                  <a:txBody>
-                    <a:bodyPr/>
-                    <a:lstStyle/>
-                    <a:p>
-                      <a:r>
-                        <a:rPr lang="en-US" altLang="zh-CN" sz="1600" dirty="0" smtClean="0"/>
-                        <a:t>Red</a:t>
-                      </a:r>
-                      <a:r>
-                        <a:rPr lang="zh-CN" altLang="en-US" sz="1600" dirty="0" smtClean="0"/>
-                        <a:t> </a:t>
-                      </a:r>
-                      <a:r>
-                        <a:rPr lang="en-US" altLang="zh-CN" sz="1600" dirty="0" smtClean="0"/>
-                        <a:t>Hat</a:t>
-                      </a:r>
-                      <a:r>
-                        <a:rPr lang="zh-CN" altLang="en-US" sz="1600" dirty="0" smtClean="0"/>
-                        <a:t> </a:t>
-                      </a:r>
-                      <a:r>
-                        <a:rPr lang="en-US" altLang="zh-CN" sz="1600" dirty="0" smtClean="0"/>
-                        <a:t>Enterprise</a:t>
-                      </a:r>
-                      <a:r>
-                        <a:rPr lang="zh-CN" altLang="en-US" sz="1600" baseline="0" dirty="0" smtClean="0"/>
-                        <a:t> </a:t>
-                      </a:r>
-                      <a:r>
-                        <a:rPr lang="en-US" altLang="zh-CN" sz="1600" baseline="0" dirty="0" smtClean="0"/>
-                        <a:t>Linux</a:t>
-                      </a:r>
-                      <a:r>
-                        <a:rPr lang="zh-CN" altLang="en-US" sz="1600" baseline="0" dirty="0" smtClean="0"/>
-                        <a:t> </a:t>
-                      </a:r>
-                      <a:r>
-                        <a:rPr lang="en-US" altLang="zh-CN" sz="1600" baseline="0" dirty="0" smtClean="0"/>
-                        <a:t>7.3</a:t>
-                      </a:r>
-                      <a:endParaRPr lang="en-US" sz="1600" dirty="0"/>
-                    </a:p>
-                  </a:txBody>
-                  <a:tcPr/>
-                </a:tc>
-              </a:tr>
-              <a:tr h="685800">
-                <a:tc>
-                  <a:txBody>
-                    <a:bodyPr/>
-                    <a:lstStyle/>
-                    <a:p>
-                      <a:pPr algn="l"/>
-                      <a:r>
-                        <a:rPr lang="en-US" altLang="zh-CN" sz="1800" b="0" dirty="0" smtClean="0"/>
-                        <a:t>Path</a:t>
-                      </a:r>
-                      <a:r>
-                        <a:rPr lang="zh-CN" altLang="en-US" sz="1800" b="0" dirty="0" smtClean="0"/>
-                        <a:t> </a:t>
-                      </a:r>
-                      <a:r>
-                        <a:rPr lang="en-US" altLang="zh-CN" sz="1800" b="0" dirty="0" smtClean="0"/>
-                        <a:t>to</a:t>
-                      </a:r>
-                      <a:r>
-                        <a:rPr lang="zh-CN" altLang="en-US" sz="1800" b="0" dirty="0" smtClean="0"/>
-                        <a:t> </a:t>
-                      </a:r>
-                      <a:r>
-                        <a:rPr lang="en-US" altLang="zh-CN" sz="1800" b="0" dirty="0" smtClean="0"/>
-                        <a:t>existing</a:t>
-                      </a:r>
-                      <a:r>
-                        <a:rPr lang="zh-CN" altLang="en-US" sz="1800" b="0" baseline="0" dirty="0" smtClean="0"/>
-                        <a:t> </a:t>
-                      </a:r>
-                      <a:r>
-                        <a:rPr lang="en-US" altLang="zh-CN" sz="1800" b="0" baseline="0" dirty="0" smtClean="0"/>
-                        <a:t>server/model</a:t>
-                      </a:r>
-                      <a:endParaRPr lang="en-US" sz="1800" b="0" dirty="0"/>
-                    </a:p>
-                  </a:txBody>
-                  <a:tcPr/>
-                </a:tc>
-                <a:tc>
-                  <a:txBody>
-                    <a:bodyPr/>
-                    <a:lstStyle/>
-                    <a:p>
-                      <a:r>
-                        <a:rPr lang="en-US" altLang="zh-CN" sz="1600" dirty="0" smtClean="0"/>
-                        <a:t>SFTP</a:t>
-                      </a:r>
-                      <a:r>
-                        <a:rPr lang="zh-CN" altLang="en-US" sz="1600" dirty="0" smtClean="0"/>
-                        <a:t> </a:t>
-                      </a:r>
-                      <a:r>
-                        <a:rPr lang="en-US" altLang="zh-CN" sz="1600" dirty="0" smtClean="0"/>
-                        <a:t>tunnel</a:t>
-                      </a:r>
-                      <a:endParaRPr lang="en-US" sz="1600" dirty="0"/>
-                    </a:p>
-                  </a:txBody>
-                  <a:tcPr/>
-                </a:tc>
-                <a:tc>
-                  <a:txBody>
-                    <a:bodyPr/>
-                    <a:lstStyle/>
-                    <a:p>
-                      <a:r>
-                        <a:rPr lang="en-US" altLang="zh-CN" sz="1600" dirty="0" smtClean="0"/>
-                        <a:t>SFTP</a:t>
-                      </a:r>
-                      <a:r>
-                        <a:rPr lang="zh-CN" altLang="en-US" sz="1600" dirty="0" smtClean="0"/>
-                        <a:t> </a:t>
-                      </a:r>
-                      <a:r>
-                        <a:rPr lang="en-US" altLang="zh-CN" sz="1600" dirty="0" smtClean="0"/>
-                        <a:t>tunnel</a:t>
-                      </a:r>
-                      <a:endParaRPr lang="en-US" sz="1600" dirty="0" smtClean="0"/>
-                    </a:p>
-                    <a:p>
-                      <a:endParaRPr lang="en-US" sz="1600" dirty="0"/>
-                    </a:p>
-                  </a:txBody>
-                  <a:tcPr/>
-                </a:tc>
-              </a:tr>
-              <a:tr h="685800">
-                <a:tc>
-                  <a:txBody>
-                    <a:bodyPr/>
-                    <a:lstStyle/>
-                    <a:p>
-                      <a:pPr algn="l"/>
-                      <a:r>
-                        <a:rPr lang="en-US" altLang="zh-CN" sz="1800" b="0" dirty="0" smtClean="0"/>
-                        <a:t>Data</a:t>
-                      </a:r>
-                      <a:r>
-                        <a:rPr lang="zh-CN" altLang="en-US" sz="1800" b="0" dirty="0" smtClean="0"/>
-                        <a:t> </a:t>
-                      </a:r>
-                      <a:r>
-                        <a:rPr lang="en-US" altLang="zh-CN" sz="1800" b="0" dirty="0" smtClean="0"/>
-                        <a:t>access</a:t>
-                      </a:r>
-                      <a:endParaRPr lang="en-US" sz="1800" b="0" dirty="0"/>
-                    </a:p>
-                  </a:txBody>
-                  <a:tcPr/>
-                </a:tc>
-                <a:tc>
-                  <a:txBody>
-                    <a:bodyPr/>
-                    <a:lstStyle/>
-                    <a:p>
-                      <a:r>
-                        <a:rPr lang="en-US" altLang="zh-CN" sz="1600" dirty="0" smtClean="0"/>
-                        <a:t>Explorys,</a:t>
-                      </a:r>
-                      <a:r>
-                        <a:rPr lang="zh-CN" altLang="en-US" sz="1600" dirty="0" smtClean="0"/>
-                        <a:t> </a:t>
-                      </a:r>
-                      <a:r>
-                        <a:rPr lang="en-US" altLang="zh-CN" sz="1600" dirty="0" smtClean="0"/>
-                        <a:t>MarketScan,</a:t>
-                      </a:r>
-                      <a:r>
-                        <a:rPr lang="zh-CN" altLang="en-US" sz="1600" baseline="0" dirty="0" smtClean="0"/>
-                        <a:t> </a:t>
-                      </a:r>
-                      <a:r>
-                        <a:rPr lang="en-US" altLang="zh-CN" sz="1600" baseline="0" dirty="0" smtClean="0"/>
-                        <a:t>SAF,</a:t>
-                      </a:r>
-                      <a:r>
-                        <a:rPr lang="zh-CN" altLang="en-US" sz="1600" baseline="0" dirty="0" smtClean="0"/>
-                        <a:t> </a:t>
-                      </a:r>
-                      <a:r>
-                        <a:rPr lang="en-US" altLang="zh-CN" sz="1600" baseline="0" dirty="0" err="1" smtClean="0"/>
-                        <a:t>Huntmore</a:t>
-                      </a:r>
-                      <a:r>
-                        <a:rPr lang="en-US" altLang="zh-CN" sz="1600" baseline="0" dirty="0" smtClean="0"/>
-                        <a:t>(CED),</a:t>
-                      </a:r>
-                      <a:r>
-                        <a:rPr lang="zh-CN" altLang="en-US" sz="1600" baseline="0" dirty="0" smtClean="0"/>
-                        <a:t> </a:t>
-                      </a:r>
-                      <a:r>
-                        <a:rPr lang="en-US" altLang="zh-CN" sz="1600" baseline="0" dirty="0" smtClean="0"/>
-                        <a:t>PIDB,</a:t>
-                      </a:r>
-                      <a:r>
-                        <a:rPr lang="zh-CN" altLang="en-US" sz="1600" baseline="0" dirty="0" smtClean="0"/>
-                        <a:t> </a:t>
-                      </a:r>
-                      <a:r>
-                        <a:rPr lang="en-US" altLang="zh-CN" sz="1600" baseline="0" dirty="0" smtClean="0"/>
-                        <a:t>reference</a:t>
-                      </a:r>
-                      <a:r>
-                        <a:rPr lang="zh-CN" altLang="en-US" sz="1600" baseline="0" dirty="0" smtClean="0"/>
-                        <a:t> </a:t>
-                      </a:r>
-                      <a:r>
-                        <a:rPr lang="en-US" altLang="zh-CN" sz="1600" baseline="0" dirty="0" smtClean="0"/>
-                        <a:t>data</a:t>
-                      </a:r>
-                      <a:endParaRPr lang="en-US" sz="1600" dirty="0"/>
-                    </a:p>
-                  </a:txBody>
-                  <a:tcPr/>
-                </a:tc>
-                <a:tc>
-                  <a:txBody>
-                    <a:bodyPr/>
-                    <a:lstStyle/>
-                    <a:p>
-                      <a:r>
-                        <a:rPr lang="en-US" altLang="zh-CN" sz="1600" dirty="0" smtClean="0"/>
-                        <a:t>Explorys,</a:t>
-                      </a:r>
-                      <a:r>
-                        <a:rPr lang="zh-CN" altLang="en-US" sz="1600" dirty="0" smtClean="0"/>
-                        <a:t> </a:t>
-                      </a:r>
-                      <a:r>
-                        <a:rPr lang="en-US" altLang="zh-CN" sz="1600" dirty="0" smtClean="0"/>
-                        <a:t>MarketScan,</a:t>
-                      </a:r>
-                      <a:r>
-                        <a:rPr lang="zh-CN" altLang="en-US" sz="1600" baseline="0" dirty="0" smtClean="0"/>
-                        <a:t> </a:t>
-                      </a:r>
-                      <a:r>
-                        <a:rPr lang="en-US" altLang="zh-CN" sz="1600" baseline="0" dirty="0" smtClean="0"/>
-                        <a:t>SAF,</a:t>
-                      </a:r>
-                      <a:r>
-                        <a:rPr lang="zh-CN" altLang="en-US" sz="1600" baseline="0" dirty="0" smtClean="0"/>
-                        <a:t> </a:t>
-                      </a:r>
-                      <a:r>
-                        <a:rPr lang="en-US" altLang="zh-CN" sz="1600" baseline="0" dirty="0" err="1" smtClean="0"/>
-                        <a:t>Huntmore</a:t>
-                      </a:r>
-                      <a:r>
-                        <a:rPr lang="en-US" altLang="zh-CN" sz="1600" baseline="0" dirty="0" smtClean="0"/>
-                        <a:t>(CED),</a:t>
-                      </a:r>
-                      <a:r>
-                        <a:rPr lang="zh-CN" altLang="en-US" sz="1600" baseline="0" dirty="0" smtClean="0"/>
-                        <a:t> </a:t>
-                      </a:r>
-                      <a:r>
-                        <a:rPr lang="en-US" altLang="zh-CN" sz="1600" baseline="0" dirty="0" smtClean="0"/>
-                        <a:t>PIDB,</a:t>
-                      </a:r>
-                      <a:r>
-                        <a:rPr lang="zh-CN" altLang="en-US" sz="1600" baseline="0" dirty="0" smtClean="0"/>
-                        <a:t> </a:t>
-                      </a:r>
-                      <a:r>
-                        <a:rPr lang="en-US" altLang="zh-CN" sz="1600" baseline="0" dirty="0" smtClean="0"/>
-                        <a:t>reference</a:t>
-                      </a:r>
-                      <a:r>
-                        <a:rPr lang="zh-CN" altLang="en-US" sz="1600" baseline="0" dirty="0" smtClean="0"/>
-                        <a:t> </a:t>
-                      </a:r>
-                      <a:r>
-                        <a:rPr lang="en-US" altLang="zh-CN" sz="1600" baseline="0" dirty="0" smtClean="0"/>
-                        <a:t>data</a:t>
-                      </a:r>
-                      <a:endParaRPr lang="en-US" sz="1600" dirty="0"/>
-                    </a:p>
-                  </a:txBody>
-                  <a:tcPr/>
-                </a:tc>
-              </a:tr>
-            </a:tbl>
-          </a:graphicData>
-        </a:graphic>
-      </p:graphicFrame>
+        </p:nvSpPr>
+        <p:spPr/>
+        <p:txBody>
+          <a:bodyPr/>
+          <a:lstStyle/>
+          <a:p>
+            <a:r>
+              <a:rPr lang="en-US" altLang="zh-CN" sz="2400" dirty="0"/>
+              <a:t>Standardization</a:t>
+            </a:r>
+          </a:p>
+          <a:p>
+            <a:pPr lvl="1"/>
+            <a:r>
+              <a:rPr lang="en-US" sz="2000" dirty="0"/>
+              <a:t>Rather than building a new environment for every analysis, </a:t>
+            </a:r>
+            <a:r>
+              <a:rPr lang="en-US" altLang="zh-CN" sz="2000" dirty="0"/>
+              <a:t>you</a:t>
+            </a:r>
+            <a:r>
+              <a:rPr lang="zh-CN" altLang="en-US" sz="2000" dirty="0"/>
+              <a:t> </a:t>
+            </a:r>
+            <a:r>
+              <a:rPr lang="en-US" sz="2000" dirty="0"/>
+              <a:t>can put the tools and packages required for certain types of analyses (e.g., SAS, python, etc.) into a container, create an image of that container, and have every user boot up an isolated, standardized environment from that image</a:t>
+            </a:r>
+            <a:endParaRPr lang="en-US" altLang="zh-CN" sz="2000" dirty="0"/>
+          </a:p>
+          <a:p>
+            <a:pPr lvl="1"/>
+            <a:endParaRPr lang="en-US" dirty="0"/>
+          </a:p>
+          <a:p>
+            <a:r>
+              <a:rPr lang="en-US" altLang="zh-CN" sz="2400" dirty="0"/>
+              <a:t>Reproducibility</a:t>
+            </a:r>
+            <a:r>
+              <a:rPr lang="zh-CN" altLang="en-US" dirty="0"/>
+              <a:t> </a:t>
+            </a:r>
+            <a:endParaRPr lang="en-US" altLang="zh-CN" dirty="0"/>
+          </a:p>
+          <a:p>
+            <a:pPr lvl="1"/>
+            <a:r>
+              <a:rPr lang="en-US" sz="2000" dirty="0"/>
+              <a:t>Docker provides an easy way to share working environments including libraries and drivers. This </a:t>
+            </a:r>
+            <a:r>
+              <a:rPr lang="en-US" altLang="zh-CN" sz="2000" dirty="0"/>
+              <a:t>allows</a:t>
+            </a:r>
+            <a:r>
+              <a:rPr lang="zh-CN" altLang="en-US" sz="2000" dirty="0"/>
+              <a:t> </a:t>
+            </a:r>
+            <a:r>
+              <a:rPr lang="en-US" sz="2000" dirty="0"/>
+              <a:t>reproducible data science workflows</a:t>
+            </a:r>
+          </a:p>
+          <a:p>
+            <a:pPr lvl="1"/>
+            <a:endParaRPr lang="en-US" dirty="0"/>
+          </a:p>
+        </p:txBody>
+      </p:sp>
     </p:spTree>
     <p:extLst>
       <p:ext uri="{BB962C8B-B14F-4D97-AF65-F5344CB8AC3E}">
-        <p14:creationId xmlns:p14="http://schemas.microsoft.com/office/powerpoint/2010/main" val="468233468"/>
+        <p14:creationId xmlns:p14="http://schemas.microsoft.com/office/powerpoint/2010/main" val="1068932571"/>
       </p:ext>
     </p:extLst>
   </p:cSld>
@@ -10021,13 +8838,6 @@
     <a:masterClrMapping/>
   </p:clrMapOvr>
   <p:transition spd="slow"/>
-  <p:timing>
-    <p:tnLst>
-      <p:par>
-        <p:cTn id="1" dur="indefinite" restart="never" nodeType="tmRoot"/>
-      </p:par>
-    </p:tnLst>
-  </p:timing>
 </p:sld>
 </file>
 
@@ -10064,40 +8874,1117 @@
           <a:lstStyle/>
           <a:p>
             <a:r>
-              <a:rPr lang="en-US" dirty="0" smtClean="0"/>
-              <a:t>Cloud server</a:t>
+              <a:rPr lang="en-US" altLang="zh-CN" dirty="0"/>
+              <a:t>Development</a:t>
+            </a:r>
+            <a:r>
+              <a:rPr lang="zh-CN" altLang="en-US" dirty="0"/>
+              <a:t> </a:t>
+            </a:r>
+            <a:r>
+              <a:rPr lang="en-US" altLang="zh-CN" dirty="0"/>
+              <a:t>vs.</a:t>
+            </a:r>
+            <a:r>
+              <a:rPr lang="zh-CN" altLang="en-US" dirty="0"/>
+              <a:t> </a:t>
+            </a:r>
+            <a:r>
+              <a:rPr lang="en-US" altLang="zh-CN" dirty="0"/>
+              <a:t>Sandbox</a:t>
+            </a:r>
+            <a:r>
+              <a:rPr lang="zh-CN" altLang="en-US" dirty="0"/>
+              <a:t> </a:t>
+            </a:r>
+            <a:r>
+              <a:rPr lang="en-US" altLang="zh-CN" dirty="0"/>
+              <a:t>server: specs</a:t>
             </a:r>
             <a:endParaRPr lang="en-US" dirty="0"/>
           </a:p>
         </p:txBody>
       </p:sp>
-      <p:sp>
-        <p:nvSpPr>
-          <p:cNvPr id="3" name="Content Placeholder 2"/>
-          <p:cNvSpPr>
-            <a:spLocks noGrp="1"/>
-          </p:cNvSpPr>
+      <p:graphicFrame>
+        <p:nvGraphicFramePr>
+          <p:cNvPr id="4" name="Content Placeholder 3"/>
+          <p:cNvGraphicFramePr>
+            <a:graphicFrameLocks noGrp="1"/>
+          </p:cNvGraphicFramePr>
           <p:nvPr>
             <p:ph idx="12"/>
+            <p:extLst>
+              <p:ext uri="{D42A27DB-BD31-4B8C-83A1-F6EECF244321}">
+                <p14:modId xmlns:p14="http://schemas.microsoft.com/office/powerpoint/2010/main" val="3742977846"/>
+              </p:ext>
+            </p:extLst>
           </p:nvPr>
-        </p:nvSpPr>
-        <p:spPr/>
-        <p:txBody>
-          <a:bodyPr/>
-          <a:lstStyle/>
-          <a:p>
-            <a:r>
-              <a:rPr lang="en-US" dirty="0" smtClean="0"/>
-              <a:t>Instead of in-house development and sandbox server, IBM cloud server has its potentials</a:t>
-            </a:r>
-            <a:endParaRPr lang="en-US" dirty="0"/>
-          </a:p>
-        </p:txBody>
-      </p:sp>
+        </p:nvGraphicFramePr>
+        <p:xfrm>
+          <a:off x="609600" y="1601789"/>
+          <a:ext cx="10972800" cy="3292848"/>
+        </p:xfrm>
+        <a:graphic>
+          <a:graphicData uri="http://schemas.openxmlformats.org/drawingml/2006/table">
+            <a:tbl>
+              <a:tblPr firstRow="1" bandRow="1">
+                <a:tableStyleId>{FABFCF23-3B69-468F-B69F-88F6DE6A72F2}</a:tableStyleId>
+              </a:tblPr>
+              <a:tblGrid>
+                <a:gridCol w="2006600">
+                  <a:extLst>
+                    <a:ext uri="{9D8B030D-6E8A-4147-A177-3AD203B41FA5}">
+                      <a16:colId xmlns:a16="http://schemas.microsoft.com/office/drawing/2014/main" val="20000"/>
+                    </a:ext>
+                  </a:extLst>
+                </a:gridCol>
+                <a:gridCol w="4445000">
+                  <a:extLst>
+                    <a:ext uri="{9D8B030D-6E8A-4147-A177-3AD203B41FA5}">
+                      <a16:colId xmlns:a16="http://schemas.microsoft.com/office/drawing/2014/main" val="20001"/>
+                    </a:ext>
+                  </a:extLst>
+                </a:gridCol>
+                <a:gridCol w="4521200">
+                  <a:extLst>
+                    <a:ext uri="{9D8B030D-6E8A-4147-A177-3AD203B41FA5}">
+                      <a16:colId xmlns:a16="http://schemas.microsoft.com/office/drawing/2014/main" val="20002"/>
+                    </a:ext>
+                  </a:extLst>
+                </a:gridCol>
+              </a:tblGrid>
+              <a:tr h="379762">
+                <a:tc>
+                  <a:txBody>
+                    <a:bodyPr/>
+                    <a:lstStyle/>
+                    <a:p>
+                      <a:endParaRPr lang="en-US" sz="1600" dirty="0"/>
+                    </a:p>
+                  </a:txBody>
+                  <a:tcPr/>
+                </a:tc>
+                <a:tc>
+                  <a:txBody>
+                    <a:bodyPr/>
+                    <a:lstStyle/>
+                    <a:p>
+                      <a:pPr algn="l"/>
+                      <a:r>
+                        <a:rPr lang="en-US" altLang="zh-CN" sz="2000" dirty="0">
+                          <a:solidFill>
+                            <a:schemeClr val="tx2"/>
+                          </a:solidFill>
+                        </a:rPr>
+                        <a:t>Development</a:t>
+                      </a:r>
+                      <a:endParaRPr lang="en-US" sz="2000" dirty="0">
+                        <a:solidFill>
+                          <a:schemeClr val="tx2"/>
+                        </a:solidFill>
+                      </a:endParaRPr>
+                    </a:p>
+                  </a:txBody>
+                  <a:tcPr/>
+                </a:tc>
+                <a:tc>
+                  <a:txBody>
+                    <a:bodyPr/>
+                    <a:lstStyle/>
+                    <a:p>
+                      <a:pPr algn="l"/>
+                      <a:r>
+                        <a:rPr lang="en-US" altLang="zh-CN" sz="2000" dirty="0">
+                          <a:solidFill>
+                            <a:schemeClr val="tx2"/>
+                          </a:solidFill>
+                        </a:rPr>
+                        <a:t>Sandbox</a:t>
+                      </a:r>
+                      <a:endParaRPr lang="en-US" sz="2000" dirty="0">
+                        <a:solidFill>
+                          <a:schemeClr val="tx2"/>
+                        </a:solidFill>
+                      </a:endParaRPr>
+                    </a:p>
+                  </a:txBody>
+                  <a:tcPr/>
+                </a:tc>
+                <a:extLst>
+                  <a:ext uri="{0D108BD9-81ED-4DB2-BD59-A6C34878D82A}">
+                    <a16:rowId xmlns:a16="http://schemas.microsoft.com/office/drawing/2014/main" val="10000"/>
+                  </a:ext>
+                </a:extLst>
+              </a:tr>
+              <a:tr h="706567">
+                <a:tc>
+                  <a:txBody>
+                    <a:bodyPr/>
+                    <a:lstStyle/>
+                    <a:p>
+                      <a:pPr algn="l"/>
+                      <a:r>
+                        <a:rPr lang="en-US" altLang="zh-CN" sz="1800" dirty="0"/>
+                        <a:t>Timing</a:t>
+                      </a:r>
+                      <a:endParaRPr lang="en-US" sz="1800" b="1" dirty="0"/>
+                    </a:p>
+                  </a:txBody>
+                  <a:tcPr/>
+                </a:tc>
+                <a:tc>
+                  <a:txBody>
+                    <a:bodyPr/>
+                    <a:lstStyle/>
+                    <a:p>
+                      <a:r>
+                        <a:rPr lang="en-US" altLang="zh-CN" sz="1600" dirty="0">
+                          <a:solidFill>
+                            <a:srgbClr val="4C991D"/>
+                          </a:solidFill>
+                        </a:rPr>
+                        <a:t>Early February</a:t>
+                      </a:r>
+                      <a:endParaRPr lang="en-US" sz="1600" dirty="0">
+                        <a:solidFill>
+                          <a:srgbClr val="4C991D"/>
+                        </a:solidFill>
+                      </a:endParaRPr>
+                    </a:p>
+                  </a:txBody>
+                  <a:tcPr/>
+                </a:tc>
+                <a:tc>
+                  <a:txBody>
+                    <a:bodyPr/>
+                    <a:lstStyle/>
+                    <a:p>
+                      <a:r>
+                        <a:rPr lang="en-US" altLang="zh-CN" sz="1600" dirty="0">
+                          <a:solidFill>
+                            <a:srgbClr val="991E1B"/>
+                          </a:solidFill>
+                        </a:rPr>
+                        <a:t>Upon</a:t>
+                      </a:r>
+                      <a:r>
+                        <a:rPr lang="zh-CN" altLang="en-US" sz="1600" dirty="0">
+                          <a:solidFill>
+                            <a:srgbClr val="991E1B"/>
+                          </a:solidFill>
+                        </a:rPr>
+                        <a:t> </a:t>
+                      </a:r>
+                      <a:r>
+                        <a:rPr lang="en-US" altLang="zh-CN" sz="1600" dirty="0">
+                          <a:solidFill>
+                            <a:srgbClr val="991E1B"/>
+                          </a:solidFill>
+                        </a:rPr>
+                        <a:t>finishing</a:t>
+                      </a:r>
+                      <a:r>
+                        <a:rPr lang="zh-CN" altLang="en-US" sz="1600" baseline="0" dirty="0">
+                          <a:solidFill>
+                            <a:srgbClr val="991E1B"/>
+                          </a:solidFill>
+                        </a:rPr>
+                        <a:t> </a:t>
+                      </a:r>
+                      <a:r>
+                        <a:rPr lang="en-US" altLang="zh-CN" sz="1600" baseline="0" dirty="0">
+                          <a:solidFill>
+                            <a:srgbClr val="991E1B"/>
+                          </a:solidFill>
+                        </a:rPr>
+                        <a:t>development</a:t>
+                      </a:r>
+                      <a:r>
+                        <a:rPr lang="zh-CN" altLang="en-US" sz="1600" baseline="0" dirty="0">
+                          <a:solidFill>
+                            <a:srgbClr val="991E1B"/>
+                          </a:solidFill>
+                        </a:rPr>
+                        <a:t> </a:t>
+                      </a:r>
+                      <a:r>
+                        <a:rPr lang="en-US" altLang="zh-CN" sz="1600" baseline="0" dirty="0">
+                          <a:solidFill>
+                            <a:srgbClr val="991E1B"/>
+                          </a:solidFill>
+                        </a:rPr>
+                        <a:t>server</a:t>
+                      </a:r>
+                      <a:endParaRPr lang="en-US" sz="1600" dirty="0">
+                        <a:solidFill>
+                          <a:srgbClr val="991E1B"/>
+                        </a:solidFill>
+                      </a:endParaRPr>
+                    </a:p>
+                  </a:txBody>
+                  <a:tcPr/>
+                </a:tc>
+                <a:extLst>
+                  <a:ext uri="{0D108BD9-81ED-4DB2-BD59-A6C34878D82A}">
+                    <a16:rowId xmlns:a16="http://schemas.microsoft.com/office/drawing/2014/main" val="10001"/>
+                  </a:ext>
+                </a:extLst>
+              </a:tr>
+              <a:tr h="419604">
+                <a:tc>
+                  <a:txBody>
+                    <a:bodyPr/>
+                    <a:lstStyle/>
+                    <a:p>
+                      <a:pPr algn="l"/>
+                      <a:r>
+                        <a:rPr lang="en-US" altLang="zh-CN" sz="1800" dirty="0"/>
+                        <a:t>Data</a:t>
+                      </a:r>
+                      <a:r>
+                        <a:rPr lang="zh-CN" altLang="en-US" sz="1800" dirty="0"/>
+                        <a:t> </a:t>
+                      </a:r>
+                      <a:r>
+                        <a:rPr lang="en-US" altLang="zh-CN" sz="1800" dirty="0"/>
+                        <a:t>restrictions</a:t>
+                      </a:r>
+                      <a:endParaRPr lang="en-US" sz="1800" b="1" dirty="0"/>
+                    </a:p>
+                  </a:txBody>
+                  <a:tcPr/>
+                </a:tc>
+                <a:tc>
+                  <a:txBody>
+                    <a:bodyPr/>
+                    <a:lstStyle/>
+                    <a:p>
+                      <a:r>
+                        <a:rPr lang="en-US" altLang="zh-CN" sz="1600" dirty="0"/>
+                        <a:t>General HIPAA</a:t>
+                      </a:r>
+                      <a:endParaRPr lang="en-US" sz="1600" dirty="0"/>
+                    </a:p>
+                  </a:txBody>
+                  <a:tcPr/>
+                </a:tc>
+                <a:tc>
+                  <a:txBody>
+                    <a:bodyPr/>
+                    <a:lstStyle/>
+                    <a:p>
+                      <a:r>
+                        <a:rPr lang="en-US" altLang="zh-CN" sz="1600" dirty="0"/>
+                        <a:t>General HIPAA</a:t>
+                      </a:r>
+                      <a:endParaRPr lang="en-US" sz="1600" dirty="0"/>
+                    </a:p>
+                  </a:txBody>
+                  <a:tcPr/>
+                </a:tc>
+                <a:extLst>
+                  <a:ext uri="{0D108BD9-81ED-4DB2-BD59-A6C34878D82A}">
+                    <a16:rowId xmlns:a16="http://schemas.microsoft.com/office/drawing/2014/main" val="10002"/>
+                  </a:ext>
+                </a:extLst>
+              </a:tr>
+              <a:tr h="1022437">
+                <a:tc>
+                  <a:txBody>
+                    <a:bodyPr/>
+                    <a:lstStyle/>
+                    <a:p>
+                      <a:pPr algn="l"/>
+                      <a:r>
+                        <a:rPr lang="en-US" altLang="zh-CN" sz="1800" dirty="0"/>
+                        <a:t>3</a:t>
+                      </a:r>
+                      <a:r>
+                        <a:rPr lang="en-US" altLang="zh-CN" sz="1800" baseline="30000" dirty="0"/>
+                        <a:t>rd</a:t>
+                      </a:r>
+                      <a:r>
+                        <a:rPr lang="zh-CN" altLang="en-US" sz="1800" baseline="0" dirty="0"/>
+                        <a:t> </a:t>
+                      </a:r>
+                      <a:r>
+                        <a:rPr lang="en-US" altLang="zh-CN" sz="1800" baseline="0" dirty="0"/>
+                        <a:t>party</a:t>
+                      </a:r>
+                      <a:r>
+                        <a:rPr lang="zh-CN" altLang="en-US" sz="1800" baseline="0" dirty="0"/>
+                        <a:t> </a:t>
+                      </a:r>
+                      <a:r>
+                        <a:rPr lang="en-US" altLang="zh-CN" sz="1800" baseline="0" dirty="0"/>
+                        <a:t>software</a:t>
+                      </a:r>
+                      <a:endParaRPr lang="en-US" sz="1800" b="1" dirty="0"/>
+                    </a:p>
+                  </a:txBody>
+                  <a:tcPr/>
+                </a:tc>
+                <a:tc>
+                  <a:txBody>
+                    <a:bodyPr/>
+                    <a:lstStyle/>
+                    <a:p>
+                      <a:r>
+                        <a:rPr lang="en-US" altLang="zh-CN" sz="1600" b="1" dirty="0"/>
+                        <a:t>Docker</a:t>
+                      </a:r>
+                      <a:r>
+                        <a:rPr lang="en-US" altLang="zh-CN" sz="1600" b="0" dirty="0"/>
+                        <a:t>(17.06.2-ee-6)</a:t>
+                      </a:r>
+                      <a:r>
+                        <a:rPr lang="en-US" altLang="zh-CN" sz="1600" b="0" baseline="0" dirty="0"/>
+                        <a:t>,</a:t>
+                      </a:r>
+                      <a:r>
+                        <a:rPr lang="zh-CN" altLang="en-US" sz="1600" b="0" baseline="0" dirty="0"/>
+                        <a:t> </a:t>
+                      </a:r>
+                      <a:r>
+                        <a:rPr lang="en-US" altLang="zh-CN" sz="1600" baseline="0" dirty="0"/>
+                        <a:t>Flexible</a:t>
+                      </a:r>
+                      <a:r>
+                        <a:rPr lang="zh-CN" altLang="en-US" sz="1600" baseline="0" dirty="0"/>
+                        <a:t> </a:t>
+                      </a:r>
+                      <a:r>
+                        <a:rPr lang="en-US" altLang="zh-CN" sz="1600" baseline="0" dirty="0"/>
+                        <a:t>Analytics</a:t>
+                      </a:r>
+                      <a:r>
+                        <a:rPr lang="zh-CN" altLang="en-US" sz="1600" baseline="0" dirty="0"/>
+                        <a:t> </a:t>
+                      </a:r>
+                      <a:r>
+                        <a:rPr lang="en-US" altLang="zh-CN" sz="1600" baseline="0" dirty="0"/>
+                        <a:t>(via</a:t>
+                      </a:r>
+                      <a:r>
+                        <a:rPr lang="zh-CN" altLang="en-US" sz="1600" baseline="0" dirty="0"/>
+                        <a:t> </a:t>
+                      </a:r>
+                      <a:r>
+                        <a:rPr lang="en-US" altLang="zh-CN" sz="1600" baseline="0" dirty="0"/>
+                        <a:t>API)</a:t>
+                      </a:r>
+                      <a:endParaRPr lang="en-US" sz="1600" dirty="0"/>
+                    </a:p>
+                  </a:txBody>
+                  <a:tcPr/>
+                </a:tc>
+                <a:tc>
+                  <a:txBody>
+                    <a:bodyPr/>
+                    <a:lstStyle/>
+                    <a:p>
+                      <a:pPr marL="0" marR="0" indent="0" algn="l" defTabSz="1217910" rtl="0" eaLnBrk="1" fontAlgn="auto" latinLnBrk="0" hangingPunct="1">
+                        <a:lnSpc>
+                          <a:spcPct val="100000"/>
+                        </a:lnSpc>
+                        <a:spcBef>
+                          <a:spcPts val="0"/>
+                        </a:spcBef>
+                        <a:spcAft>
+                          <a:spcPts val="0"/>
+                        </a:spcAft>
+                        <a:buClrTx/>
+                        <a:buSzTx/>
+                        <a:buFontTx/>
+                        <a:buNone/>
+                        <a:tabLst/>
+                        <a:defRPr/>
+                      </a:pPr>
+                      <a:r>
+                        <a:rPr lang="en-US" altLang="zh-CN" sz="1600" b="1" dirty="0"/>
+                        <a:t>Docker</a:t>
+                      </a:r>
+                      <a:r>
+                        <a:rPr lang="en-US" altLang="zh-CN" sz="1600" b="0" dirty="0"/>
+                        <a:t>(17.06.2-ee-6)</a:t>
+                      </a:r>
+                      <a:r>
+                        <a:rPr lang="en-US" altLang="zh-CN" sz="1600" b="0" baseline="0" dirty="0"/>
+                        <a:t>,</a:t>
+                      </a:r>
+                      <a:r>
+                        <a:rPr lang="zh-CN" altLang="en-US" sz="1600" b="0" baseline="0" dirty="0"/>
+                        <a:t> </a:t>
+                      </a:r>
+                      <a:r>
+                        <a:rPr lang="en-US" altLang="zh-CN" sz="1600" baseline="0" dirty="0"/>
+                        <a:t>Flexible</a:t>
+                      </a:r>
+                      <a:r>
+                        <a:rPr lang="zh-CN" altLang="en-US" sz="1600" baseline="0" dirty="0"/>
+                        <a:t> </a:t>
+                      </a:r>
+                      <a:r>
+                        <a:rPr lang="en-US" altLang="zh-CN" sz="1600" baseline="0" dirty="0"/>
+                        <a:t>Analytics</a:t>
+                      </a:r>
+                      <a:r>
+                        <a:rPr lang="zh-CN" altLang="en-US" sz="1600" baseline="0" dirty="0"/>
+                        <a:t> </a:t>
+                      </a:r>
+                      <a:r>
+                        <a:rPr lang="en-US" altLang="zh-CN" sz="1600" baseline="0" dirty="0"/>
+                        <a:t>(via</a:t>
+                      </a:r>
+                      <a:r>
+                        <a:rPr lang="zh-CN" altLang="en-US" sz="1600" baseline="0" dirty="0"/>
+                        <a:t> </a:t>
+                      </a:r>
+                      <a:r>
+                        <a:rPr lang="en-US" altLang="zh-CN" sz="1600" baseline="0" dirty="0"/>
+                        <a:t>API)</a:t>
+                      </a:r>
+                      <a:r>
+                        <a:rPr lang="en-US" altLang="zh-CN" sz="1600" dirty="0"/>
+                        <a:t>,</a:t>
+                      </a:r>
+                      <a:r>
+                        <a:rPr lang="zh-CN" altLang="en-US" sz="1600" dirty="0"/>
+                        <a:t> </a:t>
+                      </a:r>
+                      <a:r>
+                        <a:rPr lang="en-US" altLang="zh-CN" sz="1600" dirty="0">
+                          <a:solidFill>
+                            <a:srgbClr val="991E1B"/>
+                          </a:solidFill>
+                        </a:rPr>
+                        <a:t>Anaconda</a:t>
+                      </a:r>
+                      <a:r>
+                        <a:rPr lang="zh-CN" altLang="en-US" sz="1600" baseline="0" dirty="0">
+                          <a:solidFill>
+                            <a:srgbClr val="991E1B"/>
+                          </a:solidFill>
+                        </a:rPr>
+                        <a:t> </a:t>
+                      </a:r>
+                      <a:r>
+                        <a:rPr lang="en-US" altLang="zh-CN" sz="1600" baseline="0" dirty="0">
+                          <a:solidFill>
+                            <a:srgbClr val="991E1B"/>
+                          </a:solidFill>
+                        </a:rPr>
+                        <a:t>Python(&gt;=3.6:</a:t>
+                      </a:r>
+                      <a:r>
+                        <a:rPr lang="zh-CN" altLang="en-US" sz="1600" baseline="0" dirty="0">
+                          <a:solidFill>
+                            <a:srgbClr val="991E1B"/>
+                          </a:solidFill>
+                        </a:rPr>
+                        <a:t> </a:t>
+                      </a:r>
+                      <a:r>
+                        <a:rPr lang="en-US" altLang="zh-CN" sz="1600" baseline="0" dirty="0">
+                          <a:solidFill>
+                            <a:srgbClr val="991E1B"/>
+                          </a:solidFill>
+                        </a:rPr>
+                        <a:t>pandas,</a:t>
+                      </a:r>
+                      <a:r>
+                        <a:rPr lang="zh-CN" altLang="en-US" sz="1600" baseline="0" dirty="0">
+                          <a:solidFill>
+                            <a:srgbClr val="991E1B"/>
+                          </a:solidFill>
+                        </a:rPr>
+                        <a:t> </a:t>
+                      </a:r>
+                      <a:r>
+                        <a:rPr lang="en-US" altLang="zh-CN" sz="1600" baseline="0" dirty="0" err="1">
+                          <a:solidFill>
+                            <a:srgbClr val="991E1B"/>
+                          </a:solidFill>
+                        </a:rPr>
+                        <a:t>numpy</a:t>
+                      </a:r>
+                      <a:r>
+                        <a:rPr lang="en-US" altLang="zh-CN" sz="1600" baseline="0" dirty="0">
+                          <a:solidFill>
+                            <a:srgbClr val="991E1B"/>
+                          </a:solidFill>
+                        </a:rPr>
+                        <a:t>,</a:t>
+                      </a:r>
+                      <a:r>
+                        <a:rPr lang="zh-CN" altLang="en-US" sz="1600" baseline="0" dirty="0">
+                          <a:solidFill>
+                            <a:srgbClr val="991E1B"/>
+                          </a:solidFill>
+                        </a:rPr>
+                        <a:t> </a:t>
+                      </a:r>
+                      <a:r>
+                        <a:rPr lang="en-US" altLang="zh-CN" sz="1600" baseline="0" dirty="0" err="1">
+                          <a:solidFill>
+                            <a:srgbClr val="991E1B"/>
+                          </a:solidFill>
+                        </a:rPr>
+                        <a:t>sklearn</a:t>
+                      </a:r>
+                      <a:r>
+                        <a:rPr lang="en-US" altLang="zh-CN" sz="1600" baseline="0" dirty="0">
+                          <a:solidFill>
+                            <a:srgbClr val="991E1B"/>
+                          </a:solidFill>
+                        </a:rPr>
+                        <a:t>),</a:t>
+                      </a:r>
+                      <a:r>
+                        <a:rPr lang="zh-Hans" altLang="en-US" sz="1600" baseline="0" dirty="0">
+                          <a:solidFill>
+                            <a:srgbClr val="991E1B"/>
+                          </a:solidFill>
+                        </a:rPr>
+                        <a:t> </a:t>
+                      </a:r>
+                      <a:r>
+                        <a:rPr lang="en-US" altLang="zh-CN" sz="1600" baseline="0" dirty="0">
+                          <a:solidFill>
+                            <a:srgbClr val="991E1B"/>
+                          </a:solidFill>
+                        </a:rPr>
+                        <a:t>R</a:t>
+                      </a:r>
+                      <a:r>
+                        <a:rPr lang="zh-CN" altLang="en-US" sz="1600" baseline="0" dirty="0">
+                          <a:solidFill>
+                            <a:srgbClr val="991E1B"/>
+                          </a:solidFill>
+                        </a:rPr>
+                        <a:t> </a:t>
+                      </a:r>
+                      <a:r>
+                        <a:rPr lang="en-US" altLang="zh-CN" sz="1600" baseline="0" dirty="0">
+                          <a:solidFill>
+                            <a:srgbClr val="991E1B"/>
+                          </a:solidFill>
+                        </a:rPr>
+                        <a:t>and</a:t>
+                      </a:r>
+                      <a:r>
+                        <a:rPr lang="zh-CN" altLang="en-US" sz="1600" baseline="0" dirty="0">
+                          <a:solidFill>
+                            <a:srgbClr val="991E1B"/>
+                          </a:solidFill>
+                        </a:rPr>
+                        <a:t> </a:t>
+                      </a:r>
+                      <a:r>
+                        <a:rPr lang="en-US" altLang="zh-CN" sz="1600" baseline="0" dirty="0" err="1">
+                          <a:solidFill>
+                            <a:srgbClr val="991E1B"/>
+                          </a:solidFill>
+                        </a:rPr>
+                        <a:t>Rstudio</a:t>
+                      </a:r>
+                      <a:r>
+                        <a:rPr lang="en-US" altLang="zh-CN" sz="1600" baseline="0" dirty="0">
+                          <a:solidFill>
+                            <a:srgbClr val="991E1B"/>
+                          </a:solidFill>
+                        </a:rPr>
+                        <a:t>,</a:t>
+                      </a:r>
+                      <a:r>
+                        <a:rPr lang="zh-CN" altLang="en-US" sz="1600" baseline="0" dirty="0">
+                          <a:solidFill>
+                            <a:srgbClr val="991E1B"/>
+                          </a:solidFill>
+                        </a:rPr>
+                        <a:t> </a:t>
+                      </a:r>
+                      <a:r>
+                        <a:rPr lang="en-US" altLang="zh-CN" sz="1600" baseline="0" dirty="0">
+                          <a:solidFill>
+                            <a:srgbClr val="991E1B"/>
+                          </a:solidFill>
+                        </a:rPr>
+                        <a:t>SQL,</a:t>
+                      </a:r>
+                      <a:r>
+                        <a:rPr lang="zh-CN" altLang="en-US" sz="1600" baseline="0" dirty="0">
+                          <a:solidFill>
+                            <a:srgbClr val="991E1B"/>
+                          </a:solidFill>
+                        </a:rPr>
+                        <a:t> </a:t>
+                      </a:r>
+                      <a:r>
+                        <a:rPr lang="en-US" altLang="zh-CN" sz="1600" baseline="0" dirty="0" err="1">
+                          <a:solidFill>
+                            <a:srgbClr val="991E1B"/>
+                          </a:solidFill>
+                        </a:rPr>
+                        <a:t>Git</a:t>
+                      </a:r>
+                      <a:r>
+                        <a:rPr lang="en-US" altLang="zh-CN" sz="1600" baseline="0" dirty="0">
+                          <a:solidFill>
+                            <a:srgbClr val="991E1B"/>
+                          </a:solidFill>
+                        </a:rPr>
+                        <a:t>,</a:t>
+                      </a:r>
+                      <a:r>
+                        <a:rPr lang="zh-CN" altLang="en-US" sz="1600" baseline="0" dirty="0">
+                          <a:solidFill>
+                            <a:srgbClr val="991E1B"/>
+                          </a:solidFill>
+                        </a:rPr>
+                        <a:t> </a:t>
+                      </a:r>
+                      <a:r>
+                        <a:rPr lang="en-US" altLang="zh-CN" sz="1600" baseline="0" dirty="0" err="1">
+                          <a:solidFill>
+                            <a:srgbClr val="991E1B"/>
+                          </a:solidFill>
+                        </a:rPr>
+                        <a:t>Git</a:t>
+                      </a:r>
+                      <a:r>
+                        <a:rPr lang="zh-CN" altLang="en-US" sz="1600" baseline="0" dirty="0">
+                          <a:solidFill>
+                            <a:srgbClr val="991E1B"/>
+                          </a:solidFill>
+                        </a:rPr>
+                        <a:t> </a:t>
+                      </a:r>
+                      <a:r>
+                        <a:rPr lang="en-US" altLang="zh-CN" sz="1600" baseline="0" dirty="0">
+                          <a:solidFill>
+                            <a:srgbClr val="991E1B"/>
+                          </a:solidFill>
+                        </a:rPr>
+                        <a:t>LFS,</a:t>
+                      </a:r>
+                      <a:r>
+                        <a:rPr lang="zh-CN" altLang="en-US" sz="1600" baseline="0" dirty="0">
+                          <a:solidFill>
+                            <a:srgbClr val="991E1B"/>
+                          </a:solidFill>
+                        </a:rPr>
+                        <a:t> </a:t>
+                      </a:r>
+                      <a:r>
+                        <a:rPr lang="en-US" altLang="zh-CN" sz="1600" baseline="0" dirty="0" err="1">
+                          <a:solidFill>
+                            <a:srgbClr val="991E1B"/>
+                          </a:solidFill>
+                        </a:rPr>
+                        <a:t>Jupyter</a:t>
+                      </a:r>
+                      <a:r>
+                        <a:rPr lang="zh-CN" altLang="en-US" sz="1600" baseline="0" dirty="0">
+                          <a:solidFill>
+                            <a:srgbClr val="991E1B"/>
+                          </a:solidFill>
+                        </a:rPr>
+                        <a:t> </a:t>
+                      </a:r>
+                      <a:r>
+                        <a:rPr lang="en-US" altLang="zh-CN" sz="1600" baseline="0" dirty="0">
+                          <a:solidFill>
+                            <a:srgbClr val="991E1B"/>
+                          </a:solidFill>
+                        </a:rPr>
+                        <a:t>Notebook,</a:t>
+                      </a:r>
+                      <a:r>
+                        <a:rPr lang="zh-CN" altLang="en-US" sz="1600" baseline="0" dirty="0">
+                          <a:solidFill>
+                            <a:srgbClr val="991E1B"/>
+                          </a:solidFill>
+                        </a:rPr>
+                        <a:t> </a:t>
+                      </a:r>
+                      <a:r>
+                        <a:rPr lang="en-US" altLang="zh-CN" sz="1600" baseline="0" dirty="0">
+                          <a:solidFill>
+                            <a:srgbClr val="991E1B"/>
+                          </a:solidFill>
+                        </a:rPr>
+                        <a:t>Spark,</a:t>
+                      </a:r>
+                      <a:r>
+                        <a:rPr lang="zh-CN" altLang="en-US" sz="1600" baseline="0" dirty="0">
+                          <a:solidFill>
+                            <a:srgbClr val="991E1B"/>
+                          </a:solidFill>
+                        </a:rPr>
+                        <a:t> </a:t>
+                      </a:r>
+                      <a:r>
+                        <a:rPr lang="en-US" altLang="zh-CN" sz="1600" baseline="0" dirty="0">
+                          <a:solidFill>
+                            <a:srgbClr val="991E1B"/>
+                          </a:solidFill>
+                        </a:rPr>
+                        <a:t>Hadoop</a:t>
+                      </a:r>
+                      <a:endParaRPr lang="en-US" sz="1600" i="0" dirty="0">
+                        <a:solidFill>
+                          <a:srgbClr val="991E1B"/>
+                        </a:solidFill>
+                      </a:endParaRPr>
+                    </a:p>
+                  </a:txBody>
+                  <a:tcPr/>
+                </a:tc>
+                <a:extLst>
+                  <a:ext uri="{0D108BD9-81ED-4DB2-BD59-A6C34878D82A}">
+                    <a16:rowId xmlns:a16="http://schemas.microsoft.com/office/drawing/2014/main" val="10003"/>
+                  </a:ext>
+                </a:extLst>
+              </a:tr>
+              <a:tr h="703637">
+                <a:tc>
+                  <a:txBody>
+                    <a:bodyPr/>
+                    <a:lstStyle/>
+                    <a:p>
+                      <a:pPr algn="l"/>
+                      <a:r>
+                        <a:rPr lang="en-US" altLang="zh-CN" sz="1800" dirty="0"/>
+                        <a:t>Access/users</a:t>
+                      </a:r>
+                      <a:endParaRPr lang="en-US" sz="1800" b="1" dirty="0"/>
+                    </a:p>
+                  </a:txBody>
+                  <a:tcPr/>
+                </a:tc>
+                <a:tc>
+                  <a:txBody>
+                    <a:bodyPr/>
+                    <a:lstStyle/>
+                    <a:p>
+                      <a:r>
+                        <a:rPr lang="en-US" altLang="zh-CN" sz="1600" dirty="0">
+                          <a:solidFill>
+                            <a:srgbClr val="4C991D"/>
+                          </a:solidFill>
+                        </a:rPr>
+                        <a:t>Restricted</a:t>
+                      </a:r>
+                      <a:r>
+                        <a:rPr lang="zh-CN" altLang="en-US" sz="1600" baseline="0" dirty="0">
+                          <a:solidFill>
+                            <a:srgbClr val="4C991D"/>
+                          </a:solidFill>
+                        </a:rPr>
+                        <a:t> </a:t>
+                      </a:r>
+                      <a:r>
+                        <a:rPr lang="en-US" altLang="zh-CN" sz="1600" baseline="0" dirty="0">
+                          <a:solidFill>
+                            <a:srgbClr val="4C991D"/>
+                          </a:solidFill>
+                        </a:rPr>
+                        <a:t>access</a:t>
+                      </a:r>
+                      <a:r>
+                        <a:rPr lang="zh-CN" altLang="en-US" sz="1600" baseline="0" dirty="0">
+                          <a:solidFill>
+                            <a:srgbClr val="4C991D"/>
+                          </a:solidFill>
+                        </a:rPr>
+                        <a:t> </a:t>
+                      </a:r>
+                      <a:r>
+                        <a:rPr lang="en-US" altLang="zh-CN" sz="1600" baseline="0" dirty="0">
+                          <a:solidFill>
+                            <a:srgbClr val="4C991D"/>
+                          </a:solidFill>
+                        </a:rPr>
+                        <a:t>to</a:t>
+                      </a:r>
+                      <a:r>
+                        <a:rPr lang="zh-CN" altLang="en-US" sz="1600" baseline="0" dirty="0">
+                          <a:solidFill>
+                            <a:srgbClr val="4C991D"/>
+                          </a:solidFill>
+                        </a:rPr>
+                        <a:t> </a:t>
+                      </a:r>
+                      <a:r>
+                        <a:rPr lang="en-US" altLang="zh-CN" sz="1600" baseline="0" dirty="0">
+                          <a:solidFill>
+                            <a:srgbClr val="4C991D"/>
+                          </a:solidFill>
+                        </a:rPr>
+                        <a:t>and</a:t>
+                      </a:r>
+                      <a:r>
+                        <a:rPr lang="zh-CN" altLang="en-US" sz="1600" baseline="0" dirty="0">
+                          <a:solidFill>
+                            <a:srgbClr val="4C991D"/>
+                          </a:solidFill>
+                        </a:rPr>
+                        <a:t> </a:t>
+                      </a:r>
+                      <a:r>
+                        <a:rPr lang="en-US" altLang="zh-CN" sz="1600" baseline="0" dirty="0">
+                          <a:solidFill>
+                            <a:srgbClr val="4C991D"/>
+                          </a:solidFill>
+                        </a:rPr>
+                        <a:t>control</a:t>
+                      </a:r>
+                      <a:r>
+                        <a:rPr lang="zh-CN" altLang="en-US" sz="1600" baseline="0" dirty="0">
+                          <a:solidFill>
+                            <a:srgbClr val="4C991D"/>
+                          </a:solidFill>
+                        </a:rPr>
+                        <a:t> </a:t>
+                      </a:r>
+                      <a:r>
+                        <a:rPr lang="en-US" altLang="zh-CN" sz="1600" baseline="0" dirty="0">
+                          <a:solidFill>
+                            <a:srgbClr val="4C991D"/>
+                          </a:solidFill>
+                        </a:rPr>
+                        <a:t>by</a:t>
+                      </a:r>
+                      <a:r>
+                        <a:rPr lang="zh-CN" altLang="en-US" sz="1600" baseline="0" dirty="0">
+                          <a:solidFill>
+                            <a:srgbClr val="4C991D"/>
+                          </a:solidFill>
+                        </a:rPr>
+                        <a:t> </a:t>
+                      </a:r>
+                      <a:r>
+                        <a:rPr lang="en-US" altLang="zh-CN" sz="1600" baseline="0" dirty="0">
+                          <a:solidFill>
+                            <a:srgbClr val="4C991D"/>
+                          </a:solidFill>
+                        </a:rPr>
+                        <a:t>project/development</a:t>
+                      </a:r>
+                      <a:r>
+                        <a:rPr lang="zh-CN" altLang="en-US" sz="1600" baseline="0" dirty="0">
+                          <a:solidFill>
+                            <a:srgbClr val="4C991D"/>
+                          </a:solidFill>
+                        </a:rPr>
+                        <a:t> </a:t>
+                      </a:r>
+                      <a:r>
+                        <a:rPr lang="en-US" altLang="zh-CN" sz="1600" baseline="0" dirty="0">
+                          <a:solidFill>
+                            <a:srgbClr val="4C991D"/>
+                          </a:solidFill>
+                        </a:rPr>
+                        <a:t>lead</a:t>
+                      </a:r>
+                      <a:endParaRPr lang="en-US" sz="1600" dirty="0">
+                        <a:solidFill>
+                          <a:srgbClr val="4C991D"/>
+                        </a:solidFill>
+                      </a:endParaRPr>
+                    </a:p>
+                  </a:txBody>
+                  <a:tcPr/>
+                </a:tc>
+                <a:tc>
+                  <a:txBody>
+                    <a:bodyPr/>
+                    <a:lstStyle/>
+                    <a:p>
+                      <a:r>
+                        <a:rPr lang="en-US" altLang="zh-CN" sz="1600" dirty="0">
+                          <a:solidFill>
+                            <a:srgbClr val="991E1B"/>
+                          </a:solidFill>
+                        </a:rPr>
+                        <a:t>Restricted</a:t>
+                      </a:r>
+                      <a:r>
+                        <a:rPr lang="zh-CN" altLang="en-US" sz="1600" dirty="0">
+                          <a:solidFill>
+                            <a:srgbClr val="991E1B"/>
+                          </a:solidFill>
+                        </a:rPr>
+                        <a:t> </a:t>
+                      </a:r>
+                      <a:r>
+                        <a:rPr lang="en-US" altLang="zh-CN" sz="1600" baseline="0" dirty="0">
+                          <a:solidFill>
+                            <a:srgbClr val="991E1B"/>
+                          </a:solidFill>
+                        </a:rPr>
+                        <a:t>and</a:t>
+                      </a:r>
+                      <a:r>
+                        <a:rPr lang="zh-CN" altLang="en-US" sz="1600" baseline="0" dirty="0">
+                          <a:solidFill>
+                            <a:srgbClr val="991E1B"/>
+                          </a:solidFill>
+                        </a:rPr>
+                        <a:t> </a:t>
+                      </a:r>
+                      <a:r>
+                        <a:rPr lang="en-US" altLang="zh-CN" sz="1600" baseline="0" dirty="0">
+                          <a:solidFill>
+                            <a:srgbClr val="991E1B"/>
+                          </a:solidFill>
+                        </a:rPr>
+                        <a:t>u</a:t>
+                      </a:r>
+                      <a:r>
+                        <a:rPr lang="en-US" altLang="zh-CN" sz="1600" dirty="0">
+                          <a:solidFill>
+                            <a:srgbClr val="991E1B"/>
+                          </a:solidFill>
+                        </a:rPr>
+                        <a:t>nrestricted</a:t>
+                      </a:r>
+                      <a:r>
+                        <a:rPr lang="zh-CN" altLang="en-US" sz="1600" baseline="0" dirty="0">
+                          <a:solidFill>
+                            <a:srgbClr val="991E1B"/>
+                          </a:solidFill>
+                        </a:rPr>
+                        <a:t> </a:t>
+                      </a:r>
+                      <a:r>
+                        <a:rPr lang="en-US" altLang="zh-CN" sz="1600" baseline="0" dirty="0">
+                          <a:solidFill>
+                            <a:srgbClr val="991E1B"/>
+                          </a:solidFill>
+                        </a:rPr>
+                        <a:t>access</a:t>
+                      </a:r>
+                      <a:r>
+                        <a:rPr lang="zh-CN" altLang="en-US" sz="1600" baseline="0" dirty="0">
+                          <a:solidFill>
+                            <a:srgbClr val="991E1B"/>
+                          </a:solidFill>
+                        </a:rPr>
+                        <a:t> </a:t>
+                      </a:r>
+                      <a:r>
+                        <a:rPr lang="en-US" altLang="zh-CN" sz="1600" baseline="0" dirty="0">
+                          <a:solidFill>
+                            <a:srgbClr val="991E1B"/>
+                          </a:solidFill>
+                        </a:rPr>
+                        <a:t>to</a:t>
+                      </a:r>
+                      <a:r>
+                        <a:rPr lang="zh-CN" altLang="en-US" sz="1600" baseline="0" dirty="0">
+                          <a:solidFill>
+                            <a:srgbClr val="991E1B"/>
+                          </a:solidFill>
+                        </a:rPr>
+                        <a:t> </a:t>
+                      </a:r>
+                      <a:r>
+                        <a:rPr lang="en-US" altLang="zh-CN" sz="1600" baseline="0" dirty="0">
+                          <a:solidFill>
+                            <a:srgbClr val="991E1B"/>
+                          </a:solidFill>
+                        </a:rPr>
+                        <a:t>and</a:t>
+                      </a:r>
+                      <a:r>
+                        <a:rPr lang="zh-CN" altLang="en-US" sz="1600" baseline="0" dirty="0">
+                          <a:solidFill>
+                            <a:srgbClr val="991E1B"/>
+                          </a:solidFill>
+                        </a:rPr>
+                        <a:t> </a:t>
+                      </a:r>
+                      <a:r>
+                        <a:rPr lang="en-US" altLang="zh-CN" sz="1600" baseline="0" dirty="0">
+                          <a:solidFill>
+                            <a:srgbClr val="991E1B"/>
+                          </a:solidFill>
+                        </a:rPr>
+                        <a:t>control</a:t>
+                      </a:r>
+                      <a:r>
+                        <a:rPr lang="zh-CN" altLang="en-US" sz="1600" baseline="0" dirty="0">
+                          <a:solidFill>
+                            <a:srgbClr val="991E1B"/>
+                          </a:solidFill>
+                        </a:rPr>
+                        <a:t> </a:t>
+                      </a:r>
+                      <a:r>
+                        <a:rPr lang="en-US" altLang="zh-CN" sz="1600" baseline="0" dirty="0">
+                          <a:solidFill>
+                            <a:srgbClr val="991E1B"/>
+                          </a:solidFill>
+                        </a:rPr>
+                        <a:t>by</a:t>
+                      </a:r>
+                      <a:r>
+                        <a:rPr lang="zh-CN" altLang="en-US" sz="1600" baseline="0" dirty="0">
+                          <a:solidFill>
+                            <a:srgbClr val="991E1B"/>
+                          </a:solidFill>
+                        </a:rPr>
+                        <a:t> </a:t>
+                      </a:r>
+                      <a:r>
+                        <a:rPr lang="en-US" altLang="zh-CN" sz="1600" baseline="0" dirty="0">
+                          <a:solidFill>
+                            <a:srgbClr val="991E1B"/>
+                          </a:solidFill>
+                        </a:rPr>
+                        <a:t>ACE</a:t>
+                      </a:r>
+                      <a:r>
+                        <a:rPr lang="zh-CN" altLang="en-US" sz="1600" baseline="0" dirty="0">
+                          <a:solidFill>
+                            <a:srgbClr val="991E1B"/>
+                          </a:solidFill>
+                        </a:rPr>
+                        <a:t> </a:t>
+                      </a:r>
+                      <a:r>
+                        <a:rPr lang="en-US" altLang="zh-CN" sz="1600" baseline="0" dirty="0">
+                          <a:solidFill>
+                            <a:srgbClr val="991E1B"/>
+                          </a:solidFill>
+                        </a:rPr>
+                        <a:t>users</a:t>
+                      </a:r>
+                      <a:endParaRPr lang="en-US" sz="1600" i="0" dirty="0">
+                        <a:solidFill>
+                          <a:srgbClr val="991E1B"/>
+                        </a:solidFill>
+                      </a:endParaRPr>
+                    </a:p>
+                  </a:txBody>
+                  <a:tcPr/>
+                </a:tc>
+                <a:extLst>
+                  <a:ext uri="{0D108BD9-81ED-4DB2-BD59-A6C34878D82A}">
+                    <a16:rowId xmlns:a16="http://schemas.microsoft.com/office/drawing/2014/main" val="10004"/>
+                  </a:ext>
+                </a:extLst>
+              </a:tr>
+            </a:tbl>
+          </a:graphicData>
+        </a:graphic>
+      </p:graphicFrame>
     </p:spTree>
     <p:extLst>
       <p:ext uri="{BB962C8B-B14F-4D97-AF65-F5344CB8AC3E}">
-        <p14:creationId xmlns:p14="http://schemas.microsoft.com/office/powerpoint/2010/main" val="740928671"/>
+        <p14:creationId xmlns:p14="http://schemas.microsoft.com/office/powerpoint/2010/main" val="422453428"/>
       </p:ext>
     </p:extLst>
   </p:cSld>

--- a/Analytics_server_setup_v3.pptx
+++ b/Analytics_server_setup_v3.pptx
@@ -6,20 +6,21 @@
     <p:sldMasterId id="2147483660" r:id="rId2"/>
   </p:sldMasterIdLst>
   <p:notesMasterIdLst>
-    <p:notesMasterId r:id="rId14"/>
+    <p:notesMasterId r:id="rId15"/>
   </p:notesMasterIdLst>
   <p:sldIdLst>
     <p:sldId id="256" r:id="rId3"/>
     <p:sldId id="277" r:id="rId4"/>
-    <p:sldId id="257" r:id="rId5"/>
-    <p:sldId id="276" r:id="rId6"/>
-    <p:sldId id="279" r:id="rId7"/>
-    <p:sldId id="273" r:id="rId8"/>
-    <p:sldId id="272" r:id="rId9"/>
-    <p:sldId id="271" r:id="rId10"/>
-    <p:sldId id="278" r:id="rId11"/>
-    <p:sldId id="266" r:id="rId12"/>
-    <p:sldId id="275" r:id="rId13"/>
+    <p:sldId id="284" r:id="rId5"/>
+    <p:sldId id="257" r:id="rId6"/>
+    <p:sldId id="276" r:id="rId7"/>
+    <p:sldId id="279" r:id="rId8"/>
+    <p:sldId id="280" r:id="rId9"/>
+    <p:sldId id="281" r:id="rId10"/>
+    <p:sldId id="283" r:id="rId11"/>
+    <p:sldId id="282" r:id="rId12"/>
+    <p:sldId id="271" r:id="rId13"/>
+    <p:sldId id="266" r:id="rId14"/>
   </p:sldIdLst>
   <p:sldSz cx="12192000" cy="6858000"/>
   <p:notesSz cx="6858000" cy="9144000"/>
@@ -662,6 +663,7 @@
   <p:clrMapOvr>
     <a:masterClrMapping/>
   </p:clrMapOvr>
+  <p:transition spd="slow"/>
 </p:sldLayout>
 </file>
 
@@ -830,6 +832,7 @@
   <p:clrMapOvr>
     <a:masterClrMapping/>
   </p:clrMapOvr>
+  <p:transition spd="slow"/>
 </p:sldLayout>
 </file>
 
@@ -1008,6 +1011,7 @@
   <p:clrMapOvr>
     <a:masterClrMapping/>
   </p:clrMapOvr>
+  <p:transition spd="slow"/>
 </p:sldLayout>
 </file>
 
@@ -2182,6 +2186,7 @@
   <p:clrMapOvr>
     <a:masterClrMapping/>
   </p:clrMapOvr>
+  <p:transition spd="slow"/>
 </p:sldLayout>
 </file>
 
@@ -2350,6 +2355,7 @@
   <p:clrMapOvr>
     <a:masterClrMapping/>
   </p:clrMapOvr>
+  <p:transition spd="slow"/>
 </p:sldLayout>
 </file>
 
@@ -2595,6 +2601,7 @@
   <p:clrMapOvr>
     <a:masterClrMapping/>
   </p:clrMapOvr>
+  <p:transition spd="slow"/>
 </p:sldLayout>
 </file>
 
@@ -2824,6 +2831,7 @@
   <p:clrMapOvr>
     <a:masterClrMapping/>
   </p:clrMapOvr>
+  <p:transition spd="slow"/>
 </p:sldLayout>
 </file>
 
@@ -3188,6 +3196,7 @@
   <p:clrMapOvr>
     <a:masterClrMapping/>
   </p:clrMapOvr>
+  <p:transition spd="slow"/>
 </p:sldLayout>
 </file>
 
@@ -3305,6 +3314,7 @@
   <p:clrMapOvr>
     <a:masterClrMapping/>
   </p:clrMapOvr>
+  <p:transition spd="slow"/>
 </p:sldLayout>
 </file>
 
@@ -3400,6 +3410,7 @@
   <p:clrMapOvr>
     <a:masterClrMapping/>
   </p:clrMapOvr>
+  <p:transition spd="slow"/>
 </p:sldLayout>
 </file>
 
@@ -3675,6 +3686,7 @@
   <p:clrMapOvr>
     <a:masterClrMapping/>
   </p:clrMapOvr>
+  <p:transition spd="slow"/>
 </p:sldLayout>
 </file>
 
@@ -3927,6 +3939,7 @@
   <p:clrMapOvr>
     <a:masterClrMapping/>
   </p:clrMapOvr>
+  <p:transition spd="slow"/>
 </p:sldLayout>
 </file>
 
@@ -4185,6 +4198,7 @@
     <p:sldLayoutId id="2147483658" r:id="rId10"/>
     <p:sldLayoutId id="2147483659" r:id="rId11"/>
   </p:sldLayoutIdLst>
+  <p:transition spd="slow"/>
   <p:txStyles>
     <p:titleStyle>
       <a:lvl1pPr algn="l" defTabSz="914400" rtl="0" eaLnBrk="1" latinLnBrk="0" hangingPunct="1">
@@ -5840,6 +5854,166 @@
       </p:grpSpPr>
       <p:sp>
         <p:nvSpPr>
+          <p:cNvPr id="2" name="Title 1">
+            <a:extLst>
+              <a:ext uri="{FF2B5EF4-FFF2-40B4-BE49-F238E27FC236}">
+                <a16:creationId xmlns:a16="http://schemas.microsoft.com/office/drawing/2014/main" id="{CA739CB1-A170-014E-AE7B-B75A67B1815F}"/>
+              </a:ext>
+            </a:extLst>
+          </p:cNvPr>
+          <p:cNvSpPr>
+            <a:spLocks noGrp="1"/>
+          </p:cNvSpPr>
+          <p:nvPr>
+            <p:ph type="title"/>
+          </p:nvPr>
+        </p:nvSpPr>
+        <p:spPr/>
+        <p:txBody>
+          <a:bodyPr/>
+          <a:lstStyle/>
+          <a:p>
+            <a:r>
+              <a:rPr lang="en-US" altLang="zh-Hans" dirty="0"/>
+              <a:t>Solutions</a:t>
+            </a:r>
+            <a:endParaRPr lang="en-US" dirty="0"/>
+          </a:p>
+        </p:txBody>
+      </p:sp>
+      <p:sp>
+        <p:nvSpPr>
+          <p:cNvPr id="3" name="Content Placeholder 2">
+            <a:extLst>
+              <a:ext uri="{FF2B5EF4-FFF2-40B4-BE49-F238E27FC236}">
+                <a16:creationId xmlns:a16="http://schemas.microsoft.com/office/drawing/2014/main" id="{A48C84E0-77FB-9641-B127-2B8A90361722}"/>
+              </a:ext>
+            </a:extLst>
+          </p:cNvPr>
+          <p:cNvSpPr>
+            <a:spLocks noGrp="1"/>
+          </p:cNvSpPr>
+          <p:nvPr>
+            <p:ph idx="12"/>
+          </p:nvPr>
+        </p:nvSpPr>
+        <p:spPr/>
+        <p:style>
+          <a:lnRef idx="2">
+            <a:schemeClr val="accent1"/>
+          </a:lnRef>
+          <a:fillRef idx="1">
+            <a:schemeClr val="lt1"/>
+          </a:fillRef>
+          <a:effectRef idx="0">
+            <a:schemeClr val="accent1"/>
+          </a:effectRef>
+          <a:fontRef idx="minor">
+            <a:schemeClr val="dk1"/>
+          </a:fontRef>
+        </p:style>
+        <p:txBody>
+          <a:bodyPr/>
+          <a:lstStyle/>
+          <a:p>
+            <a:r>
+              <a:rPr lang="en-US" altLang="zh-CN" sz="2400" dirty="0"/>
+              <a:t>Compliance:</a:t>
+            </a:r>
+            <a:r>
+              <a:rPr lang="zh-CN" altLang="en-US" sz="2400" dirty="0"/>
+              <a:t> </a:t>
+            </a:r>
+            <a:r>
+              <a:rPr lang="en-US" altLang="zh-CN" sz="2400" dirty="0"/>
+              <a:t>HIPAA and general client data guidelines</a:t>
+            </a:r>
+          </a:p>
+          <a:p>
+            <a:endParaRPr lang="en-US" altLang="zh-CN" sz="2400" dirty="0"/>
+          </a:p>
+          <a:p>
+            <a:pPr lvl="1"/>
+            <a:r>
+              <a:rPr lang="en-US" sz="2000" dirty="0"/>
+              <a:t>Ensure the confidentiality, integrity, and availability of all e-PHI they create, receive, maintain or transmit</a:t>
+            </a:r>
+          </a:p>
+          <a:p>
+            <a:pPr lvl="1"/>
+            <a:endParaRPr lang="en-US" sz="2000" dirty="0"/>
+          </a:p>
+          <a:p>
+            <a:pPr lvl="1"/>
+            <a:r>
+              <a:rPr lang="en-US" sz="2000" dirty="0"/>
+              <a:t>Identify and protect against reasonably anticipated threats to the security or integrity of the information</a:t>
+            </a:r>
+          </a:p>
+          <a:p>
+            <a:pPr lvl="1"/>
+            <a:endParaRPr lang="en-US" sz="2000" dirty="0"/>
+          </a:p>
+          <a:p>
+            <a:pPr lvl="1"/>
+            <a:r>
+              <a:rPr lang="en-US" sz="2000" dirty="0"/>
+              <a:t>Protect against reasonably anticipated, impermissible uses or disclosures; and</a:t>
+            </a:r>
+          </a:p>
+          <a:p>
+            <a:pPr lvl="2"/>
+            <a:r>
+              <a:rPr lang="en-US" sz="1800" dirty="0"/>
+              <a:t>Ensure compliance by their workforce</a:t>
+            </a:r>
+          </a:p>
+          <a:p>
+            <a:pPr lvl="1"/>
+            <a:endParaRPr lang="en-US" altLang="zh-CN" sz="2100" dirty="0"/>
+          </a:p>
+          <a:p>
+            <a:pPr lvl="1"/>
+            <a:endParaRPr lang="en-US" altLang="zh-Hans" sz="2100" dirty="0"/>
+          </a:p>
+          <a:p>
+            <a:endParaRPr lang="en-US" dirty="0"/>
+          </a:p>
+        </p:txBody>
+      </p:sp>
+    </p:spTree>
+    <p:extLst>
+      <p:ext uri="{BB962C8B-B14F-4D97-AF65-F5344CB8AC3E}">
+        <p14:creationId xmlns:p14="http://schemas.microsoft.com/office/powerpoint/2010/main" val="3267891765"/>
+      </p:ext>
+    </p:extLst>
+  </p:cSld>
+  <p:clrMapOvr>
+    <a:masterClrMapping/>
+  </p:clrMapOvr>
+  <p:transition spd="slow"/>
+</p:sld>
+</file>
+
+<file path=ppt/slides/slide11.xml><?xml version="1.0" encoding="utf-8"?>
+<p:sld xmlns:a="http://schemas.openxmlformats.org/drawingml/2006/main" xmlns:r="http://schemas.openxmlformats.org/officeDocument/2006/relationships" xmlns:p="http://schemas.openxmlformats.org/presentationml/2006/main">
+  <p:cSld>
+    <p:spTree>
+      <p:nvGrpSpPr>
+        <p:cNvPr id="1" name=""/>
+        <p:cNvGrpSpPr/>
+        <p:nvPr/>
+      </p:nvGrpSpPr>
+      <p:grpSpPr>
+        <a:xfrm>
+          <a:off x="0" y="0"/>
+          <a:ext cx="0" cy="0"/>
+          <a:chOff x="0" y="0"/>
+          <a:chExt cx="0" cy="0"/>
+        </a:xfrm>
+      </p:grpSpPr>
+      <p:sp>
+        <p:nvSpPr>
           <p:cNvPr id="2" name="Title 1"/>
           <p:cNvSpPr>
             <a:spLocks noGrp="1"/>
@@ -5855,7 +6029,7 @@
           <a:p>
             <a:r>
               <a:rPr lang="en-US" altLang="zh-CN" dirty="0"/>
-              <a:t>Development</a:t>
+              <a:t>Benefit</a:t>
             </a:r>
             <a:r>
               <a:rPr lang="zh-CN" altLang="en-US" dirty="0"/>
@@ -5863,7 +6037,7 @@
             </a:r>
             <a:r>
               <a:rPr lang="en-US" altLang="zh-CN" dirty="0"/>
-              <a:t>vs.</a:t>
+              <a:t>of</a:t>
             </a:r>
             <a:r>
               <a:rPr lang="zh-CN" altLang="en-US" dirty="0"/>
@@ -5871,15 +6045,141 @@
             </a:r>
             <a:r>
               <a:rPr lang="en-US" altLang="zh-CN" dirty="0"/>
-              <a:t>Sandbox</a:t>
+              <a:t>Docker</a:t>
+            </a:r>
+            <a:endParaRPr lang="en-US" dirty="0"/>
+          </a:p>
+        </p:txBody>
+      </p:sp>
+      <p:sp>
+        <p:nvSpPr>
+          <p:cNvPr id="3" name="Content Placeholder 2"/>
+          <p:cNvSpPr>
+            <a:spLocks noGrp="1"/>
+          </p:cNvSpPr>
+          <p:nvPr>
+            <p:ph idx="12"/>
+          </p:nvPr>
+        </p:nvSpPr>
+        <p:spPr/>
+        <p:txBody>
+          <a:bodyPr/>
+          <a:lstStyle/>
+          <a:p>
+            <a:r>
+              <a:rPr lang="en-US" altLang="zh-CN" sz="2400" dirty="0"/>
+              <a:t>Standardization</a:t>
+            </a:r>
+          </a:p>
+          <a:p>
+            <a:pPr lvl="1"/>
+            <a:r>
+              <a:rPr lang="en-US" sz="2000" dirty="0"/>
+              <a:t>Rather than building a new environment for every analysis, </a:t>
+            </a:r>
+            <a:r>
+              <a:rPr lang="en-US" altLang="zh-CN" sz="2000" dirty="0"/>
+              <a:t>you</a:t>
+            </a:r>
+            <a:r>
+              <a:rPr lang="zh-CN" altLang="en-US" sz="2000" dirty="0"/>
+              <a:t> </a:t>
+            </a:r>
+            <a:r>
+              <a:rPr lang="en-US" sz="2000" dirty="0"/>
+              <a:t>can put the tools and packages required for certain types of analyses (e.g., SAS, python, etc.) into a container, create an image of that container, and have every user boot up an isolated, standardized environment from that image</a:t>
+            </a:r>
+            <a:endParaRPr lang="en-US" altLang="zh-CN" sz="2000" dirty="0"/>
+          </a:p>
+          <a:p>
+            <a:pPr lvl="1"/>
+            <a:endParaRPr lang="en-US" dirty="0"/>
+          </a:p>
+          <a:p>
+            <a:r>
+              <a:rPr lang="en-US" altLang="zh-CN" sz="2400" dirty="0"/>
+              <a:t>Reproducibility</a:t>
             </a:r>
             <a:r>
               <a:rPr lang="zh-CN" altLang="en-US" dirty="0"/>
               <a:t> </a:t>
             </a:r>
+            <a:endParaRPr lang="en-US" altLang="zh-CN" dirty="0"/>
+          </a:p>
+          <a:p>
+            <a:pPr lvl="1"/>
+            <a:r>
+              <a:rPr lang="en-US" sz="2000" dirty="0"/>
+              <a:t>Docker provides an easy way to share working environments including libraries and drivers. This </a:t>
+            </a:r>
+            <a:r>
+              <a:rPr lang="en-US" altLang="zh-CN" sz="2000" dirty="0"/>
+              <a:t>allows</a:t>
+            </a:r>
+            <a:r>
+              <a:rPr lang="zh-CN" altLang="en-US" sz="2000" dirty="0"/>
+              <a:t> </a:t>
+            </a:r>
+            <a:r>
+              <a:rPr lang="en-US" sz="2000" dirty="0"/>
+              <a:t>reproducible data science workflows</a:t>
+            </a:r>
+          </a:p>
+          <a:p>
+            <a:pPr lvl="1"/>
+            <a:endParaRPr lang="en-US" dirty="0"/>
+          </a:p>
+        </p:txBody>
+      </p:sp>
+    </p:spTree>
+    <p:extLst>
+      <p:ext uri="{BB962C8B-B14F-4D97-AF65-F5344CB8AC3E}">
+        <p14:creationId xmlns:p14="http://schemas.microsoft.com/office/powerpoint/2010/main" val="1068932571"/>
+      </p:ext>
+    </p:extLst>
+  </p:cSld>
+  <p:clrMapOvr>
+    <a:masterClrMapping/>
+  </p:clrMapOvr>
+  <p:transition spd="slow"/>
+</p:sld>
+</file>
+
+<file path=ppt/slides/slide12.xml><?xml version="1.0" encoding="utf-8"?>
+<p:sld xmlns:a="http://schemas.openxmlformats.org/drawingml/2006/main" xmlns:r="http://schemas.openxmlformats.org/officeDocument/2006/relationships" xmlns:p="http://schemas.openxmlformats.org/presentationml/2006/main">
+  <p:cSld>
+    <p:spTree>
+      <p:nvGrpSpPr>
+        <p:cNvPr id="1" name=""/>
+        <p:cNvGrpSpPr/>
+        <p:nvPr/>
+      </p:nvGrpSpPr>
+      <p:grpSpPr>
+        <a:xfrm>
+          <a:off x="0" y="0"/>
+          <a:ext cx="0" cy="0"/>
+          <a:chOff x="0" y="0"/>
+          <a:chExt cx="0" cy="0"/>
+        </a:xfrm>
+      </p:grpSpPr>
+      <p:sp>
+        <p:nvSpPr>
+          <p:cNvPr id="2" name="Title 1"/>
+          <p:cNvSpPr>
+            <a:spLocks noGrp="1"/>
+          </p:cNvSpPr>
+          <p:nvPr>
+            <p:ph type="title"/>
+          </p:nvPr>
+        </p:nvSpPr>
+        <p:spPr/>
+        <p:txBody>
+          <a:bodyPr/>
+          <a:lstStyle/>
+          <a:p>
             <a:r>
               <a:rPr lang="en-US" altLang="zh-CN" dirty="0"/>
-              <a:t>server: specs</a:t>
+              <a:t>Development vs. Sandbox Server</a:t>
             </a:r>
             <a:endParaRPr lang="en-US" dirty="0"/>
           </a:p>
@@ -5895,14 +6195,14 @@
             <p:ph idx="12"/>
             <p:extLst>
               <p:ext uri="{D42A27DB-BD31-4B8C-83A1-F6EECF244321}">
-                <p14:modId xmlns:p14="http://schemas.microsoft.com/office/powerpoint/2010/main" val="926945899"/>
+                <p14:modId xmlns:p14="http://schemas.microsoft.com/office/powerpoint/2010/main" val="2592682188"/>
               </p:ext>
             </p:extLst>
           </p:nvPr>
         </p:nvGraphicFramePr>
         <p:xfrm>
-          <a:off x="609600" y="1601789"/>
-          <a:ext cx="10972800" cy="3732211"/>
+          <a:off x="609600" y="1413103"/>
+          <a:ext cx="10972800" cy="4616482"/>
         </p:xfrm>
         <a:graphic>
           <a:graphicData uri="http://schemas.openxmlformats.org/drawingml/2006/table">
@@ -5918,14 +6218,14 @@
                     </a:ext>
                   </a:extLst>
                 </a:gridCol>
-                <a:gridCol w="4330700">
+                <a:gridCol w="4119432">
                   <a:extLst>
                     <a:ext uri="{9D8B030D-6E8A-4147-A177-3AD203B41FA5}">
                       <a16:colId xmlns:a16="http://schemas.microsoft.com/office/drawing/2014/main" val="20001"/>
                     </a:ext>
                   </a:extLst>
                 </a:gridCol>
-                <a:gridCol w="4292600">
+                <a:gridCol w="4503868">
                   <a:extLst>
                     <a:ext uri="{9D8B030D-6E8A-4147-A177-3AD203B41FA5}">
                       <a16:colId xmlns:a16="http://schemas.microsoft.com/office/drawing/2014/main" val="20002"/>
@@ -5996,7 +6296,126 @@
                   </a:ext>
                 </a:extLst>
               </a:tr>
-              <a:tr h="402271">
+              <a:tr h="379762">
+                <a:tc>
+                  <a:txBody>
+                    <a:bodyPr/>
+                    <a:lstStyle/>
+                    <a:p>
+                      <a:pPr algn="l"/>
+                      <a:r>
+                        <a:rPr lang="en-US" altLang="zh-CN" sz="1800" dirty="0"/>
+                        <a:t>Timing</a:t>
+                      </a:r>
+                      <a:endParaRPr lang="en-US" sz="1800" b="1" dirty="0"/>
+                    </a:p>
+                  </a:txBody>
+                  <a:tcPr/>
+                </a:tc>
+                <a:tc>
+                  <a:txBody>
+                    <a:bodyPr/>
+                    <a:lstStyle/>
+                    <a:p>
+                      <a:r>
+                        <a:rPr lang="en-US" sz="1600" dirty="0">
+                          <a:solidFill>
+                            <a:srgbClr val="4C991D"/>
+                          </a:solidFill>
+                        </a:rPr>
+                        <a:t>Completed</a:t>
+                      </a:r>
+                    </a:p>
+                  </a:txBody>
+                  <a:tcPr/>
+                </a:tc>
+                <a:tc>
+                  <a:txBody>
+                    <a:bodyPr/>
+                    <a:lstStyle/>
+                    <a:p>
+                      <a:r>
+                        <a:rPr lang="en-US" altLang="zh-CN" sz="1600" dirty="0">
+                          <a:solidFill>
+                            <a:srgbClr val="991E1B"/>
+                          </a:solidFill>
+                        </a:rPr>
+                        <a:t>Mid-late February</a:t>
+                      </a:r>
+                      <a:endParaRPr lang="en-US" sz="1600" dirty="0">
+                        <a:solidFill>
+                          <a:srgbClr val="991E1B"/>
+                        </a:solidFill>
+                      </a:endParaRPr>
+                    </a:p>
+                  </a:txBody>
+                  <a:tcPr/>
+                </a:tc>
+                <a:extLst>
+                  <a:ext uri="{0D108BD9-81ED-4DB2-BD59-A6C34878D82A}">
+                    <a16:rowId xmlns:a16="http://schemas.microsoft.com/office/drawing/2014/main" val="2377118059"/>
+                  </a:ext>
+                </a:extLst>
+              </a:tr>
+              <a:tr h="145304">
+                <a:tc>
+                  <a:txBody>
+                    <a:bodyPr/>
+                    <a:lstStyle/>
+                    <a:p>
+                      <a:pPr algn="l"/>
+                      <a:r>
+                        <a:rPr lang="en-US" altLang="zh-CN" sz="1800" dirty="0"/>
+                        <a:t>Data</a:t>
+                      </a:r>
+                      <a:r>
+                        <a:rPr lang="zh-CN" altLang="en-US" sz="1800" dirty="0"/>
+                        <a:t> </a:t>
+                      </a:r>
+                      <a:r>
+                        <a:rPr lang="en-US" altLang="zh-CN" sz="1800" dirty="0"/>
+                        <a:t>restrictions</a:t>
+                      </a:r>
+                      <a:endParaRPr lang="en-US" sz="1800" b="1" dirty="0"/>
+                    </a:p>
+                  </a:txBody>
+                  <a:tcPr/>
+                </a:tc>
+                <a:tc>
+                  <a:txBody>
+                    <a:bodyPr/>
+                    <a:lstStyle/>
+                    <a:p>
+                      <a:r>
+                        <a:rPr lang="en-US" altLang="zh-CN" sz="1600" dirty="0"/>
+                        <a:t>General HIPAA, client data guidelines</a:t>
+                      </a:r>
+                      <a:endParaRPr lang="en-US" sz="1600" dirty="0"/>
+                    </a:p>
+                  </a:txBody>
+                  <a:tcPr/>
+                </a:tc>
+                <a:tc>
+                  <a:txBody>
+                    <a:bodyPr/>
+                    <a:lstStyle/>
+                    <a:p>
+                      <a:r>
+                        <a:rPr lang="en-US" altLang="zh-CN" sz="1600" dirty="0"/>
+                        <a:t>General HIPAA, client data guidelines</a:t>
+                      </a:r>
+                      <a:endParaRPr lang="en-US" sz="1600" dirty="0"/>
+                    </a:p>
+                  </a:txBody>
+                  <a:tcPr/>
+                </a:tc>
+                <a:extLst>
+                  <a:ext uri="{0D108BD9-81ED-4DB2-BD59-A6C34878D82A}">
+                    <a16:rowId xmlns:a16="http://schemas.microsoft.com/office/drawing/2014/main" val="2208181260"/>
+                  </a:ext>
+                </a:extLst>
+              </a:tr>
+              <a:tr h="0">
                 <a:tc>
                   <a:txBody>
                     <a:bodyPr/>
@@ -6258,7 +6677,7 @@
                   </a:ext>
                 </a:extLst>
               </a:tr>
-              <a:tr h="444500">
+              <a:tr h="194473">
                 <a:tc>
                   <a:txBody>
                     <a:bodyPr/>
@@ -6307,55 +6726,7 @@
                             <a:srgbClr val="991E1B"/>
                           </a:solidFill>
                         </a:rPr>
-                        <a:t>1-2TB</a:t>
-                      </a:r>
-                      <a:r>
-                        <a:rPr lang="zh-CN" altLang="en-US" sz="1600" dirty="0">
-                          <a:solidFill>
-                            <a:srgbClr val="991E1B"/>
-                          </a:solidFill>
-                        </a:rPr>
-                        <a:t> </a:t>
-                      </a:r>
-                      <a:r>
-                        <a:rPr lang="en-US" altLang="zh-CN" sz="1600" dirty="0">
-                          <a:solidFill>
-                            <a:srgbClr val="991E1B"/>
-                          </a:solidFill>
-                        </a:rPr>
-                        <a:t>(must</a:t>
-                      </a:r>
-                      <a:r>
-                        <a:rPr lang="zh-CN" altLang="en-US" sz="1600" dirty="0">
-                          <a:solidFill>
-                            <a:srgbClr val="991E1B"/>
-                          </a:solidFill>
-                        </a:rPr>
-                        <a:t> </a:t>
-                      </a:r>
-                      <a:r>
-                        <a:rPr lang="en-US" altLang="zh-CN" sz="1600" dirty="0">
-                          <a:solidFill>
-                            <a:srgbClr val="991E1B"/>
-                          </a:solidFill>
-                        </a:rPr>
-                        <a:t>be</a:t>
-                      </a:r>
-                      <a:r>
-                        <a:rPr lang="zh-CN" altLang="en-US" sz="1600" dirty="0">
-                          <a:solidFill>
-                            <a:srgbClr val="991E1B"/>
-                          </a:solidFill>
-                        </a:rPr>
-                        <a:t> </a:t>
-                      </a:r>
-                      <a:r>
-                        <a:rPr lang="en-US" altLang="zh-CN" sz="1600" dirty="0">
-                          <a:solidFill>
-                            <a:srgbClr val="991E1B"/>
-                          </a:solidFill>
-                        </a:rPr>
-                        <a:t>scalable)</a:t>
+                        <a:t>12TB</a:t>
                       </a:r>
                       <a:endParaRPr lang="en-US" sz="1600" dirty="0">
                         <a:solidFill>
@@ -6372,7 +6743,7 @@
                   </a:ext>
                 </a:extLst>
               </a:tr>
-              <a:tr h="431800">
+              <a:tr h="202840">
                 <a:tc>
                   <a:txBody>
                     <a:bodyPr/>
@@ -6421,15 +6792,7 @@
                             <a:srgbClr val="991E1B"/>
                           </a:solidFill>
                         </a:rPr>
-                        <a:t>256GB per</a:t>
-                      </a:r>
-                      <a:r>
-                        <a:rPr lang="en-US" altLang="zh-CN" sz="1600" baseline="0" dirty="0">
-                          <a:solidFill>
-                            <a:srgbClr val="991E1B"/>
-                          </a:solidFill>
-                        </a:rPr>
-                        <a:t> virtual machine</a:t>
+                        <a:t>512GB</a:t>
                       </a:r>
                       <a:endParaRPr lang="en-US" sz="1600" dirty="0">
                         <a:solidFill>
@@ -6446,7 +6809,7 @@
                   </a:ext>
                 </a:extLst>
               </a:tr>
-              <a:tr h="685800">
+              <a:tr h="217364">
                 <a:tc>
                   <a:txBody>
                     <a:bodyPr/>
@@ -6568,7 +6931,7 @@
                   </a:ext>
                 </a:extLst>
               </a:tr>
-              <a:tr h="685800">
+              <a:tr h="227343">
                 <a:tc>
                   <a:txBody>
                     <a:bodyPr/>
@@ -6577,7 +6940,7 @@
                       <a:pPr algn="l"/>
                       <a:r>
                         <a:rPr lang="en-US" altLang="zh-CN" sz="1800" b="0" dirty="0"/>
-                        <a:t>Path</a:t>
+                        <a:t>Data</a:t>
                       </a:r>
                       <a:r>
                         <a:rPr lang="zh-CN" altLang="en-US" sz="1800" b="0" dirty="0"/>
@@ -6585,23 +6948,7 @@
                       </a:r>
                       <a:r>
                         <a:rPr lang="en-US" altLang="zh-CN" sz="1800" b="0" dirty="0"/>
-                        <a:t>to</a:t>
-                      </a:r>
-                      <a:r>
-                        <a:rPr lang="zh-CN" altLang="en-US" sz="1800" b="0" dirty="0"/>
-                        <a:t> </a:t>
-                      </a:r>
-                      <a:r>
-                        <a:rPr lang="en-US" altLang="zh-CN" sz="1800" b="0" dirty="0"/>
-                        <a:t>existing</a:t>
-                      </a:r>
-                      <a:r>
-                        <a:rPr lang="zh-CN" altLang="en-US" sz="1800" b="0" baseline="0" dirty="0"/>
-                        <a:t> </a:t>
-                      </a:r>
-                      <a:r>
-                        <a:rPr lang="en-US" altLang="zh-CN" sz="1800" b="0" baseline="0" dirty="0"/>
-                        <a:t>server/model</a:t>
+                        <a:t>access</a:t>
                       </a:r>
                       <a:endParaRPr lang="en-US" sz="1800" b="0" dirty="0"/>
                     </a:p>
@@ -6615,15 +6962,7 @@
                     <a:p>
                       <a:r>
                         <a:rPr lang="en-US" altLang="zh-CN" sz="1600" dirty="0"/>
-                        <a:t>SFTP</a:t>
-                      </a:r>
-                      <a:r>
-                        <a:rPr lang="zh-CN" altLang="en-US" sz="1600" dirty="0"/>
-                        <a:t> </a:t>
-                      </a:r>
-                      <a:r>
-                        <a:rPr lang="en-US" altLang="zh-CN" sz="1600" dirty="0"/>
-                        <a:t>tunnel</a:t>
+                        <a:t>NA</a:t>
                       </a:r>
                       <a:endParaRPr lang="en-US" sz="1600" dirty="0"/>
                     </a:p>
@@ -6637,19 +6976,8 @@
                     <a:p>
                       <a:r>
                         <a:rPr lang="en-US" altLang="zh-CN" sz="1600" dirty="0"/>
-                        <a:t>SFTP</a:t>
-                      </a:r>
-                      <a:r>
-                        <a:rPr lang="zh-CN" altLang="en-US" sz="1600" dirty="0"/>
-                        <a:t> </a:t>
-                      </a:r>
-                      <a:r>
-                        <a:rPr lang="en-US" altLang="zh-CN" sz="1600" dirty="0"/>
-                        <a:t>tunnel</a:t>
-                      </a:r>
-                      <a:endParaRPr lang="en-US" sz="1600" dirty="0"/>
-                    </a:p>
-                    <a:p>
+                        <a:t>NFTS mount to 0852 and 1465 server</a:t>
+                      </a:r>
                       <a:endParaRPr lang="en-US" sz="1600" dirty="0"/>
                     </a:p>
                   </a:txBody>
@@ -6657,7 +6985,7 @@
                 </a:tc>
                 <a:extLst>
                   <a:ext uri="{0D108BD9-81ED-4DB2-BD59-A6C34878D82A}">
-                    <a16:rowId xmlns:a16="http://schemas.microsoft.com/office/drawing/2014/main" val="10005"/>
+                    <a16:rowId xmlns:a16="http://schemas.microsoft.com/office/drawing/2014/main" val="10006"/>
                   </a:ext>
                 </a:extLst>
               </a:tr>
@@ -6669,18 +6997,30 @@
                     <a:p>
                       <a:pPr algn="l"/>
                       <a:r>
-                        <a:rPr lang="en-US" altLang="zh-CN" sz="1800" b="0" dirty="0"/>
-                        <a:t>Data</a:t>
-                      </a:r>
-                      <a:r>
-                        <a:rPr lang="zh-CN" altLang="en-US" sz="1800" b="0" dirty="0"/>
+                        <a:rPr lang="en-US" altLang="zh-CN" sz="1800" dirty="0"/>
+                        <a:t>3</a:t>
+                      </a:r>
+                      <a:r>
+                        <a:rPr lang="en-US" altLang="zh-CN" sz="1800" baseline="30000" dirty="0"/>
+                        <a:t>rd</a:t>
+                      </a:r>
+                      <a:r>
+                        <a:rPr lang="zh-CN" altLang="en-US" sz="1800" baseline="0" dirty="0"/>
                         <a:t> </a:t>
                       </a:r>
                       <a:r>
-                        <a:rPr lang="en-US" altLang="zh-CN" sz="1800" b="0" dirty="0"/>
-                        <a:t>access</a:t>
-                      </a:r>
-                      <a:endParaRPr lang="en-US" sz="1800" b="0" dirty="0"/>
+                        <a:rPr lang="en-US" altLang="zh-CN" sz="1800" baseline="0" dirty="0"/>
+                        <a:t>party</a:t>
+                      </a:r>
+                      <a:r>
+                        <a:rPr lang="zh-CN" altLang="en-US" sz="1800" baseline="0" dirty="0"/>
+                        <a:t> </a:t>
+                      </a:r>
+                      <a:r>
+                        <a:rPr lang="en-US" altLang="zh-CN" sz="1800" baseline="0" dirty="0"/>
+                        <a:t>software</a:t>
+                      </a:r>
+                      <a:endParaRPr lang="en-US" sz="1800" b="1" dirty="0"/>
                     </a:p>
                   </a:txBody>
                   <a:tcPr/>
@@ -6691,16 +7031,24 @@
                     <a:lstStyle/>
                     <a:p>
                       <a:r>
-                        <a:rPr lang="en-US" altLang="zh-CN" sz="1600" dirty="0"/>
-                        <a:t>Explorys,</a:t>
-                      </a:r>
-                      <a:r>
-                        <a:rPr lang="zh-CN" altLang="en-US" sz="1600" dirty="0"/>
+                        <a:rPr lang="en-US" altLang="zh-CN" sz="1600" b="1" dirty="0"/>
+                        <a:t>Docker</a:t>
+                      </a:r>
+                      <a:r>
+                        <a:rPr lang="en-US" altLang="zh-CN" sz="1600" b="0" dirty="0"/>
+                        <a:t>(17.06.2-ee-6)</a:t>
+                      </a:r>
+                      <a:r>
+                        <a:rPr lang="en-US" altLang="zh-CN" sz="1600" b="0" baseline="0" dirty="0"/>
+                        <a:t>,</a:t>
+                      </a:r>
+                      <a:r>
+                        <a:rPr lang="zh-CN" altLang="en-US" sz="1600" b="0" baseline="0" dirty="0"/>
                         <a:t> </a:t>
                       </a:r>
                       <a:r>
-                        <a:rPr lang="en-US" altLang="zh-CN" sz="1600" dirty="0"/>
-                        <a:t>MarketScan,</a:t>
+                        <a:rPr lang="en-US" altLang="zh-CN" sz="1600" baseline="0" dirty="0"/>
+                        <a:t>Flexible</a:t>
                       </a:r>
                       <a:r>
                         <a:rPr lang="zh-CN" altLang="en-US" sz="1600" baseline="0" dirty="0"/>
@@ -6708,19 +7056,15 @@
                       </a:r>
                       <a:r>
                         <a:rPr lang="en-US" altLang="zh-CN" sz="1600" baseline="0" dirty="0"/>
-                        <a:t>SAF,</a:t>
+                        <a:t>Analytics</a:t>
                       </a:r>
                       <a:r>
                         <a:rPr lang="zh-CN" altLang="en-US" sz="1600" baseline="0" dirty="0"/>
                         <a:t> </a:t>
                       </a:r>
                       <a:r>
-                        <a:rPr lang="en-US" altLang="zh-CN" sz="1600" baseline="0" dirty="0" err="1"/>
-                        <a:t>Huntmore</a:t>
-                      </a:r>
-                      <a:r>
                         <a:rPr lang="en-US" altLang="zh-CN" sz="1600" baseline="0" dirty="0"/>
-                        <a:t>(CED),</a:t>
+                        <a:t>(via</a:t>
                       </a:r>
                       <a:r>
                         <a:rPr lang="zh-CN" altLang="en-US" sz="1600" baseline="0" dirty="0"/>
@@ -6728,23 +7072,7 @@
                       </a:r>
                       <a:r>
                         <a:rPr lang="en-US" altLang="zh-CN" sz="1600" baseline="0" dirty="0"/>
-                        <a:t>PIDB,</a:t>
-                      </a:r>
-                      <a:r>
-                        <a:rPr lang="zh-CN" altLang="en-US" sz="1600" baseline="0" dirty="0"/>
-                        <a:t> </a:t>
-                      </a:r>
-                      <a:r>
-                        <a:rPr lang="en-US" altLang="zh-CN" sz="1600" baseline="0" dirty="0"/>
-                        <a:t>reference</a:t>
-                      </a:r>
-                      <a:r>
-                        <a:rPr lang="zh-CN" altLang="en-US" sz="1600" baseline="0" dirty="0"/>
-                        <a:t> </a:t>
-                      </a:r>
-                      <a:r>
-                        <a:rPr lang="en-US" altLang="zh-CN" sz="1600" baseline="0" dirty="0"/>
-                        <a:t>data</a:t>
+                        <a:t>API)</a:t>
                       </a:r>
                       <a:endParaRPr lang="en-US" sz="1600" dirty="0"/>
                     </a:p>
@@ -6756,70 +7084,665 @@
                     <a:bodyPr/>
                     <a:lstStyle/>
                     <a:p>
+                      <a:pPr marL="0" marR="0" indent="0" algn="l" defTabSz="1217910" rtl="0" eaLnBrk="1" fontAlgn="auto" latinLnBrk="0" hangingPunct="1">
+                        <a:lnSpc>
+                          <a:spcPct val="100000"/>
+                        </a:lnSpc>
+                        <a:spcBef>
+                          <a:spcPts val="0"/>
+                        </a:spcBef>
+                        <a:spcAft>
+                          <a:spcPts val="0"/>
+                        </a:spcAft>
+                        <a:buClrTx/>
+                        <a:buSzTx/>
+                        <a:buFontTx/>
+                        <a:buNone/>
+                        <a:tabLst/>
+                        <a:defRPr/>
+                      </a:pPr>
+                      <a:r>
+                        <a:rPr lang="en-US" altLang="zh-CN" sz="1600" b="1" dirty="0"/>
+                        <a:t>Docker</a:t>
+                      </a:r>
+                      <a:r>
+                        <a:rPr lang="en-US" altLang="zh-CN" sz="1600" b="0" dirty="0"/>
+                        <a:t>(17.06.2-ee-6)</a:t>
+                      </a:r>
+                      <a:r>
+                        <a:rPr lang="en-US" altLang="zh-CN" sz="1600" b="0" baseline="0" dirty="0"/>
+                        <a:t>,</a:t>
+                      </a:r>
+                      <a:r>
+                        <a:rPr lang="zh-CN" altLang="en-US" sz="1600" b="0" baseline="0" dirty="0"/>
+                        <a:t> </a:t>
+                      </a:r>
+                      <a:r>
+                        <a:rPr lang="en-US" altLang="zh-CN" sz="1600" baseline="0" dirty="0"/>
+                        <a:t>Flexible</a:t>
+                      </a:r>
+                      <a:r>
+                        <a:rPr lang="zh-CN" altLang="en-US" sz="1600" baseline="0" dirty="0"/>
+                        <a:t> </a:t>
+                      </a:r>
+                      <a:r>
+                        <a:rPr lang="en-US" altLang="zh-CN" sz="1600" baseline="0" dirty="0"/>
+                        <a:t>Analytics</a:t>
+                      </a:r>
+                      <a:r>
+                        <a:rPr lang="zh-CN" altLang="en-US" sz="1600" baseline="0" dirty="0"/>
+                        <a:t> </a:t>
+                      </a:r>
+                      <a:r>
+                        <a:rPr lang="en-US" altLang="zh-CN" sz="1600" baseline="0" dirty="0"/>
+                        <a:t>(via</a:t>
+                      </a:r>
+                      <a:r>
+                        <a:rPr lang="zh-CN" altLang="en-US" sz="1600" baseline="0" dirty="0"/>
+                        <a:t> </a:t>
+                      </a:r>
+                      <a:r>
+                        <a:rPr lang="en-US" altLang="zh-CN" sz="1600" baseline="0" dirty="0"/>
+                        <a:t>API)</a:t>
+                      </a:r>
                       <a:r>
                         <a:rPr lang="en-US" altLang="zh-CN" sz="1600" dirty="0"/>
-                        <a:t>Explorys,</a:t>
+                        <a:t>,</a:t>
                       </a:r>
                       <a:r>
                         <a:rPr lang="zh-CN" altLang="en-US" sz="1600" dirty="0"/>
                         <a:t> </a:t>
                       </a:r>
                       <a:r>
-                        <a:rPr lang="en-US" altLang="zh-CN" sz="1600" dirty="0"/>
-                        <a:t>MarketScan,</a:t>
-                      </a:r>
-                      <a:r>
-                        <a:rPr lang="zh-CN" altLang="en-US" sz="1600" baseline="0" dirty="0"/>
+                        <a:rPr lang="en-US" altLang="zh-CN" sz="1600" dirty="0">
+                          <a:solidFill>
+                            <a:srgbClr val="991E1B"/>
+                          </a:solidFill>
+                        </a:rPr>
+                        <a:t>Anaconda</a:t>
+                      </a:r>
+                      <a:r>
+                        <a:rPr lang="zh-CN" altLang="en-US" sz="1600" baseline="0" dirty="0">
+                          <a:solidFill>
+                            <a:srgbClr val="991E1B"/>
+                          </a:solidFill>
+                        </a:rPr>
                         <a:t> </a:t>
                       </a:r>
                       <a:r>
-                        <a:rPr lang="en-US" altLang="zh-CN" sz="1600" baseline="0" dirty="0"/>
-                        <a:t>SAF,</a:t>
-                      </a:r>
-                      <a:r>
-                        <a:rPr lang="zh-CN" altLang="en-US" sz="1600" baseline="0" dirty="0"/>
+                        <a:rPr lang="en-US" altLang="zh-CN" sz="1600" baseline="0" dirty="0">
+                          <a:solidFill>
+                            <a:srgbClr val="991E1B"/>
+                          </a:solidFill>
+                        </a:rPr>
+                        <a:t>Python(&gt;=3.6:</a:t>
+                      </a:r>
+                      <a:r>
+                        <a:rPr lang="zh-CN" altLang="en-US" sz="1600" baseline="0" dirty="0">
+                          <a:solidFill>
+                            <a:srgbClr val="991E1B"/>
+                          </a:solidFill>
+                        </a:rPr>
                         <a:t> </a:t>
                       </a:r>
                       <a:r>
-                        <a:rPr lang="en-US" altLang="zh-CN" sz="1600" baseline="0" dirty="0" err="1"/>
-                        <a:t>Huntmore</a:t>
-                      </a:r>
-                      <a:r>
-                        <a:rPr lang="en-US" altLang="zh-CN" sz="1600" baseline="0" dirty="0"/>
-                        <a:t>(CED),</a:t>
-                      </a:r>
-                      <a:r>
-                        <a:rPr lang="zh-CN" altLang="en-US" sz="1600" baseline="0" dirty="0"/>
+                        <a:rPr lang="en-US" altLang="zh-CN" sz="1600" baseline="0" dirty="0">
+                          <a:solidFill>
+                            <a:srgbClr val="991E1B"/>
+                          </a:solidFill>
+                        </a:rPr>
+                        <a:t>pandas,</a:t>
+                      </a:r>
+                      <a:r>
+                        <a:rPr lang="zh-CN" altLang="en-US" sz="1600" baseline="0" dirty="0">
+                          <a:solidFill>
+                            <a:srgbClr val="991E1B"/>
+                          </a:solidFill>
+                        </a:rPr>
                         <a:t> </a:t>
                       </a:r>
                       <a:r>
-                        <a:rPr lang="en-US" altLang="zh-CN" sz="1600" baseline="0" dirty="0"/>
-                        <a:t>PIDB,</a:t>
-                      </a:r>
-                      <a:r>
-                        <a:rPr lang="zh-CN" altLang="en-US" sz="1600" baseline="0" dirty="0"/>
+                        <a:rPr lang="en-US" altLang="zh-CN" sz="1600" baseline="0" dirty="0" err="1">
+                          <a:solidFill>
+                            <a:srgbClr val="991E1B"/>
+                          </a:solidFill>
+                        </a:rPr>
+                        <a:t>numpy</a:t>
+                      </a:r>
+                      <a:r>
+                        <a:rPr lang="en-US" altLang="zh-CN" sz="1600" baseline="0" dirty="0">
+                          <a:solidFill>
+                            <a:srgbClr val="991E1B"/>
+                          </a:solidFill>
+                        </a:rPr>
+                        <a:t>,</a:t>
+                      </a:r>
+                      <a:r>
+                        <a:rPr lang="zh-CN" altLang="en-US" sz="1600" baseline="0" dirty="0">
+                          <a:solidFill>
+                            <a:srgbClr val="991E1B"/>
+                          </a:solidFill>
+                        </a:rPr>
                         <a:t> </a:t>
                       </a:r>
                       <a:r>
-                        <a:rPr lang="en-US" altLang="zh-CN" sz="1600" baseline="0" dirty="0"/>
-                        <a:t>reference</a:t>
-                      </a:r>
-                      <a:r>
-                        <a:rPr lang="zh-CN" altLang="en-US" sz="1600" baseline="0" dirty="0"/>
+                        <a:rPr lang="en-US" altLang="zh-CN" sz="1600" baseline="0" dirty="0" err="1">
+                          <a:solidFill>
+                            <a:srgbClr val="991E1B"/>
+                          </a:solidFill>
+                        </a:rPr>
+                        <a:t>sklearn</a:t>
+                      </a:r>
+                      <a:r>
+                        <a:rPr lang="en-US" altLang="zh-CN" sz="1600" baseline="0" dirty="0">
+                          <a:solidFill>
+                            <a:srgbClr val="991E1B"/>
+                          </a:solidFill>
+                        </a:rPr>
+                        <a:t>),</a:t>
+                      </a:r>
+                      <a:r>
+                        <a:rPr lang="zh-Hans" altLang="en-US" sz="1600" baseline="0" dirty="0">
+                          <a:solidFill>
+                            <a:srgbClr val="991E1B"/>
+                          </a:solidFill>
+                        </a:rPr>
                         <a:t> </a:t>
                       </a:r>
                       <a:r>
-                        <a:rPr lang="en-US" altLang="zh-CN" sz="1600" baseline="0" dirty="0"/>
-                        <a:t>data</a:t>
-                      </a:r>
-                      <a:endParaRPr lang="en-US" sz="1600" dirty="0"/>
+                        <a:rPr lang="en-US" altLang="zh-CN" sz="1600" baseline="0" dirty="0">
+                          <a:solidFill>
+                            <a:srgbClr val="991E1B"/>
+                          </a:solidFill>
+                        </a:rPr>
+                        <a:t>R</a:t>
+                      </a:r>
+                      <a:r>
+                        <a:rPr lang="zh-CN" altLang="en-US" sz="1600" baseline="0" dirty="0">
+                          <a:solidFill>
+                            <a:srgbClr val="991E1B"/>
+                          </a:solidFill>
+                        </a:rPr>
+                        <a:t> </a:t>
+                      </a:r>
+                      <a:r>
+                        <a:rPr lang="en-US" altLang="zh-CN" sz="1600" baseline="0" dirty="0">
+                          <a:solidFill>
+                            <a:srgbClr val="991E1B"/>
+                          </a:solidFill>
+                        </a:rPr>
+                        <a:t>and</a:t>
+                      </a:r>
+                      <a:r>
+                        <a:rPr lang="zh-CN" altLang="en-US" sz="1600" baseline="0" dirty="0">
+                          <a:solidFill>
+                            <a:srgbClr val="991E1B"/>
+                          </a:solidFill>
+                        </a:rPr>
+                        <a:t> </a:t>
+                      </a:r>
+                      <a:r>
+                        <a:rPr lang="en-US" altLang="zh-CN" sz="1600" baseline="0" dirty="0" err="1">
+                          <a:solidFill>
+                            <a:srgbClr val="991E1B"/>
+                          </a:solidFill>
+                        </a:rPr>
+                        <a:t>Rstudio</a:t>
+                      </a:r>
+                      <a:r>
+                        <a:rPr lang="en-US" altLang="zh-CN" sz="1600" baseline="0" dirty="0">
+                          <a:solidFill>
+                            <a:srgbClr val="991E1B"/>
+                          </a:solidFill>
+                        </a:rPr>
+                        <a:t>,</a:t>
+                      </a:r>
+                      <a:r>
+                        <a:rPr lang="zh-CN" altLang="en-US" sz="1600" baseline="0" dirty="0">
+                          <a:solidFill>
+                            <a:srgbClr val="991E1B"/>
+                          </a:solidFill>
+                        </a:rPr>
+                        <a:t> </a:t>
+                      </a:r>
+                      <a:r>
+                        <a:rPr lang="en-US" altLang="zh-CN" sz="1600" baseline="0" dirty="0">
+                          <a:solidFill>
+                            <a:srgbClr val="991E1B"/>
+                          </a:solidFill>
+                        </a:rPr>
+                        <a:t>SQL,</a:t>
+                      </a:r>
+                      <a:r>
+                        <a:rPr lang="zh-CN" altLang="en-US" sz="1600" baseline="0" dirty="0">
+                          <a:solidFill>
+                            <a:srgbClr val="991E1B"/>
+                          </a:solidFill>
+                        </a:rPr>
+                        <a:t> </a:t>
+                      </a:r>
+                      <a:r>
+                        <a:rPr lang="en-US" altLang="zh-CN" sz="1600" baseline="0" dirty="0" err="1">
+                          <a:solidFill>
+                            <a:srgbClr val="991E1B"/>
+                          </a:solidFill>
+                        </a:rPr>
+                        <a:t>Git</a:t>
+                      </a:r>
+                      <a:r>
+                        <a:rPr lang="en-US" altLang="zh-CN" sz="1600" baseline="0" dirty="0">
+                          <a:solidFill>
+                            <a:srgbClr val="991E1B"/>
+                          </a:solidFill>
+                        </a:rPr>
+                        <a:t>,</a:t>
+                      </a:r>
+                      <a:r>
+                        <a:rPr lang="zh-CN" altLang="en-US" sz="1600" baseline="0" dirty="0">
+                          <a:solidFill>
+                            <a:srgbClr val="991E1B"/>
+                          </a:solidFill>
+                        </a:rPr>
+                        <a:t> </a:t>
+                      </a:r>
+                      <a:r>
+                        <a:rPr lang="en-US" altLang="zh-CN" sz="1600" baseline="0" dirty="0" err="1">
+                          <a:solidFill>
+                            <a:srgbClr val="991E1B"/>
+                          </a:solidFill>
+                        </a:rPr>
+                        <a:t>Git</a:t>
+                      </a:r>
+                      <a:r>
+                        <a:rPr lang="zh-CN" altLang="en-US" sz="1600" baseline="0" dirty="0">
+                          <a:solidFill>
+                            <a:srgbClr val="991E1B"/>
+                          </a:solidFill>
+                        </a:rPr>
+                        <a:t> </a:t>
+                      </a:r>
+                      <a:r>
+                        <a:rPr lang="en-US" altLang="zh-CN" sz="1600" baseline="0" dirty="0">
+                          <a:solidFill>
+                            <a:srgbClr val="991E1B"/>
+                          </a:solidFill>
+                        </a:rPr>
+                        <a:t>LFS,</a:t>
+                      </a:r>
+                      <a:r>
+                        <a:rPr lang="zh-CN" altLang="en-US" sz="1600" baseline="0" dirty="0">
+                          <a:solidFill>
+                            <a:srgbClr val="991E1B"/>
+                          </a:solidFill>
+                        </a:rPr>
+                        <a:t> </a:t>
+                      </a:r>
+                      <a:r>
+                        <a:rPr lang="en-US" altLang="zh-CN" sz="1600" baseline="0" dirty="0" err="1">
+                          <a:solidFill>
+                            <a:srgbClr val="991E1B"/>
+                          </a:solidFill>
+                        </a:rPr>
+                        <a:t>Jupyter</a:t>
+                      </a:r>
+                      <a:r>
+                        <a:rPr lang="zh-CN" altLang="en-US" sz="1600" baseline="0" dirty="0">
+                          <a:solidFill>
+                            <a:srgbClr val="991E1B"/>
+                          </a:solidFill>
+                        </a:rPr>
+                        <a:t> </a:t>
+                      </a:r>
+                      <a:r>
+                        <a:rPr lang="en-US" altLang="zh-CN" sz="1600" baseline="0" dirty="0">
+                          <a:solidFill>
+                            <a:srgbClr val="991E1B"/>
+                          </a:solidFill>
+                        </a:rPr>
+                        <a:t>Notebook</a:t>
+                      </a:r>
+                      <a:endParaRPr lang="en-US" sz="1600" i="0" dirty="0">
+                        <a:solidFill>
+                          <a:srgbClr val="991E1B"/>
+                        </a:solidFill>
+                      </a:endParaRPr>
                     </a:p>
                   </a:txBody>
                   <a:tcPr/>
                 </a:tc>
                 <a:extLst>
                   <a:ext uri="{0D108BD9-81ED-4DB2-BD59-A6C34878D82A}">
-                    <a16:rowId xmlns:a16="http://schemas.microsoft.com/office/drawing/2014/main" val="10006"/>
+                    <a16:rowId xmlns:a16="http://schemas.microsoft.com/office/drawing/2014/main" val="1944808250"/>
+                  </a:ext>
+                </a:extLst>
+              </a:tr>
+              <a:tr h="551577">
+                <a:tc>
+                  <a:txBody>
+                    <a:bodyPr/>
+                    <a:lstStyle/>
+                    <a:p>
+                      <a:pPr algn="l"/>
+                      <a:r>
+                        <a:rPr lang="en-US" altLang="zh-CN" sz="1800" dirty="0"/>
+                        <a:t>Access/users</a:t>
+                      </a:r>
+                      <a:endParaRPr lang="en-US" sz="1800" b="1" dirty="0"/>
+                    </a:p>
+                  </a:txBody>
+                  <a:tcPr/>
+                </a:tc>
+                <a:tc>
+                  <a:txBody>
+                    <a:bodyPr/>
+                    <a:lstStyle/>
+                    <a:p>
+                      <a:r>
+                        <a:rPr lang="en-US" altLang="zh-CN" sz="1600" dirty="0">
+                          <a:solidFill>
+                            <a:srgbClr val="4C991D"/>
+                          </a:solidFill>
+                        </a:rPr>
+                        <a:t>Restricted</a:t>
+                      </a:r>
+                      <a:r>
+                        <a:rPr lang="zh-CN" altLang="en-US" sz="1600" baseline="0" dirty="0">
+                          <a:solidFill>
+                            <a:srgbClr val="4C991D"/>
+                          </a:solidFill>
+                        </a:rPr>
+                        <a:t> </a:t>
+                      </a:r>
+                      <a:r>
+                        <a:rPr lang="en-US" altLang="zh-CN" sz="1600" baseline="0" dirty="0">
+                          <a:solidFill>
+                            <a:srgbClr val="4C991D"/>
+                          </a:solidFill>
+                        </a:rPr>
+                        <a:t>access</a:t>
+                      </a:r>
+                      <a:r>
+                        <a:rPr lang="zh-CN" altLang="en-US" sz="1600" baseline="0" dirty="0">
+                          <a:solidFill>
+                            <a:srgbClr val="4C991D"/>
+                          </a:solidFill>
+                        </a:rPr>
+                        <a:t> </a:t>
+                      </a:r>
+                      <a:r>
+                        <a:rPr lang="en-US" altLang="zh-CN" sz="1600" baseline="0" dirty="0">
+                          <a:solidFill>
+                            <a:srgbClr val="4C991D"/>
+                          </a:solidFill>
+                        </a:rPr>
+                        <a:t>to</a:t>
+                      </a:r>
+                      <a:r>
+                        <a:rPr lang="zh-CN" altLang="en-US" sz="1600" baseline="0" dirty="0">
+                          <a:solidFill>
+                            <a:srgbClr val="4C991D"/>
+                          </a:solidFill>
+                        </a:rPr>
+                        <a:t> </a:t>
+                      </a:r>
+                      <a:r>
+                        <a:rPr lang="en-US" altLang="zh-CN" sz="1600" baseline="0" dirty="0">
+                          <a:solidFill>
+                            <a:srgbClr val="4C991D"/>
+                          </a:solidFill>
+                        </a:rPr>
+                        <a:t>and</a:t>
+                      </a:r>
+                      <a:r>
+                        <a:rPr lang="zh-CN" altLang="en-US" sz="1600" baseline="0" dirty="0">
+                          <a:solidFill>
+                            <a:srgbClr val="4C991D"/>
+                          </a:solidFill>
+                        </a:rPr>
+                        <a:t> </a:t>
+                      </a:r>
+                      <a:r>
+                        <a:rPr lang="en-US" altLang="zh-CN" sz="1600" baseline="0" dirty="0">
+                          <a:solidFill>
+                            <a:srgbClr val="4C991D"/>
+                          </a:solidFill>
+                        </a:rPr>
+                        <a:t>control</a:t>
+                      </a:r>
+                      <a:r>
+                        <a:rPr lang="zh-CN" altLang="en-US" sz="1600" baseline="0" dirty="0">
+                          <a:solidFill>
+                            <a:srgbClr val="4C991D"/>
+                          </a:solidFill>
+                        </a:rPr>
+                        <a:t> </a:t>
+                      </a:r>
+                      <a:r>
+                        <a:rPr lang="en-US" altLang="zh-CN" sz="1600" baseline="0" dirty="0">
+                          <a:solidFill>
+                            <a:srgbClr val="4C991D"/>
+                          </a:solidFill>
+                        </a:rPr>
+                        <a:t>by</a:t>
+                      </a:r>
+                      <a:r>
+                        <a:rPr lang="zh-CN" altLang="en-US" sz="1600" baseline="0" dirty="0">
+                          <a:solidFill>
+                            <a:srgbClr val="4C991D"/>
+                          </a:solidFill>
+                        </a:rPr>
+                        <a:t> </a:t>
+                      </a:r>
+                      <a:r>
+                        <a:rPr lang="en-US" altLang="zh-CN" sz="1600" baseline="0" dirty="0">
+                          <a:solidFill>
+                            <a:srgbClr val="4C991D"/>
+                          </a:solidFill>
+                        </a:rPr>
+                        <a:t>project/development</a:t>
+                      </a:r>
+                      <a:r>
+                        <a:rPr lang="zh-CN" altLang="en-US" sz="1600" baseline="0" dirty="0">
+                          <a:solidFill>
+                            <a:srgbClr val="4C991D"/>
+                          </a:solidFill>
+                        </a:rPr>
+                        <a:t> </a:t>
+                      </a:r>
+                      <a:r>
+                        <a:rPr lang="en-US" altLang="zh-CN" sz="1600" baseline="0" dirty="0">
+                          <a:solidFill>
+                            <a:srgbClr val="4C991D"/>
+                          </a:solidFill>
+                        </a:rPr>
+                        <a:t>lead</a:t>
+                      </a:r>
+                      <a:endParaRPr lang="en-US" sz="1600" dirty="0">
+                        <a:solidFill>
+                          <a:srgbClr val="4C991D"/>
+                        </a:solidFill>
+                      </a:endParaRPr>
+                    </a:p>
+                  </a:txBody>
+                  <a:tcPr/>
+                </a:tc>
+                <a:tc>
+                  <a:txBody>
+                    <a:bodyPr/>
+                    <a:lstStyle/>
+                    <a:p>
+                      <a:r>
+                        <a:rPr lang="en-US" altLang="zh-CN" sz="1600" dirty="0">
+                          <a:solidFill>
+                            <a:srgbClr val="991E1B"/>
+                          </a:solidFill>
+                        </a:rPr>
+                        <a:t>Restricted</a:t>
+                      </a:r>
+                      <a:r>
+                        <a:rPr lang="zh-CN" altLang="en-US" sz="1600" dirty="0">
+                          <a:solidFill>
+                            <a:srgbClr val="991E1B"/>
+                          </a:solidFill>
+                        </a:rPr>
+                        <a:t> </a:t>
+                      </a:r>
+                      <a:r>
+                        <a:rPr lang="en-US" altLang="zh-CN" sz="1600" baseline="0" dirty="0">
+                          <a:solidFill>
+                            <a:srgbClr val="991E1B"/>
+                          </a:solidFill>
+                        </a:rPr>
+                        <a:t>and</a:t>
+                      </a:r>
+                      <a:r>
+                        <a:rPr lang="zh-CN" altLang="en-US" sz="1600" baseline="0" dirty="0">
+                          <a:solidFill>
+                            <a:srgbClr val="991E1B"/>
+                          </a:solidFill>
+                        </a:rPr>
+                        <a:t> </a:t>
+                      </a:r>
+                      <a:r>
+                        <a:rPr lang="en-US" altLang="zh-CN" sz="1600" baseline="0" dirty="0">
+                          <a:solidFill>
+                            <a:srgbClr val="991E1B"/>
+                          </a:solidFill>
+                        </a:rPr>
+                        <a:t>u</a:t>
+                      </a:r>
+                      <a:r>
+                        <a:rPr lang="en-US" altLang="zh-CN" sz="1600" dirty="0">
+                          <a:solidFill>
+                            <a:srgbClr val="991E1B"/>
+                          </a:solidFill>
+                        </a:rPr>
+                        <a:t>nrestricted</a:t>
+                      </a:r>
+                      <a:r>
+                        <a:rPr lang="zh-CN" altLang="en-US" sz="1600" baseline="0" dirty="0">
+                          <a:solidFill>
+                            <a:srgbClr val="991E1B"/>
+                          </a:solidFill>
+                        </a:rPr>
+                        <a:t> </a:t>
+                      </a:r>
+                      <a:r>
+                        <a:rPr lang="en-US" altLang="zh-CN" sz="1600" baseline="0" dirty="0">
+                          <a:solidFill>
+                            <a:srgbClr val="991E1B"/>
+                          </a:solidFill>
+                        </a:rPr>
+                        <a:t>access</a:t>
+                      </a:r>
+                      <a:r>
+                        <a:rPr lang="zh-CN" altLang="en-US" sz="1600" baseline="0" dirty="0">
+                          <a:solidFill>
+                            <a:srgbClr val="991E1B"/>
+                          </a:solidFill>
+                        </a:rPr>
+                        <a:t> </a:t>
+                      </a:r>
+                      <a:r>
+                        <a:rPr lang="en-US" altLang="zh-CN" sz="1600" baseline="0" dirty="0">
+                          <a:solidFill>
+                            <a:srgbClr val="991E1B"/>
+                          </a:solidFill>
+                        </a:rPr>
+                        <a:t>to</a:t>
+                      </a:r>
+                      <a:r>
+                        <a:rPr lang="zh-CN" altLang="en-US" sz="1600" baseline="0" dirty="0">
+                          <a:solidFill>
+                            <a:srgbClr val="991E1B"/>
+                          </a:solidFill>
+                        </a:rPr>
+                        <a:t> </a:t>
+                      </a:r>
+                      <a:r>
+                        <a:rPr lang="en-US" altLang="zh-CN" sz="1600" baseline="0" dirty="0">
+                          <a:solidFill>
+                            <a:srgbClr val="991E1B"/>
+                          </a:solidFill>
+                        </a:rPr>
+                        <a:t>and</a:t>
+                      </a:r>
+                      <a:r>
+                        <a:rPr lang="zh-CN" altLang="en-US" sz="1600" baseline="0" dirty="0">
+                          <a:solidFill>
+                            <a:srgbClr val="991E1B"/>
+                          </a:solidFill>
+                        </a:rPr>
+                        <a:t> </a:t>
+                      </a:r>
+                      <a:r>
+                        <a:rPr lang="en-US" altLang="zh-CN" sz="1600" baseline="0" dirty="0">
+                          <a:solidFill>
+                            <a:srgbClr val="991E1B"/>
+                          </a:solidFill>
+                        </a:rPr>
+                        <a:t>control</a:t>
+                      </a:r>
+                      <a:r>
+                        <a:rPr lang="zh-CN" altLang="en-US" sz="1600" baseline="0" dirty="0">
+                          <a:solidFill>
+                            <a:srgbClr val="991E1B"/>
+                          </a:solidFill>
+                        </a:rPr>
+                        <a:t> </a:t>
+                      </a:r>
+                      <a:r>
+                        <a:rPr lang="en-US" altLang="zh-CN" sz="1600" baseline="0" dirty="0">
+                          <a:solidFill>
+                            <a:srgbClr val="991E1B"/>
+                          </a:solidFill>
+                        </a:rPr>
+                        <a:t>by</a:t>
+                      </a:r>
+                      <a:r>
+                        <a:rPr lang="zh-CN" altLang="en-US" sz="1600" baseline="0" dirty="0">
+                          <a:solidFill>
+                            <a:srgbClr val="991E1B"/>
+                          </a:solidFill>
+                        </a:rPr>
+                        <a:t> </a:t>
+                      </a:r>
+                      <a:r>
+                        <a:rPr lang="en-US" altLang="zh-CN" sz="1600" baseline="0" dirty="0">
+                          <a:solidFill>
+                            <a:srgbClr val="991E1B"/>
+                          </a:solidFill>
+                        </a:rPr>
+                        <a:t>ACE</a:t>
+                      </a:r>
+                      <a:r>
+                        <a:rPr lang="zh-CN" altLang="en-US" sz="1600" baseline="0" dirty="0">
+                          <a:solidFill>
+                            <a:srgbClr val="991E1B"/>
+                          </a:solidFill>
+                        </a:rPr>
+                        <a:t> </a:t>
+                      </a:r>
+                      <a:r>
+                        <a:rPr lang="en-US" altLang="zh-CN" sz="1600" baseline="0" dirty="0">
+                          <a:solidFill>
+                            <a:srgbClr val="991E1B"/>
+                          </a:solidFill>
+                        </a:rPr>
+                        <a:t>users</a:t>
+                      </a:r>
+                      <a:endParaRPr lang="en-US" sz="1600" i="0" dirty="0">
+                        <a:solidFill>
+                          <a:srgbClr val="991E1B"/>
+                        </a:solidFill>
+                      </a:endParaRPr>
+                    </a:p>
+                  </a:txBody>
+                  <a:tcPr/>
+                </a:tc>
+                <a:extLst>
+                  <a:ext uri="{0D108BD9-81ED-4DB2-BD59-A6C34878D82A}">
+                    <a16:rowId xmlns:a16="http://schemas.microsoft.com/office/drawing/2014/main" val="1580213180"/>
                   </a:ext>
                 </a:extLst>
               </a:tr>
@@ -6841,7 +7764,306 @@
 </p:sld>
 </file>
 
-<file path=ppt/slides/slide11.xml><?xml version="1.0" encoding="utf-8"?>
+<file path=ppt/slides/slide2.xml><?xml version="1.0" encoding="utf-8"?>
+<p:sld xmlns:a="http://schemas.openxmlformats.org/drawingml/2006/main" xmlns:r="http://schemas.openxmlformats.org/officeDocument/2006/relationships" xmlns:p="http://schemas.openxmlformats.org/presentationml/2006/main">
+  <p:cSld>
+    <p:spTree>
+      <p:nvGrpSpPr>
+        <p:cNvPr id="1" name=""/>
+        <p:cNvGrpSpPr/>
+        <p:nvPr/>
+      </p:nvGrpSpPr>
+      <p:grpSpPr>
+        <a:xfrm>
+          <a:off x="0" y="0"/>
+          <a:ext cx="0" cy="0"/>
+          <a:chOff x="0" y="0"/>
+          <a:chExt cx="0" cy="0"/>
+        </a:xfrm>
+      </p:grpSpPr>
+      <p:sp>
+        <p:nvSpPr>
+          <p:cNvPr id="2" name="Title 1">
+            <a:extLst>
+              <a:ext uri="{FF2B5EF4-FFF2-40B4-BE49-F238E27FC236}">
+                <a16:creationId xmlns:a16="http://schemas.microsoft.com/office/drawing/2014/main" id="{2CE24C33-DE93-2F4F-8D19-904144271227}"/>
+              </a:ext>
+            </a:extLst>
+          </p:cNvPr>
+          <p:cNvSpPr>
+            <a:spLocks noGrp="1"/>
+          </p:cNvSpPr>
+          <p:nvPr>
+            <p:ph type="title"/>
+          </p:nvPr>
+        </p:nvSpPr>
+        <p:spPr/>
+        <p:txBody>
+          <a:bodyPr/>
+          <a:lstStyle/>
+          <a:p>
+            <a:r>
+              <a:rPr lang="en-US" altLang="zh-Hans" dirty="0"/>
+              <a:t>Current</a:t>
+            </a:r>
+            <a:r>
+              <a:rPr lang="zh-Hans" altLang="en-US" dirty="0"/>
+              <a:t> </a:t>
+            </a:r>
+            <a:r>
+              <a:rPr lang="en-US" altLang="zh-Hans" dirty="0"/>
+              <a:t>Situations</a:t>
+            </a:r>
+            <a:endParaRPr lang="en-US" dirty="0"/>
+          </a:p>
+        </p:txBody>
+      </p:sp>
+      <p:sp>
+        <p:nvSpPr>
+          <p:cNvPr id="3" name="Content Placeholder 2">
+            <a:extLst>
+              <a:ext uri="{FF2B5EF4-FFF2-40B4-BE49-F238E27FC236}">
+                <a16:creationId xmlns:a16="http://schemas.microsoft.com/office/drawing/2014/main" id="{59E2F506-294A-5F48-B782-E2D9370F6A45}"/>
+              </a:ext>
+            </a:extLst>
+          </p:cNvPr>
+          <p:cNvSpPr>
+            <a:spLocks noGrp="1"/>
+          </p:cNvSpPr>
+          <p:nvPr>
+            <p:ph idx="12"/>
+          </p:nvPr>
+        </p:nvSpPr>
+        <p:spPr/>
+        <p:txBody>
+          <a:bodyPr/>
+          <a:lstStyle/>
+          <a:p>
+            <a:r>
+              <a:rPr lang="en-US" altLang="zh-Hans" sz="2400" dirty="0"/>
+              <a:t>Analytics</a:t>
+            </a:r>
+            <a:r>
+              <a:rPr lang="zh-Hans" altLang="en-US" sz="2400" dirty="0"/>
+              <a:t> </a:t>
+            </a:r>
+            <a:r>
+              <a:rPr lang="en-US" altLang="zh-Hans" sz="2400" dirty="0"/>
+              <a:t>Server</a:t>
+            </a:r>
+            <a:r>
+              <a:rPr lang="zh-Hans" altLang="en-US" sz="2400" dirty="0"/>
+              <a:t> </a:t>
+            </a:r>
+            <a:r>
+              <a:rPr lang="en-US" altLang="zh-Hans" sz="2400" dirty="0"/>
+              <a:t>(0852)</a:t>
+            </a:r>
+          </a:p>
+          <a:p>
+            <a:pPr lvl="1"/>
+            <a:r>
+              <a:rPr lang="en-US" altLang="zh-Hans" sz="2000" dirty="0"/>
+              <a:t>MarketScan,</a:t>
+            </a:r>
+            <a:r>
+              <a:rPr lang="zh-Hans" altLang="en-US" sz="2000" dirty="0"/>
+              <a:t> </a:t>
+            </a:r>
+            <a:r>
+              <a:rPr lang="en-US" altLang="zh-Hans" sz="2000" dirty="0"/>
+              <a:t>data</a:t>
+            </a:r>
+            <a:r>
+              <a:rPr lang="zh-Hans" altLang="en-US" sz="2000" dirty="0"/>
+              <a:t> </a:t>
+            </a:r>
+            <a:r>
+              <a:rPr lang="en-US" altLang="zh-Hans" sz="2000" dirty="0"/>
+              <a:t>mentors,</a:t>
+            </a:r>
+            <a:r>
+              <a:rPr lang="zh-Hans" altLang="en-US" sz="2000" dirty="0"/>
+              <a:t> </a:t>
+            </a:r>
+            <a:r>
+              <a:rPr lang="en-US" altLang="zh-Hans" sz="2000" dirty="0"/>
+              <a:t>client</a:t>
+            </a:r>
+            <a:r>
+              <a:rPr lang="zh-Hans" altLang="en-US" sz="2000" dirty="0"/>
+              <a:t> </a:t>
+            </a:r>
+            <a:r>
+              <a:rPr lang="en-US" altLang="zh-Hans" sz="2000" dirty="0"/>
+              <a:t>data</a:t>
+            </a:r>
+          </a:p>
+          <a:p>
+            <a:pPr lvl="1"/>
+            <a:r>
+              <a:rPr lang="en-US" altLang="zh-Hans" sz="2000" dirty="0"/>
+              <a:t>Python,</a:t>
+            </a:r>
+            <a:r>
+              <a:rPr lang="zh-Hans" altLang="en-US" sz="2000" dirty="0"/>
+              <a:t> </a:t>
+            </a:r>
+            <a:r>
+              <a:rPr lang="en-US" altLang="zh-Hans" sz="2000" dirty="0"/>
+              <a:t>R</a:t>
+            </a:r>
+            <a:r>
+              <a:rPr lang="zh-Hans" altLang="en-US" sz="2000" dirty="0"/>
+              <a:t> </a:t>
+            </a:r>
+            <a:r>
+              <a:rPr lang="en-US" altLang="zh-Hans" sz="2000" dirty="0"/>
+              <a:t>,</a:t>
+            </a:r>
+            <a:r>
+              <a:rPr lang="zh-Hans" altLang="en-US" sz="2000" dirty="0"/>
+              <a:t> </a:t>
+            </a:r>
+            <a:r>
+              <a:rPr lang="en-US" altLang="zh-Hans" sz="2000" dirty="0"/>
+              <a:t>SAS</a:t>
+            </a:r>
+            <a:r>
+              <a:rPr lang="zh-Hans" altLang="en-US" sz="2000" dirty="0"/>
+              <a:t> </a:t>
+            </a:r>
+            <a:r>
+              <a:rPr lang="en-US" altLang="zh-Hans" sz="2000" dirty="0"/>
+              <a:t>enabled</a:t>
+            </a:r>
+          </a:p>
+          <a:p>
+            <a:pPr lvl="1"/>
+            <a:r>
+              <a:rPr lang="en-US" altLang="zh-Hans" sz="2000" dirty="0"/>
+              <a:t>Very</a:t>
+            </a:r>
+            <a:r>
+              <a:rPr lang="zh-Hans" altLang="en-US" sz="2000" dirty="0"/>
+              <a:t> </a:t>
+            </a:r>
+            <a:r>
+              <a:rPr lang="en-US" altLang="zh-Hans" sz="2000" dirty="0"/>
+              <a:t>crowded</a:t>
+            </a:r>
+          </a:p>
+          <a:p>
+            <a:pPr lvl="1"/>
+            <a:endParaRPr lang="en-US" altLang="zh-Hans" dirty="0"/>
+          </a:p>
+          <a:p>
+            <a:r>
+              <a:rPr lang="en-US" altLang="zh-Hans" sz="2400" dirty="0"/>
+              <a:t>NIKE</a:t>
+            </a:r>
+            <a:r>
+              <a:rPr lang="zh-Hans" altLang="en-US" sz="2400" dirty="0"/>
+              <a:t> </a:t>
+            </a:r>
+            <a:r>
+              <a:rPr lang="en-US" altLang="zh-Hans" sz="2400" dirty="0"/>
+              <a:t>Server</a:t>
+            </a:r>
+            <a:r>
+              <a:rPr lang="zh-Hans" altLang="en-US" sz="2400" dirty="0"/>
+              <a:t> </a:t>
+            </a:r>
+            <a:r>
+              <a:rPr lang="en-US" altLang="zh-Hans" sz="2400" dirty="0"/>
+              <a:t>(1465)</a:t>
+            </a:r>
+          </a:p>
+          <a:p>
+            <a:pPr lvl="1"/>
+            <a:r>
+              <a:rPr lang="en-US" altLang="zh-Hans" sz="2000" dirty="0"/>
+              <a:t>MarketScan</a:t>
+            </a:r>
+            <a:r>
+              <a:rPr lang="zh-Hans" altLang="en-US" sz="2000" dirty="0"/>
+              <a:t> </a:t>
+            </a:r>
+            <a:r>
+              <a:rPr lang="en-US" altLang="zh-Hans" sz="2000" dirty="0"/>
+              <a:t>data</a:t>
+            </a:r>
+          </a:p>
+          <a:p>
+            <a:pPr lvl="1"/>
+            <a:r>
+              <a:rPr lang="en-US" altLang="zh-Hans" sz="2000" dirty="0"/>
+              <a:t>SAS</a:t>
+            </a:r>
+            <a:r>
+              <a:rPr lang="zh-Hans" altLang="en-US" sz="2000" dirty="0"/>
+              <a:t> </a:t>
+            </a:r>
+            <a:r>
+              <a:rPr lang="en-US" altLang="zh-Hans" sz="2000" dirty="0"/>
+              <a:t>enabled</a:t>
+            </a:r>
+          </a:p>
+          <a:p>
+            <a:pPr lvl="1"/>
+            <a:r>
+              <a:rPr lang="en-US" altLang="zh-Hans" sz="2000" dirty="0"/>
+              <a:t>Python,</a:t>
+            </a:r>
+            <a:r>
+              <a:rPr lang="zh-Hans" altLang="en-US" sz="2000" dirty="0"/>
+              <a:t> </a:t>
+            </a:r>
+            <a:r>
+              <a:rPr lang="en-US" altLang="zh-Hans" sz="2000" dirty="0"/>
+              <a:t>R</a:t>
+            </a:r>
+            <a:r>
+              <a:rPr lang="zh-Hans" altLang="en-US" sz="2000" dirty="0"/>
+              <a:t> </a:t>
+            </a:r>
+            <a:r>
+              <a:rPr lang="en-US" altLang="zh-Hans" sz="2000" dirty="0"/>
+              <a:t>not</a:t>
+            </a:r>
+            <a:r>
+              <a:rPr lang="zh-Hans" altLang="en-US" sz="2000" dirty="0"/>
+              <a:t> </a:t>
+            </a:r>
+            <a:r>
+              <a:rPr lang="en-US" altLang="zh-Hans" sz="2000" dirty="0"/>
+              <a:t>available</a:t>
+            </a:r>
+          </a:p>
+          <a:p>
+            <a:pPr lvl="1"/>
+            <a:endParaRPr lang="en-US" dirty="0"/>
+          </a:p>
+          <a:p>
+            <a:endParaRPr lang="en-US" dirty="0"/>
+          </a:p>
+        </p:txBody>
+      </p:sp>
+    </p:spTree>
+    <p:extLst>
+      <p:ext uri="{BB962C8B-B14F-4D97-AF65-F5344CB8AC3E}">
+        <p14:creationId xmlns:p14="http://schemas.microsoft.com/office/powerpoint/2010/main" val="1521745207"/>
+      </p:ext>
+    </p:extLst>
+  </p:cSld>
+  <p:clrMapOvr>
+    <a:masterClrMapping/>
+  </p:clrMapOvr>
+  <p:transition spd="slow"/>
+</p:sld>
+</file>
+
+<file path=ppt/slides/slide3.xml><?xml version="1.0" encoding="utf-8"?>
 <p:sld xmlns:a="http://schemas.openxmlformats.org/drawingml/2006/main" xmlns:r="http://schemas.openxmlformats.org/officeDocument/2006/relationships" xmlns:p="http://schemas.openxmlformats.org/presentationml/2006/main">
   <p:cSld>
     <p:spTree>
@@ -6936,644 +8158,7 @@
     </p:spTree>
     <p:extLst>
       <p:ext uri="{BB962C8B-B14F-4D97-AF65-F5344CB8AC3E}">
-        <p14:creationId xmlns:p14="http://schemas.microsoft.com/office/powerpoint/2010/main" val="1615975057"/>
-      </p:ext>
-    </p:extLst>
-  </p:cSld>
-  <p:clrMapOvr>
-    <a:masterClrMapping/>
-  </p:clrMapOvr>
-  <p:transition spd="slow"/>
-</p:sld>
-</file>
-
-<file path=ppt/slides/slide2.xml><?xml version="1.0" encoding="utf-8"?>
-<p:sld xmlns:a="http://schemas.openxmlformats.org/drawingml/2006/main" xmlns:r="http://schemas.openxmlformats.org/officeDocument/2006/relationships" xmlns:p="http://schemas.openxmlformats.org/presentationml/2006/main">
-  <p:cSld>
-    <p:spTree>
-      <p:nvGrpSpPr>
-        <p:cNvPr id="1" name=""/>
-        <p:cNvGrpSpPr/>
-        <p:nvPr/>
-      </p:nvGrpSpPr>
-      <p:grpSpPr>
-        <a:xfrm>
-          <a:off x="0" y="0"/>
-          <a:ext cx="0" cy="0"/>
-          <a:chOff x="0" y="0"/>
-          <a:chExt cx="0" cy="0"/>
-        </a:xfrm>
-      </p:grpSpPr>
-      <p:sp>
-        <p:nvSpPr>
-          <p:cNvPr id="2" name="Title 1">
-            <a:extLst>
-              <a:ext uri="{FF2B5EF4-FFF2-40B4-BE49-F238E27FC236}">
-                <a16:creationId xmlns:a16="http://schemas.microsoft.com/office/drawing/2014/main" id="{2CE24C33-DE93-2F4F-8D19-904144271227}"/>
-              </a:ext>
-            </a:extLst>
-          </p:cNvPr>
-          <p:cNvSpPr>
-            <a:spLocks noGrp="1"/>
-          </p:cNvSpPr>
-          <p:nvPr>
-            <p:ph type="title"/>
-          </p:nvPr>
-        </p:nvSpPr>
-        <p:spPr/>
-        <p:txBody>
-          <a:bodyPr/>
-          <a:lstStyle/>
-          <a:p>
-            <a:r>
-              <a:rPr lang="en-US" altLang="zh-Hans" dirty="0"/>
-              <a:t>Current</a:t>
-            </a:r>
-            <a:r>
-              <a:rPr lang="zh-Hans" altLang="en-US" dirty="0"/>
-              <a:t> </a:t>
-            </a:r>
-            <a:r>
-              <a:rPr lang="en-US" altLang="zh-Hans" dirty="0"/>
-              <a:t>Situation</a:t>
-            </a:r>
-            <a:endParaRPr lang="en-US" dirty="0"/>
-          </a:p>
-        </p:txBody>
-      </p:sp>
-      <p:sp>
-        <p:nvSpPr>
-          <p:cNvPr id="3" name="Content Placeholder 2">
-            <a:extLst>
-              <a:ext uri="{FF2B5EF4-FFF2-40B4-BE49-F238E27FC236}">
-                <a16:creationId xmlns:a16="http://schemas.microsoft.com/office/drawing/2014/main" id="{59E2F506-294A-5F48-B782-E2D9370F6A45}"/>
-              </a:ext>
-            </a:extLst>
-          </p:cNvPr>
-          <p:cNvSpPr>
-            <a:spLocks noGrp="1"/>
-          </p:cNvSpPr>
-          <p:nvPr>
-            <p:ph idx="12"/>
-          </p:nvPr>
-        </p:nvSpPr>
-        <p:spPr/>
-        <p:txBody>
-          <a:bodyPr/>
-          <a:lstStyle/>
-          <a:p>
-            <a:r>
-              <a:rPr lang="en-US" altLang="zh-Hans" sz="2400" dirty="0"/>
-              <a:t>Analytics</a:t>
-            </a:r>
-            <a:r>
-              <a:rPr lang="zh-Hans" altLang="en-US" sz="2400" dirty="0"/>
-              <a:t> </a:t>
-            </a:r>
-            <a:r>
-              <a:rPr lang="en-US" altLang="zh-Hans" sz="2400" dirty="0"/>
-              <a:t>Server</a:t>
-            </a:r>
-            <a:r>
-              <a:rPr lang="zh-Hans" altLang="en-US" sz="2400" dirty="0"/>
-              <a:t> </a:t>
-            </a:r>
-            <a:r>
-              <a:rPr lang="en-US" altLang="zh-Hans" sz="2400" dirty="0"/>
-              <a:t>(0852)</a:t>
-            </a:r>
-          </a:p>
-          <a:p>
-            <a:pPr lvl="1"/>
-            <a:r>
-              <a:rPr lang="en-US" altLang="zh-Hans" sz="2000" dirty="0"/>
-              <a:t>MarketScan,</a:t>
-            </a:r>
-            <a:r>
-              <a:rPr lang="zh-Hans" altLang="en-US" sz="2000" dirty="0"/>
-              <a:t> </a:t>
-            </a:r>
-            <a:r>
-              <a:rPr lang="en-US" altLang="zh-Hans" sz="2000" dirty="0"/>
-              <a:t>data</a:t>
-            </a:r>
-            <a:r>
-              <a:rPr lang="zh-Hans" altLang="en-US" sz="2000" dirty="0"/>
-              <a:t> </a:t>
-            </a:r>
-            <a:r>
-              <a:rPr lang="en-US" altLang="zh-Hans" sz="2000" dirty="0"/>
-              <a:t>mentors,</a:t>
-            </a:r>
-            <a:r>
-              <a:rPr lang="zh-Hans" altLang="en-US" sz="2000" dirty="0"/>
-              <a:t> </a:t>
-            </a:r>
-            <a:r>
-              <a:rPr lang="en-US" altLang="zh-Hans" sz="2000" dirty="0"/>
-              <a:t>client</a:t>
-            </a:r>
-            <a:r>
-              <a:rPr lang="zh-Hans" altLang="en-US" sz="2000" dirty="0"/>
-              <a:t> </a:t>
-            </a:r>
-            <a:r>
-              <a:rPr lang="en-US" altLang="zh-Hans" sz="2000" dirty="0"/>
-              <a:t>data</a:t>
-            </a:r>
-          </a:p>
-          <a:p>
-            <a:pPr lvl="1"/>
-            <a:r>
-              <a:rPr lang="en-US" altLang="zh-Hans" sz="2000" dirty="0"/>
-              <a:t>Python,</a:t>
-            </a:r>
-            <a:r>
-              <a:rPr lang="zh-Hans" altLang="en-US" sz="2000" dirty="0"/>
-              <a:t> </a:t>
-            </a:r>
-            <a:r>
-              <a:rPr lang="en-US" altLang="zh-Hans" sz="2000" dirty="0"/>
-              <a:t>R</a:t>
-            </a:r>
-            <a:r>
-              <a:rPr lang="zh-Hans" altLang="en-US" sz="2000" dirty="0"/>
-              <a:t> </a:t>
-            </a:r>
-            <a:r>
-              <a:rPr lang="en-US" altLang="zh-Hans" sz="2000" dirty="0"/>
-              <a:t>,</a:t>
-            </a:r>
-            <a:r>
-              <a:rPr lang="zh-Hans" altLang="en-US" sz="2000" dirty="0"/>
-              <a:t> </a:t>
-            </a:r>
-            <a:r>
-              <a:rPr lang="en-US" altLang="zh-Hans" sz="2000" dirty="0"/>
-              <a:t>SAS</a:t>
-            </a:r>
-            <a:r>
-              <a:rPr lang="zh-Hans" altLang="en-US" sz="2000" dirty="0"/>
-              <a:t> </a:t>
-            </a:r>
-            <a:r>
-              <a:rPr lang="en-US" altLang="zh-Hans" sz="2000" dirty="0"/>
-              <a:t>enabled</a:t>
-            </a:r>
-          </a:p>
-          <a:p>
-            <a:pPr lvl="1"/>
-            <a:r>
-              <a:rPr lang="en-US" altLang="zh-Hans" sz="2000" dirty="0"/>
-              <a:t>Very</a:t>
-            </a:r>
-            <a:r>
-              <a:rPr lang="zh-Hans" altLang="en-US" sz="2000" dirty="0"/>
-              <a:t> </a:t>
-            </a:r>
-            <a:r>
-              <a:rPr lang="en-US" altLang="zh-Hans" sz="2000" dirty="0"/>
-              <a:t>crowded</a:t>
-            </a:r>
-          </a:p>
-          <a:p>
-            <a:pPr lvl="1"/>
-            <a:endParaRPr lang="en-US" altLang="zh-Hans" dirty="0"/>
-          </a:p>
-          <a:p>
-            <a:r>
-              <a:rPr lang="en-US" altLang="zh-Hans" sz="2400" dirty="0"/>
-              <a:t>NIKE</a:t>
-            </a:r>
-            <a:r>
-              <a:rPr lang="zh-Hans" altLang="en-US" sz="2400" dirty="0"/>
-              <a:t> </a:t>
-            </a:r>
-            <a:r>
-              <a:rPr lang="en-US" altLang="zh-Hans" sz="2400" dirty="0"/>
-              <a:t>Server</a:t>
-            </a:r>
-            <a:r>
-              <a:rPr lang="zh-Hans" altLang="en-US" sz="2400" dirty="0"/>
-              <a:t> </a:t>
-            </a:r>
-            <a:r>
-              <a:rPr lang="en-US" altLang="zh-Hans" sz="2400" dirty="0"/>
-              <a:t>(1465)</a:t>
-            </a:r>
-          </a:p>
-          <a:p>
-            <a:pPr lvl="1"/>
-            <a:r>
-              <a:rPr lang="en-US" altLang="zh-Hans" sz="2000" dirty="0"/>
-              <a:t>MarketScan</a:t>
-            </a:r>
-            <a:r>
-              <a:rPr lang="zh-Hans" altLang="en-US" sz="2000" dirty="0"/>
-              <a:t> </a:t>
-            </a:r>
-            <a:r>
-              <a:rPr lang="en-US" altLang="zh-Hans" sz="2000" dirty="0"/>
-              <a:t>data</a:t>
-            </a:r>
-          </a:p>
-          <a:p>
-            <a:pPr lvl="1"/>
-            <a:r>
-              <a:rPr lang="en-US" altLang="zh-Hans" sz="2000" dirty="0"/>
-              <a:t>SAS</a:t>
-            </a:r>
-            <a:r>
-              <a:rPr lang="zh-Hans" altLang="en-US" sz="2000" dirty="0"/>
-              <a:t> </a:t>
-            </a:r>
-            <a:r>
-              <a:rPr lang="en-US" altLang="zh-Hans" sz="2000" dirty="0"/>
-              <a:t>enabled</a:t>
-            </a:r>
-          </a:p>
-          <a:p>
-            <a:pPr lvl="1"/>
-            <a:r>
-              <a:rPr lang="en-US" altLang="zh-Hans" sz="2000" dirty="0"/>
-              <a:t>Python,</a:t>
-            </a:r>
-            <a:r>
-              <a:rPr lang="zh-Hans" altLang="en-US" sz="2000" dirty="0"/>
-              <a:t> </a:t>
-            </a:r>
-            <a:r>
-              <a:rPr lang="en-US" altLang="zh-Hans" sz="2000" dirty="0"/>
-              <a:t>R</a:t>
-            </a:r>
-            <a:r>
-              <a:rPr lang="zh-Hans" altLang="en-US" sz="2000" dirty="0"/>
-              <a:t> </a:t>
-            </a:r>
-            <a:r>
-              <a:rPr lang="en-US" altLang="zh-Hans" sz="2000" dirty="0"/>
-              <a:t>not</a:t>
-            </a:r>
-            <a:r>
-              <a:rPr lang="zh-Hans" altLang="en-US" sz="2000" dirty="0"/>
-              <a:t> </a:t>
-            </a:r>
-            <a:r>
-              <a:rPr lang="en-US" altLang="zh-Hans" sz="2000" dirty="0"/>
-              <a:t>available</a:t>
-            </a:r>
-          </a:p>
-          <a:p>
-            <a:pPr lvl="1"/>
-            <a:endParaRPr lang="en-US" dirty="0"/>
-          </a:p>
-          <a:p>
-            <a:endParaRPr lang="en-US" dirty="0"/>
-          </a:p>
-        </p:txBody>
-      </p:sp>
-    </p:spTree>
-    <p:extLst>
-      <p:ext uri="{BB962C8B-B14F-4D97-AF65-F5344CB8AC3E}">
-        <p14:creationId xmlns:p14="http://schemas.microsoft.com/office/powerpoint/2010/main" val="1521745207"/>
-      </p:ext>
-    </p:extLst>
-  </p:cSld>
-  <p:clrMapOvr>
-    <a:masterClrMapping/>
-  </p:clrMapOvr>
-  <p:transition spd="slow"/>
-</p:sld>
-</file>
-
-<file path=ppt/slides/slide3.xml><?xml version="1.0" encoding="utf-8"?>
-<p:sld xmlns:a="http://schemas.openxmlformats.org/drawingml/2006/main" xmlns:r="http://schemas.openxmlformats.org/officeDocument/2006/relationships" xmlns:p="http://schemas.openxmlformats.org/presentationml/2006/main">
-  <p:cSld>
-    <p:spTree>
-      <p:nvGrpSpPr>
-        <p:cNvPr id="1" name=""/>
-        <p:cNvGrpSpPr/>
-        <p:nvPr/>
-      </p:nvGrpSpPr>
-      <p:grpSpPr>
-        <a:xfrm>
-          <a:off x="0" y="0"/>
-          <a:ext cx="0" cy="0"/>
-          <a:chOff x="0" y="0"/>
-          <a:chExt cx="0" cy="0"/>
-        </a:xfrm>
-      </p:grpSpPr>
-      <p:sp>
-        <p:nvSpPr>
-          <p:cNvPr id="2" name="Title 1"/>
-          <p:cNvSpPr>
-            <a:spLocks noGrp="1"/>
-          </p:cNvSpPr>
-          <p:nvPr>
-            <p:ph type="title"/>
-          </p:nvPr>
-        </p:nvSpPr>
-        <p:spPr/>
-        <p:txBody>
-          <a:bodyPr/>
-          <a:lstStyle/>
-          <a:p>
-            <a:r>
-              <a:rPr lang="en-US" altLang="zh-Hans" dirty="0"/>
-              <a:t>Objectives</a:t>
-            </a:r>
-            <a:endParaRPr lang="en-US" dirty="0"/>
-          </a:p>
-        </p:txBody>
-      </p:sp>
-      <p:sp>
-        <p:nvSpPr>
-          <p:cNvPr id="3" name="Content Placeholder 2"/>
-          <p:cNvSpPr>
-            <a:spLocks noGrp="1"/>
-          </p:cNvSpPr>
-          <p:nvPr>
-            <p:ph idx="12"/>
-          </p:nvPr>
-        </p:nvSpPr>
-        <p:spPr/>
-        <p:txBody>
-          <a:bodyPr/>
-          <a:lstStyle/>
-          <a:p>
-            <a:r>
-              <a:rPr lang="en-US" altLang="zh-Hans" sz="2400" dirty="0"/>
-              <a:t>Build</a:t>
-            </a:r>
-            <a:r>
-              <a:rPr lang="zh-Hans" altLang="en-US" sz="2400" dirty="0"/>
-              <a:t> </a:t>
-            </a:r>
-            <a:r>
-              <a:rPr lang="en-US" altLang="zh-Hans" sz="2400" dirty="0"/>
-              <a:t>a</a:t>
-            </a:r>
-            <a:r>
-              <a:rPr lang="zh-Hans" altLang="en-US" sz="2400" dirty="0"/>
-              <a:t> </a:t>
-            </a:r>
-            <a:r>
-              <a:rPr lang="en-US" altLang="zh-Hans" sz="2400" dirty="0"/>
-              <a:t>team</a:t>
-            </a:r>
-            <a:r>
-              <a:rPr lang="zh-Hans" altLang="en-US" sz="2400" dirty="0"/>
-              <a:t> </a:t>
-            </a:r>
-            <a:r>
-              <a:rPr lang="en-US" altLang="zh-Hans" sz="2400" dirty="0"/>
-              <a:t>(ACE)</a:t>
-            </a:r>
-            <a:r>
-              <a:rPr lang="zh-Hans" altLang="en-US" sz="2400" dirty="0"/>
-              <a:t> </a:t>
-            </a:r>
-            <a:r>
-              <a:rPr lang="en-US" altLang="zh-Hans" sz="2400" dirty="0"/>
-              <a:t>development</a:t>
-            </a:r>
-            <a:r>
-              <a:rPr lang="zh-Hans" altLang="en-US" sz="2400" dirty="0"/>
-              <a:t> </a:t>
-            </a:r>
-            <a:r>
-              <a:rPr lang="en-US" altLang="zh-Hans" sz="2400" dirty="0"/>
-              <a:t>server </a:t>
-            </a:r>
-          </a:p>
-          <a:p>
-            <a:pPr lvl="1"/>
-            <a:r>
-              <a:rPr lang="en-US" altLang="zh-Hans" sz="2100" dirty="0"/>
-              <a:t>Development</a:t>
-            </a:r>
-            <a:r>
-              <a:rPr lang="zh-Hans" altLang="en-US" sz="2100" dirty="0"/>
-              <a:t> </a:t>
-            </a:r>
-            <a:r>
-              <a:rPr lang="en-US" altLang="zh-Hans" sz="2100" dirty="0"/>
-              <a:t>server</a:t>
-            </a:r>
-            <a:r>
-              <a:rPr lang="zh-Hans" altLang="en-US" sz="2100" dirty="0"/>
-              <a:t> </a:t>
-            </a:r>
-            <a:r>
-              <a:rPr lang="en-US" altLang="zh-Hans" sz="2100" dirty="0"/>
-              <a:t>will:</a:t>
-            </a:r>
-          </a:p>
-          <a:p>
-            <a:pPr lvl="2"/>
-            <a:r>
-              <a:rPr lang="en-US" altLang="zh-Hans" sz="1800" b="1" dirty="0"/>
-              <a:t>R</a:t>
-            </a:r>
-            <a:r>
-              <a:rPr lang="en-US" sz="1800" b="1" dirty="0"/>
-              <a:t>un</a:t>
-            </a:r>
-            <a:r>
-              <a:rPr lang="en-US" sz="1800" dirty="0"/>
-              <a:t> </a:t>
-            </a:r>
-            <a:r>
-              <a:rPr lang="en-US" sz="1800" dirty="0">
-                <a:solidFill>
-                  <a:srgbClr val="FF0000"/>
-                </a:solidFill>
-              </a:rPr>
-              <a:t>final</a:t>
-            </a:r>
-            <a:r>
-              <a:rPr lang="en-US" sz="1800" dirty="0"/>
-              <a:t> models only</a:t>
-            </a:r>
-            <a:r>
-              <a:rPr lang="en-US" sz="1800" b="1" dirty="0"/>
-              <a:t> </a:t>
-            </a:r>
-            <a:r>
-              <a:rPr lang="en-US" sz="1800" dirty="0"/>
-              <a:t>(i.e., for incorporation into products such as Flexible Analytics)</a:t>
-            </a:r>
-          </a:p>
-          <a:p>
-            <a:pPr lvl="2"/>
-            <a:r>
-              <a:rPr lang="en-US" altLang="zh-Hans" sz="1800" b="1" dirty="0"/>
-              <a:t>A</a:t>
-            </a:r>
-            <a:r>
-              <a:rPr lang="en-US" sz="1800" b="1" dirty="0"/>
-              <a:t>rchive</a:t>
-            </a:r>
-            <a:r>
-              <a:rPr lang="en-US" sz="1800" dirty="0"/>
-              <a:t> </a:t>
-            </a:r>
-            <a:r>
-              <a:rPr lang="en-US" sz="1800" dirty="0">
-                <a:solidFill>
-                  <a:srgbClr val="FF0000"/>
-                </a:solidFill>
-              </a:rPr>
-              <a:t>final</a:t>
-            </a:r>
-            <a:r>
-              <a:rPr lang="en-US" sz="1800" dirty="0"/>
-              <a:t> code, metadata, and relevant train/test/output datasets (HIPAA)</a:t>
-            </a:r>
-          </a:p>
-          <a:p>
-            <a:pPr lvl="2"/>
-            <a:r>
-              <a:rPr lang="en-US" altLang="zh-Hans" sz="1800" b="1" dirty="0"/>
-              <a:t>I</a:t>
-            </a:r>
-            <a:r>
-              <a:rPr lang="en-US" sz="1800" b="1" dirty="0"/>
-              <a:t>nterface</a:t>
-            </a:r>
-            <a:r>
-              <a:rPr lang="en-US" sz="1800" dirty="0"/>
-              <a:t> with production/engineering teams (e.g., through use of Docker)</a:t>
-            </a:r>
-          </a:p>
-          <a:p>
-            <a:pPr lvl="1"/>
-            <a:endParaRPr lang="en-US" altLang="zh-CN" sz="2000" dirty="0"/>
-          </a:p>
-          <a:p>
-            <a:r>
-              <a:rPr lang="en-US" altLang="zh-Hans" sz="2400" dirty="0"/>
-              <a:t>Build</a:t>
-            </a:r>
-            <a:r>
-              <a:rPr lang="zh-Hans" altLang="en-US" sz="2400" dirty="0"/>
-              <a:t> </a:t>
-            </a:r>
-            <a:r>
-              <a:rPr lang="en-US" altLang="zh-Hans" sz="2400" dirty="0"/>
-              <a:t>a</a:t>
-            </a:r>
-            <a:r>
-              <a:rPr lang="zh-Hans" altLang="en-US" sz="2400" dirty="0"/>
-              <a:t> </a:t>
-            </a:r>
-            <a:r>
-              <a:rPr lang="en-US" altLang="zh-Hans" sz="2400" dirty="0"/>
-              <a:t>team</a:t>
-            </a:r>
-            <a:r>
-              <a:rPr lang="zh-Hans" altLang="en-US" sz="2400" dirty="0"/>
-              <a:t> </a:t>
-            </a:r>
-            <a:r>
-              <a:rPr lang="en-US" altLang="zh-Hans" sz="2400" dirty="0"/>
-              <a:t>(ACE)</a:t>
-            </a:r>
-            <a:r>
-              <a:rPr lang="zh-Hans" altLang="en-US" sz="2400" dirty="0"/>
-              <a:t> </a:t>
-            </a:r>
-            <a:r>
-              <a:rPr lang="en-US" altLang="zh-Hans" sz="2400" dirty="0"/>
-              <a:t>sandbox</a:t>
-            </a:r>
-            <a:r>
-              <a:rPr lang="zh-Hans" altLang="en-US" sz="2400" dirty="0"/>
-              <a:t> </a:t>
-            </a:r>
-            <a:r>
-              <a:rPr lang="en-US" altLang="zh-Hans" sz="2400" dirty="0"/>
-              <a:t>server</a:t>
-            </a:r>
-          </a:p>
-          <a:p>
-            <a:pPr lvl="1"/>
-            <a:r>
-              <a:rPr lang="en-US" altLang="zh-Hans" sz="2100" dirty="0"/>
-              <a:t>Sandbox</a:t>
-            </a:r>
-            <a:r>
-              <a:rPr lang="zh-Hans" altLang="en-US" sz="2100" dirty="0"/>
-              <a:t> </a:t>
-            </a:r>
-            <a:r>
-              <a:rPr lang="en-US" altLang="zh-Hans" sz="2100" dirty="0"/>
-              <a:t>server</a:t>
-            </a:r>
-            <a:r>
-              <a:rPr lang="zh-Hans" altLang="en-US" sz="2100" dirty="0"/>
-              <a:t> </a:t>
-            </a:r>
-            <a:r>
-              <a:rPr lang="en-US" altLang="zh-Hans" sz="2100" dirty="0"/>
-              <a:t>will</a:t>
-            </a:r>
-            <a:r>
-              <a:rPr lang="en-US" altLang="zh-Hans" sz="1800" dirty="0"/>
-              <a:t>:</a:t>
-            </a:r>
-          </a:p>
-          <a:p>
-            <a:pPr lvl="2"/>
-            <a:r>
-              <a:rPr lang="en-US" altLang="zh-Hans" sz="1800" b="1" dirty="0"/>
-              <a:t>Provide </a:t>
-            </a:r>
-            <a:r>
-              <a:rPr lang="en-US" altLang="zh-Hans" sz="1800" dirty="0"/>
-              <a:t>space for model fitting and testing</a:t>
-            </a:r>
-          </a:p>
-          <a:p>
-            <a:pPr lvl="2"/>
-            <a:r>
-              <a:rPr lang="en-US" altLang="zh-Hans" sz="1800" b="1" dirty="0"/>
-              <a:t>A</a:t>
-            </a:r>
-            <a:r>
-              <a:rPr lang="en-US" sz="1800" b="1" dirty="0"/>
-              <a:t>rchive</a:t>
-            </a:r>
-            <a:r>
-              <a:rPr lang="en-US" sz="1800" dirty="0"/>
-              <a:t> code, metadata, and relevant train/test/output datasets (HIPAA)</a:t>
-            </a:r>
-          </a:p>
-          <a:p>
-            <a:pPr lvl="2"/>
-            <a:r>
-              <a:rPr lang="en-US" altLang="zh-Hans" sz="1800" b="1" dirty="0"/>
-              <a:t>I</a:t>
-            </a:r>
-            <a:r>
-              <a:rPr lang="en-US" sz="1800" b="1" dirty="0"/>
-              <a:t>nterface</a:t>
-            </a:r>
-            <a:r>
-              <a:rPr lang="en-US" sz="1800" dirty="0"/>
-              <a:t> with development server (e.g., through use of Docker)</a:t>
-            </a:r>
-          </a:p>
-          <a:p>
-            <a:pPr lvl="1"/>
-            <a:endParaRPr lang="en-US" altLang="zh-CN" sz="2000" dirty="0"/>
-          </a:p>
-        </p:txBody>
-      </p:sp>
-    </p:spTree>
-    <p:extLst>
-      <p:ext uri="{BB962C8B-B14F-4D97-AF65-F5344CB8AC3E}">
-        <p14:creationId xmlns:p14="http://schemas.microsoft.com/office/powerpoint/2010/main" val="164554460"/>
+        <p14:creationId xmlns:p14="http://schemas.microsoft.com/office/powerpoint/2010/main" val="1556738814"/>
       </p:ext>
     </p:extLst>
   </p:cSld>
@@ -7618,23 +8203,7 @@
           <a:p>
             <a:r>
               <a:rPr lang="en-US" altLang="zh-Hans" dirty="0"/>
-              <a:t>The</a:t>
-            </a:r>
-            <a:r>
-              <a:rPr lang="zh-Hans" altLang="en-US" dirty="0"/>
-              <a:t> </a:t>
-            </a:r>
-            <a:r>
-              <a:rPr lang="en-US" altLang="zh-Hans" dirty="0"/>
-              <a:t>building</a:t>
-            </a:r>
-            <a:r>
-              <a:rPr lang="zh-Hans" altLang="en-US" dirty="0"/>
-              <a:t> </a:t>
-            </a:r>
-            <a:r>
-              <a:rPr lang="en-US" altLang="zh-Hans" dirty="0"/>
-              <a:t>blocks</a:t>
+              <a:t>Objectives</a:t>
             </a:r>
             <a:endParaRPr lang="en-US" dirty="0"/>
           </a:p>
@@ -7656,221 +8225,282 @@
           <a:lstStyle/>
           <a:p>
             <a:r>
-              <a:rPr lang="en-US" altLang="zh-CN" sz="2300" dirty="0"/>
-              <a:t>Capacity: </a:t>
-            </a:r>
-            <a:r>
-              <a:rPr lang="en-US" altLang="zh-Hans" sz="2300" dirty="0"/>
-              <a:t>storage</a:t>
-            </a:r>
-            <a:r>
-              <a:rPr lang="zh-Hans" altLang="en-US" sz="2300" dirty="0"/>
+              <a:rPr lang="en-US" altLang="zh-Hans" sz="2400" dirty="0"/>
+              <a:t>Build</a:t>
+            </a:r>
+            <a:r>
+              <a:rPr lang="zh-Hans" altLang="en-US" sz="2400" dirty="0"/>
               <a:t> </a:t>
             </a:r>
             <a:r>
-              <a:rPr lang="en-US" altLang="zh-Hans" sz="2300" dirty="0"/>
-              <a:t>and</a:t>
-            </a:r>
-            <a:r>
-              <a:rPr lang="zh-Hans" altLang="en-US" sz="2300" dirty="0"/>
+              <a:rPr lang="en-US" altLang="zh-Hans" sz="2400" dirty="0"/>
+              <a:t>a</a:t>
+            </a:r>
+            <a:r>
+              <a:rPr lang="zh-Hans" altLang="en-US" sz="2400" dirty="0"/>
               <a:t> </a:t>
             </a:r>
             <a:r>
-              <a:rPr lang="en-US" altLang="zh-Hans" sz="2300" dirty="0"/>
-              <a:t>computing</a:t>
-            </a:r>
-            <a:r>
-              <a:rPr lang="zh-Hans" altLang="en-US" sz="2300" dirty="0"/>
+              <a:rPr lang="en-US" altLang="zh-Hans" sz="2400" dirty="0"/>
+              <a:t>team</a:t>
+            </a:r>
+            <a:r>
+              <a:rPr lang="zh-Hans" altLang="en-US" sz="2400" dirty="0"/>
               <a:t> </a:t>
             </a:r>
             <a:r>
-              <a:rPr lang="en-US" altLang="zh-Hans" sz="2300" dirty="0"/>
-              <a:t>power</a:t>
+              <a:rPr lang="en-US" altLang="zh-Hans" sz="2400" dirty="0"/>
+              <a:t>(ACE)</a:t>
+            </a:r>
+            <a:r>
+              <a:rPr lang="zh-Hans" altLang="en-US" sz="2400" dirty="0"/>
+              <a:t> </a:t>
+            </a:r>
+            <a:r>
+              <a:rPr lang="en-US" altLang="zh-Hans" sz="2400" dirty="0"/>
+              <a:t>development</a:t>
+            </a:r>
+            <a:r>
+              <a:rPr lang="zh-Hans" altLang="en-US" sz="2400" dirty="0"/>
+              <a:t> </a:t>
+            </a:r>
+            <a:r>
+              <a:rPr lang="en-US" altLang="zh-Hans" sz="2400" dirty="0"/>
+              <a:t>server </a:t>
             </a:r>
           </a:p>
           <a:p>
             <a:pPr lvl="1"/>
             <a:r>
-              <a:rPr lang="en-US" altLang="zh-Hans" sz="2000" dirty="0"/>
-              <a:t>To</a:t>
-            </a:r>
-            <a:r>
-              <a:rPr lang="zh-Hans" altLang="en-US" sz="2000" dirty="0"/>
+              <a:rPr lang="en-US" altLang="zh-Hans" sz="2100" dirty="0"/>
+              <a:t>Development</a:t>
+            </a:r>
+            <a:r>
+              <a:rPr lang="zh-Hans" altLang="en-US" sz="2100" dirty="0"/>
               <a:t> </a:t>
             </a:r>
             <a:r>
-              <a:rPr lang="en-US" altLang="zh-Hans" sz="2000" dirty="0"/>
-              <a:t>accommodate</a:t>
-            </a:r>
-            <a:r>
-              <a:rPr lang="zh-Hans" altLang="en-US" sz="2000" dirty="0"/>
+              <a:rPr lang="en-US" altLang="zh-Hans" sz="2100" dirty="0"/>
+              <a:t>server</a:t>
+            </a:r>
+            <a:r>
+              <a:rPr lang="zh-Hans" altLang="en-US" sz="2100" dirty="0"/>
               <a:t> </a:t>
             </a:r>
             <a:r>
-              <a:rPr lang="en-US" altLang="zh-Hans" sz="2000" dirty="0"/>
-              <a:t>20-30</a:t>
-            </a:r>
-            <a:r>
-              <a:rPr lang="zh-Hans" altLang="en-US" sz="2000" dirty="0"/>
+              <a:rPr lang="en-US" altLang="zh-Hans" sz="2100" dirty="0"/>
+              <a:t>will:</a:t>
+            </a:r>
+          </a:p>
+          <a:p>
+            <a:pPr lvl="2"/>
+            <a:r>
+              <a:rPr lang="en-US" altLang="zh-Hans" sz="1800" b="1" dirty="0"/>
+              <a:t>R</a:t>
+            </a:r>
+            <a:r>
+              <a:rPr lang="en-US" sz="1800" b="1" dirty="0"/>
+              <a:t>un</a:t>
+            </a:r>
+            <a:r>
+              <a:rPr lang="en-US" sz="1800" dirty="0"/>
               <a:t> </a:t>
             </a:r>
             <a:r>
-              <a:rPr lang="en-US" altLang="zh-Hans" sz="2000" dirty="0"/>
-              <a:t>users</a:t>
-            </a:r>
-            <a:r>
-              <a:rPr lang="zh-Hans" altLang="en-US" sz="2000" dirty="0"/>
-              <a:t> </a:t>
-            </a:r>
-            <a:r>
-              <a:rPr lang="en-US" altLang="zh-Hans" sz="2000" dirty="0"/>
-              <a:t>on</a:t>
-            </a:r>
-            <a:r>
-              <a:rPr lang="zh-Hans" altLang="en-US" sz="2000" dirty="0"/>
-              <a:t> </a:t>
-            </a:r>
-            <a:r>
-              <a:rPr lang="en-US" altLang="zh-Hans" sz="2000" dirty="0"/>
-              <a:t>ongoing</a:t>
-            </a:r>
-            <a:r>
-              <a:rPr lang="zh-Hans" altLang="en-US" sz="2000" dirty="0"/>
-              <a:t> </a:t>
-            </a:r>
-            <a:r>
-              <a:rPr lang="en-US" altLang="zh-Hans" sz="2000" dirty="0"/>
-              <a:t>basis</a:t>
-            </a:r>
-          </a:p>
-          <a:p>
-            <a:pPr lvl="1"/>
-            <a:endParaRPr lang="en-US" altLang="zh-CN" sz="2300" dirty="0"/>
-          </a:p>
-          <a:p>
-            <a:r>
-              <a:rPr lang="en-US" altLang="zh-CN" sz="2300" dirty="0">
+              <a:rPr lang="en-US" sz="1800" dirty="0">
                 <a:solidFill>
-                  <a:schemeClr val="tx1"/>
+                  <a:srgbClr val="FF0000"/>
                 </a:solidFill>
               </a:rPr>
-              <a:t>Connectivity:</a:t>
-            </a:r>
-            <a:r>
-              <a:rPr lang="zh-CN" altLang="en-US" sz="2300" dirty="0">
+              <a:t>final</a:t>
+            </a:r>
+            <a:r>
+              <a:rPr lang="en-US" sz="1800" dirty="0"/>
+              <a:t> models only</a:t>
+            </a:r>
+            <a:r>
+              <a:rPr lang="en-US" sz="1800" b="1" dirty="0"/>
+              <a:t> </a:t>
+            </a:r>
+            <a:r>
+              <a:rPr lang="en-US" sz="1800" dirty="0"/>
+              <a:t>(i.e., for incorporation into products such as Flexible Analytics)</a:t>
+            </a:r>
+          </a:p>
+          <a:p>
+            <a:pPr lvl="2"/>
+            <a:r>
+              <a:rPr lang="en-US" altLang="zh-Hans" sz="1800" b="1" dirty="0"/>
+              <a:t>A</a:t>
+            </a:r>
+            <a:r>
+              <a:rPr lang="en-US" sz="1800" b="1" dirty="0"/>
+              <a:t>rchive</a:t>
+            </a:r>
+            <a:r>
+              <a:rPr lang="en-US" sz="1800" dirty="0"/>
+              <a:t> </a:t>
+            </a:r>
+            <a:r>
+              <a:rPr lang="en-US" sz="1800" dirty="0">
                 <a:solidFill>
-                  <a:schemeClr val="tx1"/>
+                  <a:srgbClr val="FF0000"/>
                 </a:solidFill>
               </a:rPr>
+              <a:t>final</a:t>
+            </a:r>
+            <a:r>
+              <a:rPr lang="en-US" sz="1800" dirty="0"/>
+              <a:t> code, metadata, and relevant train/test/output datasets (HIPAA)</a:t>
+            </a:r>
+          </a:p>
+          <a:p>
+            <a:pPr lvl="2"/>
+            <a:r>
+              <a:rPr lang="en-US" altLang="zh-Hans" sz="1800" b="1" dirty="0"/>
+              <a:t>I</a:t>
+            </a:r>
+            <a:r>
+              <a:rPr lang="en-US" sz="1800" b="1" dirty="0"/>
+              <a:t>nterface</a:t>
+            </a:r>
+            <a:r>
+              <a:rPr lang="en-US" sz="1800" dirty="0"/>
+              <a:t> with production/engineering teams (e.g., through use of Docker)</a:t>
+            </a:r>
+          </a:p>
+          <a:p>
+            <a:pPr lvl="1"/>
+            <a:endParaRPr lang="en-US" altLang="zh-CN" sz="2000" dirty="0"/>
+          </a:p>
+          <a:p>
+            <a:r>
+              <a:rPr lang="en-US" altLang="zh-Hans" sz="2400" dirty="0"/>
+              <a:t>Build</a:t>
+            </a:r>
+            <a:r>
+              <a:rPr lang="zh-Hans" altLang="en-US" sz="2400" dirty="0"/>
               <a:t> </a:t>
             </a:r>
             <a:r>
-              <a:rPr lang="en-US" altLang="zh-Hans" sz="2300" dirty="0"/>
-              <a:t>access</a:t>
-            </a:r>
-            <a:r>
-              <a:rPr lang="zh-Hans" altLang="en-US" sz="2300" dirty="0"/>
+              <a:rPr lang="en-US" altLang="zh-Hans" sz="2400" dirty="0"/>
+              <a:t>a</a:t>
+            </a:r>
+            <a:r>
+              <a:rPr lang="zh-Hans" altLang="en-US" sz="2400" dirty="0"/>
               <a:t> </a:t>
             </a:r>
             <a:r>
-              <a:rPr lang="en-US" altLang="zh-Hans" sz="2300" dirty="0"/>
-              <a:t>to</a:t>
-            </a:r>
-            <a:r>
-              <a:rPr lang="zh-Hans" altLang="en-US" sz="2300" dirty="0"/>
+              <a:rPr lang="en-US" altLang="zh-Hans" sz="2400" b="1" dirty="0"/>
+              <a:t>future-proof</a:t>
+            </a:r>
+            <a:r>
+              <a:rPr lang="en-US" altLang="zh-Hans" sz="2400" dirty="0"/>
+              <a:t> team</a:t>
+            </a:r>
+            <a:r>
+              <a:rPr lang="zh-Hans" altLang="en-US" sz="2400" dirty="0"/>
               <a:t> </a:t>
             </a:r>
             <a:r>
-              <a:rPr lang="en-US" altLang="zh-Hans" sz="2300" dirty="0"/>
-              <a:t>in-house</a:t>
-            </a:r>
-            <a:r>
-              <a:rPr lang="zh-Hans" altLang="en-US" sz="2300" dirty="0"/>
+              <a:rPr lang="en-US" altLang="zh-Hans" sz="2400" dirty="0"/>
+              <a:t>(ACE)</a:t>
+            </a:r>
+            <a:r>
+              <a:rPr lang="zh-Hans" altLang="en-US" sz="2400" dirty="0"/>
               <a:t> </a:t>
             </a:r>
             <a:r>
-              <a:rPr lang="en-US" altLang="zh-Hans" sz="2300" dirty="0"/>
-              <a:t>data</a:t>
-            </a:r>
-            <a:r>
-              <a:rPr lang="zh-Hans" altLang="en-US" sz="2300" dirty="0"/>
+              <a:rPr lang="en-US" altLang="zh-Hans" sz="2400" dirty="0"/>
+              <a:t>sandbox</a:t>
+            </a:r>
+            <a:r>
+              <a:rPr lang="zh-Hans" altLang="en-US" sz="2400" dirty="0"/>
               <a:t> </a:t>
             </a:r>
             <a:r>
-              <a:rPr lang="en-US" altLang="zh-Hans" sz="2300" dirty="0"/>
-              <a:t>sources</a:t>
-            </a:r>
-          </a:p>
-          <a:p>
-            <a:endParaRPr lang="en-US" altLang="zh-Hans" sz="2300" dirty="0"/>
-          </a:p>
-          <a:p>
-            <a:r>
-              <a:rPr lang="en-US" altLang="zh-Hans" sz="2300" dirty="0"/>
-              <a:t>Compatibility:</a:t>
-            </a:r>
-            <a:r>
-              <a:rPr lang="zh-Hans" altLang="en-US" sz="2300" dirty="0"/>
+              <a:rPr lang="en-US" altLang="zh-Hans" sz="2400" dirty="0"/>
+              <a:t>server</a:t>
+            </a:r>
+          </a:p>
+          <a:p>
+            <a:pPr lvl="1"/>
+            <a:r>
+              <a:rPr lang="en-US" altLang="zh-Hans" sz="2100" dirty="0"/>
+              <a:t>Sandbox</a:t>
+            </a:r>
+            <a:r>
+              <a:rPr lang="zh-Hans" altLang="en-US" sz="2100" dirty="0"/>
               <a:t> </a:t>
             </a:r>
             <a:r>
-              <a:rPr lang="en-US" altLang="zh-Hans" sz="2300" dirty="0"/>
-              <a:t>version</a:t>
-            </a:r>
-            <a:r>
-              <a:rPr lang="zh-Hans" altLang="en-US" sz="2300" dirty="0"/>
+              <a:rPr lang="en-US" altLang="zh-Hans" sz="2100" dirty="0"/>
+              <a:t>server</a:t>
+            </a:r>
+            <a:r>
+              <a:rPr lang="zh-Hans" altLang="en-US" sz="2100" dirty="0"/>
               <a:t> </a:t>
             </a:r>
             <a:r>
-              <a:rPr lang="en-US" altLang="zh-Hans" sz="2300" dirty="0"/>
-              <a:t>control,</a:t>
-            </a:r>
-            <a:r>
-              <a:rPr lang="zh-Hans" altLang="en-US" sz="2300" dirty="0"/>
-              <a:t> </a:t>
-            </a:r>
-            <a:r>
-              <a:rPr lang="en-US" altLang="zh-Hans" sz="2300" dirty="0"/>
-              <a:t>standardization,</a:t>
-            </a:r>
-            <a:r>
-              <a:rPr lang="zh-Hans" altLang="en-US" sz="2300" dirty="0"/>
-              <a:t> </a:t>
-            </a:r>
-            <a:r>
-              <a:rPr lang="en-US" altLang="zh-Hans" sz="2300" dirty="0"/>
-              <a:t>reproducibility</a:t>
-            </a:r>
-          </a:p>
-          <a:p>
-            <a:endParaRPr lang="en-US" altLang="zh-CN" sz="2300" dirty="0"/>
-          </a:p>
-          <a:p>
-            <a:r>
-              <a:rPr lang="en-US" altLang="zh-CN" sz="2300" dirty="0"/>
-              <a:t>Compliance:</a:t>
-            </a:r>
-            <a:r>
-              <a:rPr lang="zh-CN" altLang="en-US" sz="2300" dirty="0"/>
-              <a:t> </a:t>
-            </a:r>
-            <a:r>
-              <a:rPr lang="en-US" altLang="zh-CN" sz="2300" dirty="0"/>
-              <a:t>HIPAA</a:t>
-            </a:r>
-          </a:p>
-          <a:p>
-            <a:pPr marL="0" indent="0">
-              <a:buNone/>
-            </a:pPr>
-            <a:endParaRPr lang="en-US" altLang="zh-CN" sz="2400" dirty="0"/>
+              <a:rPr lang="en-US" altLang="zh-Hans" sz="2100" dirty="0"/>
+              <a:t>will</a:t>
+            </a:r>
+            <a:r>
+              <a:rPr lang="en-US" altLang="zh-Hans" sz="1800" dirty="0"/>
+              <a:t>:</a:t>
+            </a:r>
+          </a:p>
+          <a:p>
+            <a:pPr lvl="2"/>
+            <a:r>
+              <a:rPr lang="en-US" altLang="zh-Hans" sz="1800" b="1" dirty="0"/>
+              <a:t>Provide </a:t>
+            </a:r>
+            <a:r>
+              <a:rPr lang="en-US" altLang="zh-Hans" sz="1800" dirty="0"/>
+              <a:t>space for model fitting and testing</a:t>
+            </a:r>
+          </a:p>
+          <a:p>
+            <a:pPr lvl="2"/>
+            <a:r>
+              <a:rPr lang="en-US" altLang="zh-Hans" sz="1800" b="1" dirty="0"/>
+              <a:t>A</a:t>
+            </a:r>
+            <a:r>
+              <a:rPr lang="en-US" sz="1800" b="1" dirty="0"/>
+              <a:t>rchive</a:t>
+            </a:r>
+            <a:r>
+              <a:rPr lang="en-US" sz="1800" dirty="0"/>
+              <a:t> code, metadata, and relevant train/test/output datasets (HIPAA)</a:t>
+            </a:r>
+          </a:p>
+          <a:p>
+            <a:pPr lvl="2"/>
+            <a:r>
+              <a:rPr lang="en-US" altLang="zh-Hans" sz="1800" b="1" dirty="0"/>
+              <a:t>I</a:t>
+            </a:r>
+            <a:r>
+              <a:rPr lang="en-US" sz="1800" b="1" dirty="0"/>
+              <a:t>nterface</a:t>
+            </a:r>
+            <a:r>
+              <a:rPr lang="en-US" sz="1800" dirty="0"/>
+              <a:t> with development server (e.g., through use of Docker)</a:t>
+            </a:r>
+          </a:p>
+          <a:p>
+            <a:pPr lvl="1"/>
+            <a:endParaRPr lang="en-US" altLang="zh-CN" sz="2000" dirty="0"/>
           </a:p>
         </p:txBody>
       </p:sp>
     </p:spTree>
     <p:extLst>
       <p:ext uri="{BB962C8B-B14F-4D97-AF65-F5344CB8AC3E}">
-        <p14:creationId xmlns:p14="http://schemas.microsoft.com/office/powerpoint/2010/main" val="4178487571"/>
+        <p14:creationId xmlns:p14="http://schemas.microsoft.com/office/powerpoint/2010/main" val="164554460"/>
       </p:ext>
     </p:extLst>
   </p:cSld>
@@ -7900,6 +8530,303 @@
       </p:grpSpPr>
       <p:sp>
         <p:nvSpPr>
+          <p:cNvPr id="2" name="Title 1"/>
+          <p:cNvSpPr>
+            <a:spLocks noGrp="1"/>
+          </p:cNvSpPr>
+          <p:nvPr>
+            <p:ph type="title"/>
+          </p:nvPr>
+        </p:nvSpPr>
+        <p:spPr/>
+        <p:txBody>
+          <a:bodyPr/>
+          <a:lstStyle/>
+          <a:p>
+            <a:r>
+              <a:rPr lang="en-US" altLang="zh-Hans" dirty="0"/>
+              <a:t>The</a:t>
+            </a:r>
+            <a:r>
+              <a:rPr lang="zh-Hans" altLang="en-US" dirty="0"/>
+              <a:t> </a:t>
+            </a:r>
+            <a:r>
+              <a:rPr lang="en-US" altLang="zh-Hans" dirty="0"/>
+              <a:t>building</a:t>
+            </a:r>
+            <a:r>
+              <a:rPr lang="zh-Hans" altLang="en-US" dirty="0"/>
+              <a:t> </a:t>
+            </a:r>
+            <a:r>
+              <a:rPr lang="en-US" altLang="zh-Hans" dirty="0"/>
+              <a:t>blocks</a:t>
+            </a:r>
+            <a:endParaRPr lang="en-US" dirty="0"/>
+          </a:p>
+        </p:txBody>
+      </p:sp>
+      <p:sp>
+        <p:nvSpPr>
+          <p:cNvPr id="3" name="Content Placeholder 2"/>
+          <p:cNvSpPr>
+            <a:spLocks noGrp="1"/>
+          </p:cNvSpPr>
+          <p:nvPr>
+            <p:ph idx="12"/>
+          </p:nvPr>
+        </p:nvSpPr>
+        <p:spPr/>
+        <p:txBody>
+          <a:bodyPr/>
+          <a:lstStyle/>
+          <a:p>
+            <a:r>
+              <a:rPr lang="en-US" altLang="zh-CN" sz="2400" dirty="0"/>
+              <a:t>Capacity: </a:t>
+            </a:r>
+            <a:r>
+              <a:rPr lang="en-US" altLang="zh-Hans" sz="2400" dirty="0"/>
+              <a:t>storage</a:t>
+            </a:r>
+            <a:r>
+              <a:rPr lang="zh-Hans" altLang="en-US" sz="2400" dirty="0"/>
+              <a:t> </a:t>
+            </a:r>
+            <a:r>
+              <a:rPr lang="en-US" altLang="zh-Hans" sz="2400" dirty="0"/>
+              <a:t>and</a:t>
+            </a:r>
+            <a:r>
+              <a:rPr lang="zh-Hans" altLang="en-US" sz="2400" dirty="0"/>
+              <a:t> </a:t>
+            </a:r>
+            <a:r>
+              <a:rPr lang="en-US" altLang="zh-Hans" sz="2400" dirty="0"/>
+              <a:t>computing</a:t>
+            </a:r>
+            <a:r>
+              <a:rPr lang="zh-Hans" altLang="en-US" sz="2400" dirty="0"/>
+              <a:t> </a:t>
+            </a:r>
+            <a:r>
+              <a:rPr lang="en-US" altLang="zh-Hans" sz="2400" dirty="0"/>
+              <a:t>power</a:t>
+            </a:r>
+          </a:p>
+          <a:p>
+            <a:pPr lvl="1"/>
+            <a:r>
+              <a:rPr lang="en-US" altLang="zh-Hans" sz="2000" dirty="0"/>
+              <a:t>To</a:t>
+            </a:r>
+            <a:r>
+              <a:rPr lang="zh-Hans" altLang="en-US" sz="2000" dirty="0"/>
+              <a:t> </a:t>
+            </a:r>
+            <a:r>
+              <a:rPr lang="en-US" altLang="zh-Hans" sz="2000" dirty="0"/>
+              <a:t>accommodate</a:t>
+            </a:r>
+            <a:r>
+              <a:rPr lang="zh-Hans" altLang="en-US" sz="2000" dirty="0"/>
+              <a:t> </a:t>
+            </a:r>
+            <a:r>
+              <a:rPr lang="en-US" altLang="zh-Hans" sz="2000" dirty="0"/>
+              <a:t>20-30</a:t>
+            </a:r>
+            <a:r>
+              <a:rPr lang="zh-Hans" altLang="en-US" sz="2000" dirty="0"/>
+              <a:t> </a:t>
+            </a:r>
+            <a:r>
+              <a:rPr lang="en-US" altLang="zh-Hans" sz="2000" dirty="0"/>
+              <a:t>users</a:t>
+            </a:r>
+            <a:r>
+              <a:rPr lang="zh-Hans" altLang="en-US" sz="2000" dirty="0"/>
+              <a:t> </a:t>
+            </a:r>
+            <a:r>
+              <a:rPr lang="en-US" altLang="zh-Hans" sz="2000" dirty="0"/>
+              <a:t>on</a:t>
+            </a:r>
+            <a:r>
+              <a:rPr lang="zh-Hans" altLang="en-US" sz="2000" dirty="0"/>
+              <a:t> </a:t>
+            </a:r>
+            <a:r>
+              <a:rPr lang="en-US" altLang="zh-Hans" sz="2000" dirty="0"/>
+              <a:t>ongoing</a:t>
+            </a:r>
+            <a:r>
+              <a:rPr lang="zh-Hans" altLang="en-US" sz="2000" dirty="0"/>
+              <a:t> </a:t>
+            </a:r>
+            <a:r>
+              <a:rPr lang="en-US" altLang="zh-Hans" sz="2000" dirty="0"/>
+              <a:t>basis</a:t>
+            </a:r>
+          </a:p>
+          <a:p>
+            <a:pPr lvl="1"/>
+            <a:endParaRPr lang="en-US" altLang="zh-CN" sz="2300" dirty="0"/>
+          </a:p>
+          <a:p>
+            <a:r>
+              <a:rPr lang="en-US" altLang="zh-CN" sz="2400" dirty="0">
+                <a:solidFill>
+                  <a:schemeClr val="tx1"/>
+                </a:solidFill>
+              </a:rPr>
+              <a:t>Connectivity:</a:t>
+            </a:r>
+            <a:r>
+              <a:rPr lang="zh-CN" altLang="en-US" sz="2400" dirty="0">
+                <a:solidFill>
+                  <a:schemeClr val="tx1"/>
+                </a:solidFill>
+              </a:rPr>
+              <a:t> </a:t>
+            </a:r>
+            <a:r>
+              <a:rPr lang="en-US" altLang="zh-Hans" sz="2400" dirty="0"/>
+              <a:t>access</a:t>
+            </a:r>
+            <a:r>
+              <a:rPr lang="zh-Hans" altLang="en-US" sz="2400" dirty="0"/>
+              <a:t> </a:t>
+            </a:r>
+            <a:r>
+              <a:rPr lang="en-US" altLang="zh-Hans" sz="2400" dirty="0"/>
+              <a:t>to</a:t>
+            </a:r>
+            <a:r>
+              <a:rPr lang="zh-Hans" altLang="en-US" sz="2400" dirty="0"/>
+              <a:t> </a:t>
+            </a:r>
+            <a:r>
+              <a:rPr lang="en-US" altLang="zh-Hans" sz="2400" dirty="0"/>
+              <a:t>in-house</a:t>
+            </a:r>
+            <a:r>
+              <a:rPr lang="zh-Hans" altLang="en-US" sz="2400" dirty="0"/>
+              <a:t> </a:t>
+            </a:r>
+            <a:r>
+              <a:rPr lang="en-US" altLang="zh-Hans" sz="2400" dirty="0"/>
+              <a:t>data</a:t>
+            </a:r>
+            <a:r>
+              <a:rPr lang="zh-Hans" altLang="en-US" sz="2400" dirty="0"/>
+              <a:t> </a:t>
+            </a:r>
+            <a:r>
+              <a:rPr lang="en-US" altLang="zh-Hans" sz="2400" dirty="0"/>
+              <a:t>sources</a:t>
+            </a:r>
+          </a:p>
+          <a:p>
+            <a:endParaRPr lang="en-US" altLang="zh-Hans" sz="2400" dirty="0"/>
+          </a:p>
+          <a:p>
+            <a:r>
+              <a:rPr lang="en-US" altLang="zh-Hans" sz="2400" dirty="0"/>
+              <a:t>Compatibility:</a:t>
+            </a:r>
+            <a:r>
+              <a:rPr lang="zh-Hans" altLang="en-US" sz="2400" dirty="0"/>
+              <a:t> </a:t>
+            </a:r>
+            <a:r>
+              <a:rPr lang="en-US" altLang="zh-Hans" sz="2400" dirty="0"/>
+              <a:t>version</a:t>
+            </a:r>
+            <a:r>
+              <a:rPr lang="zh-Hans" altLang="en-US" sz="2400" dirty="0"/>
+              <a:t> </a:t>
+            </a:r>
+            <a:r>
+              <a:rPr lang="en-US" altLang="zh-Hans" sz="2400" dirty="0"/>
+              <a:t>control,</a:t>
+            </a:r>
+            <a:r>
+              <a:rPr lang="zh-Hans" altLang="en-US" sz="2400" dirty="0"/>
+              <a:t> </a:t>
+            </a:r>
+            <a:r>
+              <a:rPr lang="en-US" altLang="zh-Hans" sz="2400" dirty="0"/>
+              <a:t>standardization,</a:t>
+            </a:r>
+            <a:r>
+              <a:rPr lang="zh-Hans" altLang="en-US" sz="2400" dirty="0"/>
+              <a:t> </a:t>
+            </a:r>
+            <a:r>
+              <a:rPr lang="en-US" altLang="zh-Hans" sz="2400" dirty="0"/>
+              <a:t>reproducibility</a:t>
+            </a:r>
+          </a:p>
+          <a:p>
+            <a:endParaRPr lang="en-US" altLang="zh-CN" sz="2400" dirty="0"/>
+          </a:p>
+          <a:p>
+            <a:r>
+              <a:rPr lang="en-US" altLang="zh-CN" sz="2400" dirty="0"/>
+              <a:t>Compliance:</a:t>
+            </a:r>
+            <a:r>
+              <a:rPr lang="zh-CN" altLang="en-US" sz="2400" dirty="0"/>
+              <a:t> </a:t>
+            </a:r>
+            <a:r>
+              <a:rPr lang="en-US" altLang="zh-CN" sz="2400" dirty="0"/>
+              <a:t>HIPAA and general client data guidelines</a:t>
+            </a:r>
+          </a:p>
+          <a:p>
+            <a:pPr marL="0" indent="0">
+              <a:buNone/>
+            </a:pPr>
+            <a:endParaRPr lang="en-US" altLang="zh-CN" sz="2400" dirty="0"/>
+          </a:p>
+        </p:txBody>
+      </p:sp>
+    </p:spTree>
+    <p:extLst>
+      <p:ext uri="{BB962C8B-B14F-4D97-AF65-F5344CB8AC3E}">
+        <p14:creationId xmlns:p14="http://schemas.microsoft.com/office/powerpoint/2010/main" val="4178487571"/>
+      </p:ext>
+    </p:extLst>
+  </p:cSld>
+  <p:clrMapOvr>
+    <a:masterClrMapping/>
+  </p:clrMapOvr>
+  <p:transition spd="slow"/>
+</p:sld>
+</file>
+
+<file path=ppt/slides/slide6.xml><?xml version="1.0" encoding="utf-8"?>
+<p:sld xmlns:a="http://schemas.openxmlformats.org/drawingml/2006/main" xmlns:r="http://schemas.openxmlformats.org/officeDocument/2006/relationships" xmlns:p="http://schemas.openxmlformats.org/presentationml/2006/main">
+  <p:cSld>
+    <p:spTree>
+      <p:nvGrpSpPr>
+        <p:cNvPr id="1" name=""/>
+        <p:cNvGrpSpPr/>
+        <p:nvPr/>
+      </p:nvGrpSpPr>
+      <p:grpSpPr>
+        <a:xfrm>
+          <a:off x="0" y="0"/>
+          <a:ext cx="0" cy="0"/>
+          <a:chOff x="0" y="0"/>
+          <a:chExt cx="0" cy="0"/>
+        </a:xfrm>
+      </p:grpSpPr>
+      <p:sp>
+        <p:nvSpPr>
           <p:cNvPr id="2" name="Title 1">
             <a:extLst>
               <a:ext uri="{FF2B5EF4-FFF2-40B4-BE49-F238E27FC236}">
@@ -8081,7 +9008,7 @@
         </p:nvSpPr>
         <p:spPr>
           <a:xfrm>
-            <a:off x="2133600" y="2604847"/>
+            <a:off x="3220133" y="2604847"/>
             <a:ext cx="1943100" cy="1562100"/>
           </a:xfrm>
           <a:prstGeom prst="roundRect">
@@ -8142,12 +9069,15 @@
         </p:nvSpPr>
         <p:spPr>
           <a:xfrm>
-            <a:off x="2279650" y="4874775"/>
+            <a:off x="3366183" y="4874775"/>
             <a:ext cx="1651000" cy="1422817"/>
           </a:xfrm>
           <a:prstGeom prst="snip2SameRect">
             <a:avLst/>
           </a:prstGeom>
+          <a:solidFill>
+            <a:schemeClr val="bg2"/>
+          </a:solidFill>
         </p:spPr>
         <p:style>
           <a:lnRef idx="2">
@@ -8192,7 +9122,7 @@
         </p:nvSpPr>
         <p:spPr>
           <a:xfrm>
-            <a:off x="4622800" y="3191584"/>
+            <a:off x="5709333" y="3191584"/>
             <a:ext cx="2540000" cy="2425700"/>
           </a:xfrm>
           <a:prstGeom prst="ellipse">
@@ -8258,7 +9188,7 @@
         </p:nvCxnSpPr>
         <p:spPr>
           <a:xfrm>
-            <a:off x="3105150" y="4271083"/>
+            <a:off x="4191683" y="4271083"/>
             <a:ext cx="0" cy="548640"/>
           </a:xfrm>
           <a:prstGeom prst="straightConnector1">
@@ -8300,7 +9230,7 @@
         </p:nvCxnSpPr>
         <p:spPr>
           <a:xfrm>
-            <a:off x="4191000" y="3300810"/>
+            <a:off x="5277533" y="3300810"/>
             <a:ext cx="577850" cy="282362"/>
           </a:xfrm>
           <a:prstGeom prst="straightConnector1">
@@ -8342,7 +9272,7 @@
         </p:nvCxnSpPr>
         <p:spPr>
           <a:xfrm flipV="1">
-            <a:off x="4076700" y="5191417"/>
+            <a:off x="5163233" y="5191417"/>
             <a:ext cx="635000" cy="296748"/>
           </a:xfrm>
           <a:prstGeom prst="straightConnector1">
@@ -8382,137 +9312,6 @@
 </p:sld>
 </file>
 
-<file path=ppt/slides/slide6.xml><?xml version="1.0" encoding="utf-8"?>
-<p:sld xmlns:a="http://schemas.openxmlformats.org/drawingml/2006/main" xmlns:r="http://schemas.openxmlformats.org/officeDocument/2006/relationships" xmlns:p="http://schemas.openxmlformats.org/presentationml/2006/main">
-  <p:cSld>
-    <p:spTree>
-      <p:nvGrpSpPr>
-        <p:cNvPr id="1" name=""/>
-        <p:cNvGrpSpPr/>
-        <p:nvPr/>
-      </p:nvGrpSpPr>
-      <p:grpSpPr>
-        <a:xfrm>
-          <a:off x="0" y="0"/>
-          <a:ext cx="0" cy="0"/>
-          <a:chOff x="0" y="0"/>
-          <a:chExt cx="0" cy="0"/>
-        </a:xfrm>
-      </p:grpSpPr>
-      <p:sp>
-        <p:nvSpPr>
-          <p:cNvPr id="2" name="Title 1"/>
-          <p:cNvSpPr>
-            <a:spLocks noGrp="1"/>
-          </p:cNvSpPr>
-          <p:nvPr>
-            <p:ph type="title"/>
-          </p:nvPr>
-        </p:nvSpPr>
-        <p:spPr/>
-        <p:txBody>
-          <a:bodyPr/>
-          <a:lstStyle/>
-          <a:p>
-            <a:r>
-              <a:rPr lang="en-US" altLang="zh-CN" dirty="0"/>
-              <a:t>HIPAA	</a:t>
-            </a:r>
-            <a:endParaRPr lang="en-US" dirty="0"/>
-          </a:p>
-        </p:txBody>
-      </p:sp>
-      <p:sp>
-        <p:nvSpPr>
-          <p:cNvPr id="3" name="Content Placeholder 2"/>
-          <p:cNvSpPr>
-            <a:spLocks noGrp="1"/>
-          </p:cNvSpPr>
-          <p:nvPr>
-            <p:ph idx="12"/>
-          </p:nvPr>
-        </p:nvSpPr>
-        <p:spPr/>
-        <p:txBody>
-          <a:bodyPr/>
-          <a:lstStyle/>
-          <a:p>
-            <a:r>
-              <a:rPr lang="en-US" sz="2400" dirty="0"/>
-              <a:t>The Security Rule requires covered entities to maintain reasonable and appropriate administrative, technical, and physical safeguards for protecting e-PHI.</a:t>
-            </a:r>
-            <a:r>
-              <a:rPr lang="zh-CN" altLang="en-US" sz="2400" dirty="0"/>
-              <a:t> </a:t>
-            </a:r>
-            <a:r>
-              <a:rPr lang="en-US" sz="2400" dirty="0"/>
-              <a:t>Specifically</a:t>
-            </a:r>
-            <a:r>
-              <a:rPr lang="en-US" altLang="zh-CN" sz="2400" dirty="0"/>
-              <a:t>,</a:t>
-            </a:r>
-            <a:r>
-              <a:rPr lang="en-US" sz="2400" dirty="0"/>
-              <a:t> covered entities must:</a:t>
-            </a:r>
-          </a:p>
-          <a:p>
-            <a:endParaRPr lang="en-US" sz="2400" dirty="0"/>
-          </a:p>
-          <a:p>
-            <a:pPr lvl="1"/>
-            <a:r>
-              <a:rPr lang="en-US" sz="2000" dirty="0"/>
-              <a:t>Ensure the confidentiality, integrity, and availability of all e-PHI they create, receive, maintain or transmit</a:t>
-            </a:r>
-          </a:p>
-          <a:p>
-            <a:pPr lvl="1"/>
-            <a:endParaRPr lang="en-US" sz="2000" dirty="0"/>
-          </a:p>
-          <a:p>
-            <a:pPr lvl="1"/>
-            <a:r>
-              <a:rPr lang="en-US" sz="2000" dirty="0"/>
-              <a:t>Identify and protect against reasonably anticipated threats to the security or integrity of the information</a:t>
-            </a:r>
-          </a:p>
-          <a:p>
-            <a:pPr lvl="1"/>
-            <a:endParaRPr lang="en-US" sz="2000" dirty="0"/>
-          </a:p>
-          <a:p>
-            <a:pPr lvl="1"/>
-            <a:r>
-              <a:rPr lang="en-US" sz="2000" dirty="0"/>
-              <a:t>Protect against reasonably anticipated, impermissible uses or disclosures; and</a:t>
-            </a:r>
-          </a:p>
-          <a:p>
-            <a:pPr lvl="2"/>
-            <a:r>
-              <a:rPr lang="en-US" sz="1800" dirty="0"/>
-              <a:t>Ensure compliance by their workforce</a:t>
-            </a:r>
-          </a:p>
-        </p:txBody>
-      </p:sp>
-    </p:spTree>
-    <p:extLst>
-      <p:ext uri="{BB962C8B-B14F-4D97-AF65-F5344CB8AC3E}">
-        <p14:creationId xmlns:p14="http://schemas.microsoft.com/office/powerpoint/2010/main" val="231035318"/>
-      </p:ext>
-    </p:extLst>
-  </p:cSld>
-  <p:clrMapOvr>
-    <a:masterClrMapping/>
-  </p:clrMapOvr>
-  <p:transition spd="slow"/>
-</p:sld>
-</file>
-
 <file path=ppt/slides/slide7.xml><?xml version="1.0" encoding="utf-8"?>
 <p:sld xmlns:a="http://schemas.openxmlformats.org/drawingml/2006/main" xmlns:r="http://schemas.openxmlformats.org/officeDocument/2006/relationships" xmlns:p="http://schemas.openxmlformats.org/presentationml/2006/main">
   <p:cSld>
@@ -8532,7 +9331,13 @@
       </p:grpSpPr>
       <p:sp>
         <p:nvSpPr>
-          <p:cNvPr id="2" name="Title 1"/>
+          <p:cNvPr id="2" name="Title 1">
+            <a:extLst>
+              <a:ext uri="{FF2B5EF4-FFF2-40B4-BE49-F238E27FC236}">
+                <a16:creationId xmlns:a16="http://schemas.microsoft.com/office/drawing/2014/main" id="{CA739CB1-A170-014E-AE7B-B75A67B1815F}"/>
+              </a:ext>
+            </a:extLst>
+          </p:cNvPr>
           <p:cNvSpPr>
             <a:spLocks noGrp="1"/>
           </p:cNvSpPr>
@@ -8546,24 +9351,8 @@
           <a:lstStyle/>
           <a:p>
             <a:r>
-              <a:rPr lang="en-US" altLang="zh-CN" dirty="0"/>
-              <a:t>What</a:t>
-            </a:r>
-            <a:r>
-              <a:rPr lang="zh-CN" altLang="en-US" dirty="0"/>
-              <a:t> </a:t>
-            </a:r>
-            <a:r>
-              <a:rPr lang="en-US" altLang="zh-CN" dirty="0"/>
-              <a:t>is</a:t>
-            </a:r>
-            <a:r>
-              <a:rPr lang="zh-CN" altLang="en-US" dirty="0"/>
-              <a:t> </a:t>
-            </a:r>
-            <a:r>
-              <a:rPr lang="en-US" altLang="zh-CN" dirty="0"/>
-              <a:t>Docker?</a:t>
+              <a:rPr lang="en-US" altLang="zh-Hans" dirty="0"/>
+              <a:t>Solutions</a:t>
             </a:r>
             <a:endParaRPr lang="en-US" dirty="0"/>
           </a:p>
@@ -8571,7 +9360,13 @@
       </p:sp>
       <p:sp>
         <p:nvSpPr>
-          <p:cNvPr id="3" name="Content Placeholder 2"/>
+          <p:cNvPr id="3" name="Content Placeholder 2">
+            <a:extLst>
+              <a:ext uri="{FF2B5EF4-FFF2-40B4-BE49-F238E27FC236}">
+                <a16:creationId xmlns:a16="http://schemas.microsoft.com/office/drawing/2014/main" id="{A48C84E0-77FB-9641-B127-2B8A90361722}"/>
+              </a:ext>
+            </a:extLst>
+          </p:cNvPr>
           <p:cNvSpPr>
             <a:spLocks noGrp="1"/>
           </p:cNvSpPr>
@@ -8580,107 +9375,582 @@
           </p:nvPr>
         </p:nvSpPr>
         <p:spPr/>
+        <p:style>
+          <a:lnRef idx="2">
+            <a:schemeClr val="accent1"/>
+          </a:lnRef>
+          <a:fillRef idx="1">
+            <a:schemeClr val="lt1"/>
+          </a:fillRef>
+          <a:effectRef idx="0">
+            <a:schemeClr val="accent1"/>
+          </a:effectRef>
+          <a:fontRef idx="minor">
+            <a:schemeClr val="dk1"/>
+          </a:fontRef>
+        </p:style>
         <p:txBody>
           <a:bodyPr/>
           <a:lstStyle/>
           <a:p>
             <a:r>
-              <a:rPr lang="en-US" altLang="zh-CN" sz="2400" dirty="0"/>
-              <a:t>Docker</a:t>
-            </a:r>
-            <a:r>
-              <a:rPr lang="zh-CN" altLang="en-US" sz="2400" dirty="0"/>
+              <a:rPr lang="en-US" altLang="zh-CN" sz="2400" dirty="0">
+                <a:solidFill>
+                  <a:schemeClr val="tx1"/>
+                </a:solidFill>
+              </a:rPr>
+              <a:t>Connectivity:</a:t>
+            </a:r>
+            <a:r>
+              <a:rPr lang="zh-CN" altLang="en-US" sz="2400" dirty="0">
+                <a:solidFill>
+                  <a:schemeClr val="tx1"/>
+                </a:solidFill>
+              </a:rPr>
               <a:t> </a:t>
             </a:r>
             <a:r>
-              <a:rPr lang="en-US" altLang="zh-CN" sz="2400" dirty="0"/>
-              <a:t>is</a:t>
-            </a:r>
-            <a:r>
-              <a:rPr lang="zh-CN" altLang="en-US" sz="2400" dirty="0"/>
+              <a:rPr lang="en-US" altLang="zh-Hans" sz="2400" dirty="0"/>
+              <a:t>access</a:t>
+            </a:r>
+            <a:r>
+              <a:rPr lang="zh-Hans" altLang="en-US" sz="2400" dirty="0"/>
               <a:t> </a:t>
             </a:r>
             <a:r>
-              <a:rPr lang="en-US" altLang="zh-CN" sz="2400" dirty="0"/>
-              <a:t>an</a:t>
-            </a:r>
-            <a:r>
-              <a:rPr lang="zh-CN" altLang="en-US" sz="2400" dirty="0"/>
+              <a:rPr lang="en-US" altLang="zh-Hans" sz="2400" dirty="0"/>
+              <a:t>to</a:t>
+            </a:r>
+            <a:r>
+              <a:rPr lang="zh-Hans" altLang="en-US" sz="2400" dirty="0"/>
               <a:t> </a:t>
             </a:r>
             <a:r>
-              <a:rPr lang="en-US" altLang="zh-CN" sz="2400" dirty="0"/>
-              <a:t>realization</a:t>
-            </a:r>
-            <a:r>
-              <a:rPr lang="zh-CN" altLang="en-US" sz="2400" dirty="0"/>
-              <a:t> </a:t>
-            </a:r>
-            <a:r>
-              <a:rPr lang="en-US" altLang="zh-CN" sz="2400" dirty="0"/>
-              <a:t>of</a:t>
-            </a:r>
-            <a:r>
-              <a:rPr lang="zh-CN" altLang="en-US" sz="2400" dirty="0"/>
-              <a:t> </a:t>
-            </a:r>
-            <a:r>
-              <a:rPr lang="en-US" altLang="zh-CN" sz="2400" dirty="0"/>
-              <a:t>container</a:t>
-            </a:r>
-            <a:r>
-              <a:rPr lang="zh-CN" altLang="en-US" sz="2400" dirty="0"/>
-              <a:t> </a:t>
-            </a:r>
-            <a:r>
-              <a:rPr lang="en-US" altLang="zh-CN" sz="2400" dirty="0"/>
-              <a:t>technology.</a:t>
-            </a:r>
-            <a:r>
-              <a:rPr lang="zh-CN" altLang="en-US" sz="2400" dirty="0"/>
-              <a:t> </a:t>
-            </a:r>
-            <a:r>
-              <a:rPr lang="en-US" sz="2400" dirty="0"/>
-              <a:t>A container image is a lightweight, stand-alone, executable package of a piece of software that includes everything needed to run it: code, runtime, system tools, system libraries, settings. </a:t>
-            </a:r>
-          </a:p>
-        </p:txBody>
-      </p:sp>
-      <p:pic>
-        <p:nvPicPr>
-          <p:cNvPr id="4" name="Picture 3"/>
-          <p:cNvPicPr>
-            <a:picLocks noChangeAspect="1"/>
-          </p:cNvPicPr>
-          <p:nvPr/>
-        </p:nvPicPr>
-        <p:blipFill>
-          <a:blip r:embed="rId2">
+              <a:rPr lang="en-US" altLang="zh-Hans" sz="2400" dirty="0"/>
+              <a:t>MarketScan, data mentor and etc. </a:t>
+            </a:r>
+          </a:p>
+          <a:p>
+            <a:pPr lvl="1"/>
+            <a:r>
+              <a:rPr lang="en-US" altLang="zh-Hans" sz="2100" dirty="0"/>
+              <a:t>Attached storage with NFS/Sand mount to 0852 and 1465 server</a:t>
+            </a:r>
+          </a:p>
+          <a:p>
+            <a:pPr lvl="1"/>
+            <a:endParaRPr lang="en-US" altLang="zh-Hans" sz="2100" dirty="0"/>
+          </a:p>
+          <a:p>
+            <a:endParaRPr lang="en-US" dirty="0"/>
+          </a:p>
+        </p:txBody>
+      </p:sp>
+      <p:sp>
+        <p:nvSpPr>
+          <p:cNvPr id="4" name="Rounded Rectangle 3">
             <a:extLst>
-              <a:ext uri="{28A0092B-C50C-407E-A947-70E740481C1C}">
-                <a14:useLocalDpi xmlns:a14="http://schemas.microsoft.com/office/drawing/2010/main" val="0"/>
+              <a:ext uri="{FF2B5EF4-FFF2-40B4-BE49-F238E27FC236}">
+                <a16:creationId xmlns:a16="http://schemas.microsoft.com/office/drawing/2014/main" id="{E844E18B-6303-AE4C-860B-517AF994698C}"/>
               </a:ext>
             </a:extLst>
-          </a:blip>
-          <a:stretch>
-            <a:fillRect/>
-          </a:stretch>
-        </p:blipFill>
+          </p:cNvPr>
+          <p:cNvSpPr/>
+          <p:nvPr/>
+        </p:nvSpPr>
         <p:spPr>
           <a:xfrm>
-            <a:off x="5981700" y="3493773"/>
-            <a:ext cx="5600700" cy="2675890"/>
+            <a:off x="4866039" y="2604847"/>
+            <a:ext cx="1943100" cy="1562100"/>
           </a:xfrm>
-          <a:prstGeom prst="rect">
+          <a:prstGeom prst="roundRect">
+            <a:avLst/>
+          </a:prstGeom>
+          <a:solidFill>
+            <a:schemeClr val="accent1"/>
+          </a:solidFill>
+        </p:spPr>
+        <p:style>
+          <a:lnRef idx="2">
+            <a:schemeClr val="accent1">
+              <a:shade val="50000"/>
+            </a:schemeClr>
+          </a:lnRef>
+          <a:fillRef idx="1">
+            <a:schemeClr val="accent1"/>
+          </a:fillRef>
+          <a:effectRef idx="0">
+            <a:schemeClr val="accent1"/>
+          </a:effectRef>
+          <a:fontRef idx="minor">
+            <a:schemeClr val="lt1"/>
+          </a:fontRef>
+        </p:style>
+        <p:txBody>
+          <a:bodyPr rtlCol="0" anchor="ctr"/>
+          <a:lstStyle/>
+          <a:p>
+            <a:pPr algn="ctr"/>
+            <a:r>
+              <a:rPr lang="en-US" altLang="zh-Hans" dirty="0"/>
+              <a:t>Physical</a:t>
+            </a:r>
+            <a:r>
+              <a:rPr lang="zh-Hans" altLang="en-US" dirty="0"/>
+              <a:t> </a:t>
+            </a:r>
+            <a:r>
+              <a:rPr lang="en-US" altLang="zh-Hans" dirty="0"/>
+              <a:t>Server</a:t>
+            </a:r>
+            <a:endParaRPr lang="en-US" dirty="0"/>
+          </a:p>
+        </p:txBody>
+      </p:sp>
+      <p:sp>
+        <p:nvSpPr>
+          <p:cNvPr id="5" name="Snip Same Side Corner Rectangle 4">
+            <a:extLst>
+              <a:ext uri="{FF2B5EF4-FFF2-40B4-BE49-F238E27FC236}">
+                <a16:creationId xmlns:a16="http://schemas.microsoft.com/office/drawing/2014/main" id="{591BB9D5-E350-3545-8FBD-58B4D8748D17}"/>
+              </a:ext>
+            </a:extLst>
+          </p:cNvPr>
+          <p:cNvSpPr/>
+          <p:nvPr/>
+        </p:nvSpPr>
+        <p:spPr>
+          <a:xfrm>
+            <a:off x="5012089" y="4874775"/>
+            <a:ext cx="1651000" cy="1422817"/>
+          </a:xfrm>
+          <a:prstGeom prst="snip2SameRect">
+            <a:avLst/>
+          </a:prstGeom>
+          <a:solidFill>
+            <a:schemeClr val="bg2"/>
+          </a:solidFill>
+        </p:spPr>
+        <p:style>
+          <a:lnRef idx="2">
+            <a:schemeClr val="accent1">
+              <a:shade val="50000"/>
+            </a:schemeClr>
+          </a:lnRef>
+          <a:fillRef idx="1">
+            <a:schemeClr val="accent1"/>
+          </a:fillRef>
+          <a:effectRef idx="0">
+            <a:schemeClr val="accent1"/>
+          </a:effectRef>
+          <a:fontRef idx="minor">
+            <a:schemeClr val="lt1"/>
+          </a:fontRef>
+        </p:style>
+        <p:txBody>
+          <a:bodyPr rtlCol="0" anchor="ctr"/>
+          <a:lstStyle/>
+          <a:p>
+            <a:pPr algn="ctr"/>
+            <a:r>
+              <a:rPr lang="en-US" altLang="zh-Hans" dirty="0"/>
+              <a:t>Storage</a:t>
+            </a:r>
+            <a:endParaRPr lang="en-US" dirty="0"/>
+          </a:p>
+        </p:txBody>
+      </p:sp>
+      <p:sp>
+        <p:nvSpPr>
+          <p:cNvPr id="7" name="Oval 6">
+            <a:extLst>
+              <a:ext uri="{FF2B5EF4-FFF2-40B4-BE49-F238E27FC236}">
+                <a16:creationId xmlns:a16="http://schemas.microsoft.com/office/drawing/2014/main" id="{8D247B04-5C4E-974A-AACB-0FA5960CB4FB}"/>
+              </a:ext>
+            </a:extLst>
+          </p:cNvPr>
+          <p:cNvSpPr/>
+          <p:nvPr/>
+        </p:nvSpPr>
+        <p:spPr>
+          <a:xfrm>
+            <a:off x="7355239" y="3191584"/>
+            <a:ext cx="2540000" cy="2425700"/>
+          </a:xfrm>
+          <a:prstGeom prst="ellipse">
             <a:avLst/>
           </a:prstGeom>
         </p:spPr>
-      </p:pic>
+        <p:style>
+          <a:lnRef idx="2">
+            <a:schemeClr val="accent1">
+              <a:shade val="50000"/>
+            </a:schemeClr>
+          </a:lnRef>
+          <a:fillRef idx="1">
+            <a:schemeClr val="accent1"/>
+          </a:fillRef>
+          <a:effectRef idx="0">
+            <a:schemeClr val="accent1"/>
+          </a:effectRef>
+          <a:fontRef idx="minor">
+            <a:schemeClr val="lt1"/>
+          </a:fontRef>
+        </p:style>
+        <p:txBody>
+          <a:bodyPr rtlCol="0" anchor="ctr"/>
+          <a:lstStyle/>
+          <a:p>
+            <a:pPr algn="ctr"/>
+            <a:r>
+              <a:rPr lang="en-US" altLang="zh-Hans" dirty="0"/>
+              <a:t>Distributed</a:t>
+            </a:r>
+            <a:r>
+              <a:rPr lang="zh-Hans" altLang="en-US" dirty="0"/>
+              <a:t> </a:t>
+            </a:r>
+            <a:r>
+              <a:rPr lang="en-US" altLang="zh-Hans" dirty="0"/>
+              <a:t>computing</a:t>
+            </a:r>
+            <a:r>
+              <a:rPr lang="zh-Hans" altLang="en-US" dirty="0"/>
+              <a:t> </a:t>
+            </a:r>
+            <a:r>
+              <a:rPr lang="en-US" altLang="zh-Hans" dirty="0"/>
+              <a:t>environment</a:t>
+            </a:r>
+            <a:endParaRPr lang="en-US" dirty="0"/>
+          </a:p>
+        </p:txBody>
+      </p:sp>
+      <p:cxnSp>
+        <p:nvCxnSpPr>
+          <p:cNvPr id="9" name="Straight Arrow Connector 8">
+            <a:extLst>
+              <a:ext uri="{FF2B5EF4-FFF2-40B4-BE49-F238E27FC236}">
+                <a16:creationId xmlns:a16="http://schemas.microsoft.com/office/drawing/2014/main" id="{B0585564-E1F0-4C44-9CA7-96DFF1F9DD51}"/>
+              </a:ext>
+            </a:extLst>
+          </p:cNvPr>
+          <p:cNvCxnSpPr/>
+          <p:nvPr/>
+        </p:nvCxnSpPr>
+        <p:spPr>
+          <a:xfrm>
+            <a:off x="5837589" y="4271083"/>
+            <a:ext cx="0" cy="548640"/>
+          </a:xfrm>
+          <a:prstGeom prst="straightConnector1">
+            <a:avLst/>
+          </a:prstGeom>
+          <a:ln w="50800">
+            <a:headEnd type="triangle"/>
+            <a:tailEnd type="triangle"/>
+          </a:ln>
+        </p:spPr>
+        <p:style>
+          <a:lnRef idx="2">
+            <a:schemeClr val="accent1"/>
+          </a:lnRef>
+          <a:fillRef idx="0">
+            <a:schemeClr val="accent1"/>
+          </a:fillRef>
+          <a:effectRef idx="1">
+            <a:schemeClr val="accent1"/>
+          </a:effectRef>
+          <a:fontRef idx="minor">
+            <a:schemeClr val="tx1"/>
+          </a:fontRef>
+        </p:style>
+      </p:cxnSp>
+      <p:cxnSp>
+        <p:nvCxnSpPr>
+          <p:cNvPr id="10" name="Straight Arrow Connector 9">
+            <a:extLst>
+              <a:ext uri="{FF2B5EF4-FFF2-40B4-BE49-F238E27FC236}">
+                <a16:creationId xmlns:a16="http://schemas.microsoft.com/office/drawing/2014/main" id="{55730119-E6AA-494E-ADE7-4B8778365E74}"/>
+              </a:ext>
+            </a:extLst>
+          </p:cNvPr>
+          <p:cNvCxnSpPr>
+            <a:cxnSpLocks/>
+          </p:cNvCxnSpPr>
+          <p:nvPr/>
+        </p:nvCxnSpPr>
+        <p:spPr>
+          <a:xfrm>
+            <a:off x="6923439" y="3300810"/>
+            <a:ext cx="577850" cy="282362"/>
+          </a:xfrm>
+          <a:prstGeom prst="straightConnector1">
+            <a:avLst/>
+          </a:prstGeom>
+          <a:ln w="57150">
+            <a:headEnd type="triangle"/>
+            <a:tailEnd type="triangle"/>
+          </a:ln>
+        </p:spPr>
+        <p:style>
+          <a:lnRef idx="2">
+            <a:schemeClr val="accent1"/>
+          </a:lnRef>
+          <a:fillRef idx="0">
+            <a:schemeClr val="accent1"/>
+          </a:fillRef>
+          <a:effectRef idx="1">
+            <a:schemeClr val="accent1"/>
+          </a:effectRef>
+          <a:fontRef idx="minor">
+            <a:schemeClr val="tx1"/>
+          </a:fontRef>
+        </p:style>
+      </p:cxnSp>
+      <p:cxnSp>
+        <p:nvCxnSpPr>
+          <p:cNvPr id="12" name="Straight Arrow Connector 11">
+            <a:extLst>
+              <a:ext uri="{FF2B5EF4-FFF2-40B4-BE49-F238E27FC236}">
+                <a16:creationId xmlns:a16="http://schemas.microsoft.com/office/drawing/2014/main" id="{4153954C-FDD7-E94B-9242-0DBE3BAC7A46}"/>
+              </a:ext>
+            </a:extLst>
+          </p:cNvPr>
+          <p:cNvCxnSpPr>
+            <a:cxnSpLocks/>
+          </p:cNvCxnSpPr>
+          <p:nvPr/>
+        </p:nvCxnSpPr>
+        <p:spPr>
+          <a:xfrm flipV="1">
+            <a:off x="6809139" y="5191417"/>
+            <a:ext cx="635000" cy="296748"/>
+          </a:xfrm>
+          <a:prstGeom prst="straightConnector1">
+            <a:avLst/>
+          </a:prstGeom>
+          <a:ln w="50800">
+            <a:headEnd type="triangle"/>
+            <a:tailEnd type="triangle"/>
+          </a:ln>
+        </p:spPr>
+        <p:style>
+          <a:lnRef idx="2">
+            <a:schemeClr val="accent1"/>
+          </a:lnRef>
+          <a:fillRef idx="0">
+            <a:schemeClr val="accent1"/>
+          </a:fillRef>
+          <a:effectRef idx="1">
+            <a:schemeClr val="accent1"/>
+          </a:effectRef>
+          <a:fontRef idx="minor">
+            <a:schemeClr val="tx1"/>
+          </a:fontRef>
+        </p:style>
+      </p:cxnSp>
+      <p:sp>
+        <p:nvSpPr>
+          <p:cNvPr id="6" name="Triangle 5">
+            <a:extLst>
+              <a:ext uri="{FF2B5EF4-FFF2-40B4-BE49-F238E27FC236}">
+                <a16:creationId xmlns:a16="http://schemas.microsoft.com/office/drawing/2014/main" id="{D3EE9EB2-9323-9343-9D9C-7728CAF9F22A}"/>
+              </a:ext>
+            </a:extLst>
+          </p:cNvPr>
+          <p:cNvSpPr/>
+          <p:nvPr/>
+        </p:nvSpPr>
+        <p:spPr>
+          <a:xfrm>
+            <a:off x="1771117" y="2604846"/>
+            <a:ext cx="2210704" cy="1597297"/>
+          </a:xfrm>
+          <a:prstGeom prst="triangle">
+            <a:avLst/>
+          </a:prstGeom>
+          <a:solidFill>
+            <a:schemeClr val="accent5">
+              <a:lumMod val="90000"/>
+            </a:schemeClr>
+          </a:solidFill>
+        </p:spPr>
+        <p:style>
+          <a:lnRef idx="2">
+            <a:schemeClr val="accent1">
+              <a:shade val="50000"/>
+            </a:schemeClr>
+          </a:lnRef>
+          <a:fillRef idx="1">
+            <a:schemeClr val="accent1"/>
+          </a:fillRef>
+          <a:effectRef idx="0">
+            <a:schemeClr val="accent1"/>
+          </a:effectRef>
+          <a:fontRef idx="minor">
+            <a:schemeClr val="lt1"/>
+          </a:fontRef>
+        </p:style>
+        <p:txBody>
+          <a:bodyPr rtlCol="0" anchor="ctr"/>
+          <a:lstStyle/>
+          <a:p>
+            <a:pPr algn="ctr"/>
+            <a:r>
+              <a:rPr lang="en-US" b="1" dirty="0"/>
+              <a:t>1465: NIKE</a:t>
+            </a:r>
+          </a:p>
+        </p:txBody>
+      </p:sp>
+      <p:sp>
+        <p:nvSpPr>
+          <p:cNvPr id="11" name="Triangle 10">
+            <a:extLst>
+              <a:ext uri="{FF2B5EF4-FFF2-40B4-BE49-F238E27FC236}">
+                <a16:creationId xmlns:a16="http://schemas.microsoft.com/office/drawing/2014/main" id="{0F3BA14D-4CEF-7E4A-847D-BF82B4F72313}"/>
+              </a:ext>
+            </a:extLst>
+          </p:cNvPr>
+          <p:cNvSpPr/>
+          <p:nvPr/>
+        </p:nvSpPr>
+        <p:spPr>
+          <a:xfrm>
+            <a:off x="1761810" y="4604389"/>
+            <a:ext cx="2211303" cy="1600200"/>
+          </a:xfrm>
+          <a:prstGeom prst="triangle">
+            <a:avLst/>
+          </a:prstGeom>
+          <a:solidFill>
+            <a:schemeClr val="accent5">
+              <a:lumMod val="90000"/>
+            </a:schemeClr>
+          </a:solidFill>
+        </p:spPr>
+        <p:style>
+          <a:lnRef idx="2">
+            <a:schemeClr val="accent1">
+              <a:shade val="50000"/>
+            </a:schemeClr>
+          </a:lnRef>
+          <a:fillRef idx="1">
+            <a:schemeClr val="accent1"/>
+          </a:fillRef>
+          <a:effectRef idx="0">
+            <a:schemeClr val="accent1"/>
+          </a:effectRef>
+          <a:fontRef idx="minor">
+            <a:schemeClr val="lt1"/>
+          </a:fontRef>
+        </p:style>
+        <p:txBody>
+          <a:bodyPr rtlCol="0" anchor="ctr"/>
+          <a:lstStyle/>
+          <a:p>
+            <a:pPr algn="ctr"/>
+            <a:r>
+              <a:rPr lang="en-US" b="1" dirty="0"/>
+              <a:t>0852:</a:t>
+            </a:r>
+            <a:br>
+              <a:rPr lang="en-US" b="1" dirty="0"/>
+            </a:br>
+            <a:r>
+              <a:rPr lang="en-US" b="1" dirty="0"/>
+              <a:t>Analytic</a:t>
+            </a:r>
+          </a:p>
+        </p:txBody>
+      </p:sp>
+      <p:cxnSp>
+        <p:nvCxnSpPr>
+          <p:cNvPr id="17" name="Straight Arrow Connector 16">
+            <a:extLst>
+              <a:ext uri="{FF2B5EF4-FFF2-40B4-BE49-F238E27FC236}">
+                <a16:creationId xmlns:a16="http://schemas.microsoft.com/office/drawing/2014/main" id="{B4BF0F1C-ED06-CE48-AFAD-701DD20D4156}"/>
+              </a:ext>
+            </a:extLst>
+          </p:cNvPr>
+          <p:cNvCxnSpPr>
+            <a:cxnSpLocks/>
+          </p:cNvCxnSpPr>
+          <p:nvPr/>
+        </p:nvCxnSpPr>
+        <p:spPr>
+          <a:xfrm>
+            <a:off x="4099010" y="4287861"/>
+            <a:ext cx="928336" cy="633056"/>
+          </a:xfrm>
+          <a:prstGeom prst="straightConnector1">
+            <a:avLst/>
+          </a:prstGeom>
+          <a:ln w="50800">
+            <a:tailEnd type="triangle"/>
+          </a:ln>
+        </p:spPr>
+        <p:style>
+          <a:lnRef idx="1">
+            <a:schemeClr val="accent1"/>
+          </a:lnRef>
+          <a:fillRef idx="0">
+            <a:schemeClr val="accent1"/>
+          </a:fillRef>
+          <a:effectRef idx="0">
+            <a:schemeClr val="accent1"/>
+          </a:effectRef>
+          <a:fontRef idx="minor">
+            <a:schemeClr val="tx1"/>
+          </a:fontRef>
+        </p:style>
+      </p:cxnSp>
+      <p:cxnSp>
+        <p:nvCxnSpPr>
+          <p:cNvPr id="19" name="Straight Arrow Connector 18">
+            <a:extLst>
+              <a:ext uri="{FF2B5EF4-FFF2-40B4-BE49-F238E27FC236}">
+                <a16:creationId xmlns:a16="http://schemas.microsoft.com/office/drawing/2014/main" id="{D9E9E475-A976-9443-B9E3-56F744C276FE}"/>
+              </a:ext>
+            </a:extLst>
+          </p:cNvPr>
+          <p:cNvCxnSpPr>
+            <a:cxnSpLocks/>
+          </p:cNvCxnSpPr>
+          <p:nvPr/>
+        </p:nvCxnSpPr>
+        <p:spPr>
+          <a:xfrm flipV="1">
+            <a:off x="3928881" y="5617284"/>
+            <a:ext cx="966618" cy="267834"/>
+          </a:xfrm>
+          <a:prstGeom prst="straightConnector1">
+            <a:avLst/>
+          </a:prstGeom>
+          <a:ln w="50800">
+            <a:tailEnd type="triangle"/>
+          </a:ln>
+        </p:spPr>
+        <p:style>
+          <a:lnRef idx="1">
+            <a:schemeClr val="accent1"/>
+          </a:lnRef>
+          <a:fillRef idx="0">
+            <a:schemeClr val="accent1"/>
+          </a:fillRef>
+          <a:effectRef idx="0">
+            <a:schemeClr val="accent1"/>
+          </a:effectRef>
+          <a:fontRef idx="minor">
+            <a:schemeClr val="tx1"/>
+          </a:fontRef>
+        </p:style>
+      </p:cxnSp>
     </p:spTree>
     <p:extLst>
       <p:ext uri="{BB962C8B-B14F-4D97-AF65-F5344CB8AC3E}">
-        <p14:creationId xmlns:p14="http://schemas.microsoft.com/office/powerpoint/2010/main" val="1398012406"/>
+        <p14:creationId xmlns:p14="http://schemas.microsoft.com/office/powerpoint/2010/main" val="2970188289"/>
       </p:ext>
     </p:extLst>
   </p:cSld>
@@ -8710,7 +9980,13 @@
       </p:grpSpPr>
       <p:sp>
         <p:nvSpPr>
-          <p:cNvPr id="2" name="Title 1"/>
+          <p:cNvPr id="2" name="Title 1">
+            <a:extLst>
+              <a:ext uri="{FF2B5EF4-FFF2-40B4-BE49-F238E27FC236}">
+                <a16:creationId xmlns:a16="http://schemas.microsoft.com/office/drawing/2014/main" id="{CA739CB1-A170-014E-AE7B-B75A67B1815F}"/>
+              </a:ext>
+            </a:extLst>
+          </p:cNvPr>
           <p:cNvSpPr>
             <a:spLocks noGrp="1"/>
           </p:cNvSpPr>
@@ -8724,24 +10000,8 @@
           <a:lstStyle/>
           <a:p>
             <a:r>
-              <a:rPr lang="en-US" altLang="zh-CN" dirty="0"/>
-              <a:t>Benefit</a:t>
-            </a:r>
-            <a:r>
-              <a:rPr lang="zh-CN" altLang="en-US" dirty="0"/>
-              <a:t> </a:t>
-            </a:r>
-            <a:r>
-              <a:rPr lang="en-US" altLang="zh-CN" dirty="0"/>
-              <a:t>of</a:t>
-            </a:r>
-            <a:r>
-              <a:rPr lang="zh-CN" altLang="en-US" dirty="0"/>
-              <a:t> </a:t>
-            </a:r>
-            <a:r>
-              <a:rPr lang="en-US" altLang="zh-CN" dirty="0"/>
-              <a:t>Docker</a:t>
+              <a:rPr lang="en-US" altLang="zh-Hans" dirty="0"/>
+              <a:t>Solutions</a:t>
             </a:r>
             <a:endParaRPr lang="en-US" dirty="0"/>
           </a:p>
@@ -8749,7 +10009,13 @@
       </p:sp>
       <p:sp>
         <p:nvSpPr>
-          <p:cNvPr id="3" name="Content Placeholder 2"/>
+          <p:cNvPr id="3" name="Content Placeholder 2">
+            <a:extLst>
+              <a:ext uri="{FF2B5EF4-FFF2-40B4-BE49-F238E27FC236}">
+                <a16:creationId xmlns:a16="http://schemas.microsoft.com/office/drawing/2014/main" id="{A48C84E0-77FB-9641-B127-2B8A90361722}"/>
+              </a:ext>
+            </a:extLst>
+          </p:cNvPr>
           <p:cNvSpPr>
             <a:spLocks noGrp="1"/>
           </p:cNvSpPr>
@@ -8758,71 +10024,73 @@
           </p:nvPr>
         </p:nvSpPr>
         <p:spPr/>
+        <p:style>
+          <a:lnRef idx="2">
+            <a:schemeClr val="accent1"/>
+          </a:lnRef>
+          <a:fillRef idx="1">
+            <a:schemeClr val="lt1"/>
+          </a:fillRef>
+          <a:effectRef idx="0">
+            <a:schemeClr val="accent1"/>
+          </a:effectRef>
+          <a:fontRef idx="minor">
+            <a:schemeClr val="dk1"/>
+          </a:fontRef>
+        </p:style>
         <p:txBody>
           <a:bodyPr/>
           <a:lstStyle/>
           <a:p>
             <a:r>
-              <a:rPr lang="en-US" altLang="zh-CN" sz="2400" dirty="0"/>
-              <a:t>Standardization</a:t>
+              <a:rPr lang="en-US" altLang="zh-Hans" sz="2400" dirty="0"/>
+              <a:t>Compatibility:</a:t>
+            </a:r>
+            <a:r>
+              <a:rPr lang="zh-Hans" altLang="en-US" sz="2400" dirty="0"/>
+              <a:t> </a:t>
+            </a:r>
+            <a:r>
+              <a:rPr lang="en-US" altLang="zh-Hans" sz="2400" dirty="0"/>
+              <a:t>version</a:t>
+            </a:r>
+            <a:r>
+              <a:rPr lang="zh-Hans" altLang="en-US" sz="2400" dirty="0"/>
+              <a:t> </a:t>
+            </a:r>
+            <a:r>
+              <a:rPr lang="en-US" altLang="zh-Hans" sz="2400" dirty="0"/>
+              <a:t>control,</a:t>
+            </a:r>
+            <a:r>
+              <a:rPr lang="zh-Hans" altLang="en-US" sz="2400" dirty="0"/>
+              <a:t> </a:t>
+            </a:r>
+            <a:r>
+              <a:rPr lang="en-US" altLang="zh-Hans" sz="2400" dirty="0"/>
+              <a:t>standardization,</a:t>
+            </a:r>
+            <a:r>
+              <a:rPr lang="zh-Hans" altLang="en-US" sz="2400" dirty="0"/>
+              <a:t> </a:t>
+            </a:r>
+            <a:r>
+              <a:rPr lang="en-US" altLang="zh-Hans" sz="2400" dirty="0"/>
+              <a:t>reproducibility</a:t>
             </a:r>
           </a:p>
           <a:p>
             <a:pPr lvl="1"/>
             <a:r>
-              <a:rPr lang="en-US" sz="2000" dirty="0"/>
-              <a:t>Rather than building a new environment for every analysis, </a:t>
-            </a:r>
-            <a:r>
-              <a:rPr lang="en-US" altLang="zh-CN" sz="2000" dirty="0"/>
-              <a:t>you</a:t>
-            </a:r>
-            <a:r>
-              <a:rPr lang="zh-CN" altLang="en-US" sz="2000" dirty="0"/>
-              <a:t> </a:t>
-            </a:r>
-            <a:r>
-              <a:rPr lang="en-US" sz="2000" dirty="0"/>
-              <a:t>can put the tools and packages required for certain types of analyses (e.g., SAS, python, etc.) into a container, create an image of that container, and have every user boot up an isolated, standardized environment from that image</a:t>
-            </a:r>
-            <a:endParaRPr lang="en-US" altLang="zh-CN" sz="2000" dirty="0"/>
-          </a:p>
-          <a:p>
-            <a:pPr lvl="1"/>
-            <a:endParaRPr lang="en-US" dirty="0"/>
-          </a:p>
-          <a:p>
-            <a:r>
-              <a:rPr lang="en-US" altLang="zh-CN" sz="2400" dirty="0"/>
-              <a:t>Reproducibility</a:t>
-            </a:r>
-            <a:r>
-              <a:rPr lang="zh-CN" altLang="en-US" dirty="0"/>
-              <a:t> </a:t>
-            </a:r>
-            <a:endParaRPr lang="en-US" altLang="zh-CN" dirty="0"/>
-          </a:p>
-          <a:p>
-            <a:pPr lvl="1"/>
-            <a:r>
-              <a:rPr lang="en-US" sz="2000" dirty="0"/>
-              <a:t>Docker provides an easy way to share working environments including libraries and drivers. This </a:t>
-            </a:r>
-            <a:r>
-              <a:rPr lang="en-US" altLang="zh-CN" sz="2000" dirty="0"/>
-              <a:t>allows</a:t>
-            </a:r>
-            <a:r>
-              <a:rPr lang="zh-CN" altLang="en-US" sz="2000" dirty="0"/>
-              <a:t> </a:t>
-            </a:r>
-            <a:r>
-              <a:rPr lang="en-US" sz="2000" dirty="0"/>
-              <a:t>reproducible data science workflows</a:t>
-            </a:r>
-          </a:p>
-          <a:p>
-            <a:pPr lvl="1"/>
+              <a:rPr lang="en-US" altLang="zh-Hans" sz="2100" dirty="0" err="1"/>
+              <a:t>Git</a:t>
+            </a:r>
+            <a:r>
+              <a:rPr lang="en-US" altLang="zh-Hans" sz="2100" dirty="0"/>
+              <a:t> and Docker</a:t>
+            </a:r>
+          </a:p>
+          <a:p>
             <a:endParaRPr lang="en-US" dirty="0"/>
           </a:p>
         </p:txBody>
@@ -8830,7 +10098,7 @@
     </p:spTree>
     <p:extLst>
       <p:ext uri="{BB962C8B-B14F-4D97-AF65-F5344CB8AC3E}">
-        <p14:creationId xmlns:p14="http://schemas.microsoft.com/office/powerpoint/2010/main" val="1068932571"/>
+        <p14:creationId xmlns:p14="http://schemas.microsoft.com/office/powerpoint/2010/main" val="3785398452"/>
       </p:ext>
     </p:extLst>
   </p:cSld>
@@ -8875,7 +10143,7 @@
           <a:p>
             <a:r>
               <a:rPr lang="en-US" altLang="zh-CN" dirty="0"/>
-              <a:t>Development</a:t>
+              <a:t>What</a:t>
             </a:r>
             <a:r>
               <a:rPr lang="zh-CN" altLang="en-US" dirty="0"/>
@@ -8883,7 +10151,7 @@
             </a:r>
             <a:r>
               <a:rPr lang="en-US" altLang="zh-CN" dirty="0"/>
-              <a:t>vs.</a:t>
+              <a:t>is</a:t>
             </a:r>
             <a:r>
               <a:rPr lang="zh-CN" altLang="en-US" dirty="0"/>
@@ -8891,1100 +10159,124 @@
             </a:r>
             <a:r>
               <a:rPr lang="en-US" altLang="zh-CN" dirty="0"/>
-              <a:t>Sandbox</a:t>
-            </a:r>
-            <a:r>
-              <a:rPr lang="zh-CN" altLang="en-US" dirty="0"/>
-              <a:t> </a:t>
-            </a:r>
-            <a:r>
-              <a:rPr lang="en-US" altLang="zh-CN" dirty="0"/>
-              <a:t>server: specs</a:t>
+              <a:t>Docker?</a:t>
             </a:r>
             <a:endParaRPr lang="en-US" dirty="0"/>
           </a:p>
         </p:txBody>
       </p:sp>
-      <p:graphicFrame>
-        <p:nvGraphicFramePr>
-          <p:cNvPr id="4" name="Content Placeholder 3"/>
-          <p:cNvGraphicFramePr>
-            <a:graphicFrameLocks noGrp="1"/>
-          </p:cNvGraphicFramePr>
+      <p:sp>
+        <p:nvSpPr>
+          <p:cNvPr id="3" name="Content Placeholder 2"/>
+          <p:cNvSpPr>
+            <a:spLocks noGrp="1"/>
+          </p:cNvSpPr>
           <p:nvPr>
             <p:ph idx="12"/>
-            <p:extLst>
-              <p:ext uri="{D42A27DB-BD31-4B8C-83A1-F6EECF244321}">
-                <p14:modId xmlns:p14="http://schemas.microsoft.com/office/powerpoint/2010/main" val="3742977846"/>
-              </p:ext>
-            </p:extLst>
           </p:nvPr>
-        </p:nvGraphicFramePr>
-        <p:xfrm>
-          <a:off x="609600" y="1601789"/>
-          <a:ext cx="10972800" cy="3292848"/>
-        </p:xfrm>
-        <a:graphic>
-          <a:graphicData uri="http://schemas.openxmlformats.org/drawingml/2006/table">
-            <a:tbl>
-              <a:tblPr firstRow="1" bandRow="1">
-                <a:tableStyleId>{FABFCF23-3B69-468F-B69F-88F6DE6A72F2}</a:tableStyleId>
-              </a:tblPr>
-              <a:tblGrid>
-                <a:gridCol w="2006600">
-                  <a:extLst>
-                    <a:ext uri="{9D8B030D-6E8A-4147-A177-3AD203B41FA5}">
-                      <a16:colId xmlns:a16="http://schemas.microsoft.com/office/drawing/2014/main" val="20000"/>
-                    </a:ext>
-                  </a:extLst>
-                </a:gridCol>
-                <a:gridCol w="4445000">
-                  <a:extLst>
-                    <a:ext uri="{9D8B030D-6E8A-4147-A177-3AD203B41FA5}">
-                      <a16:colId xmlns:a16="http://schemas.microsoft.com/office/drawing/2014/main" val="20001"/>
-                    </a:ext>
-                  </a:extLst>
-                </a:gridCol>
-                <a:gridCol w="4521200">
-                  <a:extLst>
-                    <a:ext uri="{9D8B030D-6E8A-4147-A177-3AD203B41FA5}">
-                      <a16:colId xmlns:a16="http://schemas.microsoft.com/office/drawing/2014/main" val="20002"/>
-                    </a:ext>
-                  </a:extLst>
-                </a:gridCol>
-              </a:tblGrid>
-              <a:tr h="379762">
-                <a:tc>
-                  <a:txBody>
-                    <a:bodyPr/>
-                    <a:lstStyle/>
-                    <a:p>
-                      <a:endParaRPr lang="en-US" sz="1600" dirty="0"/>
-                    </a:p>
-                  </a:txBody>
-                  <a:tcPr/>
-                </a:tc>
-                <a:tc>
-                  <a:txBody>
-                    <a:bodyPr/>
-                    <a:lstStyle/>
-                    <a:p>
-                      <a:pPr algn="l"/>
-                      <a:r>
-                        <a:rPr lang="en-US" altLang="zh-CN" sz="2000" dirty="0">
-                          <a:solidFill>
-                            <a:schemeClr val="tx2"/>
-                          </a:solidFill>
-                        </a:rPr>
-                        <a:t>Development</a:t>
-                      </a:r>
-                      <a:endParaRPr lang="en-US" sz="2000" dirty="0">
-                        <a:solidFill>
-                          <a:schemeClr val="tx2"/>
-                        </a:solidFill>
-                      </a:endParaRPr>
-                    </a:p>
-                  </a:txBody>
-                  <a:tcPr/>
-                </a:tc>
-                <a:tc>
-                  <a:txBody>
-                    <a:bodyPr/>
-                    <a:lstStyle/>
-                    <a:p>
-                      <a:pPr algn="l"/>
-                      <a:r>
-                        <a:rPr lang="en-US" altLang="zh-CN" sz="2000" dirty="0">
-                          <a:solidFill>
-                            <a:schemeClr val="tx2"/>
-                          </a:solidFill>
-                        </a:rPr>
-                        <a:t>Sandbox</a:t>
-                      </a:r>
-                      <a:endParaRPr lang="en-US" sz="2000" dirty="0">
-                        <a:solidFill>
-                          <a:schemeClr val="tx2"/>
-                        </a:solidFill>
-                      </a:endParaRPr>
-                    </a:p>
-                  </a:txBody>
-                  <a:tcPr/>
-                </a:tc>
-                <a:extLst>
-                  <a:ext uri="{0D108BD9-81ED-4DB2-BD59-A6C34878D82A}">
-                    <a16:rowId xmlns:a16="http://schemas.microsoft.com/office/drawing/2014/main" val="10000"/>
-                  </a:ext>
-                </a:extLst>
-              </a:tr>
-              <a:tr h="706567">
-                <a:tc>
-                  <a:txBody>
-                    <a:bodyPr/>
-                    <a:lstStyle/>
-                    <a:p>
-                      <a:pPr algn="l"/>
-                      <a:r>
-                        <a:rPr lang="en-US" altLang="zh-CN" sz="1800" dirty="0"/>
-                        <a:t>Timing</a:t>
-                      </a:r>
-                      <a:endParaRPr lang="en-US" sz="1800" b="1" dirty="0"/>
-                    </a:p>
-                  </a:txBody>
-                  <a:tcPr/>
-                </a:tc>
-                <a:tc>
-                  <a:txBody>
-                    <a:bodyPr/>
-                    <a:lstStyle/>
-                    <a:p>
-                      <a:r>
-                        <a:rPr lang="en-US" altLang="zh-CN" sz="1600" dirty="0">
-                          <a:solidFill>
-                            <a:srgbClr val="4C991D"/>
-                          </a:solidFill>
-                        </a:rPr>
-                        <a:t>Early February</a:t>
-                      </a:r>
-                      <a:endParaRPr lang="en-US" sz="1600" dirty="0">
-                        <a:solidFill>
-                          <a:srgbClr val="4C991D"/>
-                        </a:solidFill>
-                      </a:endParaRPr>
-                    </a:p>
-                  </a:txBody>
-                  <a:tcPr/>
-                </a:tc>
-                <a:tc>
-                  <a:txBody>
-                    <a:bodyPr/>
-                    <a:lstStyle/>
-                    <a:p>
-                      <a:r>
-                        <a:rPr lang="en-US" altLang="zh-CN" sz="1600" dirty="0">
-                          <a:solidFill>
-                            <a:srgbClr val="991E1B"/>
-                          </a:solidFill>
-                        </a:rPr>
-                        <a:t>Upon</a:t>
-                      </a:r>
-                      <a:r>
-                        <a:rPr lang="zh-CN" altLang="en-US" sz="1600" dirty="0">
-                          <a:solidFill>
-                            <a:srgbClr val="991E1B"/>
-                          </a:solidFill>
-                        </a:rPr>
-                        <a:t> </a:t>
-                      </a:r>
-                      <a:r>
-                        <a:rPr lang="en-US" altLang="zh-CN" sz="1600" dirty="0">
-                          <a:solidFill>
-                            <a:srgbClr val="991E1B"/>
-                          </a:solidFill>
-                        </a:rPr>
-                        <a:t>finishing</a:t>
-                      </a:r>
-                      <a:r>
-                        <a:rPr lang="zh-CN" altLang="en-US" sz="1600" baseline="0" dirty="0">
-                          <a:solidFill>
-                            <a:srgbClr val="991E1B"/>
-                          </a:solidFill>
-                        </a:rPr>
-                        <a:t> </a:t>
-                      </a:r>
-                      <a:r>
-                        <a:rPr lang="en-US" altLang="zh-CN" sz="1600" baseline="0" dirty="0">
-                          <a:solidFill>
-                            <a:srgbClr val="991E1B"/>
-                          </a:solidFill>
-                        </a:rPr>
-                        <a:t>development</a:t>
-                      </a:r>
-                      <a:r>
-                        <a:rPr lang="zh-CN" altLang="en-US" sz="1600" baseline="0" dirty="0">
-                          <a:solidFill>
-                            <a:srgbClr val="991E1B"/>
-                          </a:solidFill>
-                        </a:rPr>
-                        <a:t> </a:t>
-                      </a:r>
-                      <a:r>
-                        <a:rPr lang="en-US" altLang="zh-CN" sz="1600" baseline="0" dirty="0">
-                          <a:solidFill>
-                            <a:srgbClr val="991E1B"/>
-                          </a:solidFill>
-                        </a:rPr>
-                        <a:t>server</a:t>
-                      </a:r>
-                      <a:endParaRPr lang="en-US" sz="1600" dirty="0">
-                        <a:solidFill>
-                          <a:srgbClr val="991E1B"/>
-                        </a:solidFill>
-                      </a:endParaRPr>
-                    </a:p>
-                  </a:txBody>
-                  <a:tcPr/>
-                </a:tc>
-                <a:extLst>
-                  <a:ext uri="{0D108BD9-81ED-4DB2-BD59-A6C34878D82A}">
-                    <a16:rowId xmlns:a16="http://schemas.microsoft.com/office/drawing/2014/main" val="10001"/>
-                  </a:ext>
-                </a:extLst>
-              </a:tr>
-              <a:tr h="419604">
-                <a:tc>
-                  <a:txBody>
-                    <a:bodyPr/>
-                    <a:lstStyle/>
-                    <a:p>
-                      <a:pPr algn="l"/>
-                      <a:r>
-                        <a:rPr lang="en-US" altLang="zh-CN" sz="1800" dirty="0"/>
-                        <a:t>Data</a:t>
-                      </a:r>
-                      <a:r>
-                        <a:rPr lang="zh-CN" altLang="en-US" sz="1800" dirty="0"/>
-                        <a:t> </a:t>
-                      </a:r>
-                      <a:r>
-                        <a:rPr lang="en-US" altLang="zh-CN" sz="1800" dirty="0"/>
-                        <a:t>restrictions</a:t>
-                      </a:r>
-                      <a:endParaRPr lang="en-US" sz="1800" b="1" dirty="0"/>
-                    </a:p>
-                  </a:txBody>
-                  <a:tcPr/>
-                </a:tc>
-                <a:tc>
-                  <a:txBody>
-                    <a:bodyPr/>
-                    <a:lstStyle/>
-                    <a:p>
-                      <a:r>
-                        <a:rPr lang="en-US" altLang="zh-CN" sz="1600" dirty="0"/>
-                        <a:t>General HIPAA</a:t>
-                      </a:r>
-                      <a:endParaRPr lang="en-US" sz="1600" dirty="0"/>
-                    </a:p>
-                  </a:txBody>
-                  <a:tcPr/>
-                </a:tc>
-                <a:tc>
-                  <a:txBody>
-                    <a:bodyPr/>
-                    <a:lstStyle/>
-                    <a:p>
-                      <a:r>
-                        <a:rPr lang="en-US" altLang="zh-CN" sz="1600" dirty="0"/>
-                        <a:t>General HIPAA</a:t>
-                      </a:r>
-                      <a:endParaRPr lang="en-US" sz="1600" dirty="0"/>
-                    </a:p>
-                  </a:txBody>
-                  <a:tcPr/>
-                </a:tc>
-                <a:extLst>
-                  <a:ext uri="{0D108BD9-81ED-4DB2-BD59-A6C34878D82A}">
-                    <a16:rowId xmlns:a16="http://schemas.microsoft.com/office/drawing/2014/main" val="10002"/>
-                  </a:ext>
-                </a:extLst>
-              </a:tr>
-              <a:tr h="1022437">
-                <a:tc>
-                  <a:txBody>
-                    <a:bodyPr/>
-                    <a:lstStyle/>
-                    <a:p>
-                      <a:pPr algn="l"/>
-                      <a:r>
-                        <a:rPr lang="en-US" altLang="zh-CN" sz="1800" dirty="0"/>
-                        <a:t>3</a:t>
-                      </a:r>
-                      <a:r>
-                        <a:rPr lang="en-US" altLang="zh-CN" sz="1800" baseline="30000" dirty="0"/>
-                        <a:t>rd</a:t>
-                      </a:r>
-                      <a:r>
-                        <a:rPr lang="zh-CN" altLang="en-US" sz="1800" baseline="0" dirty="0"/>
-                        <a:t> </a:t>
-                      </a:r>
-                      <a:r>
-                        <a:rPr lang="en-US" altLang="zh-CN" sz="1800" baseline="0" dirty="0"/>
-                        <a:t>party</a:t>
-                      </a:r>
-                      <a:r>
-                        <a:rPr lang="zh-CN" altLang="en-US" sz="1800" baseline="0" dirty="0"/>
-                        <a:t> </a:t>
-                      </a:r>
-                      <a:r>
-                        <a:rPr lang="en-US" altLang="zh-CN" sz="1800" baseline="0" dirty="0"/>
-                        <a:t>software</a:t>
-                      </a:r>
-                      <a:endParaRPr lang="en-US" sz="1800" b="1" dirty="0"/>
-                    </a:p>
-                  </a:txBody>
-                  <a:tcPr/>
-                </a:tc>
-                <a:tc>
-                  <a:txBody>
-                    <a:bodyPr/>
-                    <a:lstStyle/>
-                    <a:p>
-                      <a:r>
-                        <a:rPr lang="en-US" altLang="zh-CN" sz="1600" b="1" dirty="0"/>
-                        <a:t>Docker</a:t>
-                      </a:r>
-                      <a:r>
-                        <a:rPr lang="en-US" altLang="zh-CN" sz="1600" b="0" dirty="0"/>
-                        <a:t>(17.06.2-ee-6)</a:t>
-                      </a:r>
-                      <a:r>
-                        <a:rPr lang="en-US" altLang="zh-CN" sz="1600" b="0" baseline="0" dirty="0"/>
-                        <a:t>,</a:t>
-                      </a:r>
-                      <a:r>
-                        <a:rPr lang="zh-CN" altLang="en-US" sz="1600" b="0" baseline="0" dirty="0"/>
-                        <a:t> </a:t>
-                      </a:r>
-                      <a:r>
-                        <a:rPr lang="en-US" altLang="zh-CN" sz="1600" baseline="0" dirty="0"/>
-                        <a:t>Flexible</a:t>
-                      </a:r>
-                      <a:r>
-                        <a:rPr lang="zh-CN" altLang="en-US" sz="1600" baseline="0" dirty="0"/>
-                        <a:t> </a:t>
-                      </a:r>
-                      <a:r>
-                        <a:rPr lang="en-US" altLang="zh-CN" sz="1600" baseline="0" dirty="0"/>
-                        <a:t>Analytics</a:t>
-                      </a:r>
-                      <a:r>
-                        <a:rPr lang="zh-CN" altLang="en-US" sz="1600" baseline="0" dirty="0"/>
-                        <a:t> </a:t>
-                      </a:r>
-                      <a:r>
-                        <a:rPr lang="en-US" altLang="zh-CN" sz="1600" baseline="0" dirty="0"/>
-                        <a:t>(via</a:t>
-                      </a:r>
-                      <a:r>
-                        <a:rPr lang="zh-CN" altLang="en-US" sz="1600" baseline="0" dirty="0"/>
-                        <a:t> </a:t>
-                      </a:r>
-                      <a:r>
-                        <a:rPr lang="en-US" altLang="zh-CN" sz="1600" baseline="0" dirty="0"/>
-                        <a:t>API)</a:t>
-                      </a:r>
-                      <a:endParaRPr lang="en-US" sz="1600" dirty="0"/>
-                    </a:p>
-                  </a:txBody>
-                  <a:tcPr/>
-                </a:tc>
-                <a:tc>
-                  <a:txBody>
-                    <a:bodyPr/>
-                    <a:lstStyle/>
-                    <a:p>
-                      <a:pPr marL="0" marR="0" indent="0" algn="l" defTabSz="1217910" rtl="0" eaLnBrk="1" fontAlgn="auto" latinLnBrk="0" hangingPunct="1">
-                        <a:lnSpc>
-                          <a:spcPct val="100000"/>
-                        </a:lnSpc>
-                        <a:spcBef>
-                          <a:spcPts val="0"/>
-                        </a:spcBef>
-                        <a:spcAft>
-                          <a:spcPts val="0"/>
-                        </a:spcAft>
-                        <a:buClrTx/>
-                        <a:buSzTx/>
-                        <a:buFontTx/>
-                        <a:buNone/>
-                        <a:tabLst/>
-                        <a:defRPr/>
-                      </a:pPr>
-                      <a:r>
-                        <a:rPr lang="en-US" altLang="zh-CN" sz="1600" b="1" dirty="0"/>
-                        <a:t>Docker</a:t>
-                      </a:r>
-                      <a:r>
-                        <a:rPr lang="en-US" altLang="zh-CN" sz="1600" b="0" dirty="0"/>
-                        <a:t>(17.06.2-ee-6)</a:t>
-                      </a:r>
-                      <a:r>
-                        <a:rPr lang="en-US" altLang="zh-CN" sz="1600" b="0" baseline="0" dirty="0"/>
-                        <a:t>,</a:t>
-                      </a:r>
-                      <a:r>
-                        <a:rPr lang="zh-CN" altLang="en-US" sz="1600" b="0" baseline="0" dirty="0"/>
-                        <a:t> </a:t>
-                      </a:r>
-                      <a:r>
-                        <a:rPr lang="en-US" altLang="zh-CN" sz="1600" baseline="0" dirty="0"/>
-                        <a:t>Flexible</a:t>
-                      </a:r>
-                      <a:r>
-                        <a:rPr lang="zh-CN" altLang="en-US" sz="1600" baseline="0" dirty="0"/>
-                        <a:t> </a:t>
-                      </a:r>
-                      <a:r>
-                        <a:rPr lang="en-US" altLang="zh-CN" sz="1600" baseline="0" dirty="0"/>
-                        <a:t>Analytics</a:t>
-                      </a:r>
-                      <a:r>
-                        <a:rPr lang="zh-CN" altLang="en-US" sz="1600" baseline="0" dirty="0"/>
-                        <a:t> </a:t>
-                      </a:r>
-                      <a:r>
-                        <a:rPr lang="en-US" altLang="zh-CN" sz="1600" baseline="0" dirty="0"/>
-                        <a:t>(via</a:t>
-                      </a:r>
-                      <a:r>
-                        <a:rPr lang="zh-CN" altLang="en-US" sz="1600" baseline="0" dirty="0"/>
-                        <a:t> </a:t>
-                      </a:r>
-                      <a:r>
-                        <a:rPr lang="en-US" altLang="zh-CN" sz="1600" baseline="0" dirty="0"/>
-                        <a:t>API)</a:t>
-                      </a:r>
-                      <a:r>
-                        <a:rPr lang="en-US" altLang="zh-CN" sz="1600" dirty="0"/>
-                        <a:t>,</a:t>
-                      </a:r>
-                      <a:r>
-                        <a:rPr lang="zh-CN" altLang="en-US" sz="1600" dirty="0"/>
-                        <a:t> </a:t>
-                      </a:r>
-                      <a:r>
-                        <a:rPr lang="en-US" altLang="zh-CN" sz="1600" dirty="0">
-                          <a:solidFill>
-                            <a:srgbClr val="991E1B"/>
-                          </a:solidFill>
-                        </a:rPr>
-                        <a:t>Anaconda</a:t>
-                      </a:r>
-                      <a:r>
-                        <a:rPr lang="zh-CN" altLang="en-US" sz="1600" baseline="0" dirty="0">
-                          <a:solidFill>
-                            <a:srgbClr val="991E1B"/>
-                          </a:solidFill>
-                        </a:rPr>
-                        <a:t> </a:t>
-                      </a:r>
-                      <a:r>
-                        <a:rPr lang="en-US" altLang="zh-CN" sz="1600" baseline="0" dirty="0">
-                          <a:solidFill>
-                            <a:srgbClr val="991E1B"/>
-                          </a:solidFill>
-                        </a:rPr>
-                        <a:t>Python(&gt;=3.6:</a:t>
-                      </a:r>
-                      <a:r>
-                        <a:rPr lang="zh-CN" altLang="en-US" sz="1600" baseline="0" dirty="0">
-                          <a:solidFill>
-                            <a:srgbClr val="991E1B"/>
-                          </a:solidFill>
-                        </a:rPr>
-                        <a:t> </a:t>
-                      </a:r>
-                      <a:r>
-                        <a:rPr lang="en-US" altLang="zh-CN" sz="1600" baseline="0" dirty="0">
-                          <a:solidFill>
-                            <a:srgbClr val="991E1B"/>
-                          </a:solidFill>
-                        </a:rPr>
-                        <a:t>pandas,</a:t>
-                      </a:r>
-                      <a:r>
-                        <a:rPr lang="zh-CN" altLang="en-US" sz="1600" baseline="0" dirty="0">
-                          <a:solidFill>
-                            <a:srgbClr val="991E1B"/>
-                          </a:solidFill>
-                        </a:rPr>
-                        <a:t> </a:t>
-                      </a:r>
-                      <a:r>
-                        <a:rPr lang="en-US" altLang="zh-CN" sz="1600" baseline="0" dirty="0" err="1">
-                          <a:solidFill>
-                            <a:srgbClr val="991E1B"/>
-                          </a:solidFill>
-                        </a:rPr>
-                        <a:t>numpy</a:t>
-                      </a:r>
-                      <a:r>
-                        <a:rPr lang="en-US" altLang="zh-CN" sz="1600" baseline="0" dirty="0">
-                          <a:solidFill>
-                            <a:srgbClr val="991E1B"/>
-                          </a:solidFill>
-                        </a:rPr>
-                        <a:t>,</a:t>
-                      </a:r>
-                      <a:r>
-                        <a:rPr lang="zh-CN" altLang="en-US" sz="1600" baseline="0" dirty="0">
-                          <a:solidFill>
-                            <a:srgbClr val="991E1B"/>
-                          </a:solidFill>
-                        </a:rPr>
-                        <a:t> </a:t>
-                      </a:r>
-                      <a:r>
-                        <a:rPr lang="en-US" altLang="zh-CN" sz="1600" baseline="0" dirty="0" err="1">
-                          <a:solidFill>
-                            <a:srgbClr val="991E1B"/>
-                          </a:solidFill>
-                        </a:rPr>
-                        <a:t>sklearn</a:t>
-                      </a:r>
-                      <a:r>
-                        <a:rPr lang="en-US" altLang="zh-CN" sz="1600" baseline="0" dirty="0">
-                          <a:solidFill>
-                            <a:srgbClr val="991E1B"/>
-                          </a:solidFill>
-                        </a:rPr>
-                        <a:t>),</a:t>
-                      </a:r>
-                      <a:r>
-                        <a:rPr lang="zh-Hans" altLang="en-US" sz="1600" baseline="0" dirty="0">
-                          <a:solidFill>
-                            <a:srgbClr val="991E1B"/>
-                          </a:solidFill>
-                        </a:rPr>
-                        <a:t> </a:t>
-                      </a:r>
-                      <a:r>
-                        <a:rPr lang="en-US" altLang="zh-CN" sz="1600" baseline="0" dirty="0">
-                          <a:solidFill>
-                            <a:srgbClr val="991E1B"/>
-                          </a:solidFill>
-                        </a:rPr>
-                        <a:t>R</a:t>
-                      </a:r>
-                      <a:r>
-                        <a:rPr lang="zh-CN" altLang="en-US" sz="1600" baseline="0" dirty="0">
-                          <a:solidFill>
-                            <a:srgbClr val="991E1B"/>
-                          </a:solidFill>
-                        </a:rPr>
-                        <a:t> </a:t>
-                      </a:r>
-                      <a:r>
-                        <a:rPr lang="en-US" altLang="zh-CN" sz="1600" baseline="0" dirty="0">
-                          <a:solidFill>
-                            <a:srgbClr val="991E1B"/>
-                          </a:solidFill>
-                        </a:rPr>
-                        <a:t>and</a:t>
-                      </a:r>
-                      <a:r>
-                        <a:rPr lang="zh-CN" altLang="en-US" sz="1600" baseline="0" dirty="0">
-                          <a:solidFill>
-                            <a:srgbClr val="991E1B"/>
-                          </a:solidFill>
-                        </a:rPr>
-                        <a:t> </a:t>
-                      </a:r>
-                      <a:r>
-                        <a:rPr lang="en-US" altLang="zh-CN" sz="1600" baseline="0" dirty="0" err="1">
-                          <a:solidFill>
-                            <a:srgbClr val="991E1B"/>
-                          </a:solidFill>
-                        </a:rPr>
-                        <a:t>Rstudio</a:t>
-                      </a:r>
-                      <a:r>
-                        <a:rPr lang="en-US" altLang="zh-CN" sz="1600" baseline="0" dirty="0">
-                          <a:solidFill>
-                            <a:srgbClr val="991E1B"/>
-                          </a:solidFill>
-                        </a:rPr>
-                        <a:t>,</a:t>
-                      </a:r>
-                      <a:r>
-                        <a:rPr lang="zh-CN" altLang="en-US" sz="1600" baseline="0" dirty="0">
-                          <a:solidFill>
-                            <a:srgbClr val="991E1B"/>
-                          </a:solidFill>
-                        </a:rPr>
-                        <a:t> </a:t>
-                      </a:r>
-                      <a:r>
-                        <a:rPr lang="en-US" altLang="zh-CN" sz="1600" baseline="0" dirty="0">
-                          <a:solidFill>
-                            <a:srgbClr val="991E1B"/>
-                          </a:solidFill>
-                        </a:rPr>
-                        <a:t>SQL,</a:t>
-                      </a:r>
-                      <a:r>
-                        <a:rPr lang="zh-CN" altLang="en-US" sz="1600" baseline="0" dirty="0">
-                          <a:solidFill>
-                            <a:srgbClr val="991E1B"/>
-                          </a:solidFill>
-                        </a:rPr>
-                        <a:t> </a:t>
-                      </a:r>
-                      <a:r>
-                        <a:rPr lang="en-US" altLang="zh-CN" sz="1600" baseline="0" dirty="0" err="1">
-                          <a:solidFill>
-                            <a:srgbClr val="991E1B"/>
-                          </a:solidFill>
-                        </a:rPr>
-                        <a:t>Git</a:t>
-                      </a:r>
-                      <a:r>
-                        <a:rPr lang="en-US" altLang="zh-CN" sz="1600" baseline="0" dirty="0">
-                          <a:solidFill>
-                            <a:srgbClr val="991E1B"/>
-                          </a:solidFill>
-                        </a:rPr>
-                        <a:t>,</a:t>
-                      </a:r>
-                      <a:r>
-                        <a:rPr lang="zh-CN" altLang="en-US" sz="1600" baseline="0" dirty="0">
-                          <a:solidFill>
-                            <a:srgbClr val="991E1B"/>
-                          </a:solidFill>
-                        </a:rPr>
-                        <a:t> </a:t>
-                      </a:r>
-                      <a:r>
-                        <a:rPr lang="en-US" altLang="zh-CN" sz="1600" baseline="0" dirty="0" err="1">
-                          <a:solidFill>
-                            <a:srgbClr val="991E1B"/>
-                          </a:solidFill>
-                        </a:rPr>
-                        <a:t>Git</a:t>
-                      </a:r>
-                      <a:r>
-                        <a:rPr lang="zh-CN" altLang="en-US" sz="1600" baseline="0" dirty="0">
-                          <a:solidFill>
-                            <a:srgbClr val="991E1B"/>
-                          </a:solidFill>
-                        </a:rPr>
-                        <a:t> </a:t>
-                      </a:r>
-                      <a:r>
-                        <a:rPr lang="en-US" altLang="zh-CN" sz="1600" baseline="0" dirty="0">
-                          <a:solidFill>
-                            <a:srgbClr val="991E1B"/>
-                          </a:solidFill>
-                        </a:rPr>
-                        <a:t>LFS,</a:t>
-                      </a:r>
-                      <a:r>
-                        <a:rPr lang="zh-CN" altLang="en-US" sz="1600" baseline="0" dirty="0">
-                          <a:solidFill>
-                            <a:srgbClr val="991E1B"/>
-                          </a:solidFill>
-                        </a:rPr>
-                        <a:t> </a:t>
-                      </a:r>
-                      <a:r>
-                        <a:rPr lang="en-US" altLang="zh-CN" sz="1600" baseline="0" dirty="0" err="1">
-                          <a:solidFill>
-                            <a:srgbClr val="991E1B"/>
-                          </a:solidFill>
-                        </a:rPr>
-                        <a:t>Jupyter</a:t>
-                      </a:r>
-                      <a:r>
-                        <a:rPr lang="zh-CN" altLang="en-US" sz="1600" baseline="0" dirty="0">
-                          <a:solidFill>
-                            <a:srgbClr val="991E1B"/>
-                          </a:solidFill>
-                        </a:rPr>
-                        <a:t> </a:t>
-                      </a:r>
-                      <a:r>
-                        <a:rPr lang="en-US" altLang="zh-CN" sz="1600" baseline="0" dirty="0">
-                          <a:solidFill>
-                            <a:srgbClr val="991E1B"/>
-                          </a:solidFill>
-                        </a:rPr>
-                        <a:t>Notebook,</a:t>
-                      </a:r>
-                      <a:r>
-                        <a:rPr lang="zh-CN" altLang="en-US" sz="1600" baseline="0" dirty="0">
-                          <a:solidFill>
-                            <a:srgbClr val="991E1B"/>
-                          </a:solidFill>
-                        </a:rPr>
-                        <a:t> </a:t>
-                      </a:r>
-                      <a:r>
-                        <a:rPr lang="en-US" altLang="zh-CN" sz="1600" baseline="0" dirty="0">
-                          <a:solidFill>
-                            <a:srgbClr val="991E1B"/>
-                          </a:solidFill>
-                        </a:rPr>
-                        <a:t>Spark,</a:t>
-                      </a:r>
-                      <a:r>
-                        <a:rPr lang="zh-CN" altLang="en-US" sz="1600" baseline="0" dirty="0">
-                          <a:solidFill>
-                            <a:srgbClr val="991E1B"/>
-                          </a:solidFill>
-                        </a:rPr>
-                        <a:t> </a:t>
-                      </a:r>
-                      <a:r>
-                        <a:rPr lang="en-US" altLang="zh-CN" sz="1600" baseline="0" dirty="0">
-                          <a:solidFill>
-                            <a:srgbClr val="991E1B"/>
-                          </a:solidFill>
-                        </a:rPr>
-                        <a:t>Hadoop</a:t>
-                      </a:r>
-                      <a:endParaRPr lang="en-US" sz="1600" i="0" dirty="0">
-                        <a:solidFill>
-                          <a:srgbClr val="991E1B"/>
-                        </a:solidFill>
-                      </a:endParaRPr>
-                    </a:p>
-                  </a:txBody>
-                  <a:tcPr/>
-                </a:tc>
-                <a:extLst>
-                  <a:ext uri="{0D108BD9-81ED-4DB2-BD59-A6C34878D82A}">
-                    <a16:rowId xmlns:a16="http://schemas.microsoft.com/office/drawing/2014/main" val="10003"/>
-                  </a:ext>
-                </a:extLst>
-              </a:tr>
-              <a:tr h="703637">
-                <a:tc>
-                  <a:txBody>
-                    <a:bodyPr/>
-                    <a:lstStyle/>
-                    <a:p>
-                      <a:pPr algn="l"/>
-                      <a:r>
-                        <a:rPr lang="en-US" altLang="zh-CN" sz="1800" dirty="0"/>
-                        <a:t>Access/users</a:t>
-                      </a:r>
-                      <a:endParaRPr lang="en-US" sz="1800" b="1" dirty="0"/>
-                    </a:p>
-                  </a:txBody>
-                  <a:tcPr/>
-                </a:tc>
-                <a:tc>
-                  <a:txBody>
-                    <a:bodyPr/>
-                    <a:lstStyle/>
-                    <a:p>
-                      <a:r>
-                        <a:rPr lang="en-US" altLang="zh-CN" sz="1600" dirty="0">
-                          <a:solidFill>
-                            <a:srgbClr val="4C991D"/>
-                          </a:solidFill>
-                        </a:rPr>
-                        <a:t>Restricted</a:t>
-                      </a:r>
-                      <a:r>
-                        <a:rPr lang="zh-CN" altLang="en-US" sz="1600" baseline="0" dirty="0">
-                          <a:solidFill>
-                            <a:srgbClr val="4C991D"/>
-                          </a:solidFill>
-                        </a:rPr>
-                        <a:t> </a:t>
-                      </a:r>
-                      <a:r>
-                        <a:rPr lang="en-US" altLang="zh-CN" sz="1600" baseline="0" dirty="0">
-                          <a:solidFill>
-                            <a:srgbClr val="4C991D"/>
-                          </a:solidFill>
-                        </a:rPr>
-                        <a:t>access</a:t>
-                      </a:r>
-                      <a:r>
-                        <a:rPr lang="zh-CN" altLang="en-US" sz="1600" baseline="0" dirty="0">
-                          <a:solidFill>
-                            <a:srgbClr val="4C991D"/>
-                          </a:solidFill>
-                        </a:rPr>
-                        <a:t> </a:t>
-                      </a:r>
-                      <a:r>
-                        <a:rPr lang="en-US" altLang="zh-CN" sz="1600" baseline="0" dirty="0">
-                          <a:solidFill>
-                            <a:srgbClr val="4C991D"/>
-                          </a:solidFill>
-                        </a:rPr>
-                        <a:t>to</a:t>
-                      </a:r>
-                      <a:r>
-                        <a:rPr lang="zh-CN" altLang="en-US" sz="1600" baseline="0" dirty="0">
-                          <a:solidFill>
-                            <a:srgbClr val="4C991D"/>
-                          </a:solidFill>
-                        </a:rPr>
-                        <a:t> </a:t>
-                      </a:r>
-                      <a:r>
-                        <a:rPr lang="en-US" altLang="zh-CN" sz="1600" baseline="0" dirty="0">
-                          <a:solidFill>
-                            <a:srgbClr val="4C991D"/>
-                          </a:solidFill>
-                        </a:rPr>
-                        <a:t>and</a:t>
-                      </a:r>
-                      <a:r>
-                        <a:rPr lang="zh-CN" altLang="en-US" sz="1600" baseline="0" dirty="0">
-                          <a:solidFill>
-                            <a:srgbClr val="4C991D"/>
-                          </a:solidFill>
-                        </a:rPr>
-                        <a:t> </a:t>
-                      </a:r>
-                      <a:r>
-                        <a:rPr lang="en-US" altLang="zh-CN" sz="1600" baseline="0" dirty="0">
-                          <a:solidFill>
-                            <a:srgbClr val="4C991D"/>
-                          </a:solidFill>
-                        </a:rPr>
-                        <a:t>control</a:t>
-                      </a:r>
-                      <a:r>
-                        <a:rPr lang="zh-CN" altLang="en-US" sz="1600" baseline="0" dirty="0">
-                          <a:solidFill>
-                            <a:srgbClr val="4C991D"/>
-                          </a:solidFill>
-                        </a:rPr>
-                        <a:t> </a:t>
-                      </a:r>
-                      <a:r>
-                        <a:rPr lang="en-US" altLang="zh-CN" sz="1600" baseline="0" dirty="0">
-                          <a:solidFill>
-                            <a:srgbClr val="4C991D"/>
-                          </a:solidFill>
-                        </a:rPr>
-                        <a:t>by</a:t>
-                      </a:r>
-                      <a:r>
-                        <a:rPr lang="zh-CN" altLang="en-US" sz="1600" baseline="0" dirty="0">
-                          <a:solidFill>
-                            <a:srgbClr val="4C991D"/>
-                          </a:solidFill>
-                        </a:rPr>
-                        <a:t> </a:t>
-                      </a:r>
-                      <a:r>
-                        <a:rPr lang="en-US" altLang="zh-CN" sz="1600" baseline="0" dirty="0">
-                          <a:solidFill>
-                            <a:srgbClr val="4C991D"/>
-                          </a:solidFill>
-                        </a:rPr>
-                        <a:t>project/development</a:t>
-                      </a:r>
-                      <a:r>
-                        <a:rPr lang="zh-CN" altLang="en-US" sz="1600" baseline="0" dirty="0">
-                          <a:solidFill>
-                            <a:srgbClr val="4C991D"/>
-                          </a:solidFill>
-                        </a:rPr>
-                        <a:t> </a:t>
-                      </a:r>
-                      <a:r>
-                        <a:rPr lang="en-US" altLang="zh-CN" sz="1600" baseline="0" dirty="0">
-                          <a:solidFill>
-                            <a:srgbClr val="4C991D"/>
-                          </a:solidFill>
-                        </a:rPr>
-                        <a:t>lead</a:t>
-                      </a:r>
-                      <a:endParaRPr lang="en-US" sz="1600" dirty="0">
-                        <a:solidFill>
-                          <a:srgbClr val="4C991D"/>
-                        </a:solidFill>
-                      </a:endParaRPr>
-                    </a:p>
-                  </a:txBody>
-                  <a:tcPr/>
-                </a:tc>
-                <a:tc>
-                  <a:txBody>
-                    <a:bodyPr/>
-                    <a:lstStyle/>
-                    <a:p>
-                      <a:r>
-                        <a:rPr lang="en-US" altLang="zh-CN" sz="1600" dirty="0">
-                          <a:solidFill>
-                            <a:srgbClr val="991E1B"/>
-                          </a:solidFill>
-                        </a:rPr>
-                        <a:t>Restricted</a:t>
-                      </a:r>
-                      <a:r>
-                        <a:rPr lang="zh-CN" altLang="en-US" sz="1600" dirty="0">
-                          <a:solidFill>
-                            <a:srgbClr val="991E1B"/>
-                          </a:solidFill>
-                        </a:rPr>
-                        <a:t> </a:t>
-                      </a:r>
-                      <a:r>
-                        <a:rPr lang="en-US" altLang="zh-CN" sz="1600" baseline="0" dirty="0">
-                          <a:solidFill>
-                            <a:srgbClr val="991E1B"/>
-                          </a:solidFill>
-                        </a:rPr>
-                        <a:t>and</a:t>
-                      </a:r>
-                      <a:r>
-                        <a:rPr lang="zh-CN" altLang="en-US" sz="1600" baseline="0" dirty="0">
-                          <a:solidFill>
-                            <a:srgbClr val="991E1B"/>
-                          </a:solidFill>
-                        </a:rPr>
-                        <a:t> </a:t>
-                      </a:r>
-                      <a:r>
-                        <a:rPr lang="en-US" altLang="zh-CN" sz="1600" baseline="0" dirty="0">
-                          <a:solidFill>
-                            <a:srgbClr val="991E1B"/>
-                          </a:solidFill>
-                        </a:rPr>
-                        <a:t>u</a:t>
-                      </a:r>
-                      <a:r>
-                        <a:rPr lang="en-US" altLang="zh-CN" sz="1600" dirty="0">
-                          <a:solidFill>
-                            <a:srgbClr val="991E1B"/>
-                          </a:solidFill>
-                        </a:rPr>
-                        <a:t>nrestricted</a:t>
-                      </a:r>
-                      <a:r>
-                        <a:rPr lang="zh-CN" altLang="en-US" sz="1600" baseline="0" dirty="0">
-                          <a:solidFill>
-                            <a:srgbClr val="991E1B"/>
-                          </a:solidFill>
-                        </a:rPr>
-                        <a:t> </a:t>
-                      </a:r>
-                      <a:r>
-                        <a:rPr lang="en-US" altLang="zh-CN" sz="1600" baseline="0" dirty="0">
-                          <a:solidFill>
-                            <a:srgbClr val="991E1B"/>
-                          </a:solidFill>
-                        </a:rPr>
-                        <a:t>access</a:t>
-                      </a:r>
-                      <a:r>
-                        <a:rPr lang="zh-CN" altLang="en-US" sz="1600" baseline="0" dirty="0">
-                          <a:solidFill>
-                            <a:srgbClr val="991E1B"/>
-                          </a:solidFill>
-                        </a:rPr>
-                        <a:t> </a:t>
-                      </a:r>
-                      <a:r>
-                        <a:rPr lang="en-US" altLang="zh-CN" sz="1600" baseline="0" dirty="0">
-                          <a:solidFill>
-                            <a:srgbClr val="991E1B"/>
-                          </a:solidFill>
-                        </a:rPr>
-                        <a:t>to</a:t>
-                      </a:r>
-                      <a:r>
-                        <a:rPr lang="zh-CN" altLang="en-US" sz="1600" baseline="0" dirty="0">
-                          <a:solidFill>
-                            <a:srgbClr val="991E1B"/>
-                          </a:solidFill>
-                        </a:rPr>
-                        <a:t> </a:t>
-                      </a:r>
-                      <a:r>
-                        <a:rPr lang="en-US" altLang="zh-CN" sz="1600" baseline="0" dirty="0">
-                          <a:solidFill>
-                            <a:srgbClr val="991E1B"/>
-                          </a:solidFill>
-                        </a:rPr>
-                        <a:t>and</a:t>
-                      </a:r>
-                      <a:r>
-                        <a:rPr lang="zh-CN" altLang="en-US" sz="1600" baseline="0" dirty="0">
-                          <a:solidFill>
-                            <a:srgbClr val="991E1B"/>
-                          </a:solidFill>
-                        </a:rPr>
-                        <a:t> </a:t>
-                      </a:r>
-                      <a:r>
-                        <a:rPr lang="en-US" altLang="zh-CN" sz="1600" baseline="0" dirty="0">
-                          <a:solidFill>
-                            <a:srgbClr val="991E1B"/>
-                          </a:solidFill>
-                        </a:rPr>
-                        <a:t>control</a:t>
-                      </a:r>
-                      <a:r>
-                        <a:rPr lang="zh-CN" altLang="en-US" sz="1600" baseline="0" dirty="0">
-                          <a:solidFill>
-                            <a:srgbClr val="991E1B"/>
-                          </a:solidFill>
-                        </a:rPr>
-                        <a:t> </a:t>
-                      </a:r>
-                      <a:r>
-                        <a:rPr lang="en-US" altLang="zh-CN" sz="1600" baseline="0" dirty="0">
-                          <a:solidFill>
-                            <a:srgbClr val="991E1B"/>
-                          </a:solidFill>
-                        </a:rPr>
-                        <a:t>by</a:t>
-                      </a:r>
-                      <a:r>
-                        <a:rPr lang="zh-CN" altLang="en-US" sz="1600" baseline="0" dirty="0">
-                          <a:solidFill>
-                            <a:srgbClr val="991E1B"/>
-                          </a:solidFill>
-                        </a:rPr>
-                        <a:t> </a:t>
-                      </a:r>
-                      <a:r>
-                        <a:rPr lang="en-US" altLang="zh-CN" sz="1600" baseline="0" dirty="0">
-                          <a:solidFill>
-                            <a:srgbClr val="991E1B"/>
-                          </a:solidFill>
-                        </a:rPr>
-                        <a:t>ACE</a:t>
-                      </a:r>
-                      <a:r>
-                        <a:rPr lang="zh-CN" altLang="en-US" sz="1600" baseline="0" dirty="0">
-                          <a:solidFill>
-                            <a:srgbClr val="991E1B"/>
-                          </a:solidFill>
-                        </a:rPr>
-                        <a:t> </a:t>
-                      </a:r>
-                      <a:r>
-                        <a:rPr lang="en-US" altLang="zh-CN" sz="1600" baseline="0" dirty="0">
-                          <a:solidFill>
-                            <a:srgbClr val="991E1B"/>
-                          </a:solidFill>
-                        </a:rPr>
-                        <a:t>users</a:t>
-                      </a:r>
-                      <a:endParaRPr lang="en-US" sz="1600" i="0" dirty="0">
-                        <a:solidFill>
-                          <a:srgbClr val="991E1B"/>
-                        </a:solidFill>
-                      </a:endParaRPr>
-                    </a:p>
-                  </a:txBody>
-                  <a:tcPr/>
-                </a:tc>
-                <a:extLst>
-                  <a:ext uri="{0D108BD9-81ED-4DB2-BD59-A6C34878D82A}">
-                    <a16:rowId xmlns:a16="http://schemas.microsoft.com/office/drawing/2014/main" val="10004"/>
-                  </a:ext>
-                </a:extLst>
-              </a:tr>
-            </a:tbl>
-          </a:graphicData>
-        </a:graphic>
-      </p:graphicFrame>
+        </p:nvSpPr>
+        <p:spPr/>
+        <p:txBody>
+          <a:bodyPr/>
+          <a:lstStyle/>
+          <a:p>
+            <a:r>
+              <a:rPr lang="en-US" altLang="zh-CN" sz="2400" dirty="0"/>
+              <a:t>Docker</a:t>
+            </a:r>
+            <a:r>
+              <a:rPr lang="zh-CN" altLang="en-US" sz="2400" dirty="0"/>
+              <a:t> </a:t>
+            </a:r>
+            <a:r>
+              <a:rPr lang="en-US" altLang="zh-CN" sz="2400" dirty="0"/>
+              <a:t>is</a:t>
+            </a:r>
+            <a:r>
+              <a:rPr lang="zh-CN" altLang="en-US" sz="2400" dirty="0"/>
+              <a:t> </a:t>
+            </a:r>
+            <a:r>
+              <a:rPr lang="en-US" altLang="zh-CN" sz="2400" dirty="0"/>
+              <a:t>an</a:t>
+            </a:r>
+            <a:r>
+              <a:rPr lang="zh-CN" altLang="en-US" sz="2400" dirty="0"/>
+              <a:t> </a:t>
+            </a:r>
+            <a:r>
+              <a:rPr lang="en-US" altLang="zh-CN" sz="2400" dirty="0"/>
+              <a:t>realization</a:t>
+            </a:r>
+            <a:r>
+              <a:rPr lang="zh-CN" altLang="en-US" sz="2400" dirty="0"/>
+              <a:t> </a:t>
+            </a:r>
+            <a:r>
+              <a:rPr lang="en-US" altLang="zh-CN" sz="2400" dirty="0"/>
+              <a:t>of</a:t>
+            </a:r>
+            <a:r>
+              <a:rPr lang="zh-CN" altLang="en-US" sz="2400" dirty="0"/>
+              <a:t> </a:t>
+            </a:r>
+            <a:r>
+              <a:rPr lang="en-US" altLang="zh-CN" sz="2400" dirty="0"/>
+              <a:t>container</a:t>
+            </a:r>
+            <a:r>
+              <a:rPr lang="zh-CN" altLang="en-US" sz="2400" dirty="0"/>
+              <a:t> </a:t>
+            </a:r>
+            <a:r>
+              <a:rPr lang="en-US" altLang="zh-CN" sz="2400" dirty="0"/>
+              <a:t>technology.</a:t>
+            </a:r>
+            <a:r>
+              <a:rPr lang="zh-CN" altLang="en-US" sz="2400" dirty="0"/>
+              <a:t> </a:t>
+            </a:r>
+            <a:r>
+              <a:rPr lang="en-US" sz="2400" dirty="0"/>
+              <a:t>A container image is a lightweight, stand-alone, executable package of a piece of software that includes everything needed to run it: code, runtime, system tools, system libraries, settings. </a:t>
+            </a:r>
+          </a:p>
+        </p:txBody>
+      </p:sp>
+      <p:pic>
+        <p:nvPicPr>
+          <p:cNvPr id="4" name="Picture 3"/>
+          <p:cNvPicPr>
+            <a:picLocks noChangeAspect="1"/>
+          </p:cNvPicPr>
+          <p:nvPr/>
+        </p:nvPicPr>
+        <p:blipFill>
+          <a:blip r:embed="rId2">
+            <a:extLst>
+              <a:ext uri="{28A0092B-C50C-407E-A947-70E740481C1C}">
+                <a14:useLocalDpi xmlns:a14="http://schemas.microsoft.com/office/drawing/2010/main" val="0"/>
+              </a:ext>
+            </a:extLst>
+          </a:blip>
+          <a:stretch>
+            <a:fillRect/>
+          </a:stretch>
+        </p:blipFill>
+        <p:spPr>
+          <a:xfrm>
+            <a:off x="5079065" y="3062514"/>
+            <a:ext cx="6503335" cy="3107149"/>
+          </a:xfrm>
+          <a:prstGeom prst="rect">
+            <a:avLst/>
+          </a:prstGeom>
+        </p:spPr>
+      </p:pic>
     </p:spTree>
     <p:extLst>
       <p:ext uri="{BB962C8B-B14F-4D97-AF65-F5344CB8AC3E}">
-        <p14:creationId xmlns:p14="http://schemas.microsoft.com/office/powerpoint/2010/main" val="422453428"/>
+        <p14:creationId xmlns:p14="http://schemas.microsoft.com/office/powerpoint/2010/main" val="2203765970"/>
       </p:ext>
     </p:extLst>
   </p:cSld>

--- a/Analytics_server_setup_v3.pptx
+++ b/Analytics_server_setup_v3.pptx
@@ -11,15 +11,15 @@
   <p:sldIdLst>
     <p:sldId id="256" r:id="rId3"/>
     <p:sldId id="277" r:id="rId4"/>
-    <p:sldId id="284" r:id="rId5"/>
+    <p:sldId id="285" r:id="rId5"/>
     <p:sldId id="257" r:id="rId6"/>
     <p:sldId id="276" r:id="rId7"/>
     <p:sldId id="279" r:id="rId8"/>
     <p:sldId id="280" r:id="rId9"/>
     <p:sldId id="281" r:id="rId10"/>
     <p:sldId id="283" r:id="rId11"/>
-    <p:sldId id="282" r:id="rId12"/>
-    <p:sldId id="271" r:id="rId13"/>
+    <p:sldId id="271" r:id="rId12"/>
+    <p:sldId id="282" r:id="rId13"/>
     <p:sldId id="266" r:id="rId14"/>
   </p:sldIdLst>
   <p:sldSz cx="12192000" cy="6858000"/>
@@ -209,7 +209,7 @@
           <a:p>
             <a:fld id="{78D8ED23-43D8-D94F-A5DC-C0F7F3E11FBC}" type="datetimeFigureOut">
               <a:rPr lang="en-US" smtClean="0"/>
-              <a:t>2/1/18</a:t>
+              <a:t>2/2/18</a:t>
             </a:fld>
             <a:endParaRPr lang="en-US"/>
           </a:p>
@@ -605,7 +605,7 @@
           <a:p>
             <a:fld id="{9B2CA86B-D2A5-1543-8396-0D0B2BBDC05D}" type="datetimeFigureOut">
               <a:rPr lang="en-US" smtClean="0"/>
-              <a:t>2/1/18</a:t>
+              <a:t>2/2/18</a:t>
             </a:fld>
             <a:endParaRPr lang="en-US"/>
           </a:p>
@@ -774,7 +774,7 @@
           <a:p>
             <a:fld id="{9B2CA86B-D2A5-1543-8396-0D0B2BBDC05D}" type="datetimeFigureOut">
               <a:rPr lang="en-US" smtClean="0"/>
-              <a:t>2/1/18</a:t>
+              <a:t>2/2/18</a:t>
             </a:fld>
             <a:endParaRPr lang="en-US"/>
           </a:p>
@@ -953,7 +953,7 @@
           <a:p>
             <a:fld id="{9B2CA86B-D2A5-1543-8396-0D0B2BBDC05D}" type="datetimeFigureOut">
               <a:rPr lang="en-US" smtClean="0"/>
-              <a:t>2/1/18</a:t>
+              <a:t>2/2/18</a:t>
             </a:fld>
             <a:endParaRPr lang="en-US"/>
           </a:p>
@@ -2297,7 +2297,7 @@
           <a:p>
             <a:fld id="{9B2CA86B-D2A5-1543-8396-0D0B2BBDC05D}" type="datetimeFigureOut">
               <a:rPr lang="en-US" smtClean="0"/>
-              <a:t>2/1/18</a:t>
+              <a:t>2/2/18</a:t>
             </a:fld>
             <a:endParaRPr lang="en-US"/>
           </a:p>
@@ -2543,7 +2543,7 @@
           <a:p>
             <a:fld id="{9B2CA86B-D2A5-1543-8396-0D0B2BBDC05D}" type="datetimeFigureOut">
               <a:rPr lang="en-US" smtClean="0"/>
-              <a:t>2/1/18</a:t>
+              <a:t>2/2/18</a:t>
             </a:fld>
             <a:endParaRPr lang="en-US"/>
           </a:p>
@@ -2773,7 +2773,7 @@
           <a:p>
             <a:fld id="{9B2CA86B-D2A5-1543-8396-0D0B2BBDC05D}" type="datetimeFigureOut">
               <a:rPr lang="en-US" smtClean="0"/>
-              <a:t>2/1/18</a:t>
+              <a:t>2/2/18</a:t>
             </a:fld>
             <a:endParaRPr lang="en-US"/>
           </a:p>
@@ -3138,7 +3138,7 @@
           <a:p>
             <a:fld id="{9B2CA86B-D2A5-1543-8396-0D0B2BBDC05D}" type="datetimeFigureOut">
               <a:rPr lang="en-US" smtClean="0"/>
-              <a:t>2/1/18</a:t>
+              <a:t>2/2/18</a:t>
             </a:fld>
             <a:endParaRPr lang="en-US"/>
           </a:p>
@@ -3256,7 +3256,7 @@
           <a:p>
             <a:fld id="{9B2CA86B-D2A5-1543-8396-0D0B2BBDC05D}" type="datetimeFigureOut">
               <a:rPr lang="en-US" smtClean="0"/>
-              <a:t>2/1/18</a:t>
+              <a:t>2/2/18</a:t>
             </a:fld>
             <a:endParaRPr lang="en-US"/>
           </a:p>
@@ -3352,7 +3352,7 @@
           <a:p>
             <a:fld id="{9B2CA86B-D2A5-1543-8396-0D0B2BBDC05D}" type="datetimeFigureOut">
               <a:rPr lang="en-US" smtClean="0"/>
-              <a:t>2/1/18</a:t>
+              <a:t>2/2/18</a:t>
             </a:fld>
             <a:endParaRPr lang="en-US"/>
           </a:p>
@@ -3628,7 +3628,7 @@
           <a:p>
             <a:fld id="{9B2CA86B-D2A5-1543-8396-0D0B2BBDC05D}" type="datetimeFigureOut">
               <a:rPr lang="en-US" smtClean="0"/>
-              <a:t>2/1/18</a:t>
+              <a:t>2/2/18</a:t>
             </a:fld>
             <a:endParaRPr lang="en-US"/>
           </a:p>
@@ -3881,7 +3881,7 @@
           <a:p>
             <a:fld id="{9B2CA86B-D2A5-1543-8396-0D0B2BBDC05D}" type="datetimeFigureOut">
               <a:rPr lang="en-US" smtClean="0"/>
-              <a:t>2/1/18</a:t>
+              <a:t>2/2/18</a:t>
             </a:fld>
             <a:endParaRPr lang="en-US"/>
           </a:p>
@@ -4093,7 +4093,7 @@
           <a:p>
             <a:fld id="{9B2CA86B-D2A5-1543-8396-0D0B2BBDC05D}" type="datetimeFigureOut">
               <a:rPr lang="en-US" smtClean="0"/>
-              <a:t>2/1/18</a:t>
+              <a:t>2/2/18</a:t>
             </a:fld>
             <a:endParaRPr lang="en-US"/>
           </a:p>
@@ -5810,7 +5810,7 @@
                 </a:solidFill>
                 <a:latin typeface="+mj-lt"/>
               </a:rPr>
-              <a:t>1</a:t>
+              <a:t>2</a:t>
             </a:r>
             <a:endParaRPr lang="en-US" altLang="en-US" sz="2800" dirty="0">
               <a:solidFill>
@@ -5854,13 +5854,7 @@
       </p:grpSpPr>
       <p:sp>
         <p:nvSpPr>
-          <p:cNvPr id="2" name="Title 1">
-            <a:extLst>
-              <a:ext uri="{FF2B5EF4-FFF2-40B4-BE49-F238E27FC236}">
-                <a16:creationId xmlns:a16="http://schemas.microsoft.com/office/drawing/2014/main" id="{CA739CB1-A170-014E-AE7B-B75A67B1815F}"/>
-              </a:ext>
-            </a:extLst>
-          </p:cNvPr>
+          <p:cNvPr id="2" name="Title 1"/>
           <p:cNvSpPr>
             <a:spLocks noGrp="1"/>
           </p:cNvSpPr>
@@ -5874,8 +5868,24 @@
           <a:lstStyle/>
           <a:p>
             <a:r>
-              <a:rPr lang="en-US" altLang="zh-Hans" dirty="0"/>
-              <a:t>Solutions</a:t>
+              <a:rPr lang="en-US" altLang="zh-CN" dirty="0"/>
+              <a:t>Benefit</a:t>
+            </a:r>
+            <a:r>
+              <a:rPr lang="zh-CN" altLang="en-US" dirty="0"/>
+              <a:t> </a:t>
+            </a:r>
+            <a:r>
+              <a:rPr lang="en-US" altLang="zh-CN" dirty="0"/>
+              <a:t>of</a:t>
+            </a:r>
+            <a:r>
+              <a:rPr lang="zh-CN" altLang="en-US" dirty="0"/>
+              <a:t> </a:t>
+            </a:r>
+            <a:r>
+              <a:rPr lang="en-US" altLang="zh-CN" dirty="0"/>
+              <a:t>Docker</a:t>
             </a:r>
             <a:endParaRPr lang="en-US" dirty="0"/>
           </a:p>
@@ -5883,13 +5893,7 @@
       </p:sp>
       <p:sp>
         <p:nvSpPr>
-          <p:cNvPr id="3" name="Content Placeholder 2">
-            <a:extLst>
-              <a:ext uri="{FF2B5EF4-FFF2-40B4-BE49-F238E27FC236}">
-                <a16:creationId xmlns:a16="http://schemas.microsoft.com/office/drawing/2014/main" id="{A48C84E0-77FB-9641-B127-2B8A90361722}"/>
-              </a:ext>
-            </a:extLst>
-          </p:cNvPr>
+          <p:cNvPr id="3" name="Content Placeholder 2"/>
           <p:cNvSpPr>
             <a:spLocks noGrp="1"/>
           </p:cNvSpPr>
@@ -5898,85 +5902,56 @@
           </p:nvPr>
         </p:nvSpPr>
         <p:spPr/>
-        <p:style>
-          <a:lnRef idx="2">
-            <a:schemeClr val="accent1"/>
-          </a:lnRef>
-          <a:fillRef idx="1">
-            <a:schemeClr val="lt1"/>
-          </a:fillRef>
-          <a:effectRef idx="0">
-            <a:schemeClr val="accent1"/>
-          </a:effectRef>
-          <a:fontRef idx="minor">
-            <a:schemeClr val="dk1"/>
-          </a:fontRef>
-        </p:style>
         <p:txBody>
           <a:bodyPr/>
           <a:lstStyle/>
           <a:p>
             <a:r>
               <a:rPr lang="en-US" altLang="zh-CN" sz="2400" dirty="0"/>
-              <a:t>Compliance:</a:t>
-            </a:r>
-            <a:r>
-              <a:rPr lang="zh-CN" altLang="en-US" sz="2400" dirty="0"/>
+              <a:t>Standardization</a:t>
+            </a:r>
+          </a:p>
+          <a:p>
+            <a:pPr lvl="1"/>
+            <a:r>
+              <a:rPr lang="en-US" sz="2000" dirty="0"/>
+              <a:t>Rather than building a new environment for every analysis, </a:t>
+            </a:r>
+            <a:r>
+              <a:rPr lang="en-US" altLang="zh-CN" sz="2000" dirty="0"/>
+              <a:t>you</a:t>
+            </a:r>
+            <a:r>
+              <a:rPr lang="zh-CN" altLang="en-US" sz="2000" dirty="0"/>
               <a:t> </a:t>
             </a:r>
             <a:r>
+              <a:rPr lang="en-US" sz="2000" dirty="0"/>
+              <a:t>can put the tools and packages required for certain types of analyses (e.g., SAS, python, etc.) into a container, create an image of that container, and have every user boot up an isolated, standardized environment from that image</a:t>
+            </a:r>
+            <a:endParaRPr lang="en-US" altLang="zh-CN" sz="2000" dirty="0"/>
+          </a:p>
+          <a:p>
+            <a:pPr lvl="1"/>
+            <a:endParaRPr lang="en-US" dirty="0"/>
+          </a:p>
+          <a:p>
+            <a:r>
               <a:rPr lang="en-US" altLang="zh-CN" sz="2400" dirty="0"/>
-              <a:t>HIPAA and general client data guidelines</a:t>
-            </a:r>
-          </a:p>
-          <a:p>
-            <a:endParaRPr lang="en-US" altLang="zh-CN" sz="2400" dirty="0"/>
+              <a:t>Resource control</a:t>
+            </a:r>
+            <a:r>
+              <a:rPr lang="zh-CN" altLang="en-US" dirty="0"/>
+              <a:t> </a:t>
+            </a:r>
+            <a:endParaRPr lang="en-US" altLang="zh-CN" dirty="0"/>
           </a:p>
           <a:p>
             <a:pPr lvl="1"/>
             <a:r>
               <a:rPr lang="en-US" sz="2000" dirty="0"/>
-              <a:t>Ensure the confidentiality, integrity, and availability of all e-PHI they create, receive, maintain or transmit</a:t>
-            </a:r>
-          </a:p>
-          <a:p>
-            <a:pPr lvl="1"/>
-            <a:endParaRPr lang="en-US" sz="2000" dirty="0"/>
-          </a:p>
-          <a:p>
-            <a:pPr lvl="1"/>
-            <a:r>
-              <a:rPr lang="en-US" sz="2000" dirty="0"/>
-              <a:t>Identify and protect against reasonably anticipated threats to the security or integrity of the information</a:t>
-            </a:r>
-          </a:p>
-          <a:p>
-            <a:pPr lvl="1"/>
-            <a:endParaRPr lang="en-US" sz="2000" dirty="0"/>
-          </a:p>
-          <a:p>
-            <a:pPr lvl="1"/>
-            <a:r>
-              <a:rPr lang="en-US" sz="2000" dirty="0"/>
-              <a:t>Protect against reasonably anticipated, impermissible uses or disclosures; and</a:t>
-            </a:r>
-          </a:p>
-          <a:p>
-            <a:pPr lvl="2"/>
-            <a:r>
-              <a:rPr lang="en-US" sz="1800" dirty="0"/>
-              <a:t>Ensure compliance by their workforce</a:t>
-            </a:r>
-          </a:p>
-          <a:p>
-            <a:pPr lvl="1"/>
-            <a:endParaRPr lang="en-US" altLang="zh-CN" sz="2100" dirty="0"/>
-          </a:p>
-          <a:p>
-            <a:pPr lvl="1"/>
-            <a:endParaRPr lang="en-US" altLang="zh-Hans" sz="2100" dirty="0"/>
-          </a:p>
-          <a:p>
+              <a:t>By default, a Docker image has no resource constraints and can use as much of a given resource as the host’s kernel scheduler allows. Docker provides ways to control how much memory, CPU, or block IO an image can use</a:t>
+            </a:r>
             <a:endParaRPr lang="en-US" dirty="0"/>
           </a:p>
         </p:txBody>
@@ -5984,7 +5959,7 @@
     </p:spTree>
     <p:extLst>
       <p:ext uri="{BB962C8B-B14F-4D97-AF65-F5344CB8AC3E}">
-        <p14:creationId xmlns:p14="http://schemas.microsoft.com/office/powerpoint/2010/main" val="3267891765"/>
+        <p14:creationId xmlns:p14="http://schemas.microsoft.com/office/powerpoint/2010/main" val="1068932571"/>
       </p:ext>
     </p:extLst>
   </p:cSld>
@@ -6014,7 +5989,13 @@
       </p:grpSpPr>
       <p:sp>
         <p:nvSpPr>
-          <p:cNvPr id="2" name="Title 1"/>
+          <p:cNvPr id="2" name="Title 1">
+            <a:extLst>
+              <a:ext uri="{FF2B5EF4-FFF2-40B4-BE49-F238E27FC236}">
+                <a16:creationId xmlns:a16="http://schemas.microsoft.com/office/drawing/2014/main" id="{CA739CB1-A170-014E-AE7B-B75A67B1815F}"/>
+              </a:ext>
+            </a:extLst>
+          </p:cNvPr>
           <p:cNvSpPr>
             <a:spLocks noGrp="1"/>
           </p:cNvSpPr>
@@ -6028,24 +6009,8 @@
           <a:lstStyle/>
           <a:p>
             <a:r>
-              <a:rPr lang="en-US" altLang="zh-CN" dirty="0"/>
-              <a:t>Benefit</a:t>
-            </a:r>
-            <a:r>
-              <a:rPr lang="zh-CN" altLang="en-US" dirty="0"/>
-              <a:t> </a:t>
-            </a:r>
-            <a:r>
-              <a:rPr lang="en-US" altLang="zh-CN" dirty="0"/>
-              <a:t>of</a:t>
-            </a:r>
-            <a:r>
-              <a:rPr lang="zh-CN" altLang="en-US" dirty="0"/>
-              <a:t> </a:t>
-            </a:r>
-            <a:r>
-              <a:rPr lang="en-US" altLang="zh-CN" dirty="0"/>
-              <a:t>Docker</a:t>
+              <a:rPr lang="en-US" altLang="zh-Hans" dirty="0"/>
+              <a:t>Solutions</a:t>
             </a:r>
             <a:endParaRPr lang="en-US" dirty="0"/>
           </a:p>
@@ -6053,7 +6018,13 @@
       </p:sp>
       <p:sp>
         <p:nvSpPr>
-          <p:cNvPr id="3" name="Content Placeholder 2"/>
+          <p:cNvPr id="3" name="Content Placeholder 2">
+            <a:extLst>
+              <a:ext uri="{FF2B5EF4-FFF2-40B4-BE49-F238E27FC236}">
+                <a16:creationId xmlns:a16="http://schemas.microsoft.com/office/drawing/2014/main" id="{A48C84E0-77FB-9641-B127-2B8A90361722}"/>
+              </a:ext>
+            </a:extLst>
+          </p:cNvPr>
           <p:cNvSpPr>
             <a:spLocks noGrp="1"/>
           </p:cNvSpPr>
@@ -6062,71 +6033,89 @@
           </p:nvPr>
         </p:nvSpPr>
         <p:spPr/>
+        <p:style>
+          <a:lnRef idx="2">
+            <a:schemeClr val="accent1"/>
+          </a:lnRef>
+          <a:fillRef idx="1">
+            <a:schemeClr val="lt1"/>
+          </a:fillRef>
+          <a:effectRef idx="0">
+            <a:schemeClr val="accent1"/>
+          </a:effectRef>
+          <a:fontRef idx="minor">
+            <a:schemeClr val="dk1"/>
+          </a:fontRef>
+        </p:style>
         <p:txBody>
           <a:bodyPr/>
           <a:lstStyle/>
           <a:p>
             <a:r>
+              <a:rPr lang="en-US" altLang="zh-CN" sz="2400" b="1" dirty="0"/>
+              <a:t>Compliance</a:t>
+            </a:r>
+            <a:r>
               <a:rPr lang="en-US" altLang="zh-CN" sz="2400" dirty="0"/>
-              <a:t>Standardization</a:t>
-            </a:r>
+              <a:t>:</a:t>
+            </a:r>
+            <a:r>
+              <a:rPr lang="zh-CN" altLang="en-US" sz="2400" dirty="0"/>
+              <a:t> </a:t>
+            </a:r>
+            <a:r>
+              <a:rPr lang="en-US" altLang="zh-CN" sz="2400" dirty="0"/>
+              <a:t>HIPAA and general client data guidelines</a:t>
+            </a:r>
+          </a:p>
+          <a:p>
+            <a:endParaRPr lang="en-US" altLang="zh-CN" sz="2400" dirty="0"/>
           </a:p>
           <a:p>
             <a:pPr lvl="1"/>
             <a:r>
               <a:rPr lang="en-US" sz="2000" dirty="0"/>
-              <a:t>Rather than building a new environment for every analysis, </a:t>
-            </a:r>
-            <a:r>
-              <a:rPr lang="en-US" altLang="zh-CN" sz="2000" dirty="0"/>
-              <a:t>you</a:t>
-            </a:r>
-            <a:r>
-              <a:rPr lang="zh-CN" altLang="en-US" sz="2000" dirty="0"/>
-              <a:t> </a:t>
-            </a:r>
+              <a:t>Ensure the confidentiality, integrity, and availability of all e-PHI they create, receive, maintain or transmit</a:t>
+            </a:r>
+          </a:p>
+          <a:p>
+            <a:pPr lvl="1"/>
+            <a:endParaRPr lang="en-US" sz="2000" dirty="0"/>
+          </a:p>
+          <a:p>
+            <a:pPr lvl="1"/>
             <a:r>
               <a:rPr lang="en-US" sz="2000" dirty="0"/>
-              <a:t>can put the tools and packages required for certain types of analyses (e.g., SAS, python, etc.) into a container, create an image of that container, and have every user boot up an isolated, standardized environment from that image</a:t>
-            </a:r>
-            <a:endParaRPr lang="en-US" altLang="zh-CN" sz="2000" dirty="0"/>
+              <a:t>Identify and protect against reasonably anticipated threats to the security or integrity of the information</a:t>
+            </a:r>
           </a:p>
           <a:p>
             <a:pPr lvl="1"/>
-            <a:endParaRPr lang="en-US" dirty="0"/>
-          </a:p>
-          <a:p>
-            <a:r>
-              <a:rPr lang="en-US" altLang="zh-CN" sz="2400" dirty="0"/>
-              <a:t>Reproducibility</a:t>
-            </a:r>
-            <a:r>
-              <a:rPr lang="zh-CN" altLang="en-US" dirty="0"/>
-              <a:t> </a:t>
-            </a:r>
-            <a:endParaRPr lang="en-US" altLang="zh-CN" dirty="0"/>
+            <a:endParaRPr lang="en-US" sz="2000" dirty="0"/>
           </a:p>
           <a:p>
             <a:pPr lvl="1"/>
             <a:r>
               <a:rPr lang="en-US" sz="2000" dirty="0"/>
-              <a:t>Docker provides an easy way to share working environments including libraries and drivers. This </a:t>
-            </a:r>
-            <a:r>
-              <a:rPr lang="en-US" altLang="zh-CN" sz="2000" dirty="0"/>
-              <a:t>allows</a:t>
-            </a:r>
-            <a:r>
-              <a:rPr lang="zh-CN" altLang="en-US" sz="2000" dirty="0"/>
-              <a:t> </a:t>
-            </a:r>
-            <a:r>
-              <a:rPr lang="en-US" sz="2000" dirty="0"/>
-              <a:t>reproducible data science workflows</a:t>
+              <a:t>Protect against reasonably anticipated, impermissible uses or disclosures; and</a:t>
+            </a:r>
+          </a:p>
+          <a:p>
+            <a:pPr lvl="2"/>
+            <a:r>
+              <a:rPr lang="en-US" sz="1800" dirty="0"/>
+              <a:t>Ensure compliance by their workforce</a:t>
             </a:r>
           </a:p>
           <a:p>
             <a:pPr lvl="1"/>
+            <a:endParaRPr lang="en-US" altLang="zh-CN" sz="2100" dirty="0"/>
+          </a:p>
+          <a:p>
+            <a:pPr lvl="1"/>
+            <a:endParaRPr lang="en-US" altLang="zh-Hans" sz="2100" dirty="0"/>
+          </a:p>
+          <a:p>
             <a:endParaRPr lang="en-US" dirty="0"/>
           </a:p>
         </p:txBody>
@@ -6134,7 +6123,7 @@
     </p:spTree>
     <p:extLst>
       <p:ext uri="{BB962C8B-B14F-4D97-AF65-F5344CB8AC3E}">
-        <p14:creationId xmlns:p14="http://schemas.microsoft.com/office/powerpoint/2010/main" val="1068932571"/>
+        <p14:creationId xmlns:p14="http://schemas.microsoft.com/office/powerpoint/2010/main" val="3267891765"/>
       </p:ext>
     </p:extLst>
   </p:cSld>
@@ -6195,7 +6184,7 @@
             <p:ph idx="12"/>
             <p:extLst>
               <p:ext uri="{D42A27DB-BD31-4B8C-83A1-F6EECF244321}">
-                <p14:modId xmlns:p14="http://schemas.microsoft.com/office/powerpoint/2010/main" val="2592682188"/>
+                <p14:modId xmlns:p14="http://schemas.microsoft.com/office/powerpoint/2010/main" val="771072330"/>
               </p:ext>
             </p:extLst>
           </p:nvPr>
@@ -6340,7 +6329,7 @@
                             <a:srgbClr val="991E1B"/>
                           </a:solidFill>
                         </a:rPr>
-                        <a:t>Mid-late February</a:t>
+                        <a:t>Immediately </a:t>
                       </a:r>
                       <a:endParaRPr lang="en-US" sz="1600" dirty="0">
                         <a:solidFill>
@@ -6442,7 +6431,7 @@
                             <a:srgbClr val="4C991D"/>
                           </a:solidFill>
                         </a:rPr>
-                        <a:t>32</a:t>
+                        <a:t>12</a:t>
                       </a:r>
                       <a:r>
                         <a:rPr lang="zh-CN" altLang="en-US" sz="1600" baseline="0" dirty="0">
@@ -6469,12 +6458,12 @@
                         <a:t> </a:t>
                       </a:r>
                       <a:r>
-                        <a:rPr lang="en-US" altLang="zh-CN" sz="1600" baseline="0" dirty="0" err="1">
+                        <a:rPr lang="en-US" altLang="zh-CN" sz="1600" baseline="0" dirty="0">
                           <a:solidFill>
                             <a:srgbClr val="4C991D"/>
                           </a:solidFill>
                         </a:rPr>
-                        <a:t>cpu</a:t>
+                        <a:t>cores</a:t>
                       </a:r>
                       <a:r>
                         <a:rPr lang="zh-CN" altLang="en-US" sz="1600" baseline="0" dirty="0">
@@ -6547,7 +6536,7 @@
                           <a:ea typeface="+mn-ea"/>
                           <a:cs typeface="+mn-cs"/>
                         </a:rPr>
-                        <a:t>32</a:t>
+                        <a:t>24</a:t>
                       </a:r>
                       <a:r>
                         <a:rPr lang="zh-CN" altLang="en-US" sz="1600" kern="1200" dirty="0">
@@ -6569,95 +6558,7 @@
                           <a:ea typeface="+mn-ea"/>
                           <a:cs typeface="+mn-cs"/>
                         </a:rPr>
-                        <a:t>virtual</a:t>
-                      </a:r>
-                      <a:r>
-                        <a:rPr lang="zh-CN" altLang="en-US" sz="1600" kern="1200" dirty="0">
-                          <a:solidFill>
-                            <a:srgbClr val="991E1B"/>
-                          </a:solidFill>
-                          <a:latin typeface="+mn-lt"/>
-                          <a:ea typeface="+mn-ea"/>
-                          <a:cs typeface="+mn-cs"/>
-                        </a:rPr>
-                        <a:t> </a:t>
-                      </a:r>
-                      <a:r>
-                        <a:rPr lang="en-US" altLang="zh-CN" sz="1600" kern="1200" dirty="0" err="1">
-                          <a:solidFill>
-                            <a:srgbClr val="991E1B"/>
-                          </a:solidFill>
-                          <a:latin typeface="+mn-lt"/>
-                          <a:ea typeface="+mn-ea"/>
-                          <a:cs typeface="+mn-cs"/>
-                        </a:rPr>
-                        <a:t>cpu</a:t>
-                      </a:r>
-                      <a:r>
-                        <a:rPr lang="zh-CN" altLang="en-US" sz="1600" kern="1200" dirty="0">
-                          <a:solidFill>
-                            <a:srgbClr val="991E1B"/>
-                          </a:solidFill>
-                          <a:latin typeface="+mn-lt"/>
-                          <a:ea typeface="+mn-ea"/>
-                          <a:cs typeface="+mn-cs"/>
-                        </a:rPr>
-                        <a:t> </a:t>
-                      </a:r>
-                      <a:r>
-                        <a:rPr lang="en-US" altLang="zh-CN" sz="1600" kern="1200" dirty="0">
-                          <a:solidFill>
-                            <a:srgbClr val="991E1B"/>
-                          </a:solidFill>
-                          <a:latin typeface="+mn-lt"/>
-                          <a:ea typeface="+mn-ea"/>
-                          <a:cs typeface="+mn-cs"/>
-                        </a:rPr>
-                        <a:t>per</a:t>
-                      </a:r>
-                      <a:r>
-                        <a:rPr lang="zh-CN" altLang="en-US" sz="1600" kern="1200" dirty="0">
-                          <a:solidFill>
-                            <a:srgbClr val="991E1B"/>
-                          </a:solidFill>
-                          <a:latin typeface="+mn-lt"/>
-                          <a:ea typeface="+mn-ea"/>
-                          <a:cs typeface="+mn-cs"/>
-                        </a:rPr>
-                        <a:t> </a:t>
-                      </a:r>
-                      <a:r>
-                        <a:rPr lang="en-US" altLang="zh-CN" sz="1600" kern="1200" dirty="0">
-                          <a:solidFill>
-                            <a:srgbClr val="991E1B"/>
-                          </a:solidFill>
-                          <a:latin typeface="+mn-lt"/>
-                          <a:ea typeface="+mn-ea"/>
-                          <a:cs typeface="+mn-cs"/>
-                        </a:rPr>
-                        <a:t>virtual</a:t>
-                      </a:r>
-                      <a:r>
-                        <a:rPr lang="zh-CN" altLang="en-US" sz="1600" kern="1200" dirty="0">
-                          <a:solidFill>
-                            <a:srgbClr val="991E1B"/>
-                          </a:solidFill>
-                          <a:latin typeface="+mn-lt"/>
-                          <a:ea typeface="+mn-ea"/>
-                          <a:cs typeface="+mn-cs"/>
-                        </a:rPr>
-                        <a:t> </a:t>
-                      </a:r>
-                      <a:r>
-                        <a:rPr lang="en-US" altLang="zh-CN" sz="1600" kern="1200" dirty="0">
-                          <a:solidFill>
-                            <a:srgbClr val="991E1B"/>
-                          </a:solidFill>
-                          <a:latin typeface="+mn-lt"/>
-                          <a:ea typeface="+mn-ea"/>
-                          <a:cs typeface="+mn-cs"/>
-                        </a:rPr>
-                        <a:t>machine</a:t>
+                        <a:t>physical cores</a:t>
                       </a:r>
                       <a:endParaRPr lang="en-US" sz="1600" kern="1200" dirty="0">
                         <a:solidFill>
@@ -6726,7 +6627,7 @@
                             <a:srgbClr val="991E1B"/>
                           </a:solidFill>
                         </a:rPr>
-                        <a:t>12TB</a:t>
+                        <a:t>5TB</a:t>
                       </a:r>
                       <a:endParaRPr lang="en-US" sz="1600" dirty="0">
                         <a:solidFill>
@@ -8013,15 +7914,7 @@
             <a:pPr lvl="1"/>
             <a:r>
               <a:rPr lang="en-US" altLang="zh-Hans" sz="2000" dirty="0"/>
-              <a:t>Python,</a:t>
-            </a:r>
-            <a:r>
-              <a:rPr lang="zh-Hans" altLang="en-US" sz="2000" dirty="0"/>
-              <a:t> </a:t>
-            </a:r>
-            <a:r>
-              <a:rPr lang="en-US" altLang="zh-Hans" sz="2000" dirty="0"/>
-              <a:t>R</a:t>
+              <a:t>Python/R</a:t>
             </a:r>
             <a:r>
               <a:rPr lang="zh-Hans" altLang="en-US" sz="2000" dirty="0"/>
@@ -8085,7 +7978,7 @@
           <p:cNvPr id="2" name="Title 1">
             <a:extLst>
               <a:ext uri="{FF2B5EF4-FFF2-40B4-BE49-F238E27FC236}">
-                <a16:creationId xmlns:a16="http://schemas.microsoft.com/office/drawing/2014/main" id="{0F27F4F5-CDA3-7F4D-86A9-17619289889F}"/>
+                <a16:creationId xmlns:a16="http://schemas.microsoft.com/office/drawing/2014/main" id="{68F0297D-D0D1-1A4B-B0C6-AD824CCDEF21}"/>
               </a:ext>
             </a:extLst>
           </p:cNvPr>
@@ -8102,35 +7995,151 @@
           <a:lstStyle/>
           <a:p>
             <a:r>
-              <a:rPr lang="en-US" altLang="zh-Hans" dirty="0"/>
-              <a:t>Data</a:t>
-            </a:r>
-            <a:r>
-              <a:rPr lang="zh-Hans" altLang="en-US" dirty="0"/>
-              <a:t> </a:t>
-            </a:r>
-            <a:r>
-              <a:rPr lang="en-US" altLang="zh-Hans" dirty="0"/>
-              <a:t>Science</a:t>
-            </a:r>
-            <a:r>
-              <a:rPr lang="zh-Hans" altLang="en-US" dirty="0"/>
-              <a:t> </a:t>
-            </a:r>
-            <a:r>
-              <a:rPr lang="en-US" altLang="zh-Hans" dirty="0"/>
-              <a:t>Workflow</a:t>
-            </a:r>
+              <a:rPr lang="en-US" dirty="0"/>
+              <a:t>Data Science Workflow</a:t>
+            </a:r>
+          </a:p>
+        </p:txBody>
+      </p:sp>
+      <p:sp>
+        <p:nvSpPr>
+          <p:cNvPr id="3" name="Content Placeholder 2">
+            <a:extLst>
+              <a:ext uri="{FF2B5EF4-FFF2-40B4-BE49-F238E27FC236}">
+                <a16:creationId xmlns:a16="http://schemas.microsoft.com/office/drawing/2014/main" id="{88D7654A-8477-CA4B-9F95-1D6123499157}"/>
+              </a:ext>
+            </a:extLst>
+          </p:cNvPr>
+          <p:cNvSpPr>
+            <a:spLocks noGrp="1"/>
+          </p:cNvSpPr>
+          <p:nvPr>
+            <p:ph idx="12"/>
+          </p:nvPr>
+        </p:nvSpPr>
+        <p:spPr/>
+        <p:txBody>
+          <a:bodyPr/>
+          <a:lstStyle/>
+          <a:p>
+            <a:pPr marL="514350" indent="-514350">
+              <a:buFont typeface="+mj-lt"/>
+              <a:buAutoNum type="arabicPeriod"/>
+            </a:pPr>
+            <a:r>
+              <a:rPr lang="en-US" sz="2400" dirty="0"/>
+              <a:t>Objective</a:t>
+            </a:r>
+          </a:p>
+          <a:p>
+            <a:pPr marL="514350" indent="-514350">
+              <a:buFont typeface="+mj-lt"/>
+              <a:buAutoNum type="arabicPeriod"/>
+            </a:pPr>
+            <a:r>
+              <a:rPr lang="en-US" sz="2400" dirty="0"/>
+              <a:t>Preparation</a:t>
+            </a:r>
+          </a:p>
+          <a:p>
+            <a:pPr marL="816917" lvl="1" indent="-514350">
+              <a:buFont typeface="+mj-lt"/>
+              <a:buAutoNum type="arabicPeriod"/>
+            </a:pPr>
+            <a:r>
+              <a:rPr lang="en-US" sz="2000" dirty="0"/>
+              <a:t>Import data</a:t>
+            </a:r>
+          </a:p>
+          <a:p>
+            <a:pPr marL="816917" lvl="1" indent="-514350">
+              <a:buFont typeface="+mj-lt"/>
+              <a:buAutoNum type="arabicPeriod"/>
+            </a:pPr>
+            <a:r>
+              <a:rPr lang="en-US" sz="2000" dirty="0"/>
+              <a:t>Data exploration and cleaning</a:t>
+            </a:r>
+          </a:p>
+          <a:p>
+            <a:pPr marL="514350" indent="-514350">
+              <a:buFont typeface="+mj-lt"/>
+              <a:buAutoNum type="arabicPeriod"/>
+            </a:pPr>
+            <a:r>
+              <a:rPr lang="en-US" sz="2400" dirty="0"/>
+              <a:t>Analysis and Reflection</a:t>
+            </a:r>
+          </a:p>
+          <a:p>
+            <a:pPr marL="816917" lvl="1" indent="-514350">
+              <a:buFont typeface="+mj-lt"/>
+              <a:buAutoNum type="arabicPeriod"/>
+            </a:pPr>
+            <a:r>
+              <a:rPr lang="en-US" sz="2000" dirty="0"/>
+              <a:t>Baseline model</a:t>
+            </a:r>
+          </a:p>
+          <a:p>
+            <a:pPr marL="816917" lvl="1" indent="-514350">
+              <a:buFont typeface="+mj-lt"/>
+              <a:buAutoNum type="arabicPeriod"/>
+            </a:pPr>
+            <a:r>
+              <a:rPr lang="en-US" sz="2000" dirty="0"/>
+              <a:t>Secondary model</a:t>
+            </a:r>
+          </a:p>
+          <a:p>
+            <a:pPr marL="514350" indent="-514350">
+              <a:buFont typeface="+mj-lt"/>
+              <a:buAutoNum type="arabicPeriod"/>
+            </a:pPr>
+            <a:r>
+              <a:rPr lang="en-US" sz="2400" dirty="0"/>
+              <a:t>Dissemination</a:t>
+            </a:r>
+          </a:p>
+          <a:p>
+            <a:pPr marL="816917" lvl="1" indent="-514350">
+              <a:buFont typeface="+mj-lt"/>
+              <a:buAutoNum type="arabicPeriod"/>
+            </a:pPr>
+            <a:r>
+              <a:rPr lang="en-US" sz="2100" dirty="0"/>
+              <a:t>Deployment/production</a:t>
+            </a:r>
+          </a:p>
+          <a:p>
+            <a:pPr marL="514350" indent="-514350">
+              <a:buFont typeface="+mj-lt"/>
+              <a:buAutoNum type="arabicPeriod"/>
+            </a:pPr>
+            <a:endParaRPr lang="en-US" dirty="0"/>
+          </a:p>
+          <a:p>
+            <a:pPr marL="514350" indent="-514350">
+              <a:buFont typeface="+mj-lt"/>
+              <a:buAutoNum type="arabicPeriod"/>
+            </a:pPr>
+            <a:endParaRPr lang="en-US" dirty="0"/>
+          </a:p>
+          <a:p>
+            <a:pPr marL="514350" indent="-514350">
+              <a:buFont typeface="+mj-lt"/>
+              <a:buAutoNum type="arabicPeriod"/>
+            </a:pPr>
             <a:endParaRPr lang="en-US" dirty="0"/>
           </a:p>
         </p:txBody>
       </p:sp>
       <p:pic>
         <p:nvPicPr>
-          <p:cNvPr id="9" name="Picture 8">
+          <p:cNvPr id="4" name="Picture 3">
             <a:extLst>
               <a:ext uri="{FF2B5EF4-FFF2-40B4-BE49-F238E27FC236}">
-                <a16:creationId xmlns:a16="http://schemas.microsoft.com/office/drawing/2014/main" id="{A607C183-D4A6-B54F-AF4A-2E4779C4CC85}"/>
+                <a16:creationId xmlns:a16="http://schemas.microsoft.com/office/drawing/2014/main" id="{123EEC11-163F-454E-90DC-E87C0A214DC0}"/>
               </a:ext>
             </a:extLst>
           </p:cNvPr>
@@ -8147,8 +8156,8 @@
         </p:blipFill>
         <p:spPr>
           <a:xfrm>
-            <a:off x="1651000" y="1194813"/>
-            <a:ext cx="8890000" cy="5359400"/>
+            <a:off x="5053511" y="1194813"/>
+            <a:ext cx="6528889" cy="3935987"/>
           </a:xfrm>
           <a:prstGeom prst="rect">
             <a:avLst/>
@@ -8158,7 +8167,7 @@
     </p:spTree>
     <p:extLst>
       <p:ext uri="{BB962C8B-B14F-4D97-AF65-F5344CB8AC3E}">
-        <p14:creationId xmlns:p14="http://schemas.microsoft.com/office/powerpoint/2010/main" val="1556738814"/>
+        <p14:creationId xmlns:p14="http://schemas.microsoft.com/office/powerpoint/2010/main" val="3338433142"/>
       </p:ext>
     </p:extLst>
   </p:cSld>
@@ -8391,12 +8400,8 @@
               <a:t> </a:t>
             </a:r>
             <a:r>
-              <a:rPr lang="en-US" altLang="zh-Hans" sz="2400" b="1" dirty="0"/>
-              <a:t>future-proof</a:t>
-            </a:r>
-            <a:r>
               <a:rPr lang="en-US" altLang="zh-Hans" sz="2400" dirty="0"/>
-              <a:t> team</a:t>
+              <a:t>team</a:t>
             </a:r>
             <a:r>
               <a:rPr lang="zh-Hans" altLang="en-US" sz="2400" dirty="0"/>
@@ -8553,7 +8558,7 @@
             </a:r>
             <a:r>
               <a:rPr lang="en-US" altLang="zh-Hans" dirty="0"/>
-              <a:t>building</a:t>
+              <a:t>Building</a:t>
             </a:r>
             <a:r>
               <a:rPr lang="zh-Hans" altLang="en-US" dirty="0"/>
@@ -8561,7 +8566,7 @@
             </a:r>
             <a:r>
               <a:rPr lang="en-US" altLang="zh-Hans" dirty="0"/>
-              <a:t>blocks</a:t>
+              <a:t>Blocks</a:t>
             </a:r>
             <a:endParaRPr lang="en-US" dirty="0"/>
           </a:p>
@@ -8583,8 +8588,12 @@
           <a:lstStyle/>
           <a:p>
             <a:r>
+              <a:rPr lang="en-US" altLang="zh-CN" sz="2400" b="1" dirty="0"/>
+              <a:t>Capacity</a:t>
+            </a:r>
+            <a:r>
               <a:rPr lang="en-US" altLang="zh-CN" sz="2400" dirty="0"/>
-              <a:t>Capacity: </a:t>
+              <a:t>: </a:t>
             </a:r>
             <a:r>
               <a:rPr lang="en-US" altLang="zh-Hans" sz="2400" dirty="0"/>
@@ -8675,13 +8684,21 @@
             <a:endParaRPr lang="en-US" altLang="zh-CN" sz="2300" dirty="0"/>
           </a:p>
           <a:p>
+            <a:r>
+              <a:rPr lang="en-US" altLang="zh-CN" sz="2400" b="1" dirty="0">
+                <a:solidFill>
+                  <a:schemeClr val="tx1"/>
+                </a:solidFill>
+              </a:rPr>
+              <a:t>Connectivity</a:t>
+            </a:r>
             <a:r>
               <a:rPr lang="en-US" altLang="zh-CN" sz="2400" dirty="0">
                 <a:solidFill>
                   <a:schemeClr val="tx1"/>
                 </a:solidFill>
               </a:rPr>
-              <a:t>Connectivity:</a:t>
+              <a:t>:</a:t>
             </a:r>
             <a:r>
               <a:rPr lang="zh-CN" altLang="en-US" sz="2400" dirty="0">
@@ -8733,8 +8750,12 @@
           </a:p>
           <a:p>
             <a:r>
+              <a:rPr lang="en-US" altLang="zh-Hans" sz="2400" b="1" dirty="0"/>
+              <a:t>Compatibility</a:t>
+            </a:r>
+            <a:r>
               <a:rPr lang="en-US" altLang="zh-Hans" sz="2400" dirty="0"/>
-              <a:t>Compatibility:</a:t>
+              <a:t>:</a:t>
             </a:r>
             <a:r>
               <a:rPr lang="zh-Hans" altLang="en-US" sz="2400" dirty="0"/>
@@ -8758,15 +8779,7 @@
             </a:r>
             <a:r>
               <a:rPr lang="en-US" altLang="zh-Hans" sz="2400" dirty="0"/>
-              <a:t>standardization,</a:t>
-            </a:r>
-            <a:r>
-              <a:rPr lang="zh-Hans" altLang="en-US" sz="2400" dirty="0"/>
-              <a:t> </a:t>
-            </a:r>
-            <a:r>
-              <a:rPr lang="en-US" altLang="zh-Hans" sz="2400" dirty="0"/>
-              <a:t>reproducibility</a:t>
+              <a:t>standardization</a:t>
             </a:r>
           </a:p>
           <a:p>
@@ -8774,8 +8787,12 @@
           </a:p>
           <a:p>
             <a:r>
+              <a:rPr lang="en-US" altLang="zh-CN" sz="2400" b="1" dirty="0"/>
+              <a:t>Compliance</a:t>
+            </a:r>
+            <a:r>
               <a:rPr lang="en-US" altLang="zh-CN" sz="2400" dirty="0"/>
-              <a:t>Compliance:</a:t>
+              <a:t>:</a:t>
             </a:r>
             <a:r>
               <a:rPr lang="zh-CN" altLang="en-US" sz="2400" dirty="0"/>
@@ -8890,8 +8907,12 @@
           <a:lstStyle/>
           <a:p>
             <a:r>
+              <a:rPr lang="en-US" altLang="zh-CN" sz="2400" b="1" dirty="0"/>
+              <a:t>Capacity</a:t>
+            </a:r>
+            <a:r>
               <a:rPr lang="en-US" altLang="zh-CN" sz="2400" dirty="0"/>
-              <a:t>Capacity: </a:t>
+              <a:t>: </a:t>
             </a:r>
             <a:r>
               <a:rPr lang="en-US" altLang="zh-Hans" sz="2400" dirty="0"/>
@@ -9008,7 +9029,7 @@
         </p:nvSpPr>
         <p:spPr>
           <a:xfrm>
-            <a:off x="3220133" y="2604847"/>
+            <a:off x="1365933" y="2604847"/>
             <a:ext cx="1943100" cy="1562100"/>
           </a:xfrm>
           <a:prstGeom prst="roundRect">
@@ -9069,7 +9090,7 @@
         </p:nvSpPr>
         <p:spPr>
           <a:xfrm>
-            <a:off x="3366183" y="4874775"/>
+            <a:off x="1511983" y="4874775"/>
             <a:ext cx="1651000" cy="1422817"/>
           </a:xfrm>
           <a:prstGeom prst="snip2SameRect">
@@ -9122,7 +9143,7 @@
         </p:nvSpPr>
         <p:spPr>
           <a:xfrm>
-            <a:off x="5709333" y="3191584"/>
+            <a:off x="3855133" y="3191584"/>
             <a:ext cx="2540000" cy="2425700"/>
           </a:xfrm>
           <a:prstGeom prst="ellipse">
@@ -9188,7 +9209,7 @@
         </p:nvCxnSpPr>
         <p:spPr>
           <a:xfrm>
-            <a:off x="4191683" y="4271083"/>
+            <a:off x="2337483" y="4271083"/>
             <a:ext cx="0" cy="548640"/>
           </a:xfrm>
           <a:prstGeom prst="straightConnector1">
@@ -9230,7 +9251,7 @@
         </p:nvCxnSpPr>
         <p:spPr>
           <a:xfrm>
-            <a:off x="5277533" y="3300810"/>
+            <a:off x="3423333" y="3300810"/>
             <a:ext cx="577850" cy="282362"/>
           </a:xfrm>
           <a:prstGeom prst="straightConnector1">
@@ -9272,7 +9293,7 @@
         </p:nvCxnSpPr>
         <p:spPr>
           <a:xfrm flipV="1">
-            <a:off x="5163233" y="5191417"/>
+            <a:off x="3309033" y="5191417"/>
             <a:ext cx="635000" cy="296748"/>
           </a:xfrm>
           <a:prstGeom prst="straightConnector1">
@@ -9298,6 +9319,36 @@
           </a:fontRef>
         </p:style>
       </p:cxnSp>
+      <p:pic>
+        <p:nvPicPr>
+          <p:cNvPr id="8" name="Picture 7">
+            <a:extLst>
+              <a:ext uri="{FF2B5EF4-FFF2-40B4-BE49-F238E27FC236}">
+                <a16:creationId xmlns:a16="http://schemas.microsoft.com/office/drawing/2014/main" id="{7659270B-9147-E148-A809-B5A515FD46EF}"/>
+              </a:ext>
+            </a:extLst>
+          </p:cNvPr>
+          <p:cNvPicPr>
+            <a:picLocks noChangeAspect="1"/>
+          </p:cNvPicPr>
+          <p:nvPr/>
+        </p:nvPicPr>
+        <p:blipFill>
+          <a:blip r:embed="rId2"/>
+          <a:stretch>
+            <a:fillRect/>
+          </a:stretch>
+        </p:blipFill>
+        <p:spPr>
+          <a:xfrm>
+            <a:off x="7469367" y="3119614"/>
+            <a:ext cx="4342598" cy="2094665"/>
+          </a:xfrm>
+          <a:prstGeom prst="rect">
+            <a:avLst/>
+          </a:prstGeom>
+        </p:spPr>
+      </p:pic>
     </p:spTree>
     <p:extLst>
       <p:ext uri="{BB962C8B-B14F-4D97-AF65-F5344CB8AC3E}">
@@ -9394,12 +9445,20 @@
           <a:lstStyle/>
           <a:p>
             <a:r>
+              <a:rPr lang="en-US" altLang="zh-CN" sz="2400" b="1" dirty="0">
+                <a:solidFill>
+                  <a:schemeClr val="tx1"/>
+                </a:solidFill>
+              </a:rPr>
+              <a:t>Connectivity</a:t>
+            </a:r>
+            <a:r>
               <a:rPr lang="en-US" altLang="zh-CN" sz="2400" dirty="0">
                 <a:solidFill>
                   <a:schemeClr val="tx1"/>
                 </a:solidFill>
               </a:rPr>
-              <a:t>Connectivity:</a:t>
+              <a:t>:</a:t>
             </a:r>
             <a:r>
               <a:rPr lang="zh-CN" altLang="en-US" sz="2400" dirty="0">
@@ -9460,7 +9519,7 @@
         </p:nvSpPr>
         <p:spPr>
           <a:xfrm>
-            <a:off x="4866039" y="2604847"/>
+            <a:off x="3989739" y="2604847"/>
             <a:ext cx="1943100" cy="1562100"/>
           </a:xfrm>
           <a:prstGeom prst="roundRect">
@@ -9521,7 +9580,7 @@
         </p:nvSpPr>
         <p:spPr>
           <a:xfrm>
-            <a:off x="5012089" y="4874775"/>
+            <a:off x="4135789" y="4874775"/>
             <a:ext cx="1651000" cy="1422817"/>
           </a:xfrm>
           <a:prstGeom prst="snip2SameRect">
@@ -9574,7 +9633,7 @@
         </p:nvSpPr>
         <p:spPr>
           <a:xfrm>
-            <a:off x="7355239" y="3191584"/>
+            <a:off x="6478939" y="3191584"/>
             <a:ext cx="2540000" cy="2425700"/>
           </a:xfrm>
           <a:prstGeom prst="ellipse">
@@ -9640,7 +9699,7 @@
         </p:nvCxnSpPr>
         <p:spPr>
           <a:xfrm>
-            <a:off x="5837589" y="4271083"/>
+            <a:off x="4961289" y="4271083"/>
             <a:ext cx="0" cy="548640"/>
           </a:xfrm>
           <a:prstGeom prst="straightConnector1">
@@ -9682,7 +9741,7 @@
         </p:nvCxnSpPr>
         <p:spPr>
           <a:xfrm>
-            <a:off x="6923439" y="3300810"/>
+            <a:off x="6047139" y="3300810"/>
             <a:ext cx="577850" cy="282362"/>
           </a:xfrm>
           <a:prstGeom prst="straightConnector1">
@@ -9724,7 +9783,7 @@
         </p:nvCxnSpPr>
         <p:spPr>
           <a:xfrm flipV="1">
-            <a:off x="6809139" y="5191417"/>
+            <a:off x="5932839" y="5191417"/>
             <a:ext cx="635000" cy="296748"/>
           </a:xfrm>
           <a:prstGeom prst="straightConnector1">
@@ -9764,7 +9823,7 @@
         </p:nvSpPr>
         <p:spPr>
           <a:xfrm>
-            <a:off x="1771117" y="2604846"/>
+            <a:off x="894817" y="2604846"/>
             <a:ext cx="2210704" cy="1597297"/>
           </a:xfrm>
           <a:prstGeom prst="triangle">
@@ -9818,7 +9877,7 @@
         </p:nvSpPr>
         <p:spPr>
           <a:xfrm>
-            <a:off x="1761810" y="4604389"/>
+            <a:off x="885510" y="4604389"/>
             <a:ext cx="2211303" cy="1600200"/>
           </a:xfrm>
           <a:prstGeom prst="triangle">
@@ -9881,7 +9940,7 @@
         </p:nvCxnSpPr>
         <p:spPr>
           <a:xfrm>
-            <a:off x="4099010" y="4287861"/>
+            <a:off x="3222710" y="4287861"/>
             <a:ext cx="928336" cy="633056"/>
           </a:xfrm>
           <a:prstGeom prst="straightConnector1">
@@ -9922,7 +9981,7 @@
         </p:nvCxnSpPr>
         <p:spPr>
           <a:xfrm flipV="1">
-            <a:off x="3928881" y="5617284"/>
+            <a:off x="3052581" y="5617284"/>
             <a:ext cx="966618" cy="267834"/>
           </a:xfrm>
           <a:prstGeom prst="straightConnector1">
@@ -10043,8 +10102,12 @@
           <a:lstStyle/>
           <a:p>
             <a:r>
+              <a:rPr lang="en-US" altLang="zh-Hans" sz="2400" b="1" dirty="0"/>
+              <a:t>Compatibility</a:t>
+            </a:r>
+            <a:r>
               <a:rPr lang="en-US" altLang="zh-Hans" sz="2400" dirty="0"/>
-              <a:t>Compatibility:</a:t>
+              <a:t>:</a:t>
             </a:r>
             <a:r>
               <a:rPr lang="zh-Hans" altLang="en-US" sz="2400" dirty="0"/>
@@ -10068,26 +10131,26 @@
             </a:r>
             <a:r>
               <a:rPr lang="en-US" altLang="zh-Hans" sz="2400" dirty="0"/>
-              <a:t>standardization,</a:t>
-            </a:r>
-            <a:r>
-              <a:rPr lang="zh-Hans" altLang="en-US" sz="2400" dirty="0"/>
-              <a:t> </a:t>
-            </a:r>
-            <a:r>
-              <a:rPr lang="en-US" altLang="zh-Hans" sz="2400" dirty="0"/>
-              <a:t>reproducibility</a:t>
+              <a:t>standardization</a:t>
             </a:r>
           </a:p>
           <a:p>
             <a:pPr lvl="1"/>
+            <a:r>
+              <a:rPr lang="en-US" altLang="zh-Hans" sz="2100" dirty="0"/>
+              <a:t>Version control: </a:t>
+            </a:r>
             <a:r>
               <a:rPr lang="en-US" altLang="zh-Hans" sz="2100" dirty="0" err="1"/>
               <a:t>Git</a:t>
             </a:r>
+            <a:endParaRPr lang="en-US" altLang="zh-Hans" sz="2100" dirty="0"/>
+          </a:p>
+          <a:p>
+            <a:pPr lvl="1"/>
             <a:r>
               <a:rPr lang="en-US" altLang="zh-Hans" sz="2100" dirty="0"/>
-              <a:t> and Docker</a:t>
+              <a:t>Standardization: Docker</a:t>
             </a:r>
           </a:p>
           <a:p>
@@ -10095,6 +10158,36 @@
           </a:p>
         </p:txBody>
       </p:sp>
+      <p:pic>
+        <p:nvPicPr>
+          <p:cNvPr id="5" name="Picture 4">
+            <a:extLst>
+              <a:ext uri="{FF2B5EF4-FFF2-40B4-BE49-F238E27FC236}">
+                <a16:creationId xmlns:a16="http://schemas.microsoft.com/office/drawing/2014/main" id="{90FAD830-C0E0-9A46-A35F-BC34B897F217}"/>
+              </a:ext>
+            </a:extLst>
+          </p:cNvPr>
+          <p:cNvPicPr>
+            <a:picLocks noChangeAspect="1"/>
+          </p:cNvPicPr>
+          <p:nvPr/>
+        </p:nvPicPr>
+        <p:blipFill>
+          <a:blip r:embed="rId2"/>
+          <a:stretch>
+            <a:fillRect/>
+          </a:stretch>
+        </p:blipFill>
+        <p:spPr>
+          <a:xfrm>
+            <a:off x="3873499" y="2931843"/>
+            <a:ext cx="4443782" cy="3644900"/>
+          </a:xfrm>
+          <a:prstGeom prst="rect">
+            <a:avLst/>
+          </a:prstGeom>
+        </p:spPr>
+      </p:pic>
     </p:spTree>
     <p:extLst>
       <p:ext uri="{BB962C8B-B14F-4D97-AF65-F5344CB8AC3E}">
